--- a/Vorträge/VortragFlorianSchierzBloomfilter.pptx
+++ b/Vorträge/VortragFlorianSchierzBloomfilter.pptx
@@ -294,7 +294,7 @@
           <a:p>
             <a:fld id="{6DB929B3-EDC4-4292-BA5A-2119A16C91BC}" type="datetimeFigureOut">
               <a:rPr lang="de-DE" smtClean="0"/>
-              <a:t>12.05.2022</a:t>
+              <a:t>15.05.2022</a:t>
             </a:fld>
             <a:endParaRPr lang="de-DE"/>
           </a:p>
@@ -5144,8 +5144,8 @@
           </a:p>
         </p:txBody>
       </p:sp>
-      <mc:AlternateContent xmlns:mc="http://schemas.openxmlformats.org/markup-compatibility/2006">
-        <mc:Choice xmlns:a14="http://schemas.microsoft.com/office/drawing/2010/main" Requires="a14">
+      <mc:AlternateContent xmlns:mc="http://schemas.openxmlformats.org/markup-compatibility/2006" xmlns:a14="http://schemas.microsoft.com/office/drawing/2010/main">
+        <mc:Choice Requires="a14">
           <p:sp>
             <p:nvSpPr>
               <p:cNvPr id="11" name="Textfeld 10">
@@ -5184,6 +5184,7 @@
                 </a:r>
               </a:p>
               <a:p>
+                <a:pPr/>
                 <a14:m>
                   <m:oMathPara xmlns:m="http://schemas.openxmlformats.org/officeDocument/2006/math">
                     <m:oMathParaPr>
@@ -5292,6 +5293,7 @@
                 </a:r>
               </a:p>
               <a:p>
+                <a:pPr/>
                 <a14:m>
                   <m:oMathPara xmlns:m="http://schemas.openxmlformats.org/officeDocument/2006/math">
                     <m:oMathParaPr>
@@ -5608,7 +5610,7 @@
             </p:txBody>
           </p:sp>
         </mc:Choice>
-        <mc:Fallback>
+        <mc:Fallback xmlns="">
           <p:sp>
             <p:nvSpPr>
               <p:cNvPr id="11" name="Textfeld 10">
@@ -5947,8 +5949,8 @@
           </a:p>
         </p:txBody>
       </p:sp>
-      <mc:AlternateContent xmlns:mc="http://schemas.openxmlformats.org/markup-compatibility/2006">
-        <mc:Choice xmlns:a14="http://schemas.microsoft.com/office/drawing/2010/main" Requires="a14">
+      <mc:AlternateContent xmlns:mc="http://schemas.openxmlformats.org/markup-compatibility/2006" xmlns:a14="http://schemas.microsoft.com/office/drawing/2010/main">
+        <mc:Choice Requires="a14">
           <p:sp>
             <p:nvSpPr>
               <p:cNvPr id="11" name="Textfeld 10">
@@ -6303,7 +6305,7 @@
             </p:txBody>
           </p:sp>
         </mc:Choice>
-        <mc:Fallback>
+        <mc:Fallback xmlns="">
           <p:sp>
             <p:nvSpPr>
               <p:cNvPr id="11" name="Textfeld 10">
@@ -6725,10 +6727,10 @@
       </p:sp>
       <p:pic>
         <p:nvPicPr>
-          <p:cNvPr id="5" name="Grafik 4">
+          <p:cNvPr id="9" name="Grafik 8">
             <a:extLst>
               <a:ext uri="{FF2B5EF4-FFF2-40B4-BE49-F238E27FC236}">
-                <a16:creationId xmlns:a16="http://schemas.microsoft.com/office/drawing/2014/main" id="{F4226E50-74EA-AB84-262E-28462E65E15B}"/>
+                <a16:creationId xmlns:a16="http://schemas.microsoft.com/office/drawing/2014/main" id="{CDFCF468-864E-36CC-5BE5-7B698465124E}"/>
               </a:ext>
             </a:extLst>
           </p:cNvPr>
@@ -6737,22 +6739,24 @@
           </p:cNvPicPr>
           <p:nvPr/>
         </p:nvPicPr>
-        <p:blipFill>
+        <p:blipFill rotWithShape="1">
           <a:blip r:embed="rId2">
             <a:extLst>
               <a:ext uri="{28A0092B-C50C-407E-A947-70E740481C1C}">
                 <a14:useLocalDpi xmlns:a14="http://schemas.microsoft.com/office/drawing/2010/main" val="0"/>
               </a:ext>
+              <a:ext uri="{96DAC541-7B7A-43D3-8B79-37D633B846F1}">
+                <asvg:svgBlip xmlns:asvg="http://schemas.microsoft.com/office/drawing/2016/SVG/main" r:embed="rId3"/>
+              </a:ext>
             </a:extLst>
           </a:blip>
-          <a:stretch>
-            <a:fillRect/>
-          </a:stretch>
+          <a:srcRect r="48020" b="68200"/>
+          <a:stretch/>
         </p:blipFill>
         <p:spPr>
           <a:xfrm>
-            <a:off x="4861156" y="676010"/>
-            <a:ext cx="3448531" cy="3791479"/>
+            <a:off x="4572000" y="629460"/>
+            <a:ext cx="4824536" cy="4174538"/>
           </a:xfrm>
           <a:prstGeom prst="rect">
             <a:avLst/>
@@ -7075,10 +7079,10 @@
       </p:sp>
       <p:pic>
         <p:nvPicPr>
-          <p:cNvPr id="9" name="Grafik 8">
+          <p:cNvPr id="5" name="Grafik 4">
             <a:extLst>
               <a:ext uri="{FF2B5EF4-FFF2-40B4-BE49-F238E27FC236}">
-                <a16:creationId xmlns:a16="http://schemas.microsoft.com/office/drawing/2014/main" id="{A19A5CE9-8EC0-9C15-5A01-3850E174275C}"/>
+                <a16:creationId xmlns:a16="http://schemas.microsoft.com/office/drawing/2014/main" id="{A3C3CBBE-E493-5801-EDE4-58B188005AEF}"/>
               </a:ext>
             </a:extLst>
           </p:cNvPr>
@@ -7087,22 +7091,24 @@
           </p:cNvPicPr>
           <p:nvPr/>
         </p:nvPicPr>
-        <p:blipFill>
+        <p:blipFill rotWithShape="1">
           <a:blip r:embed="rId2">
             <a:extLst>
               <a:ext uri="{28A0092B-C50C-407E-A947-70E740481C1C}">
                 <a14:useLocalDpi xmlns:a14="http://schemas.microsoft.com/office/drawing/2010/main" val="0"/>
               </a:ext>
+              <a:ext uri="{96DAC541-7B7A-43D3-8B79-37D633B846F1}">
+                <asvg:svgBlip xmlns:asvg="http://schemas.microsoft.com/office/drawing/2016/SVG/main" r:embed="rId3"/>
+              </a:ext>
             </a:extLst>
           </a:blip>
-          <a:stretch>
-            <a:fillRect/>
-          </a:stretch>
+          <a:srcRect b="66800"/>
+          <a:stretch/>
         </p:blipFill>
         <p:spPr>
           <a:xfrm>
-            <a:off x="5004048" y="495000"/>
-            <a:ext cx="3448531" cy="3791479"/>
+            <a:off x="2627784" y="458579"/>
+            <a:ext cx="8089021" cy="3798362"/>
           </a:xfrm>
           <a:prstGeom prst="rect">
             <a:avLst/>
@@ -7237,8 +7243,8 @@
           </a:p>
         </p:txBody>
       </p:sp>
-      <mc:AlternateContent xmlns:mc="http://schemas.openxmlformats.org/markup-compatibility/2006">
-        <mc:Choice xmlns:a14="http://schemas.microsoft.com/office/drawing/2010/main" Requires="a14">
+      <mc:AlternateContent xmlns:mc="http://schemas.openxmlformats.org/markup-compatibility/2006" xmlns:a14="http://schemas.microsoft.com/office/drawing/2010/main">
+        <mc:Choice Requires="a14">
           <p:sp>
             <p:nvSpPr>
               <p:cNvPr id="8" name="Textfeld 7">
@@ -7468,7 +7474,7 @@
             </p:txBody>
           </p:sp>
         </mc:Choice>
-        <mc:Fallback>
+        <mc:Fallback xmlns="">
           <p:sp>
             <p:nvSpPr>
               <p:cNvPr id="8" name="Textfeld 7">
@@ -7515,10 +7521,10 @@
       </mc:AlternateContent>
       <p:pic>
         <p:nvPicPr>
-          <p:cNvPr id="5" name="Grafik 4">
+          <p:cNvPr id="9" name="Grafik 8">
             <a:extLst>
               <a:ext uri="{FF2B5EF4-FFF2-40B4-BE49-F238E27FC236}">
-                <a16:creationId xmlns:a16="http://schemas.microsoft.com/office/drawing/2014/main" id="{0EAEE904-19DF-3D77-0349-D7082D7CCBAF}"/>
+                <a16:creationId xmlns:a16="http://schemas.microsoft.com/office/drawing/2014/main" id="{045DDFF4-437E-05A0-0DEB-64A455B72FC6}"/>
               </a:ext>
             </a:extLst>
           </p:cNvPr>
@@ -7527,22 +7533,24 @@
           </p:cNvPicPr>
           <p:nvPr/>
         </p:nvPicPr>
-        <p:blipFill>
+        <p:blipFill rotWithShape="1">
           <a:blip r:embed="rId3">
             <a:extLst>
               <a:ext uri="{28A0092B-C50C-407E-A947-70E740481C1C}">
                 <a14:useLocalDpi xmlns:a14="http://schemas.microsoft.com/office/drawing/2010/main" val="0"/>
               </a:ext>
+              <a:ext uri="{96DAC541-7B7A-43D3-8B79-37D633B846F1}">
+                <asvg:svgBlip xmlns:asvg="http://schemas.microsoft.com/office/drawing/2016/SVG/main" r:embed="rId4"/>
+              </a:ext>
             </a:extLst>
           </a:blip>
-          <a:stretch>
-            <a:fillRect/>
-          </a:stretch>
+          <a:srcRect l="18319" r="16338" b="66800"/>
+          <a:stretch/>
         </p:blipFill>
         <p:spPr>
           <a:xfrm>
-            <a:off x="5083909" y="549339"/>
-            <a:ext cx="3448531" cy="3791479"/>
+            <a:off x="3851920" y="511938"/>
+            <a:ext cx="5471552" cy="3932020"/>
           </a:xfrm>
           <a:prstGeom prst="rect">
             <a:avLst/>
@@ -7894,10 +7902,10 @@
       </p:sp>
       <p:pic>
         <p:nvPicPr>
-          <p:cNvPr id="9" name="Grafik 8">
+          <p:cNvPr id="5" name="Grafik 4">
             <a:extLst>
               <a:ext uri="{FF2B5EF4-FFF2-40B4-BE49-F238E27FC236}">
-                <a16:creationId xmlns:a16="http://schemas.microsoft.com/office/drawing/2014/main" id="{3596AB70-1E72-078E-F9A8-D5480715607A}"/>
+                <a16:creationId xmlns:a16="http://schemas.microsoft.com/office/drawing/2014/main" id="{1537EFDE-8C63-B2C2-1F5B-084C2E2E46E2}"/>
               </a:ext>
             </a:extLst>
           </p:cNvPr>
@@ -7906,22 +7914,24 @@
           </p:cNvPicPr>
           <p:nvPr/>
         </p:nvPicPr>
-        <p:blipFill>
+        <p:blipFill rotWithShape="1">
           <a:blip r:embed="rId2">
             <a:extLst>
               <a:ext uri="{28A0092B-C50C-407E-A947-70E740481C1C}">
                 <a14:useLocalDpi xmlns:a14="http://schemas.microsoft.com/office/drawing/2010/main" val="0"/>
               </a:ext>
+              <a:ext uri="{96DAC541-7B7A-43D3-8B79-37D633B846F1}">
+                <asvg:svgBlip xmlns:asvg="http://schemas.microsoft.com/office/drawing/2016/SVG/main" r:embed="rId3"/>
+              </a:ext>
             </a:extLst>
           </a:blip>
-          <a:stretch>
-            <a:fillRect/>
-          </a:stretch>
+          <a:srcRect l="18319" r="16338" b="62600"/>
+          <a:stretch/>
         </p:blipFill>
         <p:spPr>
           <a:xfrm>
-            <a:off x="5160473" y="495000"/>
-            <a:ext cx="3448531" cy="3791479"/>
+            <a:off x="4355976" y="495000"/>
+            <a:ext cx="5165347" cy="4181549"/>
           </a:xfrm>
           <a:prstGeom prst="rect">
             <a:avLst/>
@@ -11893,10 +11903,10 @@
       </p:sp>
       <p:pic>
         <p:nvPicPr>
-          <p:cNvPr id="8" name="Grafik 7" descr="Ein Bild, das Text, Whiteboard enthält.&#10;&#10;Automatisch generierte Beschreibung">
+          <p:cNvPr id="5" name="Grafik 4">
             <a:extLst>
               <a:ext uri="{FF2B5EF4-FFF2-40B4-BE49-F238E27FC236}">
-                <a16:creationId xmlns:a16="http://schemas.microsoft.com/office/drawing/2014/main" id="{8970ACEA-BE02-7884-1AC7-A73E41B979AE}"/>
+                <a16:creationId xmlns:a16="http://schemas.microsoft.com/office/drawing/2014/main" id="{2163E097-26A2-EFD4-4F56-AD2EF0308101}"/>
               </a:ext>
             </a:extLst>
           </p:cNvPr>
@@ -11905,22 +11915,24 @@
           </p:cNvPicPr>
           <p:nvPr/>
         </p:nvPicPr>
-        <p:blipFill>
+        <p:blipFill rotWithShape="1">
           <a:blip r:embed="rId2">
             <a:extLst>
               <a:ext uri="{28A0092B-C50C-407E-A947-70E740481C1C}">
                 <a14:useLocalDpi xmlns:a14="http://schemas.microsoft.com/office/drawing/2010/main" val="0"/>
               </a:ext>
+              <a:ext uri="{96DAC541-7B7A-43D3-8B79-37D633B846F1}">
+                <asvg:svgBlip xmlns:asvg="http://schemas.microsoft.com/office/drawing/2016/SVG/main" r:embed="rId3"/>
+              </a:ext>
             </a:extLst>
           </a:blip>
-          <a:stretch>
-            <a:fillRect/>
-          </a:stretch>
+          <a:srcRect b="66800"/>
+          <a:stretch/>
         </p:blipFill>
         <p:spPr>
           <a:xfrm>
-            <a:off x="1475656" y="2755360"/>
-            <a:ext cx="5328592" cy="2064829"/>
+            <a:off x="2303748" y="2490838"/>
+            <a:ext cx="4608512" cy="2164019"/>
           </a:xfrm>
           <a:prstGeom prst="rect">
             <a:avLst/>
@@ -12235,10 +12247,10 @@
       </p:sp>
       <p:pic>
         <p:nvPicPr>
-          <p:cNvPr id="5" name="Grafik 4">
+          <p:cNvPr id="9" name="Grafik 8">
             <a:extLst>
               <a:ext uri="{FF2B5EF4-FFF2-40B4-BE49-F238E27FC236}">
-                <a16:creationId xmlns:a16="http://schemas.microsoft.com/office/drawing/2014/main" id="{38C9B57D-35E4-4281-C65D-7F681238E065}"/>
+                <a16:creationId xmlns:a16="http://schemas.microsoft.com/office/drawing/2014/main" id="{770E8199-D9EB-DDFE-B306-18878E8EC9A6}"/>
               </a:ext>
             </a:extLst>
           </p:cNvPr>
@@ -12247,22 +12259,24 @@
           </p:cNvPicPr>
           <p:nvPr/>
         </p:nvPicPr>
-        <p:blipFill>
+        <p:blipFill rotWithShape="1">
           <a:blip r:embed="rId2">
             <a:extLst>
               <a:ext uri="{28A0092B-C50C-407E-A947-70E740481C1C}">
                 <a14:useLocalDpi xmlns:a14="http://schemas.microsoft.com/office/drawing/2010/main" val="0"/>
               </a:ext>
+              <a:ext uri="{96DAC541-7B7A-43D3-8B79-37D633B846F1}">
+                <asvg:svgBlip xmlns:asvg="http://schemas.microsoft.com/office/drawing/2016/SVG/main" r:embed="rId3"/>
+              </a:ext>
             </a:extLst>
           </a:blip>
-          <a:stretch>
-            <a:fillRect/>
-          </a:stretch>
+          <a:srcRect l="6438" b="44350"/>
+          <a:stretch/>
         </p:blipFill>
         <p:spPr>
           <a:xfrm>
-            <a:off x="4860032" y="1909519"/>
-            <a:ext cx="3295552" cy="2519266"/>
+            <a:off x="4716015" y="1404062"/>
+            <a:ext cx="4051804" cy="3408551"/>
           </a:xfrm>
           <a:prstGeom prst="rect">
             <a:avLst/>
@@ -12495,42 +12509,6 @@
           </a:p>
         </p:txBody>
       </p:sp>
-      <p:pic>
-        <p:nvPicPr>
-          <p:cNvPr id="9" name="Grafik 8">
-            <a:extLst>
-              <a:ext uri="{FF2B5EF4-FFF2-40B4-BE49-F238E27FC236}">
-                <a16:creationId xmlns:a16="http://schemas.microsoft.com/office/drawing/2014/main" id="{1AFB56DE-1A7C-A99D-7640-42285F30420C}"/>
-              </a:ext>
-            </a:extLst>
-          </p:cNvPr>
-          <p:cNvPicPr>
-            <a:picLocks noChangeAspect="1"/>
-          </p:cNvPicPr>
-          <p:nvPr/>
-        </p:nvPicPr>
-        <p:blipFill>
-          <a:blip r:embed="rId2" cstate="print">
-            <a:extLst>
-              <a:ext uri="{28A0092B-C50C-407E-A947-70E740481C1C}">
-                <a14:useLocalDpi xmlns:a14="http://schemas.microsoft.com/office/drawing/2010/main" val="0"/>
-              </a:ext>
-            </a:extLst>
-          </a:blip>
-          <a:stretch>
-            <a:fillRect/>
-          </a:stretch>
-        </p:blipFill>
-        <p:spPr>
-          <a:xfrm>
-            <a:off x="467544" y="2571750"/>
-            <a:ext cx="4494693" cy="1741694"/>
-          </a:xfrm>
-          <a:prstGeom prst="rect">
-            <a:avLst/>
-          </a:prstGeom>
-        </p:spPr>
-      </p:pic>
       <p:sp>
         <p:nvSpPr>
           <p:cNvPr id="10" name="Textfeld 9">
@@ -12655,10 +12633,10 @@
       </p:sp>
       <p:pic>
         <p:nvPicPr>
-          <p:cNvPr id="12" name="Grafik 11">
+          <p:cNvPr id="5" name="Grafik 4">
             <a:extLst>
               <a:ext uri="{FF2B5EF4-FFF2-40B4-BE49-F238E27FC236}">
-                <a16:creationId xmlns:a16="http://schemas.microsoft.com/office/drawing/2014/main" id="{CFBA0D7A-630C-D58E-2DA8-D39C4C298BC9}"/>
+                <a16:creationId xmlns:a16="http://schemas.microsoft.com/office/drawing/2014/main" id="{35CEEA72-57FF-750D-A4BB-2818B2517313}"/>
               </a:ext>
             </a:extLst>
           </p:cNvPr>
@@ -12668,20 +12646,61 @@
           <p:nvPr/>
         </p:nvPicPr>
         <p:blipFill rotWithShape="1">
-          <a:blip r:embed="rId3">
+          <a:blip r:embed="rId2">
             <a:extLst>
               <a:ext uri="{28A0092B-C50C-407E-A947-70E740481C1C}">
                 <a14:useLocalDpi xmlns:a14="http://schemas.microsoft.com/office/drawing/2010/main" val="0"/>
               </a:ext>
+              <a:ext uri="{96DAC541-7B7A-43D3-8B79-37D633B846F1}">
+                <asvg:svgBlip xmlns:asvg="http://schemas.microsoft.com/office/drawing/2016/SVG/main" r:embed="rId3"/>
+              </a:ext>
             </a:extLst>
           </a:blip>
-          <a:srcRect r="46850"/>
+          <a:srcRect b="73800"/>
           <a:stretch/>
         </p:blipFill>
         <p:spPr>
           <a:xfrm>
-            <a:off x="4932040" y="2355378"/>
-            <a:ext cx="2825084" cy="2059682"/>
+            <a:off x="267638" y="2489330"/>
+            <a:ext cx="4380926" cy="1623424"/>
+          </a:xfrm>
+          <a:prstGeom prst="rect">
+            <a:avLst/>
+          </a:prstGeom>
+        </p:spPr>
+      </p:pic>
+      <p:pic>
+        <p:nvPicPr>
+          <p:cNvPr id="13" name="Grafik 12">
+            <a:extLst>
+              <a:ext uri="{FF2B5EF4-FFF2-40B4-BE49-F238E27FC236}">
+                <a16:creationId xmlns:a16="http://schemas.microsoft.com/office/drawing/2014/main" id="{9349BD94-F644-5E57-63B7-E4A61990DF9B}"/>
+              </a:ext>
+            </a:extLst>
+          </p:cNvPr>
+          <p:cNvPicPr>
+            <a:picLocks noChangeAspect="1"/>
+          </p:cNvPicPr>
+          <p:nvPr/>
+        </p:nvPicPr>
+        <p:blipFill rotWithShape="1">
+          <a:blip r:embed="rId4">
+            <a:extLst>
+              <a:ext uri="{28A0092B-C50C-407E-A947-70E740481C1C}">
+                <a14:useLocalDpi xmlns:a14="http://schemas.microsoft.com/office/drawing/2010/main" val="0"/>
+              </a:ext>
+              <a:ext uri="{96DAC541-7B7A-43D3-8B79-37D633B846F1}">
+                <asvg:svgBlip xmlns:asvg="http://schemas.microsoft.com/office/drawing/2016/SVG/main" r:embed="rId5"/>
+              </a:ext>
+            </a:extLst>
+          </a:blip>
+          <a:srcRect b="62600"/>
+          <a:stretch/>
+        </p:blipFill>
+        <p:spPr>
+          <a:xfrm>
+            <a:off x="4403590" y="2393357"/>
+            <a:ext cx="4128850" cy="2184047"/>
           </a:xfrm>
           <a:prstGeom prst="rect">
             <a:avLst/>
@@ -12813,8 +12832,8 @@
           </a:p>
         </p:txBody>
       </p:sp>
-      <mc:AlternateContent xmlns:mc="http://schemas.openxmlformats.org/markup-compatibility/2006">
-        <mc:Choice xmlns:a14="http://schemas.microsoft.com/office/drawing/2010/main" Requires="a14">
+      <mc:AlternateContent xmlns:mc="http://schemas.openxmlformats.org/markup-compatibility/2006" xmlns:a14="http://schemas.microsoft.com/office/drawing/2010/main">
+        <mc:Choice Requires="a14">
           <p:sp>
             <p:nvSpPr>
               <p:cNvPr id="8" name="Textfeld 7">
@@ -13131,7 +13150,7 @@
             </p:txBody>
           </p:sp>
         </mc:Choice>
-        <mc:Fallback>
+        <mc:Fallback xmlns="">
           <p:sp>
             <p:nvSpPr>
               <p:cNvPr id="8" name="Textfeld 7">
@@ -13339,8 +13358,8 @@
           </a:p>
         </p:txBody>
       </p:sp>
-      <mc:AlternateContent xmlns:mc="http://schemas.openxmlformats.org/markup-compatibility/2006">
-        <mc:Choice xmlns:a14="http://schemas.microsoft.com/office/drawing/2010/main" Requires="a14">
+      <mc:AlternateContent xmlns:mc="http://schemas.openxmlformats.org/markup-compatibility/2006" xmlns:a14="http://schemas.microsoft.com/office/drawing/2010/main">
+        <mc:Choice Requires="a14">
           <p:sp>
             <p:nvSpPr>
               <p:cNvPr id="8" name="Textfeld 7">
@@ -13723,7 +13742,7 @@
             </p:txBody>
           </p:sp>
         </mc:Choice>
-        <mc:Fallback>
+        <mc:Fallback xmlns="">
           <p:sp>
             <p:nvSpPr>
               <p:cNvPr id="8" name="Textfeld 7">
@@ -14103,10 +14122,10 @@
       </p:sp>
       <p:pic>
         <p:nvPicPr>
-          <p:cNvPr id="10" name="Grafik 9">
+          <p:cNvPr id="5" name="Grafik 4">
             <a:extLst>
               <a:ext uri="{FF2B5EF4-FFF2-40B4-BE49-F238E27FC236}">
-                <a16:creationId xmlns:a16="http://schemas.microsoft.com/office/drawing/2014/main" id="{A6FACE89-2CD3-E7F6-DD43-D99F2DE7826A}"/>
+                <a16:creationId xmlns:a16="http://schemas.microsoft.com/office/drawing/2014/main" id="{5F5E1ED9-596F-4228-4B29-EC7B4B603A1B}"/>
               </a:ext>
             </a:extLst>
           </p:cNvPr>
@@ -14115,22 +14134,24 @@
           </p:cNvPicPr>
           <p:nvPr/>
         </p:nvPicPr>
-        <p:blipFill>
+        <p:blipFill rotWithShape="1">
           <a:blip r:embed="rId2">
             <a:extLst>
               <a:ext uri="{28A0092B-C50C-407E-A947-70E740481C1C}">
                 <a14:useLocalDpi xmlns:a14="http://schemas.microsoft.com/office/drawing/2010/main" val="0"/>
               </a:ext>
+              <a:ext uri="{96DAC541-7B7A-43D3-8B79-37D633B846F1}">
+                <asvg:svgBlip xmlns:asvg="http://schemas.microsoft.com/office/drawing/2016/SVG/main" r:embed="rId3"/>
+              </a:ext>
             </a:extLst>
           </a:blip>
-          <a:stretch>
-            <a:fillRect/>
-          </a:stretch>
+          <a:srcRect b="65400"/>
+          <a:stretch/>
         </p:blipFill>
         <p:spPr>
           <a:xfrm>
-            <a:off x="2123728" y="2213288"/>
-            <a:ext cx="6048672" cy="2343861"/>
+            <a:off x="1979712" y="2028532"/>
+            <a:ext cx="5544616" cy="2713373"/>
           </a:xfrm>
           <a:prstGeom prst="rect">
             <a:avLst/>

--- a/Vorträge/VortragFlorianSchierzBloomfilter.pptx
+++ b/Vorträge/VortragFlorianSchierzBloomfilter.pptx
@@ -5,7 +5,7 @@
     <p:sldMasterId id="2147483648" r:id="rId1"/>
   </p:sldMasterIdLst>
   <p:notesMasterIdLst>
-    <p:notesMasterId r:id="rId23"/>
+    <p:notesMasterId r:id="rId28"/>
   </p:notesMasterIdLst>
   <p:sldIdLst>
     <p:sldId id="260" r:id="rId2"/>
@@ -15,20 +15,25 @@
     <p:sldId id="265" r:id="rId6"/>
     <p:sldId id="267" r:id="rId7"/>
     <p:sldId id="263" r:id="rId8"/>
-    <p:sldId id="268" r:id="rId9"/>
-    <p:sldId id="269" r:id="rId10"/>
-    <p:sldId id="271" r:id="rId11"/>
-    <p:sldId id="272" r:id="rId12"/>
-    <p:sldId id="264" r:id="rId13"/>
-    <p:sldId id="274" r:id="rId14"/>
-    <p:sldId id="275" r:id="rId15"/>
-    <p:sldId id="276" r:id="rId16"/>
-    <p:sldId id="262" r:id="rId17"/>
-    <p:sldId id="259" r:id="rId18"/>
-    <p:sldId id="270" r:id="rId19"/>
-    <p:sldId id="273" r:id="rId20"/>
-    <p:sldId id="266" r:id="rId21"/>
-    <p:sldId id="258" r:id="rId22"/>
+    <p:sldId id="277" r:id="rId9"/>
+    <p:sldId id="268" r:id="rId10"/>
+    <p:sldId id="269" r:id="rId11"/>
+    <p:sldId id="271" r:id="rId12"/>
+    <p:sldId id="272" r:id="rId13"/>
+    <p:sldId id="278" r:id="rId14"/>
+    <p:sldId id="281" r:id="rId15"/>
+    <p:sldId id="282" r:id="rId16"/>
+    <p:sldId id="283" r:id="rId17"/>
+    <p:sldId id="264" r:id="rId18"/>
+    <p:sldId id="274" r:id="rId19"/>
+    <p:sldId id="275" r:id="rId20"/>
+    <p:sldId id="276" r:id="rId21"/>
+    <p:sldId id="262" r:id="rId22"/>
+    <p:sldId id="259" r:id="rId23"/>
+    <p:sldId id="270" r:id="rId24"/>
+    <p:sldId id="273" r:id="rId25"/>
+    <p:sldId id="266" r:id="rId26"/>
+    <p:sldId id="258" r:id="rId27"/>
   </p:sldIdLst>
   <p:sldSz cx="9144000" cy="5143500" type="screen16x9"/>
   <p:notesSz cx="6858000" cy="9144000"/>
@@ -151,10 +156,15 @@
         <p14:section name="Funktionsweise und Operationen" id="{C099AB53-7197-43CC-9D36-F6BD8B6F2EDB}">
           <p14:sldIdLst>
             <p14:sldId id="263"/>
+            <p14:sldId id="277"/>
             <p14:sldId id="268"/>
             <p14:sldId id="269"/>
             <p14:sldId id="271"/>
             <p14:sldId id="272"/>
+            <p14:sldId id="278"/>
+            <p14:sldId id="281"/>
+            <p14:sldId id="282"/>
+            <p14:sldId id="283"/>
           </p14:sldIdLst>
         </p14:section>
         <p14:section name="Varianten" id="{886A15AC-7548-430F-88FB-15BCFAA0F7A2}">
@@ -294,7 +304,7 @@
           <a:p>
             <a:fld id="{6DB929B3-EDC4-4292-BA5A-2119A16C91BC}" type="datetimeFigureOut">
               <a:rPr lang="de-DE" smtClean="0"/>
-              <a:t>15.05.2022</a:t>
+              <a:t>19.05.2022</a:t>
             </a:fld>
             <a:endParaRPr lang="de-DE"/>
           </a:p>
@@ -764,7 +774,7 @@
           <a:p>
             <a:fld id="{6C0E0915-CD52-4968-84CC-DCADF0878D91}" type="slidenum">
               <a:rPr lang="de-DE" smtClean="0"/>
-              <a:t>11</a:t>
+              <a:t>12</a:t>
             </a:fld>
             <a:endParaRPr lang="de-DE"/>
           </a:p>
@@ -774,6 +784,450 @@
     <p:extLst>
       <p:ext uri="{BB962C8B-B14F-4D97-AF65-F5344CB8AC3E}">
         <p14:creationId xmlns:p14="http://schemas.microsoft.com/office/powerpoint/2010/main" val="488575317"/>
+      </p:ext>
+    </p:extLst>
+  </p:cSld>
+  <p:clrMapOvr>
+    <a:masterClrMapping/>
+  </p:clrMapOvr>
+</p:notes>
+</file>
+
+<file path=ppt/notesSlides/notesSlide3.xml><?xml version="1.0" encoding="utf-8"?>
+<p:notes xmlns:a="http://schemas.openxmlformats.org/drawingml/2006/main" xmlns:r="http://schemas.openxmlformats.org/officeDocument/2006/relationships" xmlns:p="http://schemas.openxmlformats.org/presentationml/2006/main">
+  <p:cSld>
+    <p:spTree>
+      <p:nvGrpSpPr>
+        <p:cNvPr id="1" name=""/>
+        <p:cNvGrpSpPr/>
+        <p:nvPr/>
+      </p:nvGrpSpPr>
+      <p:grpSpPr>
+        <a:xfrm>
+          <a:off x="0" y="0"/>
+          <a:ext cx="0" cy="0"/>
+          <a:chOff x="0" y="0"/>
+          <a:chExt cx="0" cy="0"/>
+        </a:xfrm>
+      </p:grpSpPr>
+      <p:sp>
+        <p:nvSpPr>
+          <p:cNvPr id="2" name="Folienbildplatzhalter 1"/>
+          <p:cNvSpPr>
+            <a:spLocks noGrp="1" noRot="1" noChangeAspect="1"/>
+          </p:cNvSpPr>
+          <p:nvPr>
+            <p:ph type="sldImg"/>
+          </p:nvPr>
+        </p:nvSpPr>
+        <p:spPr/>
+      </p:sp>
+      <p:sp>
+        <p:nvSpPr>
+          <p:cNvPr id="3" name="Notizenplatzhalter 2"/>
+          <p:cNvSpPr>
+            <a:spLocks noGrp="1"/>
+          </p:cNvSpPr>
+          <p:nvPr>
+            <p:ph type="body" idx="1"/>
+          </p:nvPr>
+        </p:nvSpPr>
+        <p:spPr/>
+        <p:txBody>
+          <a:bodyPr/>
+          <a:lstStyle/>
+          <a:p>
+            <a:pPr marL="171450" indent="-171450">
+              <a:buFont typeface="Arial" panose="020B0604020202020204" pitchFamily="34" charset="0"/>
+              <a:buChar char="•"/>
+            </a:pPr>
+            <a:r>
+              <a:rPr lang="de-DE" dirty="0"/>
+              <a:t>Realistisch oft Anzahl Elemente zum Einfügen und maximale Fehlerrate gegeben</a:t>
+            </a:r>
+          </a:p>
+          <a:p>
+            <a:pPr marL="171450" indent="-171450">
+              <a:buFont typeface="Arial" panose="020B0604020202020204" pitchFamily="34" charset="0"/>
+              <a:buChar char="•"/>
+            </a:pPr>
+            <a:r>
+              <a:rPr lang="de-DE" dirty="0"/>
+              <a:t>Damit optimale Hash Anzahl und Größe berechnen</a:t>
+            </a:r>
+          </a:p>
+          <a:p>
+            <a:pPr marL="171450" indent="-171450">
+              <a:buFont typeface="Arial" panose="020B0604020202020204" pitchFamily="34" charset="0"/>
+              <a:buChar char="•"/>
+            </a:pPr>
+            <a:r>
+              <a:rPr lang="de-DE" dirty="0"/>
+              <a:t>In Implementierung zeigen</a:t>
+            </a:r>
+          </a:p>
+        </p:txBody>
+      </p:sp>
+      <p:sp>
+        <p:nvSpPr>
+          <p:cNvPr id="4" name="Foliennummernplatzhalter 3"/>
+          <p:cNvSpPr>
+            <a:spLocks noGrp="1"/>
+          </p:cNvSpPr>
+          <p:nvPr>
+            <p:ph type="sldNum" sz="quarter" idx="5"/>
+          </p:nvPr>
+        </p:nvSpPr>
+        <p:spPr/>
+        <p:txBody>
+          <a:bodyPr/>
+          <a:lstStyle/>
+          <a:p>
+            <a:fld id="{6C0E0915-CD52-4968-84CC-DCADF0878D91}" type="slidenum">
+              <a:rPr lang="de-DE" smtClean="0"/>
+              <a:t>13</a:t>
+            </a:fld>
+            <a:endParaRPr lang="de-DE"/>
+          </a:p>
+        </p:txBody>
+      </p:sp>
+    </p:spTree>
+    <p:extLst>
+      <p:ext uri="{BB962C8B-B14F-4D97-AF65-F5344CB8AC3E}">
+        <p14:creationId xmlns:p14="http://schemas.microsoft.com/office/powerpoint/2010/main" val="2162170189"/>
+      </p:ext>
+    </p:extLst>
+  </p:cSld>
+  <p:clrMapOvr>
+    <a:masterClrMapping/>
+  </p:clrMapOvr>
+</p:notes>
+</file>
+
+<file path=ppt/notesSlides/notesSlide4.xml><?xml version="1.0" encoding="utf-8"?>
+<p:notes xmlns:a="http://schemas.openxmlformats.org/drawingml/2006/main" xmlns:r="http://schemas.openxmlformats.org/officeDocument/2006/relationships" xmlns:p="http://schemas.openxmlformats.org/presentationml/2006/main">
+  <p:cSld>
+    <p:spTree>
+      <p:nvGrpSpPr>
+        <p:cNvPr id="1" name=""/>
+        <p:cNvGrpSpPr/>
+        <p:nvPr/>
+      </p:nvGrpSpPr>
+      <p:grpSpPr>
+        <a:xfrm>
+          <a:off x="0" y="0"/>
+          <a:ext cx="0" cy="0"/>
+          <a:chOff x="0" y="0"/>
+          <a:chExt cx="0" cy="0"/>
+        </a:xfrm>
+      </p:grpSpPr>
+      <p:sp>
+        <p:nvSpPr>
+          <p:cNvPr id="2" name="Folienbildplatzhalter 1"/>
+          <p:cNvSpPr>
+            <a:spLocks noGrp="1" noRot="1" noChangeAspect="1"/>
+          </p:cNvSpPr>
+          <p:nvPr>
+            <p:ph type="sldImg"/>
+          </p:nvPr>
+        </p:nvSpPr>
+        <p:spPr/>
+      </p:sp>
+      <p:sp>
+        <p:nvSpPr>
+          <p:cNvPr id="3" name="Notizenplatzhalter 2"/>
+          <p:cNvSpPr>
+            <a:spLocks noGrp="1"/>
+          </p:cNvSpPr>
+          <p:nvPr>
+            <p:ph type="body" idx="1"/>
+          </p:nvPr>
+        </p:nvSpPr>
+        <p:spPr/>
+        <p:txBody>
+          <a:bodyPr/>
+          <a:lstStyle/>
+          <a:p>
+            <a:pPr marL="171450" indent="-171450">
+              <a:buFont typeface="Arial" panose="020B0604020202020204" pitchFamily="34" charset="0"/>
+              <a:buChar char="•"/>
+            </a:pPr>
+            <a:r>
+              <a:rPr lang="de-DE" dirty="0"/>
+              <a:t>Realistisch oft Anzahl Elemente zum Einfügen und maximale Fehlerrate gegeben</a:t>
+            </a:r>
+          </a:p>
+          <a:p>
+            <a:pPr marL="171450" indent="-171450">
+              <a:buFont typeface="Arial" panose="020B0604020202020204" pitchFamily="34" charset="0"/>
+              <a:buChar char="•"/>
+            </a:pPr>
+            <a:r>
+              <a:rPr lang="de-DE" dirty="0"/>
+              <a:t>Damit optimale Hash Anzahl und Größe berechnen</a:t>
+            </a:r>
+          </a:p>
+          <a:p>
+            <a:pPr marL="171450" indent="-171450">
+              <a:buFont typeface="Arial" panose="020B0604020202020204" pitchFamily="34" charset="0"/>
+              <a:buChar char="•"/>
+            </a:pPr>
+            <a:r>
+              <a:rPr lang="de-DE" dirty="0"/>
+              <a:t>In Implementierung zeigen</a:t>
+            </a:r>
+          </a:p>
+        </p:txBody>
+      </p:sp>
+      <p:sp>
+        <p:nvSpPr>
+          <p:cNvPr id="4" name="Foliennummernplatzhalter 3"/>
+          <p:cNvSpPr>
+            <a:spLocks noGrp="1"/>
+          </p:cNvSpPr>
+          <p:nvPr>
+            <p:ph type="sldNum" sz="quarter" idx="5"/>
+          </p:nvPr>
+        </p:nvSpPr>
+        <p:spPr/>
+        <p:txBody>
+          <a:bodyPr/>
+          <a:lstStyle/>
+          <a:p>
+            <a:fld id="{6C0E0915-CD52-4968-84CC-DCADF0878D91}" type="slidenum">
+              <a:rPr lang="de-DE" smtClean="0"/>
+              <a:t>14</a:t>
+            </a:fld>
+            <a:endParaRPr lang="de-DE"/>
+          </a:p>
+        </p:txBody>
+      </p:sp>
+    </p:spTree>
+    <p:extLst>
+      <p:ext uri="{BB962C8B-B14F-4D97-AF65-F5344CB8AC3E}">
+        <p14:creationId xmlns:p14="http://schemas.microsoft.com/office/powerpoint/2010/main" val="547152908"/>
+      </p:ext>
+    </p:extLst>
+  </p:cSld>
+  <p:clrMapOvr>
+    <a:masterClrMapping/>
+  </p:clrMapOvr>
+</p:notes>
+</file>
+
+<file path=ppt/notesSlides/notesSlide5.xml><?xml version="1.0" encoding="utf-8"?>
+<p:notes xmlns:a="http://schemas.openxmlformats.org/drawingml/2006/main" xmlns:r="http://schemas.openxmlformats.org/officeDocument/2006/relationships" xmlns:p="http://schemas.openxmlformats.org/presentationml/2006/main">
+  <p:cSld>
+    <p:spTree>
+      <p:nvGrpSpPr>
+        <p:cNvPr id="1" name=""/>
+        <p:cNvGrpSpPr/>
+        <p:nvPr/>
+      </p:nvGrpSpPr>
+      <p:grpSpPr>
+        <a:xfrm>
+          <a:off x="0" y="0"/>
+          <a:ext cx="0" cy="0"/>
+          <a:chOff x="0" y="0"/>
+          <a:chExt cx="0" cy="0"/>
+        </a:xfrm>
+      </p:grpSpPr>
+      <p:sp>
+        <p:nvSpPr>
+          <p:cNvPr id="2" name="Folienbildplatzhalter 1"/>
+          <p:cNvSpPr>
+            <a:spLocks noGrp="1" noRot="1" noChangeAspect="1"/>
+          </p:cNvSpPr>
+          <p:nvPr>
+            <p:ph type="sldImg"/>
+          </p:nvPr>
+        </p:nvSpPr>
+        <p:spPr/>
+      </p:sp>
+      <p:sp>
+        <p:nvSpPr>
+          <p:cNvPr id="3" name="Notizenplatzhalter 2"/>
+          <p:cNvSpPr>
+            <a:spLocks noGrp="1"/>
+          </p:cNvSpPr>
+          <p:nvPr>
+            <p:ph type="body" idx="1"/>
+          </p:nvPr>
+        </p:nvSpPr>
+        <p:spPr/>
+        <p:txBody>
+          <a:bodyPr/>
+          <a:lstStyle/>
+          <a:p>
+            <a:pPr marL="171450" indent="-171450">
+              <a:buFont typeface="Arial" panose="020B0604020202020204" pitchFamily="34" charset="0"/>
+              <a:buChar char="•"/>
+            </a:pPr>
+            <a:r>
+              <a:rPr lang="de-DE" dirty="0"/>
+              <a:t>Realistisch oft Anzahl Elemente zum Einfügen und maximale Fehlerrate gegeben</a:t>
+            </a:r>
+          </a:p>
+          <a:p>
+            <a:pPr marL="171450" indent="-171450">
+              <a:buFont typeface="Arial" panose="020B0604020202020204" pitchFamily="34" charset="0"/>
+              <a:buChar char="•"/>
+            </a:pPr>
+            <a:r>
+              <a:rPr lang="de-DE" dirty="0"/>
+              <a:t>Damit optimale Hash Anzahl und Größe berechnen</a:t>
+            </a:r>
+          </a:p>
+          <a:p>
+            <a:pPr marL="171450" indent="-171450">
+              <a:buFont typeface="Arial" panose="020B0604020202020204" pitchFamily="34" charset="0"/>
+              <a:buChar char="•"/>
+            </a:pPr>
+            <a:r>
+              <a:rPr lang="de-DE" dirty="0"/>
+              <a:t>In Implementierung zeigen</a:t>
+            </a:r>
+          </a:p>
+        </p:txBody>
+      </p:sp>
+      <p:sp>
+        <p:nvSpPr>
+          <p:cNvPr id="4" name="Foliennummernplatzhalter 3"/>
+          <p:cNvSpPr>
+            <a:spLocks noGrp="1"/>
+          </p:cNvSpPr>
+          <p:nvPr>
+            <p:ph type="sldNum" sz="quarter" idx="5"/>
+          </p:nvPr>
+        </p:nvSpPr>
+        <p:spPr/>
+        <p:txBody>
+          <a:bodyPr/>
+          <a:lstStyle/>
+          <a:p>
+            <a:fld id="{6C0E0915-CD52-4968-84CC-DCADF0878D91}" type="slidenum">
+              <a:rPr lang="de-DE" smtClean="0"/>
+              <a:t>15</a:t>
+            </a:fld>
+            <a:endParaRPr lang="de-DE"/>
+          </a:p>
+        </p:txBody>
+      </p:sp>
+    </p:spTree>
+    <p:extLst>
+      <p:ext uri="{BB962C8B-B14F-4D97-AF65-F5344CB8AC3E}">
+        <p14:creationId xmlns:p14="http://schemas.microsoft.com/office/powerpoint/2010/main" val="544126990"/>
+      </p:ext>
+    </p:extLst>
+  </p:cSld>
+  <p:clrMapOvr>
+    <a:masterClrMapping/>
+  </p:clrMapOvr>
+</p:notes>
+</file>
+
+<file path=ppt/notesSlides/notesSlide6.xml><?xml version="1.0" encoding="utf-8"?>
+<p:notes xmlns:a="http://schemas.openxmlformats.org/drawingml/2006/main" xmlns:r="http://schemas.openxmlformats.org/officeDocument/2006/relationships" xmlns:p="http://schemas.openxmlformats.org/presentationml/2006/main">
+  <p:cSld>
+    <p:spTree>
+      <p:nvGrpSpPr>
+        <p:cNvPr id="1" name=""/>
+        <p:cNvGrpSpPr/>
+        <p:nvPr/>
+      </p:nvGrpSpPr>
+      <p:grpSpPr>
+        <a:xfrm>
+          <a:off x="0" y="0"/>
+          <a:ext cx="0" cy="0"/>
+          <a:chOff x="0" y="0"/>
+          <a:chExt cx="0" cy="0"/>
+        </a:xfrm>
+      </p:grpSpPr>
+      <p:sp>
+        <p:nvSpPr>
+          <p:cNvPr id="2" name="Folienbildplatzhalter 1"/>
+          <p:cNvSpPr>
+            <a:spLocks noGrp="1" noRot="1" noChangeAspect="1"/>
+          </p:cNvSpPr>
+          <p:nvPr>
+            <p:ph type="sldImg"/>
+          </p:nvPr>
+        </p:nvSpPr>
+        <p:spPr/>
+      </p:sp>
+      <p:sp>
+        <p:nvSpPr>
+          <p:cNvPr id="3" name="Notizenplatzhalter 2"/>
+          <p:cNvSpPr>
+            <a:spLocks noGrp="1"/>
+          </p:cNvSpPr>
+          <p:nvPr>
+            <p:ph type="body" idx="1"/>
+          </p:nvPr>
+        </p:nvSpPr>
+        <p:spPr/>
+        <p:txBody>
+          <a:bodyPr/>
+          <a:lstStyle/>
+          <a:p>
+            <a:pPr marL="171450" indent="-171450">
+              <a:buFont typeface="Arial" panose="020B0604020202020204" pitchFamily="34" charset="0"/>
+              <a:buChar char="•"/>
+            </a:pPr>
+            <a:r>
+              <a:rPr lang="de-DE" dirty="0"/>
+              <a:t>Realistisch oft Anzahl Elemente zum Einfügen und maximale Fehlerrate gegeben</a:t>
+            </a:r>
+          </a:p>
+          <a:p>
+            <a:pPr marL="171450" indent="-171450">
+              <a:buFont typeface="Arial" panose="020B0604020202020204" pitchFamily="34" charset="0"/>
+              <a:buChar char="•"/>
+            </a:pPr>
+            <a:r>
+              <a:rPr lang="de-DE" dirty="0"/>
+              <a:t>Damit optimale Hash Anzahl und Größe berechnen</a:t>
+            </a:r>
+          </a:p>
+          <a:p>
+            <a:pPr marL="171450" indent="-171450">
+              <a:buFont typeface="Arial" panose="020B0604020202020204" pitchFamily="34" charset="0"/>
+              <a:buChar char="•"/>
+            </a:pPr>
+            <a:r>
+              <a:rPr lang="de-DE" dirty="0"/>
+              <a:t>In Implementierung zeigen</a:t>
+            </a:r>
+          </a:p>
+        </p:txBody>
+      </p:sp>
+      <p:sp>
+        <p:nvSpPr>
+          <p:cNvPr id="4" name="Foliennummernplatzhalter 3"/>
+          <p:cNvSpPr>
+            <a:spLocks noGrp="1"/>
+          </p:cNvSpPr>
+          <p:nvPr>
+            <p:ph type="sldNum" sz="quarter" idx="5"/>
+          </p:nvPr>
+        </p:nvSpPr>
+        <p:spPr/>
+        <p:txBody>
+          <a:bodyPr/>
+          <a:lstStyle/>
+          <a:p>
+            <a:fld id="{6C0E0915-CD52-4968-84CC-DCADF0878D91}" type="slidenum">
+              <a:rPr lang="de-DE" smtClean="0"/>
+              <a:t>16</a:t>
+            </a:fld>
+            <a:endParaRPr lang="de-DE"/>
+          </a:p>
+        </p:txBody>
+      </p:sp>
+    </p:spTree>
+    <p:extLst>
+      <p:ext uri="{BB962C8B-B14F-4D97-AF65-F5344CB8AC3E}">
+        <p14:creationId xmlns:p14="http://schemas.microsoft.com/office/powerpoint/2010/main" val="1296603566"/>
       </p:ext>
     </p:extLst>
   </p:cSld>
@@ -4899,6 +5353,339 @@
               <a:rPr lang="de-DE" smtClean="0"/>
               <a:pPr/>
               <a:t>10</a:t>
+            </a:fld>
+            <a:endParaRPr lang="de-DE"/>
+          </a:p>
+        </p:txBody>
+      </p:sp>
+      <p:sp>
+        <p:nvSpPr>
+          <p:cNvPr id="3" name="Titel 2"/>
+          <p:cNvSpPr>
+            <a:spLocks noGrp="1"/>
+          </p:cNvSpPr>
+          <p:nvPr>
+            <p:ph type="title"/>
+          </p:nvPr>
+        </p:nvSpPr>
+        <p:spPr/>
+        <p:txBody>
+          <a:bodyPr/>
+          <a:lstStyle/>
+          <a:p>
+            <a:r>
+              <a:rPr lang="de-DE" dirty="0"/>
+              <a:t>BLOOM-FILTER</a:t>
+            </a:r>
+          </a:p>
+        </p:txBody>
+      </p:sp>
+      <p:sp>
+        <p:nvSpPr>
+          <p:cNvPr id="4" name="Inhaltsplatzhalter 3"/>
+          <p:cNvSpPr>
+            <a:spLocks noGrp="1"/>
+          </p:cNvSpPr>
+          <p:nvPr>
+            <p:ph sz="quarter" idx="13"/>
+          </p:nvPr>
+        </p:nvSpPr>
+        <p:spPr>
+          <a:xfrm>
+            <a:off x="936000" y="699542"/>
+            <a:ext cx="7308000" cy="429622"/>
+          </a:xfrm>
+        </p:spPr>
+        <p:txBody>
+          <a:bodyPr/>
+          <a:lstStyle/>
+          <a:p>
+            <a:r>
+              <a:rPr lang="de-DE" dirty="0"/>
+              <a:t>Funktionsweise und Operationen</a:t>
+            </a:r>
+          </a:p>
+        </p:txBody>
+      </p:sp>
+      <p:sp>
+        <p:nvSpPr>
+          <p:cNvPr id="7" name="Fußzeilenplatzhalter 6"/>
+          <p:cNvSpPr>
+            <a:spLocks noGrp="1"/>
+          </p:cNvSpPr>
+          <p:nvPr>
+            <p:ph type="ftr" sz="quarter" idx="3"/>
+          </p:nvPr>
+        </p:nvSpPr>
+        <p:spPr/>
+        <p:txBody>
+          <a:bodyPr/>
+          <a:lstStyle/>
+          <a:p>
+            <a:r>
+              <a:rPr lang="de-DE" dirty="0"/>
+              <a:t>TU Bergakademie Freiberg | Vortragender: Florian Schierz | 2022</a:t>
+            </a:r>
+          </a:p>
+        </p:txBody>
+      </p:sp>
+      <p:sp>
+        <p:nvSpPr>
+          <p:cNvPr id="8" name="Textfeld 7">
+            <a:extLst>
+              <a:ext uri="{FF2B5EF4-FFF2-40B4-BE49-F238E27FC236}">
+                <a16:creationId xmlns:a16="http://schemas.microsoft.com/office/drawing/2014/main" id="{7162C9EA-9725-333A-21C5-65FC349B92B6}"/>
+              </a:ext>
+            </a:extLst>
+          </p:cNvPr>
+          <p:cNvSpPr txBox="1"/>
+          <p:nvPr/>
+        </p:nvSpPr>
+        <p:spPr>
+          <a:xfrm>
+            <a:off x="611560" y="1203598"/>
+            <a:ext cx="4968552" cy="1200329"/>
+          </a:xfrm>
+          <a:prstGeom prst="rect">
+            <a:avLst/>
+          </a:prstGeom>
+          <a:noFill/>
+        </p:spPr>
+        <p:txBody>
+          <a:bodyPr wrap="square" rtlCol="0">
+            <a:spAutoFit/>
+          </a:bodyPr>
+          <a:lstStyle/>
+          <a:p>
+            <a:pPr marL="285750" indent="-285750">
+              <a:buFont typeface="Arial" panose="020B0604020202020204" pitchFamily="34" charset="0"/>
+              <a:buChar char="•"/>
+            </a:pPr>
+            <a:r>
+              <a:rPr lang="de-DE" b="1" u="sng" dirty="0"/>
+              <a:t>Optimale Wahl der Parameter:</a:t>
+            </a:r>
+            <a:endParaRPr lang="de-DE" dirty="0"/>
+          </a:p>
+          <a:p>
+            <a:pPr marL="742950" lvl="1" indent="-285750">
+              <a:buFont typeface="Arial" panose="020B0604020202020204" pitchFamily="34" charset="0"/>
+              <a:buChar char="•"/>
+            </a:pPr>
+            <a:r>
+              <a:rPr lang="de-DE" b="1" dirty="0">
+                <a:solidFill>
+                  <a:srgbClr val="000000"/>
+                </a:solidFill>
+              </a:rPr>
+              <a:t>m </a:t>
+            </a:r>
+            <a:r>
+              <a:rPr lang="de-DE" dirty="0">
+                <a:solidFill>
+                  <a:srgbClr val="000000"/>
+                </a:solidFill>
+              </a:rPr>
+              <a:t>Bit Länge</a:t>
+            </a:r>
+          </a:p>
+          <a:p>
+            <a:pPr marL="742950" lvl="1" indent="-285750">
+              <a:buFont typeface="Arial" panose="020B0604020202020204" pitchFamily="34" charset="0"/>
+              <a:buChar char="•"/>
+            </a:pPr>
+            <a:r>
+              <a:rPr lang="de-DE" b="1" dirty="0">
+                <a:solidFill>
+                  <a:srgbClr val="000000"/>
+                </a:solidFill>
+              </a:rPr>
+              <a:t>n</a:t>
+            </a:r>
+            <a:r>
+              <a:rPr lang="de-DE" dirty="0">
+                <a:solidFill>
+                  <a:srgbClr val="000000"/>
+                </a:solidFill>
+              </a:rPr>
+              <a:t> einzufügende Elemente</a:t>
+            </a:r>
+          </a:p>
+          <a:p>
+            <a:endParaRPr lang="de-DE" dirty="0"/>
+          </a:p>
+        </p:txBody>
+      </p:sp>
+      <p:sp>
+        <p:nvSpPr>
+          <p:cNvPr id="9" name="Textfeld 8">
+            <a:extLst>
+              <a:ext uri="{FF2B5EF4-FFF2-40B4-BE49-F238E27FC236}">
+                <a16:creationId xmlns:a16="http://schemas.microsoft.com/office/drawing/2014/main" id="{67A2B410-6F02-6467-D0F2-FC98B4BF0279}"/>
+              </a:ext>
+            </a:extLst>
+          </p:cNvPr>
+          <p:cNvSpPr txBox="1"/>
+          <p:nvPr/>
+        </p:nvSpPr>
+        <p:spPr>
+          <a:xfrm>
+            <a:off x="3491880" y="1203598"/>
+            <a:ext cx="4968552" cy="1200329"/>
+          </a:xfrm>
+          <a:prstGeom prst="rect">
+            <a:avLst/>
+          </a:prstGeom>
+          <a:noFill/>
+        </p:spPr>
+        <p:txBody>
+          <a:bodyPr wrap="square" rtlCol="0">
+            <a:spAutoFit/>
+          </a:bodyPr>
+          <a:lstStyle/>
+          <a:p>
+            <a:pPr marL="742950" lvl="1" indent="-285750">
+              <a:buFont typeface="Arial" panose="020B0604020202020204" pitchFamily="34" charset="0"/>
+              <a:buChar char="•"/>
+            </a:pPr>
+            <a:endParaRPr lang="de-DE" b="1" dirty="0"/>
+          </a:p>
+          <a:p>
+            <a:pPr marL="742950" lvl="1" indent="-285750">
+              <a:buFont typeface="Arial" panose="020B0604020202020204" pitchFamily="34" charset="0"/>
+              <a:buChar char="•"/>
+            </a:pPr>
+            <a:r>
+              <a:rPr lang="de-DE" b="1" dirty="0">
+                <a:solidFill>
+                  <a:srgbClr val="000000"/>
+                </a:solidFill>
+              </a:rPr>
+              <a:t>k</a:t>
+            </a:r>
+            <a:r>
+              <a:rPr lang="de-DE" dirty="0">
+                <a:solidFill>
+                  <a:srgbClr val="000000"/>
+                </a:solidFill>
+              </a:rPr>
+              <a:t> unabhängige Hash-Funktionen</a:t>
+            </a:r>
+          </a:p>
+          <a:p>
+            <a:pPr marL="742950" lvl="1" indent="-285750">
+              <a:buFont typeface="Arial" panose="020B0604020202020204" pitchFamily="34" charset="0"/>
+              <a:buChar char="•"/>
+            </a:pPr>
+            <a:r>
+              <a:rPr lang="de-DE" b="1" dirty="0">
+                <a:solidFill>
+                  <a:srgbClr val="000000"/>
+                </a:solidFill>
+              </a:rPr>
+              <a:t>FPP</a:t>
+            </a:r>
+            <a:r>
+              <a:rPr lang="de-DE" dirty="0">
+                <a:solidFill>
+                  <a:srgbClr val="000000"/>
+                </a:solidFill>
+              </a:rPr>
+              <a:t> Falsch-Positiv-Rate</a:t>
+            </a:r>
+          </a:p>
+          <a:p>
+            <a:endParaRPr lang="de-DE" dirty="0"/>
+          </a:p>
+        </p:txBody>
+      </p:sp>
+      <p:pic>
+        <p:nvPicPr>
+          <p:cNvPr id="5" name="Grafik 4">
+            <a:extLst>
+              <a:ext uri="{FF2B5EF4-FFF2-40B4-BE49-F238E27FC236}">
+                <a16:creationId xmlns:a16="http://schemas.microsoft.com/office/drawing/2014/main" id="{5F5E1ED9-596F-4228-4B29-EC7B4B603A1B}"/>
+              </a:ext>
+            </a:extLst>
+          </p:cNvPr>
+          <p:cNvPicPr>
+            <a:picLocks noChangeAspect="1"/>
+          </p:cNvPicPr>
+          <p:nvPr/>
+        </p:nvPicPr>
+        <p:blipFill rotWithShape="1">
+          <a:blip r:embed="rId2">
+            <a:extLst>
+              <a:ext uri="{28A0092B-C50C-407E-A947-70E740481C1C}">
+                <a14:useLocalDpi xmlns:a14="http://schemas.microsoft.com/office/drawing/2010/main" val="0"/>
+              </a:ext>
+              <a:ext uri="{96DAC541-7B7A-43D3-8B79-37D633B846F1}">
+                <asvg:svgBlip xmlns:asvg="http://schemas.microsoft.com/office/drawing/2016/SVG/main" r:embed="rId3"/>
+              </a:ext>
+            </a:extLst>
+          </a:blip>
+          <a:srcRect b="65400"/>
+          <a:stretch/>
+        </p:blipFill>
+        <p:spPr>
+          <a:xfrm>
+            <a:off x="1979712" y="2028532"/>
+            <a:ext cx="5544616" cy="2713373"/>
+          </a:xfrm>
+          <a:prstGeom prst="rect">
+            <a:avLst/>
+          </a:prstGeom>
+        </p:spPr>
+      </p:pic>
+    </p:spTree>
+    <p:extLst>
+      <p:ext uri="{BB962C8B-B14F-4D97-AF65-F5344CB8AC3E}">
+        <p14:creationId xmlns:p14="http://schemas.microsoft.com/office/powerpoint/2010/main" val="2763595447"/>
+      </p:ext>
+    </p:extLst>
+  </p:cSld>
+  <p:clrMapOvr>
+    <a:masterClrMapping/>
+  </p:clrMapOvr>
+</p:sld>
+</file>
+
+<file path=ppt/slides/slide11.xml><?xml version="1.0" encoding="utf-8"?>
+<p:sld xmlns:a="http://schemas.openxmlformats.org/drawingml/2006/main" xmlns:r="http://schemas.openxmlformats.org/officeDocument/2006/relationships" xmlns:p="http://schemas.openxmlformats.org/presentationml/2006/main">
+  <p:cSld>
+    <p:spTree>
+      <p:nvGrpSpPr>
+        <p:cNvPr id="1" name=""/>
+        <p:cNvGrpSpPr/>
+        <p:nvPr/>
+      </p:nvGrpSpPr>
+      <p:grpSpPr>
+        <a:xfrm>
+          <a:off x="0" y="0"/>
+          <a:ext cx="0" cy="0"/>
+          <a:chOff x="0" y="0"/>
+          <a:chExt cx="0" cy="0"/>
+        </a:xfrm>
+      </p:grpSpPr>
+      <p:sp>
+        <p:nvSpPr>
+          <p:cNvPr id="6" name="Foliennummernplatzhalter 5"/>
+          <p:cNvSpPr>
+            <a:spLocks noGrp="1"/>
+          </p:cNvSpPr>
+          <p:nvPr>
+            <p:ph type="sldNum" sz="quarter" idx="4"/>
+          </p:nvPr>
+        </p:nvSpPr>
+        <p:spPr/>
+        <p:txBody>
+          <a:bodyPr/>
+          <a:lstStyle/>
+          <a:p>
+            <a:fld id="{F9CA7F02-FF28-4D8F-AF3B-6C950C783A54}" type="slidenum">
+              <a:rPr lang="de-DE" smtClean="0"/>
+              <a:pPr/>
+              <a:t>11</a:t>
             </a:fld>
             <a:endParaRPr lang="de-DE"/>
           </a:p>
@@ -5668,7 +6455,7 @@
 </p:sld>
 </file>
 
-<file path=ppt/slides/slide11.xml><?xml version="1.0" encoding="utf-8"?>
+<file path=ppt/slides/slide12.xml><?xml version="1.0" encoding="utf-8"?>
 <p:sld xmlns:a="http://schemas.openxmlformats.org/drawingml/2006/main" xmlns:r="http://schemas.openxmlformats.org/officeDocument/2006/relationships" xmlns:p="http://schemas.openxmlformats.org/presentationml/2006/main">
   <p:cSld>
     <p:spTree>
@@ -5703,7 +6490,7 @@
             <a:fld id="{F9CA7F02-FF28-4D8F-AF3B-6C950C783A54}" type="slidenum">
               <a:rPr lang="de-DE" smtClean="0"/>
               <a:pPr/>
-              <a:t>11</a:t>
+              <a:t>12</a:t>
             </a:fld>
             <a:endParaRPr lang="de-DE"/>
           </a:p>
@@ -6363,7 +7150,7 @@
 </p:sld>
 </file>
 
-<file path=ppt/slides/slide12.xml><?xml version="1.0" encoding="utf-8"?>
+<file path=ppt/slides/slide13.xml><?xml version="1.0" encoding="utf-8"?>
 <p:sld xmlns:a="http://schemas.openxmlformats.org/drawingml/2006/main" xmlns:r="http://schemas.openxmlformats.org/officeDocument/2006/relationships" xmlns:p="http://schemas.openxmlformats.org/presentationml/2006/main">
   <p:cSld>
     <p:spTree>
@@ -6398,7 +7185,879 @@
             <a:fld id="{F9CA7F02-FF28-4D8F-AF3B-6C950C783A54}" type="slidenum">
               <a:rPr lang="de-DE" smtClean="0"/>
               <a:pPr/>
-              <a:t>12</a:t>
+              <a:t>13</a:t>
+            </a:fld>
+            <a:endParaRPr lang="de-DE"/>
+          </a:p>
+        </p:txBody>
+      </p:sp>
+      <p:sp>
+        <p:nvSpPr>
+          <p:cNvPr id="3" name="Titel 2"/>
+          <p:cNvSpPr>
+            <a:spLocks noGrp="1"/>
+          </p:cNvSpPr>
+          <p:nvPr>
+            <p:ph type="title"/>
+          </p:nvPr>
+        </p:nvSpPr>
+        <p:spPr/>
+        <p:txBody>
+          <a:bodyPr/>
+          <a:lstStyle/>
+          <a:p>
+            <a:r>
+              <a:rPr lang="de-DE" dirty="0"/>
+              <a:t>BLOOM-FILTER</a:t>
+            </a:r>
+          </a:p>
+        </p:txBody>
+      </p:sp>
+      <p:sp>
+        <p:nvSpPr>
+          <p:cNvPr id="4" name="Inhaltsplatzhalter 3"/>
+          <p:cNvSpPr>
+            <a:spLocks noGrp="1"/>
+          </p:cNvSpPr>
+          <p:nvPr>
+            <p:ph sz="quarter" idx="13"/>
+          </p:nvPr>
+        </p:nvSpPr>
+        <p:spPr>
+          <a:xfrm>
+            <a:off x="936000" y="699542"/>
+            <a:ext cx="7308000" cy="429622"/>
+          </a:xfrm>
+        </p:spPr>
+        <p:txBody>
+          <a:bodyPr/>
+          <a:lstStyle/>
+          <a:p>
+            <a:r>
+              <a:rPr lang="de-DE" dirty="0"/>
+              <a:t>Vergleich der Varianten</a:t>
+            </a:r>
+          </a:p>
+        </p:txBody>
+      </p:sp>
+      <p:sp>
+        <p:nvSpPr>
+          <p:cNvPr id="7" name="Fußzeilenplatzhalter 6"/>
+          <p:cNvSpPr>
+            <a:spLocks noGrp="1"/>
+          </p:cNvSpPr>
+          <p:nvPr>
+            <p:ph type="ftr" sz="quarter" idx="3"/>
+          </p:nvPr>
+        </p:nvSpPr>
+        <p:spPr/>
+        <p:txBody>
+          <a:bodyPr/>
+          <a:lstStyle/>
+          <a:p>
+            <a:r>
+              <a:rPr lang="de-DE" dirty="0"/>
+              <a:t>TU Bergakademie Freiberg | Vortragender: Florian Schierz | 2022</a:t>
+            </a:r>
+          </a:p>
+        </p:txBody>
+      </p:sp>
+      <p:sp>
+        <p:nvSpPr>
+          <p:cNvPr id="8" name="Textfeld 7">
+            <a:extLst>
+              <a:ext uri="{FF2B5EF4-FFF2-40B4-BE49-F238E27FC236}">
+                <a16:creationId xmlns:a16="http://schemas.microsoft.com/office/drawing/2014/main" id="{7162C9EA-9725-333A-21C5-65FC349B92B6}"/>
+              </a:ext>
+            </a:extLst>
+          </p:cNvPr>
+          <p:cNvSpPr txBox="1"/>
+          <p:nvPr/>
+        </p:nvSpPr>
+        <p:spPr>
+          <a:xfrm>
+            <a:off x="611560" y="1203598"/>
+            <a:ext cx="8280920" cy="646331"/>
+          </a:xfrm>
+          <a:prstGeom prst="rect">
+            <a:avLst/>
+          </a:prstGeom>
+          <a:noFill/>
+        </p:spPr>
+        <p:txBody>
+          <a:bodyPr wrap="square" rtlCol="0">
+            <a:spAutoFit/>
+          </a:bodyPr>
+          <a:lstStyle/>
+          <a:p>
+            <a:r>
+              <a:rPr lang="de-DE" dirty="0">
+                <a:solidFill>
+                  <a:srgbClr val="000000"/>
+                </a:solidFill>
+              </a:rPr>
+              <a:t>Falsch-Positiv-Rate (Soll: 0.01) in Abhängigkeit der insgesamt einzufügenden Elemente</a:t>
+            </a:r>
+          </a:p>
+          <a:p>
+            <a:r>
+              <a:rPr lang="de-DE" dirty="0" err="1">
+                <a:solidFill>
+                  <a:srgbClr val="000000"/>
+                </a:solidFill>
+              </a:rPr>
+              <a:t>Floom</a:t>
+            </a:r>
+            <a:r>
+              <a:rPr lang="de-DE" dirty="0">
+                <a:solidFill>
+                  <a:srgbClr val="000000"/>
+                </a:solidFill>
+              </a:rPr>
+              <a:t>-Filter mit 12 Bereichen</a:t>
+            </a:r>
+          </a:p>
+        </p:txBody>
+      </p:sp>
+      <p:pic>
+        <p:nvPicPr>
+          <p:cNvPr id="5" name="Grafik 4">
+            <a:extLst>
+              <a:ext uri="{FF2B5EF4-FFF2-40B4-BE49-F238E27FC236}">
+                <a16:creationId xmlns:a16="http://schemas.microsoft.com/office/drawing/2014/main" id="{76F3E039-3938-54B6-EF54-8341D4DC1389}"/>
+              </a:ext>
+            </a:extLst>
+          </p:cNvPr>
+          <p:cNvPicPr>
+            <a:picLocks noChangeAspect="1"/>
+          </p:cNvPicPr>
+          <p:nvPr/>
+        </p:nvPicPr>
+        <p:blipFill>
+          <a:blip r:embed="rId3" cstate="print">
+            <a:extLst>
+              <a:ext uri="{28A0092B-C50C-407E-A947-70E740481C1C}">
+                <a14:useLocalDpi xmlns:a14="http://schemas.microsoft.com/office/drawing/2010/main" val="0"/>
+              </a:ext>
+            </a:extLst>
+          </a:blip>
+          <a:stretch>
+            <a:fillRect/>
+          </a:stretch>
+        </p:blipFill>
+        <p:spPr>
+          <a:xfrm>
+            <a:off x="683568" y="1812297"/>
+            <a:ext cx="5904656" cy="2795486"/>
+          </a:xfrm>
+          <a:prstGeom prst="rect">
+            <a:avLst/>
+          </a:prstGeom>
+        </p:spPr>
+      </p:pic>
+    </p:spTree>
+    <p:extLst>
+      <p:ext uri="{BB962C8B-B14F-4D97-AF65-F5344CB8AC3E}">
+        <p14:creationId xmlns:p14="http://schemas.microsoft.com/office/powerpoint/2010/main" val="2634189153"/>
+      </p:ext>
+    </p:extLst>
+  </p:cSld>
+  <p:clrMapOvr>
+    <a:masterClrMapping/>
+  </p:clrMapOvr>
+</p:sld>
+</file>
+
+<file path=ppt/slides/slide14.xml><?xml version="1.0" encoding="utf-8"?>
+<p:sld xmlns:a="http://schemas.openxmlformats.org/drawingml/2006/main" xmlns:r="http://schemas.openxmlformats.org/officeDocument/2006/relationships" xmlns:p="http://schemas.openxmlformats.org/presentationml/2006/main">
+  <p:cSld>
+    <p:spTree>
+      <p:nvGrpSpPr>
+        <p:cNvPr id="1" name=""/>
+        <p:cNvGrpSpPr/>
+        <p:nvPr/>
+      </p:nvGrpSpPr>
+      <p:grpSpPr>
+        <a:xfrm>
+          <a:off x="0" y="0"/>
+          <a:ext cx="0" cy="0"/>
+          <a:chOff x="0" y="0"/>
+          <a:chExt cx="0" cy="0"/>
+        </a:xfrm>
+      </p:grpSpPr>
+      <p:pic>
+        <p:nvPicPr>
+          <p:cNvPr id="9" name="Grafik 8">
+            <a:extLst>
+              <a:ext uri="{FF2B5EF4-FFF2-40B4-BE49-F238E27FC236}">
+                <a16:creationId xmlns:a16="http://schemas.microsoft.com/office/drawing/2014/main" id="{56AB88C2-CF42-30C6-B7E9-1C9A0858C33D}"/>
+              </a:ext>
+            </a:extLst>
+          </p:cNvPr>
+          <p:cNvPicPr>
+            <a:picLocks noChangeAspect="1"/>
+          </p:cNvPicPr>
+          <p:nvPr/>
+        </p:nvPicPr>
+        <p:blipFill>
+          <a:blip r:embed="rId3" cstate="print">
+            <a:extLst>
+              <a:ext uri="{28A0092B-C50C-407E-A947-70E740481C1C}">
+                <a14:useLocalDpi xmlns:a14="http://schemas.microsoft.com/office/drawing/2010/main" val="0"/>
+              </a:ext>
+            </a:extLst>
+          </a:blip>
+          <a:stretch>
+            <a:fillRect/>
+          </a:stretch>
+        </p:blipFill>
+        <p:spPr>
+          <a:xfrm>
+            <a:off x="755576" y="1779662"/>
+            <a:ext cx="5976664" cy="2829577"/>
+          </a:xfrm>
+          <a:prstGeom prst="rect">
+            <a:avLst/>
+          </a:prstGeom>
+        </p:spPr>
+      </p:pic>
+      <p:sp>
+        <p:nvSpPr>
+          <p:cNvPr id="6" name="Foliennummernplatzhalter 5"/>
+          <p:cNvSpPr>
+            <a:spLocks noGrp="1"/>
+          </p:cNvSpPr>
+          <p:nvPr>
+            <p:ph type="sldNum" sz="quarter" idx="4"/>
+          </p:nvPr>
+        </p:nvSpPr>
+        <p:spPr/>
+        <p:txBody>
+          <a:bodyPr/>
+          <a:lstStyle/>
+          <a:p>
+            <a:fld id="{F9CA7F02-FF28-4D8F-AF3B-6C950C783A54}" type="slidenum">
+              <a:rPr lang="de-DE" smtClean="0"/>
+              <a:pPr/>
+              <a:t>14</a:t>
+            </a:fld>
+            <a:endParaRPr lang="de-DE"/>
+          </a:p>
+        </p:txBody>
+      </p:sp>
+      <p:sp>
+        <p:nvSpPr>
+          <p:cNvPr id="3" name="Titel 2"/>
+          <p:cNvSpPr>
+            <a:spLocks noGrp="1"/>
+          </p:cNvSpPr>
+          <p:nvPr>
+            <p:ph type="title"/>
+          </p:nvPr>
+        </p:nvSpPr>
+        <p:spPr/>
+        <p:txBody>
+          <a:bodyPr/>
+          <a:lstStyle/>
+          <a:p>
+            <a:r>
+              <a:rPr lang="de-DE" dirty="0"/>
+              <a:t>BLOOM-FILTER</a:t>
+            </a:r>
+          </a:p>
+        </p:txBody>
+      </p:sp>
+      <p:sp>
+        <p:nvSpPr>
+          <p:cNvPr id="4" name="Inhaltsplatzhalter 3"/>
+          <p:cNvSpPr>
+            <a:spLocks noGrp="1"/>
+          </p:cNvSpPr>
+          <p:nvPr>
+            <p:ph sz="quarter" idx="13"/>
+          </p:nvPr>
+        </p:nvSpPr>
+        <p:spPr>
+          <a:xfrm>
+            <a:off x="936000" y="699542"/>
+            <a:ext cx="7308000" cy="429622"/>
+          </a:xfrm>
+        </p:spPr>
+        <p:txBody>
+          <a:bodyPr/>
+          <a:lstStyle/>
+          <a:p>
+            <a:r>
+              <a:rPr lang="de-DE" dirty="0"/>
+              <a:t>Vergleich der Varianten</a:t>
+            </a:r>
+          </a:p>
+        </p:txBody>
+      </p:sp>
+      <p:sp>
+        <p:nvSpPr>
+          <p:cNvPr id="7" name="Fußzeilenplatzhalter 6"/>
+          <p:cNvSpPr>
+            <a:spLocks noGrp="1"/>
+          </p:cNvSpPr>
+          <p:nvPr>
+            <p:ph type="ftr" sz="quarter" idx="3"/>
+          </p:nvPr>
+        </p:nvSpPr>
+        <p:spPr/>
+        <p:txBody>
+          <a:bodyPr/>
+          <a:lstStyle/>
+          <a:p>
+            <a:r>
+              <a:rPr lang="de-DE" dirty="0"/>
+              <a:t>TU Bergakademie Freiberg | Vortragender: Florian Schierz | 2022</a:t>
+            </a:r>
+          </a:p>
+        </p:txBody>
+      </p:sp>
+      <p:sp>
+        <p:nvSpPr>
+          <p:cNvPr id="8" name="Textfeld 7">
+            <a:extLst>
+              <a:ext uri="{FF2B5EF4-FFF2-40B4-BE49-F238E27FC236}">
+                <a16:creationId xmlns:a16="http://schemas.microsoft.com/office/drawing/2014/main" id="{7162C9EA-9725-333A-21C5-65FC349B92B6}"/>
+              </a:ext>
+            </a:extLst>
+          </p:cNvPr>
+          <p:cNvSpPr txBox="1"/>
+          <p:nvPr/>
+        </p:nvSpPr>
+        <p:spPr>
+          <a:xfrm>
+            <a:off x="611560" y="1203598"/>
+            <a:ext cx="8280920" cy="646331"/>
+          </a:xfrm>
+          <a:prstGeom prst="rect">
+            <a:avLst/>
+          </a:prstGeom>
+          <a:noFill/>
+        </p:spPr>
+        <p:txBody>
+          <a:bodyPr wrap="square" rtlCol="0">
+            <a:spAutoFit/>
+          </a:bodyPr>
+          <a:lstStyle/>
+          <a:p>
+            <a:r>
+              <a:rPr lang="de-DE" dirty="0">
+                <a:solidFill>
+                  <a:srgbClr val="000000"/>
+                </a:solidFill>
+              </a:rPr>
+              <a:t>Falsch-Positiv-Rate (Soll: 0.01) in Abhängigkeit der insgesamt einzufügenden Elemente</a:t>
+            </a:r>
+          </a:p>
+          <a:p>
+            <a:r>
+              <a:rPr lang="de-DE" dirty="0" err="1">
+                <a:solidFill>
+                  <a:srgbClr val="000000"/>
+                </a:solidFill>
+              </a:rPr>
+              <a:t>Floom</a:t>
+            </a:r>
+            <a:r>
+              <a:rPr lang="de-DE" dirty="0">
+                <a:solidFill>
+                  <a:srgbClr val="000000"/>
+                </a:solidFill>
+              </a:rPr>
+              <a:t>-Filter mit 16 Bereichen</a:t>
+            </a:r>
+          </a:p>
+        </p:txBody>
+      </p:sp>
+    </p:spTree>
+    <p:extLst>
+      <p:ext uri="{BB962C8B-B14F-4D97-AF65-F5344CB8AC3E}">
+        <p14:creationId xmlns:p14="http://schemas.microsoft.com/office/powerpoint/2010/main" val="3034341518"/>
+      </p:ext>
+    </p:extLst>
+  </p:cSld>
+  <p:clrMapOvr>
+    <a:masterClrMapping/>
+  </p:clrMapOvr>
+</p:sld>
+</file>
+
+<file path=ppt/slides/slide15.xml><?xml version="1.0" encoding="utf-8"?>
+<p:sld xmlns:a="http://schemas.openxmlformats.org/drawingml/2006/main" xmlns:r="http://schemas.openxmlformats.org/officeDocument/2006/relationships" xmlns:p="http://schemas.openxmlformats.org/presentationml/2006/main">
+  <p:cSld>
+    <p:spTree>
+      <p:nvGrpSpPr>
+        <p:cNvPr id="1" name=""/>
+        <p:cNvGrpSpPr/>
+        <p:nvPr/>
+      </p:nvGrpSpPr>
+      <p:grpSpPr>
+        <a:xfrm>
+          <a:off x="0" y="0"/>
+          <a:ext cx="0" cy="0"/>
+          <a:chOff x="0" y="0"/>
+          <a:chExt cx="0" cy="0"/>
+        </a:xfrm>
+      </p:grpSpPr>
+      <p:pic>
+        <p:nvPicPr>
+          <p:cNvPr id="5" name="Grafik 4">
+            <a:extLst>
+              <a:ext uri="{FF2B5EF4-FFF2-40B4-BE49-F238E27FC236}">
+                <a16:creationId xmlns:a16="http://schemas.microsoft.com/office/drawing/2014/main" id="{D7599D1A-7FC8-87DF-0687-DFA8B638754A}"/>
+              </a:ext>
+            </a:extLst>
+          </p:cNvPr>
+          <p:cNvPicPr>
+            <a:picLocks noChangeAspect="1"/>
+          </p:cNvPicPr>
+          <p:nvPr/>
+        </p:nvPicPr>
+        <p:blipFill>
+          <a:blip r:embed="rId3" cstate="print">
+            <a:extLst>
+              <a:ext uri="{28A0092B-C50C-407E-A947-70E740481C1C}">
+                <a14:useLocalDpi xmlns:a14="http://schemas.microsoft.com/office/drawing/2010/main" val="0"/>
+              </a:ext>
+            </a:extLst>
+          </a:blip>
+          <a:stretch>
+            <a:fillRect/>
+          </a:stretch>
+        </p:blipFill>
+        <p:spPr>
+          <a:xfrm>
+            <a:off x="827584" y="1779662"/>
+            <a:ext cx="6048672" cy="2863668"/>
+          </a:xfrm>
+          <a:prstGeom prst="rect">
+            <a:avLst/>
+          </a:prstGeom>
+        </p:spPr>
+      </p:pic>
+      <p:sp>
+        <p:nvSpPr>
+          <p:cNvPr id="6" name="Foliennummernplatzhalter 5"/>
+          <p:cNvSpPr>
+            <a:spLocks noGrp="1"/>
+          </p:cNvSpPr>
+          <p:nvPr>
+            <p:ph type="sldNum" sz="quarter" idx="4"/>
+          </p:nvPr>
+        </p:nvSpPr>
+        <p:spPr/>
+        <p:txBody>
+          <a:bodyPr/>
+          <a:lstStyle/>
+          <a:p>
+            <a:fld id="{F9CA7F02-FF28-4D8F-AF3B-6C950C783A54}" type="slidenum">
+              <a:rPr lang="de-DE" smtClean="0"/>
+              <a:pPr/>
+              <a:t>15</a:t>
+            </a:fld>
+            <a:endParaRPr lang="de-DE"/>
+          </a:p>
+        </p:txBody>
+      </p:sp>
+      <p:sp>
+        <p:nvSpPr>
+          <p:cNvPr id="3" name="Titel 2"/>
+          <p:cNvSpPr>
+            <a:spLocks noGrp="1"/>
+          </p:cNvSpPr>
+          <p:nvPr>
+            <p:ph type="title"/>
+          </p:nvPr>
+        </p:nvSpPr>
+        <p:spPr/>
+        <p:txBody>
+          <a:bodyPr/>
+          <a:lstStyle/>
+          <a:p>
+            <a:r>
+              <a:rPr lang="de-DE" dirty="0"/>
+              <a:t>BLOOM-FILTER</a:t>
+            </a:r>
+          </a:p>
+        </p:txBody>
+      </p:sp>
+      <p:sp>
+        <p:nvSpPr>
+          <p:cNvPr id="4" name="Inhaltsplatzhalter 3"/>
+          <p:cNvSpPr>
+            <a:spLocks noGrp="1"/>
+          </p:cNvSpPr>
+          <p:nvPr>
+            <p:ph sz="quarter" idx="13"/>
+          </p:nvPr>
+        </p:nvSpPr>
+        <p:spPr>
+          <a:xfrm>
+            <a:off x="936000" y="699542"/>
+            <a:ext cx="7308000" cy="429622"/>
+          </a:xfrm>
+        </p:spPr>
+        <p:txBody>
+          <a:bodyPr/>
+          <a:lstStyle/>
+          <a:p>
+            <a:r>
+              <a:rPr lang="de-DE" dirty="0"/>
+              <a:t>Vergleich der Varianten</a:t>
+            </a:r>
+          </a:p>
+        </p:txBody>
+      </p:sp>
+      <p:sp>
+        <p:nvSpPr>
+          <p:cNvPr id="7" name="Fußzeilenplatzhalter 6"/>
+          <p:cNvSpPr>
+            <a:spLocks noGrp="1"/>
+          </p:cNvSpPr>
+          <p:nvPr>
+            <p:ph type="ftr" sz="quarter" idx="3"/>
+          </p:nvPr>
+        </p:nvSpPr>
+        <p:spPr/>
+        <p:txBody>
+          <a:bodyPr/>
+          <a:lstStyle/>
+          <a:p>
+            <a:r>
+              <a:rPr lang="de-DE" dirty="0"/>
+              <a:t>TU Bergakademie Freiberg | Vortragender: Florian Schierz | 2022</a:t>
+            </a:r>
+          </a:p>
+        </p:txBody>
+      </p:sp>
+      <p:sp>
+        <p:nvSpPr>
+          <p:cNvPr id="8" name="Textfeld 7">
+            <a:extLst>
+              <a:ext uri="{FF2B5EF4-FFF2-40B4-BE49-F238E27FC236}">
+                <a16:creationId xmlns:a16="http://schemas.microsoft.com/office/drawing/2014/main" id="{7162C9EA-9725-333A-21C5-65FC349B92B6}"/>
+              </a:ext>
+            </a:extLst>
+          </p:cNvPr>
+          <p:cNvSpPr txBox="1"/>
+          <p:nvPr/>
+        </p:nvSpPr>
+        <p:spPr>
+          <a:xfrm>
+            <a:off x="611560" y="1203598"/>
+            <a:ext cx="8280920" cy="646331"/>
+          </a:xfrm>
+          <a:prstGeom prst="rect">
+            <a:avLst/>
+          </a:prstGeom>
+          <a:noFill/>
+        </p:spPr>
+        <p:txBody>
+          <a:bodyPr wrap="square" rtlCol="0">
+            <a:spAutoFit/>
+          </a:bodyPr>
+          <a:lstStyle/>
+          <a:p>
+            <a:r>
+              <a:rPr lang="de-DE" dirty="0">
+                <a:solidFill>
+                  <a:srgbClr val="000000"/>
+                </a:solidFill>
+              </a:rPr>
+              <a:t>Falsch-Positiv-Rate (Soll: 0.05) in Abhängigkeit der insgesamt einzufügenden Elemente</a:t>
+            </a:r>
+          </a:p>
+          <a:p>
+            <a:r>
+              <a:rPr lang="de-DE" dirty="0" err="1">
+                <a:solidFill>
+                  <a:srgbClr val="000000"/>
+                </a:solidFill>
+              </a:rPr>
+              <a:t>Floom</a:t>
+            </a:r>
+            <a:r>
+              <a:rPr lang="de-DE" dirty="0">
+                <a:solidFill>
+                  <a:srgbClr val="000000"/>
+                </a:solidFill>
+              </a:rPr>
+              <a:t>-Filter mit 12 Bereichen</a:t>
+            </a:r>
+          </a:p>
+        </p:txBody>
+      </p:sp>
+    </p:spTree>
+    <p:extLst>
+      <p:ext uri="{BB962C8B-B14F-4D97-AF65-F5344CB8AC3E}">
+        <p14:creationId xmlns:p14="http://schemas.microsoft.com/office/powerpoint/2010/main" val="1857633653"/>
+      </p:ext>
+    </p:extLst>
+  </p:cSld>
+  <p:clrMapOvr>
+    <a:masterClrMapping/>
+  </p:clrMapOvr>
+</p:sld>
+</file>
+
+<file path=ppt/slides/slide16.xml><?xml version="1.0" encoding="utf-8"?>
+<p:sld xmlns:a="http://schemas.openxmlformats.org/drawingml/2006/main" xmlns:r="http://schemas.openxmlformats.org/officeDocument/2006/relationships" xmlns:p="http://schemas.openxmlformats.org/presentationml/2006/main">
+  <p:cSld>
+    <p:spTree>
+      <p:nvGrpSpPr>
+        <p:cNvPr id="1" name=""/>
+        <p:cNvGrpSpPr/>
+        <p:nvPr/>
+      </p:nvGrpSpPr>
+      <p:grpSpPr>
+        <a:xfrm>
+          <a:off x="0" y="0"/>
+          <a:ext cx="0" cy="0"/>
+          <a:chOff x="0" y="0"/>
+          <a:chExt cx="0" cy="0"/>
+        </a:xfrm>
+      </p:grpSpPr>
+      <p:pic>
+        <p:nvPicPr>
+          <p:cNvPr id="9" name="Grafik 8">
+            <a:extLst>
+              <a:ext uri="{FF2B5EF4-FFF2-40B4-BE49-F238E27FC236}">
+                <a16:creationId xmlns:a16="http://schemas.microsoft.com/office/drawing/2014/main" id="{FA3F8A0E-F423-7D85-6A53-5496912D61A8}"/>
+              </a:ext>
+            </a:extLst>
+          </p:cNvPr>
+          <p:cNvPicPr>
+            <a:picLocks noChangeAspect="1"/>
+          </p:cNvPicPr>
+          <p:nvPr/>
+        </p:nvPicPr>
+        <p:blipFill>
+          <a:blip r:embed="rId3" cstate="print">
+            <a:extLst>
+              <a:ext uri="{28A0092B-C50C-407E-A947-70E740481C1C}">
+                <a14:useLocalDpi xmlns:a14="http://schemas.microsoft.com/office/drawing/2010/main" val="0"/>
+              </a:ext>
+            </a:extLst>
+          </a:blip>
+          <a:stretch>
+            <a:fillRect/>
+          </a:stretch>
+        </p:blipFill>
+        <p:spPr>
+          <a:xfrm>
+            <a:off x="755576" y="1792489"/>
+            <a:ext cx="5904656" cy="2795485"/>
+          </a:xfrm>
+          <a:prstGeom prst="rect">
+            <a:avLst/>
+          </a:prstGeom>
+        </p:spPr>
+      </p:pic>
+      <p:sp>
+        <p:nvSpPr>
+          <p:cNvPr id="6" name="Foliennummernplatzhalter 5"/>
+          <p:cNvSpPr>
+            <a:spLocks noGrp="1"/>
+          </p:cNvSpPr>
+          <p:nvPr>
+            <p:ph type="sldNum" sz="quarter" idx="4"/>
+          </p:nvPr>
+        </p:nvSpPr>
+        <p:spPr/>
+        <p:txBody>
+          <a:bodyPr/>
+          <a:lstStyle/>
+          <a:p>
+            <a:fld id="{F9CA7F02-FF28-4D8F-AF3B-6C950C783A54}" type="slidenum">
+              <a:rPr lang="de-DE" smtClean="0"/>
+              <a:pPr/>
+              <a:t>16</a:t>
+            </a:fld>
+            <a:endParaRPr lang="de-DE"/>
+          </a:p>
+        </p:txBody>
+      </p:sp>
+      <p:sp>
+        <p:nvSpPr>
+          <p:cNvPr id="3" name="Titel 2"/>
+          <p:cNvSpPr>
+            <a:spLocks noGrp="1"/>
+          </p:cNvSpPr>
+          <p:nvPr>
+            <p:ph type="title"/>
+          </p:nvPr>
+        </p:nvSpPr>
+        <p:spPr/>
+        <p:txBody>
+          <a:bodyPr/>
+          <a:lstStyle/>
+          <a:p>
+            <a:r>
+              <a:rPr lang="de-DE" dirty="0"/>
+              <a:t>BLOOM-FILTER</a:t>
+            </a:r>
+          </a:p>
+        </p:txBody>
+      </p:sp>
+      <p:sp>
+        <p:nvSpPr>
+          <p:cNvPr id="4" name="Inhaltsplatzhalter 3"/>
+          <p:cNvSpPr>
+            <a:spLocks noGrp="1"/>
+          </p:cNvSpPr>
+          <p:nvPr>
+            <p:ph sz="quarter" idx="13"/>
+          </p:nvPr>
+        </p:nvSpPr>
+        <p:spPr>
+          <a:xfrm>
+            <a:off x="936000" y="699542"/>
+            <a:ext cx="7308000" cy="429622"/>
+          </a:xfrm>
+        </p:spPr>
+        <p:txBody>
+          <a:bodyPr/>
+          <a:lstStyle/>
+          <a:p>
+            <a:r>
+              <a:rPr lang="de-DE" dirty="0"/>
+              <a:t>Vergleich der Varianten</a:t>
+            </a:r>
+          </a:p>
+        </p:txBody>
+      </p:sp>
+      <p:sp>
+        <p:nvSpPr>
+          <p:cNvPr id="7" name="Fußzeilenplatzhalter 6"/>
+          <p:cNvSpPr>
+            <a:spLocks noGrp="1"/>
+          </p:cNvSpPr>
+          <p:nvPr>
+            <p:ph type="ftr" sz="quarter" idx="3"/>
+          </p:nvPr>
+        </p:nvSpPr>
+        <p:spPr/>
+        <p:txBody>
+          <a:bodyPr/>
+          <a:lstStyle/>
+          <a:p>
+            <a:r>
+              <a:rPr lang="de-DE" dirty="0"/>
+              <a:t>TU Bergakademie Freiberg | Vortragender: Florian Schierz | 2022</a:t>
+            </a:r>
+          </a:p>
+        </p:txBody>
+      </p:sp>
+      <p:sp>
+        <p:nvSpPr>
+          <p:cNvPr id="8" name="Textfeld 7">
+            <a:extLst>
+              <a:ext uri="{FF2B5EF4-FFF2-40B4-BE49-F238E27FC236}">
+                <a16:creationId xmlns:a16="http://schemas.microsoft.com/office/drawing/2014/main" id="{7162C9EA-9725-333A-21C5-65FC349B92B6}"/>
+              </a:ext>
+            </a:extLst>
+          </p:cNvPr>
+          <p:cNvSpPr txBox="1"/>
+          <p:nvPr/>
+        </p:nvSpPr>
+        <p:spPr>
+          <a:xfrm>
+            <a:off x="611560" y="1203598"/>
+            <a:ext cx="8280920" cy="646331"/>
+          </a:xfrm>
+          <a:prstGeom prst="rect">
+            <a:avLst/>
+          </a:prstGeom>
+          <a:noFill/>
+        </p:spPr>
+        <p:txBody>
+          <a:bodyPr wrap="square" rtlCol="0">
+            <a:spAutoFit/>
+          </a:bodyPr>
+          <a:lstStyle/>
+          <a:p>
+            <a:r>
+              <a:rPr lang="de-DE" dirty="0">
+                <a:solidFill>
+                  <a:srgbClr val="000000"/>
+                </a:solidFill>
+              </a:rPr>
+              <a:t>Falsch-Positiv-Rate (Soll: 0.05) in Abhängigkeit der insgesamt einzufügenden Elemente</a:t>
+            </a:r>
+          </a:p>
+          <a:p>
+            <a:r>
+              <a:rPr lang="de-DE" dirty="0" err="1">
+                <a:solidFill>
+                  <a:srgbClr val="000000"/>
+                </a:solidFill>
+              </a:rPr>
+              <a:t>Floom</a:t>
+            </a:r>
+            <a:r>
+              <a:rPr lang="de-DE" dirty="0">
+                <a:solidFill>
+                  <a:srgbClr val="000000"/>
+                </a:solidFill>
+              </a:rPr>
+              <a:t>-Filter mit 16 Bereichen</a:t>
+            </a:r>
+          </a:p>
+        </p:txBody>
+      </p:sp>
+    </p:spTree>
+    <p:extLst>
+      <p:ext uri="{BB962C8B-B14F-4D97-AF65-F5344CB8AC3E}">
+        <p14:creationId xmlns:p14="http://schemas.microsoft.com/office/powerpoint/2010/main" val="2575325771"/>
+      </p:ext>
+    </p:extLst>
+  </p:cSld>
+  <p:clrMapOvr>
+    <a:masterClrMapping/>
+  </p:clrMapOvr>
+</p:sld>
+</file>
+
+<file path=ppt/slides/slide17.xml><?xml version="1.0" encoding="utf-8"?>
+<p:sld xmlns:a="http://schemas.openxmlformats.org/drawingml/2006/main" xmlns:r="http://schemas.openxmlformats.org/officeDocument/2006/relationships" xmlns:p="http://schemas.openxmlformats.org/presentationml/2006/main">
+  <p:cSld>
+    <p:spTree>
+      <p:nvGrpSpPr>
+        <p:cNvPr id="1" name=""/>
+        <p:cNvGrpSpPr/>
+        <p:nvPr/>
+      </p:nvGrpSpPr>
+      <p:grpSpPr>
+        <a:xfrm>
+          <a:off x="0" y="0"/>
+          <a:ext cx="0" cy="0"/>
+          <a:chOff x="0" y="0"/>
+          <a:chExt cx="0" cy="0"/>
+        </a:xfrm>
+      </p:grpSpPr>
+      <p:sp>
+        <p:nvSpPr>
+          <p:cNvPr id="6" name="Foliennummernplatzhalter 5"/>
+          <p:cNvSpPr>
+            <a:spLocks noGrp="1"/>
+          </p:cNvSpPr>
+          <p:nvPr>
+            <p:ph type="sldNum" sz="quarter" idx="4"/>
+          </p:nvPr>
+        </p:nvSpPr>
+        <p:spPr/>
+        <p:txBody>
+          <a:bodyPr/>
+          <a:lstStyle/>
+          <a:p>
+            <a:fld id="{F9CA7F02-FF28-4D8F-AF3B-6C950C783A54}" type="slidenum">
+              <a:rPr lang="de-DE" smtClean="0"/>
+              <a:pPr/>
+              <a:t>17</a:t>
             </a:fld>
             <a:endParaRPr lang="de-DE"/>
           </a:p>
@@ -6776,7 +8435,7 @@
 </p:sld>
 </file>
 
-<file path=ppt/slides/slide13.xml><?xml version="1.0" encoding="utf-8"?>
+<file path=ppt/slides/slide18.xml><?xml version="1.0" encoding="utf-8"?>
 <p:sld xmlns:a="http://schemas.openxmlformats.org/drawingml/2006/main" xmlns:r="http://schemas.openxmlformats.org/officeDocument/2006/relationships" xmlns:p="http://schemas.openxmlformats.org/presentationml/2006/main">
   <p:cSld>
     <p:spTree>
@@ -6811,7 +8470,7 @@
             <a:fld id="{F9CA7F02-FF28-4D8F-AF3B-6C950C783A54}" type="slidenum">
               <a:rPr lang="de-DE" smtClean="0"/>
               <a:pPr/>
-              <a:t>13</a:t>
+              <a:t>18</a:t>
             </a:fld>
             <a:endParaRPr lang="de-DE"/>
           </a:p>
@@ -7128,7 +8787,7 @@
 </p:sld>
 </file>
 
-<file path=ppt/slides/slide14.xml><?xml version="1.0" encoding="utf-8"?>
+<file path=ppt/slides/slide19.xml><?xml version="1.0" encoding="utf-8"?>
 <p:sld xmlns:a="http://schemas.openxmlformats.org/drawingml/2006/main" xmlns:r="http://schemas.openxmlformats.org/officeDocument/2006/relationships" xmlns:p="http://schemas.openxmlformats.org/presentationml/2006/main">
   <p:cSld>
     <p:spTree>
@@ -7163,7 +8822,7 @@
             <a:fld id="{F9CA7F02-FF28-4D8F-AF3B-6C950C783A54}" type="slidenum">
               <a:rPr lang="de-DE" smtClean="0"/>
               <a:pPr/>
-              <a:t>14</a:t>
+              <a:t>19</a:t>
             </a:fld>
             <a:endParaRPr lang="de-DE"/>
           </a:p>
@@ -7570,2103 +9229,6 @@
 </p:sld>
 </file>
 
-<file path=ppt/slides/slide15.xml><?xml version="1.0" encoding="utf-8"?>
-<p:sld xmlns:a="http://schemas.openxmlformats.org/drawingml/2006/main" xmlns:r="http://schemas.openxmlformats.org/officeDocument/2006/relationships" xmlns:p="http://schemas.openxmlformats.org/presentationml/2006/main">
-  <p:cSld>
-    <p:spTree>
-      <p:nvGrpSpPr>
-        <p:cNvPr id="1" name=""/>
-        <p:cNvGrpSpPr/>
-        <p:nvPr/>
-      </p:nvGrpSpPr>
-      <p:grpSpPr>
-        <a:xfrm>
-          <a:off x="0" y="0"/>
-          <a:ext cx="0" cy="0"/>
-          <a:chOff x="0" y="0"/>
-          <a:chExt cx="0" cy="0"/>
-        </a:xfrm>
-      </p:grpSpPr>
-      <p:sp>
-        <p:nvSpPr>
-          <p:cNvPr id="6" name="Foliennummernplatzhalter 5"/>
-          <p:cNvSpPr>
-            <a:spLocks noGrp="1"/>
-          </p:cNvSpPr>
-          <p:nvPr>
-            <p:ph type="sldNum" sz="quarter" idx="4"/>
-          </p:nvPr>
-        </p:nvSpPr>
-        <p:spPr/>
-        <p:txBody>
-          <a:bodyPr/>
-          <a:lstStyle/>
-          <a:p>
-            <a:fld id="{F9CA7F02-FF28-4D8F-AF3B-6C950C783A54}" type="slidenum">
-              <a:rPr lang="de-DE" smtClean="0"/>
-              <a:pPr/>
-              <a:t>15</a:t>
-            </a:fld>
-            <a:endParaRPr lang="de-DE"/>
-          </a:p>
-        </p:txBody>
-      </p:sp>
-      <p:sp>
-        <p:nvSpPr>
-          <p:cNvPr id="3" name="Titel 2"/>
-          <p:cNvSpPr>
-            <a:spLocks noGrp="1"/>
-          </p:cNvSpPr>
-          <p:nvPr>
-            <p:ph type="title"/>
-          </p:nvPr>
-        </p:nvSpPr>
-        <p:spPr/>
-        <p:txBody>
-          <a:bodyPr/>
-          <a:lstStyle/>
-          <a:p>
-            <a:r>
-              <a:rPr lang="de-DE" dirty="0"/>
-              <a:t>BLOOM-FILTER</a:t>
-            </a:r>
-          </a:p>
-        </p:txBody>
-      </p:sp>
-      <p:sp>
-        <p:nvSpPr>
-          <p:cNvPr id="4" name="Inhaltsplatzhalter 3"/>
-          <p:cNvSpPr>
-            <a:spLocks noGrp="1"/>
-          </p:cNvSpPr>
-          <p:nvPr>
-            <p:ph sz="quarter" idx="13"/>
-          </p:nvPr>
-        </p:nvSpPr>
-        <p:spPr>
-          <a:xfrm>
-            <a:off x="936000" y="699542"/>
-            <a:ext cx="7308000" cy="429622"/>
-          </a:xfrm>
-        </p:spPr>
-        <p:txBody>
-          <a:bodyPr/>
-          <a:lstStyle/>
-          <a:p>
-            <a:r>
-              <a:rPr lang="de-DE" dirty="0"/>
-              <a:t>Varianten</a:t>
-            </a:r>
-          </a:p>
-          <a:p>
-            <a:endParaRPr lang="de-DE" dirty="0"/>
-          </a:p>
-        </p:txBody>
-      </p:sp>
-      <p:sp>
-        <p:nvSpPr>
-          <p:cNvPr id="7" name="Fußzeilenplatzhalter 6"/>
-          <p:cNvSpPr>
-            <a:spLocks noGrp="1"/>
-          </p:cNvSpPr>
-          <p:nvPr>
-            <p:ph type="ftr" sz="quarter" idx="3"/>
-          </p:nvPr>
-        </p:nvSpPr>
-        <p:spPr/>
-        <p:txBody>
-          <a:bodyPr/>
-          <a:lstStyle/>
-          <a:p>
-            <a:r>
-              <a:rPr lang="de-DE" dirty="0"/>
-              <a:t>TU Bergakademie Freiberg | Vortragender: Florian Schierz | 2022</a:t>
-            </a:r>
-          </a:p>
-        </p:txBody>
-      </p:sp>
-      <p:sp>
-        <p:nvSpPr>
-          <p:cNvPr id="8" name="Textfeld 7">
-            <a:extLst>
-              <a:ext uri="{FF2B5EF4-FFF2-40B4-BE49-F238E27FC236}">
-                <a16:creationId xmlns:a16="http://schemas.microsoft.com/office/drawing/2014/main" id="{0EC55FCD-E240-580E-FE2A-11BFE1B4FEF3}"/>
-              </a:ext>
-            </a:extLst>
-          </p:cNvPr>
-          <p:cNvSpPr txBox="1"/>
-          <p:nvPr/>
-        </p:nvSpPr>
-        <p:spPr>
-          <a:xfrm>
-            <a:off x="611560" y="1203598"/>
-            <a:ext cx="4248472" cy="3139321"/>
-          </a:xfrm>
-          <a:prstGeom prst="rect">
-            <a:avLst/>
-          </a:prstGeom>
-          <a:noFill/>
-        </p:spPr>
-        <p:txBody>
-          <a:bodyPr wrap="square" rtlCol="0">
-            <a:spAutoFit/>
-          </a:bodyPr>
-          <a:lstStyle/>
-          <a:p>
-            <a:pPr marL="285750" indent="-285750">
-              <a:buFont typeface="Arial" panose="020B0604020202020204" pitchFamily="34" charset="0"/>
-              <a:buChar char="•"/>
-            </a:pPr>
-            <a:r>
-              <a:rPr lang="de-DE" b="1" u="sng" dirty="0" err="1">
-                <a:solidFill>
-                  <a:srgbClr val="000000"/>
-                </a:solidFill>
-              </a:rPr>
-              <a:t>Deletable</a:t>
-            </a:r>
-            <a:r>
-              <a:rPr lang="de-DE" b="1" u="sng" dirty="0">
-                <a:solidFill>
-                  <a:srgbClr val="000000"/>
-                </a:solidFill>
-              </a:rPr>
-              <a:t> BF</a:t>
-            </a:r>
-            <a:r>
-              <a:rPr lang="de-DE" dirty="0">
-                <a:solidFill>
-                  <a:srgbClr val="000000"/>
-                </a:solidFill>
-              </a:rPr>
-              <a:t>: [9]</a:t>
-            </a:r>
-          </a:p>
-          <a:p>
-            <a:pPr marL="742950" lvl="1" indent="-285750">
-              <a:buFont typeface="Arial" panose="020B0604020202020204" pitchFamily="34" charset="0"/>
-              <a:buChar char="•"/>
-            </a:pPr>
-            <a:r>
-              <a:rPr lang="de-DE" dirty="0">
-                <a:solidFill>
-                  <a:srgbClr val="000000"/>
-                </a:solidFill>
-              </a:rPr>
-              <a:t>Teilt Array in </a:t>
-            </a:r>
-            <a:r>
-              <a:rPr lang="de-DE" b="1" dirty="0">
-                <a:solidFill>
-                  <a:srgbClr val="000000"/>
-                </a:solidFill>
-              </a:rPr>
-              <a:t>b Bereiche</a:t>
-            </a:r>
-          </a:p>
-          <a:p>
-            <a:pPr marL="742950" lvl="1" indent="-285750">
-              <a:buFont typeface="Arial" panose="020B0604020202020204" pitchFamily="34" charset="0"/>
-              <a:buChar char="•"/>
-            </a:pPr>
-            <a:r>
-              <a:rPr lang="de-DE" dirty="0">
-                <a:solidFill>
-                  <a:srgbClr val="000000"/>
-                </a:solidFill>
-              </a:rPr>
-              <a:t>Zusätzlich b Bit </a:t>
-            </a:r>
-            <a:r>
-              <a:rPr lang="de-DE" b="1" dirty="0">
-                <a:solidFill>
-                  <a:srgbClr val="000000"/>
-                </a:solidFill>
-              </a:rPr>
-              <a:t>Extraspeicher</a:t>
-            </a:r>
-          </a:p>
-          <a:p>
-            <a:pPr marL="742950" lvl="1" indent="-285750">
-              <a:buFont typeface="Arial" panose="020B0604020202020204" pitchFamily="34" charset="0"/>
-              <a:buChar char="•"/>
-            </a:pPr>
-            <a:r>
-              <a:rPr lang="de-DE" dirty="0">
-                <a:solidFill>
-                  <a:srgbClr val="000000"/>
-                </a:solidFill>
-              </a:rPr>
-              <a:t>Wenn bereits auf Eins stehendes Feld wieder gesetzt werden soll, wird der </a:t>
-            </a:r>
-            <a:r>
-              <a:rPr lang="de-DE" b="1" dirty="0">
-                <a:solidFill>
-                  <a:srgbClr val="000000"/>
-                </a:solidFill>
-              </a:rPr>
-              <a:t>Bereich markiert</a:t>
-            </a:r>
-          </a:p>
-          <a:p>
-            <a:pPr marL="742950" lvl="1" indent="-285750">
-              <a:buFont typeface="Arial" panose="020B0604020202020204" pitchFamily="34" charset="0"/>
-              <a:buChar char="•"/>
-            </a:pPr>
-            <a:r>
-              <a:rPr lang="de-DE" dirty="0">
-                <a:solidFill>
-                  <a:srgbClr val="000000"/>
-                </a:solidFill>
-              </a:rPr>
-              <a:t>So manchmal </a:t>
-            </a:r>
-            <a:r>
-              <a:rPr lang="de-DE" b="1" dirty="0">
-                <a:solidFill>
-                  <a:srgbClr val="000000"/>
-                </a:solidFill>
-              </a:rPr>
-              <a:t>löschen</a:t>
-            </a:r>
-            <a:r>
-              <a:rPr lang="de-DE" dirty="0">
-                <a:solidFill>
-                  <a:srgbClr val="000000"/>
-                </a:solidFill>
-              </a:rPr>
-              <a:t> ermöglicht </a:t>
-            </a:r>
-            <a:r>
-              <a:rPr lang="de-DE" dirty="0">
-                <a:solidFill>
-                  <a:srgbClr val="000000"/>
-                </a:solidFill>
-                <a:sym typeface="Wingdings" panose="05000000000000000000" pitchFamily="2" charset="2"/>
-              </a:rPr>
-              <a:t> wenn Bereich nicht markiert, kann Bit darin entfernt werden</a:t>
-            </a:r>
-            <a:endParaRPr lang="de-DE" dirty="0">
-              <a:solidFill>
-                <a:srgbClr val="000000"/>
-              </a:solidFill>
-            </a:endParaRPr>
-          </a:p>
-          <a:p>
-            <a:pPr marL="742950" lvl="1" indent="-285750">
-              <a:buFont typeface="Arial" panose="020B0604020202020204" pitchFamily="34" charset="0"/>
-              <a:buChar char="•"/>
-            </a:pPr>
-            <a:r>
-              <a:rPr lang="de-DE" dirty="0">
-                <a:solidFill>
-                  <a:srgbClr val="000000"/>
-                </a:solidFill>
-              </a:rPr>
-              <a:t>Erhöhter Platzbedarf, aber </a:t>
-            </a:r>
-            <a:r>
-              <a:rPr lang="de-DE" b="1" dirty="0">
-                <a:solidFill>
-                  <a:srgbClr val="000000"/>
-                </a:solidFill>
-              </a:rPr>
-              <a:t>weniger</a:t>
-            </a:r>
-            <a:r>
-              <a:rPr lang="de-DE" dirty="0">
-                <a:solidFill>
-                  <a:srgbClr val="000000"/>
-                </a:solidFill>
-              </a:rPr>
-              <a:t> als bei </a:t>
-            </a:r>
-            <a:r>
-              <a:rPr lang="de-DE" dirty="0" err="1">
-                <a:solidFill>
-                  <a:srgbClr val="000000"/>
-                </a:solidFill>
-              </a:rPr>
-              <a:t>Counting</a:t>
-            </a:r>
-            <a:r>
-              <a:rPr lang="de-DE" dirty="0">
-                <a:solidFill>
-                  <a:srgbClr val="000000"/>
-                </a:solidFill>
-              </a:rPr>
-              <a:t> BF</a:t>
-            </a:r>
-          </a:p>
-        </p:txBody>
-      </p:sp>
-      <p:pic>
-        <p:nvPicPr>
-          <p:cNvPr id="5" name="Grafik 4">
-            <a:extLst>
-              <a:ext uri="{FF2B5EF4-FFF2-40B4-BE49-F238E27FC236}">
-                <a16:creationId xmlns:a16="http://schemas.microsoft.com/office/drawing/2014/main" id="{1537EFDE-8C63-B2C2-1F5B-084C2E2E46E2}"/>
-              </a:ext>
-            </a:extLst>
-          </p:cNvPr>
-          <p:cNvPicPr>
-            <a:picLocks noChangeAspect="1"/>
-          </p:cNvPicPr>
-          <p:nvPr/>
-        </p:nvPicPr>
-        <p:blipFill rotWithShape="1">
-          <a:blip r:embed="rId2">
-            <a:extLst>
-              <a:ext uri="{28A0092B-C50C-407E-A947-70E740481C1C}">
-                <a14:useLocalDpi xmlns:a14="http://schemas.microsoft.com/office/drawing/2010/main" val="0"/>
-              </a:ext>
-              <a:ext uri="{96DAC541-7B7A-43D3-8B79-37D633B846F1}">
-                <asvg:svgBlip xmlns:asvg="http://schemas.microsoft.com/office/drawing/2016/SVG/main" r:embed="rId3"/>
-              </a:ext>
-            </a:extLst>
-          </a:blip>
-          <a:srcRect l="18319" r="16338" b="62600"/>
-          <a:stretch/>
-        </p:blipFill>
-        <p:spPr>
-          <a:xfrm>
-            <a:off x="4355976" y="495000"/>
-            <a:ext cx="5165347" cy="4181549"/>
-          </a:xfrm>
-          <a:prstGeom prst="rect">
-            <a:avLst/>
-          </a:prstGeom>
-        </p:spPr>
-      </p:pic>
-    </p:spTree>
-    <p:extLst>
-      <p:ext uri="{BB962C8B-B14F-4D97-AF65-F5344CB8AC3E}">
-        <p14:creationId xmlns:p14="http://schemas.microsoft.com/office/powerpoint/2010/main" val="3495317879"/>
-      </p:ext>
-    </p:extLst>
-  </p:cSld>
-  <p:clrMapOvr>
-    <a:masterClrMapping/>
-  </p:clrMapOvr>
-</p:sld>
-</file>
-
-<file path=ppt/slides/slide16.xml><?xml version="1.0" encoding="utf-8"?>
-<p:sld xmlns:a="http://schemas.openxmlformats.org/drawingml/2006/main" xmlns:r="http://schemas.openxmlformats.org/officeDocument/2006/relationships" xmlns:p="http://schemas.openxmlformats.org/presentationml/2006/main">
-  <p:cSld>
-    <p:spTree>
-      <p:nvGrpSpPr>
-        <p:cNvPr id="1" name=""/>
-        <p:cNvGrpSpPr/>
-        <p:nvPr/>
-      </p:nvGrpSpPr>
-      <p:grpSpPr>
-        <a:xfrm>
-          <a:off x="0" y="0"/>
-          <a:ext cx="0" cy="0"/>
-          <a:chOff x="0" y="0"/>
-          <a:chExt cx="0" cy="0"/>
-        </a:xfrm>
-      </p:grpSpPr>
-      <p:sp>
-        <p:nvSpPr>
-          <p:cNvPr id="6" name="Foliennummernplatzhalter 5"/>
-          <p:cNvSpPr>
-            <a:spLocks noGrp="1"/>
-          </p:cNvSpPr>
-          <p:nvPr>
-            <p:ph type="sldNum" sz="quarter" idx="4"/>
-          </p:nvPr>
-        </p:nvSpPr>
-        <p:spPr/>
-        <p:txBody>
-          <a:bodyPr/>
-          <a:lstStyle/>
-          <a:p>
-            <a:fld id="{F9CA7F02-FF28-4D8F-AF3B-6C950C783A54}" type="slidenum">
-              <a:rPr lang="de-DE" smtClean="0"/>
-              <a:pPr/>
-              <a:t>16</a:t>
-            </a:fld>
-            <a:endParaRPr lang="de-DE"/>
-          </a:p>
-        </p:txBody>
-      </p:sp>
-      <p:sp>
-        <p:nvSpPr>
-          <p:cNvPr id="3" name="Titel 2"/>
-          <p:cNvSpPr>
-            <a:spLocks noGrp="1"/>
-          </p:cNvSpPr>
-          <p:nvPr>
-            <p:ph type="title"/>
-          </p:nvPr>
-        </p:nvSpPr>
-        <p:spPr/>
-        <p:txBody>
-          <a:bodyPr/>
-          <a:lstStyle/>
-          <a:p>
-            <a:r>
-              <a:rPr lang="de-DE" dirty="0"/>
-              <a:t>BLOOM-FILTER</a:t>
-            </a:r>
-          </a:p>
-        </p:txBody>
-      </p:sp>
-      <p:sp>
-        <p:nvSpPr>
-          <p:cNvPr id="4" name="Inhaltsplatzhalter 3"/>
-          <p:cNvSpPr>
-            <a:spLocks noGrp="1"/>
-          </p:cNvSpPr>
-          <p:nvPr>
-            <p:ph sz="quarter" idx="13"/>
-          </p:nvPr>
-        </p:nvSpPr>
-        <p:spPr>
-          <a:xfrm>
-            <a:off x="936000" y="699542"/>
-            <a:ext cx="7308000" cy="429622"/>
-          </a:xfrm>
-        </p:spPr>
-        <p:txBody>
-          <a:bodyPr/>
-          <a:lstStyle/>
-          <a:p>
-            <a:r>
-              <a:rPr lang="de-DE" dirty="0"/>
-              <a:t>Zusammenfassung</a:t>
-            </a:r>
-          </a:p>
-        </p:txBody>
-      </p:sp>
-      <p:sp>
-        <p:nvSpPr>
-          <p:cNvPr id="7" name="Fußzeilenplatzhalter 6"/>
-          <p:cNvSpPr>
-            <a:spLocks noGrp="1"/>
-          </p:cNvSpPr>
-          <p:nvPr>
-            <p:ph type="ftr" sz="quarter" idx="3"/>
-          </p:nvPr>
-        </p:nvSpPr>
-        <p:spPr/>
-        <p:txBody>
-          <a:bodyPr/>
-          <a:lstStyle/>
-          <a:p>
-            <a:r>
-              <a:rPr lang="de-DE" dirty="0"/>
-              <a:t>TU Bergakademie Freiberg | Vortragender: Florian Schierz | 2022</a:t>
-            </a:r>
-          </a:p>
-        </p:txBody>
-      </p:sp>
-      <p:sp>
-        <p:nvSpPr>
-          <p:cNvPr id="8" name="Textfeld 7">
-            <a:extLst>
-              <a:ext uri="{FF2B5EF4-FFF2-40B4-BE49-F238E27FC236}">
-                <a16:creationId xmlns:a16="http://schemas.microsoft.com/office/drawing/2014/main" id="{093EC415-536A-DF25-47D2-0D0A17C6051B}"/>
-              </a:ext>
-            </a:extLst>
-          </p:cNvPr>
-          <p:cNvSpPr txBox="1"/>
-          <p:nvPr/>
-        </p:nvSpPr>
-        <p:spPr>
-          <a:xfrm>
-            <a:off x="611560" y="1203598"/>
-            <a:ext cx="6768752" cy="2585323"/>
-          </a:xfrm>
-          <a:prstGeom prst="rect">
-            <a:avLst/>
-          </a:prstGeom>
-          <a:noFill/>
-        </p:spPr>
-        <p:txBody>
-          <a:bodyPr wrap="square" rtlCol="0">
-            <a:spAutoFit/>
-          </a:bodyPr>
-          <a:lstStyle/>
-          <a:p>
-            <a:pPr marL="285750" indent="-285750">
-              <a:buFont typeface="Arial" panose="020B0604020202020204" pitchFamily="34" charset="0"/>
-              <a:buChar char="•"/>
-            </a:pPr>
-            <a:r>
-              <a:rPr lang="de-DE" dirty="0">
-                <a:solidFill>
-                  <a:srgbClr val="000000"/>
-                </a:solidFill>
-              </a:rPr>
-              <a:t>In </a:t>
-            </a:r>
-            <a:r>
-              <a:rPr lang="de-DE" b="1" dirty="0">
-                <a:solidFill>
-                  <a:srgbClr val="000000"/>
-                </a:solidFill>
-              </a:rPr>
-              <a:t>Praxis</a:t>
-            </a:r>
-            <a:r>
-              <a:rPr lang="de-DE" dirty="0">
-                <a:solidFill>
-                  <a:srgbClr val="000000"/>
-                </a:solidFill>
-              </a:rPr>
-              <a:t> und </a:t>
-            </a:r>
-            <a:r>
-              <a:rPr lang="de-DE" b="1" dirty="0">
-                <a:solidFill>
-                  <a:srgbClr val="000000"/>
-                </a:solidFill>
-              </a:rPr>
-              <a:t>Literatur</a:t>
-            </a:r>
-            <a:r>
-              <a:rPr lang="de-DE" dirty="0">
-                <a:solidFill>
-                  <a:srgbClr val="000000"/>
-                </a:solidFill>
-              </a:rPr>
-              <a:t> seit Erfindung (1970) oft thematisiert</a:t>
-            </a:r>
-          </a:p>
-          <a:p>
-            <a:pPr marL="285750" indent="-285750">
-              <a:buFont typeface="Arial" panose="020B0604020202020204" pitchFamily="34" charset="0"/>
-              <a:buChar char="•"/>
-            </a:pPr>
-            <a:r>
-              <a:rPr lang="de-DE" dirty="0">
-                <a:solidFill>
-                  <a:srgbClr val="000000"/>
-                </a:solidFill>
-              </a:rPr>
-              <a:t>Beliebt aufgrund der </a:t>
-            </a:r>
-            <a:r>
-              <a:rPr lang="de-DE" b="1" dirty="0">
-                <a:solidFill>
-                  <a:srgbClr val="000000"/>
-                </a:solidFill>
-              </a:rPr>
-              <a:t>Effizienz</a:t>
-            </a:r>
-            <a:r>
-              <a:rPr lang="de-DE" dirty="0">
-                <a:solidFill>
-                  <a:srgbClr val="000000"/>
-                </a:solidFill>
-              </a:rPr>
-              <a:t> und </a:t>
-            </a:r>
-            <a:r>
-              <a:rPr lang="de-DE" b="1" dirty="0">
-                <a:solidFill>
-                  <a:srgbClr val="000000"/>
-                </a:solidFill>
-              </a:rPr>
-              <a:t>Vielseitigkeit</a:t>
-            </a:r>
-          </a:p>
-          <a:p>
-            <a:pPr marL="285750" indent="-285750">
-              <a:buFont typeface="Arial" panose="020B0604020202020204" pitchFamily="34" charset="0"/>
-              <a:buChar char="•"/>
-            </a:pPr>
-            <a:r>
-              <a:rPr lang="de-DE" dirty="0">
-                <a:solidFill>
-                  <a:srgbClr val="000000"/>
-                </a:solidFill>
-              </a:rPr>
-              <a:t>Ständige </a:t>
-            </a:r>
-            <a:r>
-              <a:rPr lang="de-DE" b="1" dirty="0">
-                <a:solidFill>
-                  <a:srgbClr val="000000"/>
-                </a:solidFill>
-              </a:rPr>
-              <a:t>Weiterentwicklung</a:t>
-            </a:r>
-            <a:r>
-              <a:rPr lang="de-DE" dirty="0">
-                <a:solidFill>
-                  <a:srgbClr val="000000"/>
-                </a:solidFill>
-              </a:rPr>
-              <a:t>, neue </a:t>
-            </a:r>
-            <a:r>
-              <a:rPr lang="de-DE" b="1" dirty="0">
-                <a:solidFill>
-                  <a:srgbClr val="000000"/>
-                </a:solidFill>
-              </a:rPr>
-              <a:t>Varianten</a:t>
-            </a:r>
-            <a:r>
-              <a:rPr lang="de-DE" dirty="0">
-                <a:solidFill>
-                  <a:srgbClr val="000000"/>
-                </a:solidFill>
-              </a:rPr>
-              <a:t> </a:t>
-            </a:r>
-          </a:p>
-          <a:p>
-            <a:r>
-              <a:rPr lang="de-DE" dirty="0">
-                <a:solidFill>
-                  <a:srgbClr val="000000"/>
-                </a:solidFill>
-                <a:sym typeface="Wingdings" panose="05000000000000000000" pitchFamily="2" charset="2"/>
-              </a:rPr>
-              <a:t>	</a:t>
-            </a:r>
-            <a:r>
-              <a:rPr lang="de-DE" dirty="0">
-                <a:solidFill>
-                  <a:srgbClr val="000000"/>
-                </a:solidFill>
-              </a:rPr>
-              <a:t>Welche Variante ist am </a:t>
-            </a:r>
-            <a:r>
-              <a:rPr lang="de-DE" b="1" dirty="0">
-                <a:solidFill>
-                  <a:srgbClr val="000000"/>
-                </a:solidFill>
-              </a:rPr>
-              <a:t>besten</a:t>
-            </a:r>
-            <a:r>
-              <a:rPr lang="de-DE" dirty="0">
-                <a:solidFill>
-                  <a:srgbClr val="000000"/>
-                </a:solidFill>
-              </a:rPr>
-              <a:t>?</a:t>
-            </a:r>
-          </a:p>
-          <a:p>
-            <a:pPr marL="285750" indent="-285750">
-              <a:buFont typeface="Arial" panose="020B0604020202020204" pitchFamily="34" charset="0"/>
-              <a:buChar char="•"/>
-            </a:pPr>
-            <a:r>
-              <a:rPr lang="de-DE" dirty="0">
-                <a:solidFill>
-                  <a:srgbClr val="000000"/>
-                </a:solidFill>
-              </a:rPr>
-              <a:t>Benötigt meist </a:t>
-            </a:r>
-            <a:r>
-              <a:rPr lang="de-DE" b="1" dirty="0">
-                <a:solidFill>
-                  <a:srgbClr val="000000"/>
-                </a:solidFill>
-              </a:rPr>
-              <a:t>weitere Datenstruktur</a:t>
-            </a:r>
-            <a:r>
-              <a:rPr lang="de-DE" dirty="0">
-                <a:solidFill>
-                  <a:srgbClr val="000000"/>
-                </a:solidFill>
-              </a:rPr>
-              <a:t>, die Daten wirklich speichert</a:t>
-            </a:r>
-          </a:p>
-          <a:p>
-            <a:pPr marL="285750" indent="-285750">
-              <a:buFont typeface="Arial" panose="020B0604020202020204" pitchFamily="34" charset="0"/>
-              <a:buChar char="•"/>
-            </a:pPr>
-            <a:endParaRPr lang="de-DE" dirty="0">
-              <a:solidFill>
-                <a:srgbClr val="000000"/>
-              </a:solidFill>
-            </a:endParaRPr>
-          </a:p>
-          <a:p>
-            <a:pPr marL="285750" indent="-285750">
-              <a:buFont typeface="Arial" panose="020B0604020202020204" pitchFamily="34" charset="0"/>
-              <a:buChar char="•"/>
-            </a:pPr>
-            <a:r>
-              <a:rPr lang="de-DE" b="1" dirty="0">
-                <a:solidFill>
-                  <a:srgbClr val="0064A8"/>
-                </a:solidFill>
-              </a:rPr>
-              <a:t>Ist eine Datenstruktur mit den Eigenschaften des Bloom-Filters möglich, die zudem die Elemente selbst speichert?</a:t>
-            </a:r>
-          </a:p>
-          <a:p>
-            <a:pPr marL="285750" indent="-285750">
-              <a:buFont typeface="Arial" panose="020B0604020202020204" pitchFamily="34" charset="0"/>
-              <a:buChar char="•"/>
-            </a:pPr>
-            <a:endParaRPr lang="de-DE" dirty="0"/>
-          </a:p>
-        </p:txBody>
-      </p:sp>
-    </p:spTree>
-    <p:extLst>
-      <p:ext uri="{BB962C8B-B14F-4D97-AF65-F5344CB8AC3E}">
-        <p14:creationId xmlns:p14="http://schemas.microsoft.com/office/powerpoint/2010/main" val="2716102838"/>
-      </p:ext>
-    </p:extLst>
-  </p:cSld>
-  <p:clrMapOvr>
-    <a:masterClrMapping/>
-  </p:clrMapOvr>
-</p:sld>
-</file>
-
-<file path=ppt/slides/slide17.xml><?xml version="1.0" encoding="utf-8"?>
-<p:sld xmlns:a="http://schemas.openxmlformats.org/drawingml/2006/main" xmlns:r="http://schemas.openxmlformats.org/officeDocument/2006/relationships" xmlns:p="http://schemas.openxmlformats.org/presentationml/2006/main">
-  <p:cSld>
-    <p:spTree>
-      <p:nvGrpSpPr>
-        <p:cNvPr id="1" name=""/>
-        <p:cNvGrpSpPr/>
-        <p:nvPr/>
-      </p:nvGrpSpPr>
-      <p:grpSpPr>
-        <a:xfrm>
-          <a:off x="0" y="0"/>
-          <a:ext cx="0" cy="0"/>
-          <a:chOff x="0" y="0"/>
-          <a:chExt cx="0" cy="0"/>
-        </a:xfrm>
-      </p:grpSpPr>
-      <p:sp>
-        <p:nvSpPr>
-          <p:cNvPr id="6" name="Foliennummernplatzhalter 5"/>
-          <p:cNvSpPr>
-            <a:spLocks noGrp="1"/>
-          </p:cNvSpPr>
-          <p:nvPr>
-            <p:ph type="sldNum" sz="quarter" idx="4"/>
-          </p:nvPr>
-        </p:nvSpPr>
-        <p:spPr/>
-        <p:txBody>
-          <a:bodyPr/>
-          <a:lstStyle/>
-          <a:p>
-            <a:fld id="{F9CA7F02-FF28-4D8F-AF3B-6C950C783A54}" type="slidenum">
-              <a:rPr lang="de-DE" smtClean="0"/>
-              <a:pPr/>
-              <a:t>17</a:t>
-            </a:fld>
-            <a:endParaRPr lang="de-DE"/>
-          </a:p>
-        </p:txBody>
-      </p:sp>
-      <p:sp>
-        <p:nvSpPr>
-          <p:cNvPr id="3" name="Titel 2"/>
-          <p:cNvSpPr>
-            <a:spLocks noGrp="1"/>
-          </p:cNvSpPr>
-          <p:nvPr>
-            <p:ph type="title"/>
-          </p:nvPr>
-        </p:nvSpPr>
-        <p:spPr/>
-        <p:txBody>
-          <a:bodyPr/>
-          <a:lstStyle/>
-          <a:p>
-            <a:r>
-              <a:rPr lang="de-DE" dirty="0"/>
-              <a:t>BLOOM-FILTER</a:t>
-            </a:r>
-          </a:p>
-        </p:txBody>
-      </p:sp>
-      <p:sp>
-        <p:nvSpPr>
-          <p:cNvPr id="4" name="Inhaltsplatzhalter 3"/>
-          <p:cNvSpPr>
-            <a:spLocks noGrp="1"/>
-          </p:cNvSpPr>
-          <p:nvPr>
-            <p:ph sz="quarter" idx="13"/>
-          </p:nvPr>
-        </p:nvSpPr>
-        <p:spPr>
-          <a:xfrm>
-            <a:off x="936000" y="699542"/>
-            <a:ext cx="7308000" cy="429622"/>
-          </a:xfrm>
-        </p:spPr>
-        <p:txBody>
-          <a:bodyPr/>
-          <a:lstStyle/>
-          <a:p>
-            <a:r>
-              <a:rPr lang="de-DE" dirty="0"/>
-              <a:t>Quellen</a:t>
-            </a:r>
-          </a:p>
-        </p:txBody>
-      </p:sp>
-      <p:sp>
-        <p:nvSpPr>
-          <p:cNvPr id="7" name="Fußzeilenplatzhalter 6"/>
-          <p:cNvSpPr>
-            <a:spLocks noGrp="1"/>
-          </p:cNvSpPr>
-          <p:nvPr>
-            <p:ph type="ftr" sz="quarter" idx="3"/>
-          </p:nvPr>
-        </p:nvSpPr>
-        <p:spPr/>
-        <p:txBody>
-          <a:bodyPr/>
-          <a:lstStyle/>
-          <a:p>
-            <a:r>
-              <a:rPr lang="de-DE" dirty="0"/>
-              <a:t>TU Bergakademie Freiberg | Vortragender: Florian Schierz | 2022</a:t>
-            </a:r>
-          </a:p>
-        </p:txBody>
-      </p:sp>
-      <p:sp>
-        <p:nvSpPr>
-          <p:cNvPr id="11" name="Textfeld 10">
-            <a:extLst>
-              <a:ext uri="{FF2B5EF4-FFF2-40B4-BE49-F238E27FC236}">
-                <a16:creationId xmlns:a16="http://schemas.microsoft.com/office/drawing/2014/main" id="{AED7FCD8-3C56-4B11-ADA2-B181B3B96684}"/>
-              </a:ext>
-            </a:extLst>
-          </p:cNvPr>
-          <p:cNvSpPr txBox="1"/>
-          <p:nvPr/>
-        </p:nvSpPr>
-        <p:spPr>
-          <a:xfrm>
-            <a:off x="611560" y="1419622"/>
-            <a:ext cx="8064896" cy="2800767"/>
-          </a:xfrm>
-          <a:prstGeom prst="rect">
-            <a:avLst/>
-          </a:prstGeom>
-          <a:noFill/>
-        </p:spPr>
-        <p:txBody>
-          <a:bodyPr wrap="square" rtlCol="0">
-            <a:spAutoFit/>
-          </a:bodyPr>
-          <a:lstStyle/>
-          <a:p>
-            <a:pPr marL="285750" indent="-285750">
-              <a:buFont typeface="Arial" panose="020B0604020202020204" pitchFamily="34" charset="0"/>
-              <a:buChar char="•"/>
-            </a:pPr>
-            <a:r>
-              <a:rPr lang="en-US" sz="1600" dirty="0">
-                <a:latin typeface="Segoe UI" panose="020B0502040204020203" pitchFamily="34" charset="0"/>
-              </a:rPr>
-              <a:t>[1] Burton H. Bloom, 1970, Space/time trade-offs in hash coding with allowable errors, </a:t>
-            </a:r>
-            <a:r>
-              <a:rPr lang="en-US" sz="1600" i="1" dirty="0">
-                <a:latin typeface="Segoe UI" panose="020B0502040204020203" pitchFamily="34" charset="0"/>
-              </a:rPr>
-              <a:t>Communications of the ACM</a:t>
-            </a:r>
-            <a:r>
-              <a:rPr lang="en-US" sz="1600" i="0" dirty="0">
-                <a:latin typeface="Segoe UI" panose="020B0502040204020203" pitchFamily="34" charset="0"/>
-              </a:rPr>
-              <a:t> 13, Issue 7, 422–426. DOI: https://doi.org/10.1145/362686.362692.</a:t>
-            </a:r>
-          </a:p>
-          <a:p>
-            <a:pPr marL="285750" indent="-285750">
-              <a:buFont typeface="Arial" panose="020B0604020202020204" pitchFamily="34" charset="0"/>
-              <a:buChar char="•"/>
-            </a:pPr>
-            <a:r>
-              <a:rPr lang="en-US" sz="1600" dirty="0">
-                <a:latin typeface="Segoe UI" panose="020B0502040204020203" pitchFamily="34" charset="0"/>
-              </a:rPr>
-              <a:t>[2] </a:t>
-            </a:r>
-            <a:r>
-              <a:rPr lang="en-US" sz="1600" dirty="0" err="1">
-                <a:latin typeface="Segoe UI" panose="020B0502040204020203" pitchFamily="34" charset="0"/>
-              </a:rPr>
-              <a:t>Saibal</a:t>
-            </a:r>
-            <a:r>
-              <a:rPr lang="en-US" sz="1600" dirty="0">
-                <a:latin typeface="Segoe UI" panose="020B0502040204020203" pitchFamily="34" charset="0"/>
-              </a:rPr>
-              <a:t> Kumar Pal and Puneet Sardana, 2012, BLOOM FILTERS &amp; THEIR APPLICATIONS, </a:t>
-            </a:r>
-            <a:r>
-              <a:rPr lang="en-US" sz="1600" i="1" dirty="0">
-                <a:latin typeface="Segoe UI" panose="020B0502040204020203" pitchFamily="34" charset="0"/>
-              </a:rPr>
-              <a:t>International Journal of Computer Applications Technology and Research</a:t>
-            </a:r>
-            <a:r>
-              <a:rPr lang="en-US" sz="1600" i="0" dirty="0">
-                <a:latin typeface="Segoe UI" panose="020B0502040204020203" pitchFamily="34" charset="0"/>
-              </a:rPr>
-              <a:t> 1, 25–29. </a:t>
-            </a:r>
-            <a:r>
-              <a:rPr lang="en-US" sz="1600" dirty="0">
-                <a:latin typeface="Segoe UI" panose="020B0502040204020203" pitchFamily="34" charset="0"/>
-              </a:rPr>
-              <a:t>DOI: https://doi.org/10.7753/2012.1006</a:t>
-            </a:r>
-            <a:r>
-              <a:rPr lang="en-US" sz="1600" i="0" dirty="0">
-                <a:latin typeface="Segoe UI" panose="020B0502040204020203" pitchFamily="34" charset="0"/>
-              </a:rPr>
-              <a:t> https://ui.adsabs.harvard.edu/</a:t>
-            </a:r>
-            <a:r>
-              <a:rPr lang="en-US" sz="1600" i="0" dirty="0" err="1">
-                <a:latin typeface="Segoe UI" panose="020B0502040204020203" pitchFamily="34" charset="0"/>
-              </a:rPr>
-              <a:t>link_gateway</a:t>
-            </a:r>
-            <a:r>
-              <a:rPr lang="en-US" sz="1600" i="0" dirty="0">
-                <a:latin typeface="Segoe UI" panose="020B0502040204020203" pitchFamily="34" charset="0"/>
-              </a:rPr>
-              <a:t>/2012IJCAT...1...25P/doi:10.7753/2012.1006</a:t>
-            </a:r>
-          </a:p>
-          <a:p>
-            <a:pPr marL="285750" indent="-285750">
-              <a:buFont typeface="Arial" panose="020B0604020202020204" pitchFamily="34" charset="0"/>
-              <a:buChar char="•"/>
-            </a:pPr>
-            <a:r>
-              <a:rPr lang="de-DE" sz="1600" dirty="0">
-                <a:latin typeface="Segoe UI" panose="020B0502040204020203" pitchFamily="34" charset="0"/>
-              </a:rPr>
-              <a:t>[3] </a:t>
-            </a:r>
-            <a:r>
-              <a:rPr lang="de-DE" sz="1600" dirty="0" err="1">
-                <a:latin typeface="Segoe UI" panose="020B0502040204020203" pitchFamily="34" charset="0"/>
-              </a:rPr>
-              <a:t>Ripon</a:t>
-            </a:r>
-            <a:r>
-              <a:rPr lang="de-DE" sz="1600" dirty="0">
-                <a:latin typeface="Segoe UI" panose="020B0502040204020203" pitchFamily="34" charset="0"/>
-              </a:rPr>
-              <a:t> </a:t>
-            </a:r>
-            <a:r>
-              <a:rPr lang="de-DE" sz="1600" dirty="0" err="1">
-                <a:latin typeface="Segoe UI" panose="020B0502040204020203" pitchFamily="34" charset="0"/>
-              </a:rPr>
-              <a:t>Patgiri</a:t>
-            </a:r>
-            <a:r>
-              <a:rPr lang="de-DE" sz="1600" dirty="0">
-                <a:latin typeface="Segoe UI" panose="020B0502040204020203" pitchFamily="34" charset="0"/>
-              </a:rPr>
-              <a:t>, </a:t>
-            </a:r>
-            <a:r>
-              <a:rPr lang="de-DE" sz="1600" dirty="0" err="1">
-                <a:latin typeface="Segoe UI" panose="020B0502040204020203" pitchFamily="34" charset="0"/>
-              </a:rPr>
-              <a:t>Sabuzima</a:t>
-            </a:r>
-            <a:r>
-              <a:rPr lang="de-DE" sz="1600" dirty="0">
-                <a:latin typeface="Segoe UI" panose="020B0502040204020203" pitchFamily="34" charset="0"/>
-              </a:rPr>
-              <a:t> </a:t>
-            </a:r>
-            <a:r>
-              <a:rPr lang="de-DE" sz="1600" dirty="0" err="1">
-                <a:latin typeface="Segoe UI" panose="020B0502040204020203" pitchFamily="34" charset="0"/>
-              </a:rPr>
-              <a:t>Nayak</a:t>
-            </a:r>
-            <a:r>
-              <a:rPr lang="de-DE" sz="1600" dirty="0">
-                <a:latin typeface="Segoe UI" panose="020B0502040204020203" pitchFamily="34" charset="0"/>
-              </a:rPr>
-              <a:t>, and Samir </a:t>
-            </a:r>
-            <a:r>
-              <a:rPr lang="de-DE" sz="1600" dirty="0" err="1">
-                <a:latin typeface="Segoe UI" panose="020B0502040204020203" pitchFamily="34" charset="0"/>
-              </a:rPr>
-              <a:t>Borgohain</a:t>
-            </a:r>
-            <a:r>
-              <a:rPr lang="de-DE" sz="1600" dirty="0">
-                <a:latin typeface="Segoe UI" panose="020B0502040204020203" pitchFamily="34" charset="0"/>
-              </a:rPr>
-              <a:t>. 2018. </a:t>
-            </a:r>
-            <a:r>
-              <a:rPr lang="de-DE" sz="1600" dirty="0" err="1">
-                <a:latin typeface="Segoe UI" panose="020B0502040204020203" pitchFamily="34" charset="0"/>
-              </a:rPr>
-              <a:t>Preventing</a:t>
-            </a:r>
-            <a:r>
-              <a:rPr lang="de-DE" sz="1600" dirty="0">
-                <a:latin typeface="Segoe UI" panose="020B0502040204020203" pitchFamily="34" charset="0"/>
-              </a:rPr>
-              <a:t> DDoS </a:t>
-            </a:r>
-            <a:r>
-              <a:rPr lang="de-DE" sz="1600" dirty="0" err="1">
-                <a:latin typeface="Segoe UI" panose="020B0502040204020203" pitchFamily="34" charset="0"/>
-              </a:rPr>
-              <a:t>using</a:t>
-            </a:r>
-            <a:r>
-              <a:rPr lang="de-DE" sz="1600" dirty="0">
-                <a:latin typeface="Segoe UI" panose="020B0502040204020203" pitchFamily="34" charset="0"/>
-              </a:rPr>
-              <a:t> Bloom Filter: A Survey. </a:t>
-            </a:r>
-            <a:r>
-              <a:rPr lang="de-DE" sz="1600" i="1" dirty="0">
-                <a:latin typeface="Segoe UI" panose="020B0502040204020203" pitchFamily="34" charset="0"/>
-              </a:rPr>
-              <a:t>ICST Transactions on </a:t>
-            </a:r>
-            <a:r>
-              <a:rPr lang="de-DE" sz="1600" i="1" dirty="0" err="1">
-                <a:latin typeface="Segoe UI" panose="020B0502040204020203" pitchFamily="34" charset="0"/>
-              </a:rPr>
-              <a:t>Scalable</a:t>
-            </a:r>
-            <a:r>
-              <a:rPr lang="de-DE" sz="1600" i="1" dirty="0">
-                <a:latin typeface="Segoe UI" panose="020B0502040204020203" pitchFamily="34" charset="0"/>
-              </a:rPr>
-              <a:t> Information Systems</a:t>
-            </a:r>
-            <a:r>
-              <a:rPr lang="de-DE" sz="1600" i="0" dirty="0">
-                <a:latin typeface="Segoe UI" panose="020B0502040204020203" pitchFamily="34" charset="0"/>
-              </a:rPr>
-              <a:t> 5, 19, 155865. DOI: </a:t>
-            </a:r>
-            <a:r>
-              <a:rPr lang="de-DE" sz="1600" i="0" dirty="0">
-                <a:latin typeface="Segoe UI" panose="020B0502040204020203" pitchFamily="34" charset="0"/>
-                <a:hlinkClick r:id="rId2"/>
-              </a:rPr>
-              <a:t>https://doi.org/10.4108%2Feai.19-6-2018.155865</a:t>
-            </a:r>
-            <a:endParaRPr lang="de-DE" sz="1600" i="0" dirty="0">
-              <a:latin typeface="Segoe UI" panose="020B0502040204020203" pitchFamily="34" charset="0"/>
-            </a:endParaRPr>
-          </a:p>
-        </p:txBody>
-      </p:sp>
-    </p:spTree>
-    <p:extLst>
-      <p:ext uri="{BB962C8B-B14F-4D97-AF65-F5344CB8AC3E}">
-        <p14:creationId xmlns:p14="http://schemas.microsoft.com/office/powerpoint/2010/main" val="2718584080"/>
-      </p:ext>
-    </p:extLst>
-  </p:cSld>
-  <p:clrMapOvr>
-    <a:masterClrMapping/>
-  </p:clrMapOvr>
-</p:sld>
-</file>
-
-<file path=ppt/slides/slide18.xml><?xml version="1.0" encoding="utf-8"?>
-<p:sld xmlns:a="http://schemas.openxmlformats.org/drawingml/2006/main" xmlns:r="http://schemas.openxmlformats.org/officeDocument/2006/relationships" xmlns:p="http://schemas.openxmlformats.org/presentationml/2006/main">
-  <p:cSld>
-    <p:spTree>
-      <p:nvGrpSpPr>
-        <p:cNvPr id="1" name=""/>
-        <p:cNvGrpSpPr/>
-        <p:nvPr/>
-      </p:nvGrpSpPr>
-      <p:grpSpPr>
-        <a:xfrm>
-          <a:off x="0" y="0"/>
-          <a:ext cx="0" cy="0"/>
-          <a:chOff x="0" y="0"/>
-          <a:chExt cx="0" cy="0"/>
-        </a:xfrm>
-      </p:grpSpPr>
-      <p:sp>
-        <p:nvSpPr>
-          <p:cNvPr id="6" name="Foliennummernplatzhalter 5"/>
-          <p:cNvSpPr>
-            <a:spLocks noGrp="1"/>
-          </p:cNvSpPr>
-          <p:nvPr>
-            <p:ph type="sldNum" sz="quarter" idx="4"/>
-          </p:nvPr>
-        </p:nvSpPr>
-        <p:spPr/>
-        <p:txBody>
-          <a:bodyPr/>
-          <a:lstStyle/>
-          <a:p>
-            <a:fld id="{F9CA7F02-FF28-4D8F-AF3B-6C950C783A54}" type="slidenum">
-              <a:rPr lang="de-DE" smtClean="0"/>
-              <a:pPr/>
-              <a:t>18</a:t>
-            </a:fld>
-            <a:endParaRPr lang="de-DE"/>
-          </a:p>
-        </p:txBody>
-      </p:sp>
-      <p:sp>
-        <p:nvSpPr>
-          <p:cNvPr id="3" name="Titel 2"/>
-          <p:cNvSpPr>
-            <a:spLocks noGrp="1"/>
-          </p:cNvSpPr>
-          <p:nvPr>
-            <p:ph type="title"/>
-          </p:nvPr>
-        </p:nvSpPr>
-        <p:spPr/>
-        <p:txBody>
-          <a:bodyPr/>
-          <a:lstStyle/>
-          <a:p>
-            <a:r>
-              <a:rPr lang="de-DE" dirty="0"/>
-              <a:t>BLOOM-FILTER</a:t>
-            </a:r>
-          </a:p>
-        </p:txBody>
-      </p:sp>
-      <p:sp>
-        <p:nvSpPr>
-          <p:cNvPr id="4" name="Inhaltsplatzhalter 3"/>
-          <p:cNvSpPr>
-            <a:spLocks noGrp="1"/>
-          </p:cNvSpPr>
-          <p:nvPr>
-            <p:ph sz="quarter" idx="13"/>
-          </p:nvPr>
-        </p:nvSpPr>
-        <p:spPr>
-          <a:xfrm>
-            <a:off x="936000" y="699542"/>
-            <a:ext cx="7308000" cy="429622"/>
-          </a:xfrm>
-        </p:spPr>
-        <p:txBody>
-          <a:bodyPr/>
-          <a:lstStyle/>
-          <a:p>
-            <a:r>
-              <a:rPr lang="de-DE" dirty="0"/>
-              <a:t>Quellen</a:t>
-            </a:r>
-          </a:p>
-        </p:txBody>
-      </p:sp>
-      <p:sp>
-        <p:nvSpPr>
-          <p:cNvPr id="7" name="Fußzeilenplatzhalter 6"/>
-          <p:cNvSpPr>
-            <a:spLocks noGrp="1"/>
-          </p:cNvSpPr>
-          <p:nvPr>
-            <p:ph type="ftr" sz="quarter" idx="3"/>
-          </p:nvPr>
-        </p:nvSpPr>
-        <p:spPr/>
-        <p:txBody>
-          <a:bodyPr/>
-          <a:lstStyle/>
-          <a:p>
-            <a:r>
-              <a:rPr lang="de-DE" dirty="0"/>
-              <a:t>TU Bergakademie Freiberg | Vortragender: Florian Schierz | 2022</a:t>
-            </a:r>
-          </a:p>
-        </p:txBody>
-      </p:sp>
-      <p:sp>
-        <p:nvSpPr>
-          <p:cNvPr id="11" name="Textfeld 10">
-            <a:extLst>
-              <a:ext uri="{FF2B5EF4-FFF2-40B4-BE49-F238E27FC236}">
-                <a16:creationId xmlns:a16="http://schemas.microsoft.com/office/drawing/2014/main" id="{AED7FCD8-3C56-4B11-ADA2-B181B3B96684}"/>
-              </a:ext>
-            </a:extLst>
-          </p:cNvPr>
-          <p:cNvSpPr txBox="1"/>
-          <p:nvPr/>
-        </p:nvSpPr>
-        <p:spPr>
-          <a:xfrm>
-            <a:off x="611560" y="1419622"/>
-            <a:ext cx="8064896" cy="2800767"/>
-          </a:xfrm>
-          <a:prstGeom prst="rect">
-            <a:avLst/>
-          </a:prstGeom>
-          <a:noFill/>
-        </p:spPr>
-        <p:txBody>
-          <a:bodyPr wrap="square" rtlCol="0">
-            <a:spAutoFit/>
-          </a:bodyPr>
-          <a:lstStyle/>
-          <a:p>
-            <a:pPr marL="285750" indent="-285750">
-              <a:buFont typeface="Arial" panose="020B0604020202020204" pitchFamily="34" charset="0"/>
-              <a:buChar char="•"/>
-            </a:pPr>
-            <a:r>
-              <a:rPr lang="de-DE" sz="1600" dirty="0">
-                <a:latin typeface="Segoe UI" panose="020B0502040204020203" pitchFamily="34" charset="0"/>
-              </a:rPr>
-              <a:t>[4] </a:t>
-            </a:r>
-            <a:r>
-              <a:rPr lang="en-US" sz="1600" dirty="0"/>
-              <a:t>Bloom Filter. </a:t>
-            </a:r>
-            <a:r>
-              <a:rPr lang="en-US" sz="1600" i="1" dirty="0"/>
-              <a:t>Brilliant.org</a:t>
-            </a:r>
-            <a:r>
-              <a:rPr lang="en-US" sz="1600" dirty="0"/>
-              <a:t>. Retrieved 18:02, May 12, 2022, from </a:t>
-            </a:r>
-            <a:r>
-              <a:rPr lang="en-US" sz="1600" dirty="0">
-                <a:hlinkClick r:id="rId2"/>
-              </a:rPr>
-              <a:t>https://brilliant.org/wiki/bloom-filter/</a:t>
-            </a:r>
-            <a:endParaRPr lang="en-US" sz="1600" dirty="0"/>
-          </a:p>
-          <a:p>
-            <a:pPr marL="285750" indent="-285750">
-              <a:buFont typeface="Arial" panose="020B0604020202020204" pitchFamily="34" charset="0"/>
-              <a:buChar char="•"/>
-            </a:pPr>
-            <a:r>
-              <a:rPr lang="en-US" sz="1600" i="0" dirty="0">
-                <a:latin typeface="Segoe UI" panose="020B0502040204020203" pitchFamily="34" charset="0"/>
-              </a:rPr>
-              <a:t>[5] </a:t>
-            </a:r>
-            <a:r>
-              <a:rPr lang="en-US" sz="1600" dirty="0">
-                <a:latin typeface="Segoe UI" panose="020B0502040204020203" pitchFamily="34" charset="0"/>
-              </a:rPr>
-              <a:t>Fabio </a:t>
-            </a:r>
-            <a:r>
-              <a:rPr lang="en-US" sz="1600" dirty="0" err="1">
-                <a:latin typeface="Segoe UI" panose="020B0502040204020203" pitchFamily="34" charset="0"/>
-              </a:rPr>
-              <a:t>Grandi</a:t>
-            </a:r>
-            <a:r>
-              <a:rPr lang="en-US" sz="1600" dirty="0">
-                <a:latin typeface="Segoe UI" panose="020B0502040204020203" pitchFamily="34" charset="0"/>
-              </a:rPr>
-              <a:t>. 2018. On the analysis of Bloom filters. </a:t>
-            </a:r>
-            <a:r>
-              <a:rPr lang="en-US" sz="1600" i="1" dirty="0">
-                <a:latin typeface="Segoe UI" panose="020B0502040204020203" pitchFamily="34" charset="0"/>
-              </a:rPr>
-              <a:t>Information Processing Letters</a:t>
-            </a:r>
-            <a:r>
-              <a:rPr lang="en-US" sz="1600" i="0" dirty="0">
-                <a:latin typeface="Segoe UI" panose="020B0502040204020203" pitchFamily="34" charset="0"/>
-              </a:rPr>
-              <a:t> 129, 35–39. DOI: </a:t>
-            </a:r>
-            <a:r>
-              <a:rPr lang="en-US" sz="1600" i="0" dirty="0">
-                <a:latin typeface="Segoe UI" panose="020B0502040204020203" pitchFamily="34" charset="0"/>
-                <a:hlinkClick r:id="rId3"/>
-              </a:rPr>
-              <a:t>https://doi.org/10.1016/j.ipl.2017.09.004</a:t>
-            </a:r>
-            <a:endParaRPr lang="en-US" sz="1600" i="0" dirty="0">
-              <a:latin typeface="Segoe UI" panose="020B0502040204020203" pitchFamily="34" charset="0"/>
-            </a:endParaRPr>
-          </a:p>
-          <a:p>
-            <a:pPr marL="285750" indent="-285750">
-              <a:buFont typeface="Arial" panose="020B0604020202020204" pitchFamily="34" charset="0"/>
-              <a:buChar char="•"/>
-            </a:pPr>
-            <a:r>
-              <a:rPr lang="en-US" sz="1600" dirty="0">
-                <a:latin typeface="Segoe UI" panose="020B0502040204020203" pitchFamily="34" charset="0"/>
-              </a:rPr>
-              <a:t>[6] Nayak, S. and </a:t>
-            </a:r>
-            <a:r>
-              <a:rPr lang="en-US" sz="1600" dirty="0" err="1">
-                <a:latin typeface="Segoe UI" panose="020B0502040204020203" pitchFamily="34" charset="0"/>
-              </a:rPr>
-              <a:t>Patgiri</a:t>
-            </a:r>
-            <a:r>
-              <a:rPr lang="en-US" sz="1600" dirty="0">
-                <a:latin typeface="Segoe UI" panose="020B0502040204020203" pitchFamily="34" charset="0"/>
-              </a:rPr>
-              <a:t>, R. 2021. </a:t>
-            </a:r>
-            <a:r>
-              <a:rPr lang="en-US" sz="1600" i="1" dirty="0" err="1">
-                <a:latin typeface="Segoe UI" panose="020B0502040204020203" pitchFamily="34" charset="0"/>
-              </a:rPr>
-              <a:t>RobustBF</a:t>
-            </a:r>
-            <a:r>
-              <a:rPr lang="en-US" sz="1600" i="1" dirty="0">
-                <a:latin typeface="Segoe UI" panose="020B0502040204020203" pitchFamily="34" charset="0"/>
-              </a:rPr>
-              <a:t>: A High Accuracy and Memory Efficient 2D Bloom Filter</a:t>
-            </a:r>
-            <a:r>
-              <a:rPr lang="en-US" sz="1600" i="0" dirty="0">
-                <a:latin typeface="Segoe UI" panose="020B0502040204020203" pitchFamily="34" charset="0"/>
-              </a:rPr>
-              <a:t>. DOI: https://doi.org/10.48550/arxiv.2106.04365</a:t>
-            </a:r>
-          </a:p>
-          <a:p>
-            <a:pPr marL="285750" indent="-285750">
-              <a:buFont typeface="Arial" panose="020B0604020202020204" pitchFamily="34" charset="0"/>
-              <a:buChar char="•"/>
-            </a:pPr>
-            <a:r>
-              <a:rPr lang="en-US" sz="1600" dirty="0">
-                <a:latin typeface="Segoe UI" panose="020B0502040204020203" pitchFamily="34" charset="0"/>
-              </a:rPr>
-              <a:t>[7] </a:t>
-            </a:r>
-            <a:r>
-              <a:rPr lang="de-DE" sz="1600" dirty="0">
-                <a:latin typeface="Segoe UI" panose="020B0502040204020203" pitchFamily="34" charset="0"/>
-              </a:rPr>
-              <a:t>Fan, L., Cao, P., Almeida, J., and Broder, A. Z. 1998. Summary Cache: A </a:t>
-            </a:r>
-            <a:r>
-              <a:rPr lang="de-DE" sz="1600" dirty="0" err="1">
-                <a:latin typeface="Segoe UI" panose="020B0502040204020203" pitchFamily="34" charset="0"/>
-              </a:rPr>
-              <a:t>Scalable</a:t>
-            </a:r>
-            <a:r>
-              <a:rPr lang="de-DE" sz="1600" dirty="0">
-                <a:latin typeface="Segoe UI" panose="020B0502040204020203" pitchFamily="34" charset="0"/>
-              </a:rPr>
-              <a:t> Wide-Area Web Cache Sharing Protocol. In </a:t>
-            </a:r>
-            <a:r>
-              <a:rPr lang="de-DE" sz="1600" i="1" dirty="0">
-                <a:latin typeface="Segoe UI" panose="020B0502040204020203" pitchFamily="34" charset="0"/>
-              </a:rPr>
-              <a:t>Proceedings </a:t>
-            </a:r>
-            <a:r>
-              <a:rPr lang="de-DE" sz="1600" i="1" dirty="0" err="1">
-                <a:latin typeface="Segoe UI" panose="020B0502040204020203" pitchFamily="34" charset="0"/>
-              </a:rPr>
-              <a:t>of</a:t>
-            </a:r>
-            <a:r>
-              <a:rPr lang="de-DE" sz="1600" i="1" dirty="0">
-                <a:latin typeface="Segoe UI" panose="020B0502040204020203" pitchFamily="34" charset="0"/>
-              </a:rPr>
-              <a:t> </a:t>
-            </a:r>
-            <a:r>
-              <a:rPr lang="de-DE" sz="1600" i="1" dirty="0" err="1">
-                <a:latin typeface="Segoe UI" panose="020B0502040204020203" pitchFamily="34" charset="0"/>
-              </a:rPr>
-              <a:t>the</a:t>
-            </a:r>
-            <a:r>
-              <a:rPr lang="de-DE" sz="1600" i="1" dirty="0">
-                <a:latin typeface="Segoe UI" panose="020B0502040204020203" pitchFamily="34" charset="0"/>
-              </a:rPr>
-              <a:t> ACM SIGCOMM ’98 Conference on </a:t>
-            </a:r>
-            <a:r>
-              <a:rPr lang="de-DE" sz="1600" i="1" dirty="0" err="1">
-                <a:latin typeface="Segoe UI" panose="020B0502040204020203" pitchFamily="34" charset="0"/>
-              </a:rPr>
-              <a:t>Applications</a:t>
-            </a:r>
-            <a:r>
-              <a:rPr lang="de-DE" sz="1600" i="1" dirty="0">
-                <a:latin typeface="Segoe UI" panose="020B0502040204020203" pitchFamily="34" charset="0"/>
-              </a:rPr>
-              <a:t>, Technologies, </a:t>
-            </a:r>
-            <a:r>
-              <a:rPr lang="de-DE" sz="1600" i="1" dirty="0" err="1">
-                <a:latin typeface="Segoe UI" panose="020B0502040204020203" pitchFamily="34" charset="0"/>
-              </a:rPr>
-              <a:t>Architectures</a:t>
-            </a:r>
-            <a:r>
-              <a:rPr lang="de-DE" sz="1600" i="1" dirty="0">
-                <a:latin typeface="Segoe UI" panose="020B0502040204020203" pitchFamily="34" charset="0"/>
-              </a:rPr>
-              <a:t>, and </a:t>
-            </a:r>
-            <a:r>
-              <a:rPr lang="de-DE" sz="1600" i="1" dirty="0" err="1">
-                <a:latin typeface="Segoe UI" panose="020B0502040204020203" pitchFamily="34" charset="0"/>
-              </a:rPr>
-              <a:t>Protocols</a:t>
-            </a:r>
-            <a:r>
-              <a:rPr lang="de-DE" sz="1600" i="1" dirty="0">
-                <a:latin typeface="Segoe UI" panose="020B0502040204020203" pitchFamily="34" charset="0"/>
-              </a:rPr>
-              <a:t> </a:t>
-            </a:r>
-            <a:r>
-              <a:rPr lang="de-DE" sz="1600" i="1" dirty="0" err="1">
-                <a:latin typeface="Segoe UI" panose="020B0502040204020203" pitchFamily="34" charset="0"/>
-              </a:rPr>
-              <a:t>for</a:t>
-            </a:r>
-            <a:r>
-              <a:rPr lang="de-DE" sz="1600" i="1" dirty="0">
-                <a:latin typeface="Segoe UI" panose="020B0502040204020203" pitchFamily="34" charset="0"/>
-              </a:rPr>
-              <a:t> Computer Communication</a:t>
-            </a:r>
-            <a:r>
-              <a:rPr lang="de-DE" sz="1600" i="0" dirty="0">
-                <a:latin typeface="Segoe UI" panose="020B0502040204020203" pitchFamily="34" charset="0"/>
-              </a:rPr>
-              <a:t>. SIGCOMM ’98. </a:t>
-            </a:r>
-            <a:r>
-              <a:rPr lang="de-DE" sz="1600" i="0" dirty="0" err="1">
-                <a:latin typeface="Segoe UI" panose="020B0502040204020203" pitchFamily="34" charset="0"/>
-              </a:rPr>
-              <a:t>Association</a:t>
-            </a:r>
-            <a:r>
-              <a:rPr lang="de-DE" sz="1600" i="0" dirty="0">
-                <a:latin typeface="Segoe UI" panose="020B0502040204020203" pitchFamily="34" charset="0"/>
-              </a:rPr>
-              <a:t> </a:t>
-            </a:r>
-            <a:r>
-              <a:rPr lang="de-DE" sz="1600" i="0" dirty="0" err="1">
-                <a:latin typeface="Segoe UI" panose="020B0502040204020203" pitchFamily="34" charset="0"/>
-              </a:rPr>
-              <a:t>for</a:t>
-            </a:r>
-            <a:r>
-              <a:rPr lang="de-DE" sz="1600" i="0" dirty="0">
-                <a:latin typeface="Segoe UI" panose="020B0502040204020203" pitchFamily="34" charset="0"/>
-              </a:rPr>
-              <a:t> Computing Machinery, New York, NY, USA, 254–265. DOI:</a:t>
-            </a:r>
-            <a:r>
-              <a:rPr lang="en-US" sz="1600" i="0" dirty="0">
-                <a:latin typeface="Segoe UI" panose="020B0502040204020203" pitchFamily="34" charset="0"/>
-              </a:rPr>
-              <a:t> https://doi.org/</a:t>
-            </a:r>
-            <a:r>
-              <a:rPr lang="de-DE" sz="1600" i="0" dirty="0">
-                <a:latin typeface="Segoe UI" panose="020B0502040204020203" pitchFamily="34" charset="0"/>
-              </a:rPr>
-              <a:t>10.1145/285237.285287</a:t>
-            </a:r>
-          </a:p>
-        </p:txBody>
-      </p:sp>
-    </p:spTree>
-    <p:extLst>
-      <p:ext uri="{BB962C8B-B14F-4D97-AF65-F5344CB8AC3E}">
-        <p14:creationId xmlns:p14="http://schemas.microsoft.com/office/powerpoint/2010/main" val="1092689422"/>
-      </p:ext>
-    </p:extLst>
-  </p:cSld>
-  <p:clrMapOvr>
-    <a:masterClrMapping/>
-  </p:clrMapOvr>
-</p:sld>
-</file>
-
-<file path=ppt/slides/slide19.xml><?xml version="1.0" encoding="utf-8"?>
-<p:sld xmlns:a="http://schemas.openxmlformats.org/drawingml/2006/main" xmlns:r="http://schemas.openxmlformats.org/officeDocument/2006/relationships" xmlns:p="http://schemas.openxmlformats.org/presentationml/2006/main">
-  <p:cSld>
-    <p:spTree>
-      <p:nvGrpSpPr>
-        <p:cNvPr id="1" name=""/>
-        <p:cNvGrpSpPr/>
-        <p:nvPr/>
-      </p:nvGrpSpPr>
-      <p:grpSpPr>
-        <a:xfrm>
-          <a:off x="0" y="0"/>
-          <a:ext cx="0" cy="0"/>
-          <a:chOff x="0" y="0"/>
-          <a:chExt cx="0" cy="0"/>
-        </a:xfrm>
-      </p:grpSpPr>
-      <p:sp>
-        <p:nvSpPr>
-          <p:cNvPr id="6" name="Foliennummernplatzhalter 5"/>
-          <p:cNvSpPr>
-            <a:spLocks noGrp="1"/>
-          </p:cNvSpPr>
-          <p:nvPr>
-            <p:ph type="sldNum" sz="quarter" idx="4"/>
-          </p:nvPr>
-        </p:nvSpPr>
-        <p:spPr/>
-        <p:txBody>
-          <a:bodyPr/>
-          <a:lstStyle/>
-          <a:p>
-            <a:fld id="{F9CA7F02-FF28-4D8F-AF3B-6C950C783A54}" type="slidenum">
-              <a:rPr lang="de-DE" smtClean="0"/>
-              <a:pPr/>
-              <a:t>19</a:t>
-            </a:fld>
-            <a:endParaRPr lang="de-DE"/>
-          </a:p>
-        </p:txBody>
-      </p:sp>
-      <p:sp>
-        <p:nvSpPr>
-          <p:cNvPr id="3" name="Titel 2"/>
-          <p:cNvSpPr>
-            <a:spLocks noGrp="1"/>
-          </p:cNvSpPr>
-          <p:nvPr>
-            <p:ph type="title"/>
-          </p:nvPr>
-        </p:nvSpPr>
-        <p:spPr/>
-        <p:txBody>
-          <a:bodyPr/>
-          <a:lstStyle/>
-          <a:p>
-            <a:r>
-              <a:rPr lang="de-DE" dirty="0"/>
-              <a:t>BLOOM-FILTER</a:t>
-            </a:r>
-          </a:p>
-        </p:txBody>
-      </p:sp>
-      <p:sp>
-        <p:nvSpPr>
-          <p:cNvPr id="4" name="Inhaltsplatzhalter 3"/>
-          <p:cNvSpPr>
-            <a:spLocks noGrp="1"/>
-          </p:cNvSpPr>
-          <p:nvPr>
-            <p:ph sz="quarter" idx="13"/>
-          </p:nvPr>
-        </p:nvSpPr>
-        <p:spPr>
-          <a:xfrm>
-            <a:off x="936000" y="699542"/>
-            <a:ext cx="7308000" cy="429622"/>
-          </a:xfrm>
-        </p:spPr>
-        <p:txBody>
-          <a:bodyPr/>
-          <a:lstStyle/>
-          <a:p>
-            <a:r>
-              <a:rPr lang="de-DE" dirty="0"/>
-              <a:t>Quellen</a:t>
-            </a:r>
-          </a:p>
-        </p:txBody>
-      </p:sp>
-      <p:sp>
-        <p:nvSpPr>
-          <p:cNvPr id="7" name="Fußzeilenplatzhalter 6"/>
-          <p:cNvSpPr>
-            <a:spLocks noGrp="1"/>
-          </p:cNvSpPr>
-          <p:nvPr>
-            <p:ph type="ftr" sz="quarter" idx="3"/>
-          </p:nvPr>
-        </p:nvSpPr>
-        <p:spPr/>
-        <p:txBody>
-          <a:bodyPr/>
-          <a:lstStyle/>
-          <a:p>
-            <a:r>
-              <a:rPr lang="de-DE" dirty="0"/>
-              <a:t>TU Bergakademie Freiberg | Vortragender: Florian Schierz | 2022</a:t>
-            </a:r>
-          </a:p>
-        </p:txBody>
-      </p:sp>
-      <p:sp>
-        <p:nvSpPr>
-          <p:cNvPr id="11" name="Textfeld 10">
-            <a:extLst>
-              <a:ext uri="{FF2B5EF4-FFF2-40B4-BE49-F238E27FC236}">
-                <a16:creationId xmlns:a16="http://schemas.microsoft.com/office/drawing/2014/main" id="{AED7FCD8-3C56-4B11-ADA2-B181B3B96684}"/>
-              </a:ext>
-            </a:extLst>
-          </p:cNvPr>
-          <p:cNvSpPr txBox="1"/>
-          <p:nvPr/>
-        </p:nvSpPr>
-        <p:spPr>
-          <a:xfrm>
-            <a:off x="611560" y="1419622"/>
-            <a:ext cx="8064896" cy="2893100"/>
-          </a:xfrm>
-          <a:prstGeom prst="rect">
-            <a:avLst/>
-          </a:prstGeom>
-          <a:noFill/>
-        </p:spPr>
-        <p:txBody>
-          <a:bodyPr wrap="square" rtlCol="0">
-            <a:spAutoFit/>
-          </a:bodyPr>
-          <a:lstStyle/>
-          <a:p>
-            <a:pPr marL="285750" indent="-285750">
-              <a:buFont typeface="Arial" panose="020B0604020202020204" pitchFamily="34" charset="0"/>
-              <a:buChar char="•"/>
-            </a:pPr>
-            <a:r>
-              <a:rPr lang="en-US" sz="1600" dirty="0">
-                <a:latin typeface="Segoe UI" panose="020B0502040204020203" pitchFamily="34" charset="0"/>
-              </a:rPr>
-              <a:t>[8] </a:t>
-            </a:r>
-            <a:r>
-              <a:rPr lang="de-DE" sz="1600" dirty="0">
-                <a:latin typeface="Segoe UI" panose="020B0502040204020203" pitchFamily="34" charset="0"/>
-              </a:rPr>
-              <a:t>Rottenstreich Ori, </a:t>
-            </a:r>
-            <a:r>
-              <a:rPr lang="de-DE" sz="1600" dirty="0" err="1">
-                <a:latin typeface="Segoe UI" panose="020B0502040204020203" pitchFamily="34" charset="0"/>
-              </a:rPr>
-              <a:t>Kanizo</a:t>
-            </a:r>
-            <a:r>
-              <a:rPr lang="de-DE" sz="1600" dirty="0">
-                <a:latin typeface="Segoe UI" panose="020B0502040204020203" pitchFamily="34" charset="0"/>
-              </a:rPr>
-              <a:t> Yossi, and </a:t>
-            </a:r>
-            <a:r>
-              <a:rPr lang="de-DE" sz="1600" dirty="0" err="1">
-                <a:latin typeface="Segoe UI" panose="020B0502040204020203" pitchFamily="34" charset="0"/>
-              </a:rPr>
-              <a:t>Keslassy</a:t>
-            </a:r>
-            <a:r>
-              <a:rPr lang="de-DE" sz="1600" dirty="0">
-                <a:latin typeface="Segoe UI" panose="020B0502040204020203" pitchFamily="34" charset="0"/>
-              </a:rPr>
-              <a:t> Isaac. 2014. The Variable-</a:t>
-            </a:r>
-            <a:r>
-              <a:rPr lang="de-DE" sz="1600" dirty="0" err="1">
-                <a:latin typeface="Segoe UI" panose="020B0502040204020203" pitchFamily="34" charset="0"/>
-              </a:rPr>
-              <a:t>Increment</a:t>
-            </a:r>
-            <a:r>
-              <a:rPr lang="de-DE" sz="1600" dirty="0">
-                <a:latin typeface="Segoe UI" panose="020B0502040204020203" pitchFamily="34" charset="0"/>
-              </a:rPr>
-              <a:t> </a:t>
-            </a:r>
-            <a:r>
-              <a:rPr lang="de-DE" sz="1600" dirty="0" err="1">
-                <a:latin typeface="Segoe UI" panose="020B0502040204020203" pitchFamily="34" charset="0"/>
-              </a:rPr>
-              <a:t>Counting</a:t>
-            </a:r>
-            <a:r>
-              <a:rPr lang="de-DE" sz="1600" dirty="0">
-                <a:latin typeface="Segoe UI" panose="020B0502040204020203" pitchFamily="34" charset="0"/>
-              </a:rPr>
-              <a:t> Bloom Filter. </a:t>
-            </a:r>
-            <a:r>
-              <a:rPr lang="de-DE" sz="1600" i="1" dirty="0">
-                <a:latin typeface="Segoe UI" panose="020B0502040204020203" pitchFamily="34" charset="0"/>
-              </a:rPr>
-              <a:t>IEEE/ACM Trans. Networking</a:t>
-            </a:r>
-            <a:r>
-              <a:rPr lang="de-DE" sz="1600" i="0" dirty="0">
-                <a:latin typeface="Segoe UI" panose="020B0502040204020203" pitchFamily="34" charset="0"/>
-              </a:rPr>
-              <a:t> 22, 4, 1092–1105. DOI: </a:t>
-            </a:r>
-            <a:r>
-              <a:rPr lang="de-DE" sz="1600" i="0" dirty="0">
-                <a:latin typeface="Segoe UI" panose="020B0502040204020203" pitchFamily="34" charset="0"/>
-                <a:hlinkClick r:id="rId2"/>
-              </a:rPr>
-              <a:t>https://doi.org/</a:t>
-            </a:r>
-            <a:r>
-              <a:rPr lang="de-DE" sz="1600" dirty="0">
-                <a:hlinkClick r:id="rId2"/>
-              </a:rPr>
-              <a:t>10.1109/TNET.2013.2272604</a:t>
-            </a:r>
-            <a:endParaRPr lang="de-DE" sz="1600" dirty="0"/>
-          </a:p>
-          <a:p>
-            <a:pPr marL="285750" indent="-285750">
-              <a:buFont typeface="Arial" panose="020B0604020202020204" pitchFamily="34" charset="0"/>
-              <a:buChar char="•"/>
-            </a:pPr>
-            <a:r>
-              <a:rPr lang="en-US" sz="1600" dirty="0">
-                <a:latin typeface="Segoe UI" panose="020B0502040204020203" pitchFamily="34" charset="0"/>
-              </a:rPr>
-              <a:t>[9] Rothenberg, C., </a:t>
-            </a:r>
-            <a:r>
-              <a:rPr lang="en-US" sz="1600" dirty="0" err="1">
-                <a:latin typeface="Segoe UI" panose="020B0502040204020203" pitchFamily="34" charset="0"/>
-              </a:rPr>
-              <a:t>Macapuna</a:t>
-            </a:r>
-            <a:r>
-              <a:rPr lang="en-US" sz="1600" dirty="0">
-                <a:latin typeface="Segoe UI" panose="020B0502040204020203" pitchFamily="34" charset="0"/>
-              </a:rPr>
-              <a:t>, C., Verdi, F., and </a:t>
-            </a:r>
-            <a:r>
-              <a:rPr lang="en-US" sz="1600" dirty="0" err="1">
-                <a:latin typeface="Segoe UI" panose="020B0502040204020203" pitchFamily="34" charset="0"/>
-              </a:rPr>
-              <a:t>Magalhaes</a:t>
-            </a:r>
-            <a:r>
-              <a:rPr lang="en-US" sz="1600" dirty="0">
-                <a:latin typeface="Segoe UI" panose="020B0502040204020203" pitchFamily="34" charset="0"/>
-              </a:rPr>
-              <a:t>, M. 2010. The </a:t>
-            </a:r>
-            <a:r>
-              <a:rPr lang="en-US" sz="1600" dirty="0" err="1">
-                <a:latin typeface="Segoe UI" panose="020B0502040204020203" pitchFamily="34" charset="0"/>
-              </a:rPr>
-              <a:t>deletable</a:t>
-            </a:r>
-            <a:r>
-              <a:rPr lang="en-US" sz="1600" dirty="0">
-                <a:latin typeface="Segoe UI" panose="020B0502040204020203" pitchFamily="34" charset="0"/>
-              </a:rPr>
-              <a:t> Bloom filter: a new member of the Bloom family. </a:t>
-            </a:r>
-            <a:r>
-              <a:rPr lang="en-US" sz="1600" i="1" dirty="0">
-                <a:latin typeface="Segoe UI" panose="020B0502040204020203" pitchFamily="34" charset="0"/>
-              </a:rPr>
-              <a:t>IEEE </a:t>
-            </a:r>
-            <a:r>
-              <a:rPr lang="en-US" sz="1600" i="1" dirty="0" err="1">
-                <a:latin typeface="Segoe UI" panose="020B0502040204020203" pitchFamily="34" charset="0"/>
-              </a:rPr>
-              <a:t>Commun</a:t>
-            </a:r>
-            <a:r>
-              <a:rPr lang="en-US" sz="1600" i="1" dirty="0">
-                <a:latin typeface="Segoe UI" panose="020B0502040204020203" pitchFamily="34" charset="0"/>
-              </a:rPr>
-              <a:t>. Lett.</a:t>
-            </a:r>
-            <a:r>
-              <a:rPr lang="en-US" sz="1600" i="0" dirty="0">
-                <a:latin typeface="Segoe UI" panose="020B0502040204020203" pitchFamily="34" charset="0"/>
-              </a:rPr>
-              <a:t> 14, 6, 557–559. DOI: https://</a:t>
-            </a:r>
-            <a:r>
-              <a:rPr lang="de-DE" sz="1600" i="0" dirty="0">
-                <a:latin typeface="Segoe UI" panose="020B0502040204020203" pitchFamily="34" charset="0"/>
-              </a:rPr>
-              <a:t>doi.org/</a:t>
-            </a:r>
-            <a:r>
-              <a:rPr lang="de-DE" sz="1600" dirty="0"/>
-              <a:t>10.1109/LCOMM.2010.06.100344</a:t>
-            </a:r>
-            <a:endParaRPr lang="en-US" sz="1600" dirty="0">
-              <a:latin typeface="Segoe UI" panose="020B0502040204020203" pitchFamily="34" charset="0"/>
-            </a:endParaRPr>
-          </a:p>
-          <a:p>
-            <a:pPr marL="285750" indent="-285750">
-              <a:buFont typeface="Arial" panose="020B0604020202020204" pitchFamily="34" charset="0"/>
-              <a:buChar char="•"/>
-            </a:pPr>
-            <a:r>
-              <a:rPr lang="en-US" sz="1600" dirty="0" err="1">
-                <a:latin typeface="Segoe UI" panose="020B0502040204020203" pitchFamily="34" charset="0"/>
-              </a:rPr>
-              <a:t>Bilder</a:t>
-            </a:r>
-            <a:r>
-              <a:rPr lang="en-US" sz="1600" dirty="0">
-                <a:latin typeface="Segoe UI" panose="020B0502040204020203" pitchFamily="34" charset="0"/>
-              </a:rPr>
-              <a:t>:</a:t>
-            </a:r>
-          </a:p>
-          <a:p>
-            <a:pPr marL="742950" lvl="1" indent="-285750">
-              <a:buFont typeface="Arial" panose="020B0604020202020204" pitchFamily="34" charset="0"/>
-              <a:buChar char="•"/>
-            </a:pPr>
-            <a:r>
-              <a:rPr lang="en-US" sz="1600" dirty="0">
-                <a:latin typeface="Segoe UI" panose="020B0502040204020203" pitchFamily="34" charset="0"/>
-              </a:rPr>
-              <a:t>Folie 1 links: </a:t>
-            </a:r>
-            <a:r>
-              <a:rPr lang="en-US" sz="1600" dirty="0"/>
-              <a:t>Photo by </a:t>
-            </a:r>
-            <a:r>
-              <a:rPr lang="en-US" sz="1600" dirty="0">
-                <a:hlinkClick r:id="rId3"/>
-              </a:rPr>
-              <a:t>Shahadat Rahman</a:t>
-            </a:r>
-            <a:r>
-              <a:rPr lang="en-US" sz="1600" dirty="0"/>
-              <a:t> on </a:t>
-            </a:r>
-            <a:r>
-              <a:rPr lang="en-US" sz="1600" dirty="0" err="1">
-                <a:hlinkClick r:id="rId4"/>
-              </a:rPr>
-              <a:t>Unsplash</a:t>
-            </a:r>
-            <a:r>
-              <a:rPr lang="en-US" sz="1600" dirty="0"/>
-              <a:t> </a:t>
-            </a:r>
-          </a:p>
-          <a:p>
-            <a:pPr marL="742950" lvl="1" indent="-285750">
-              <a:buFont typeface="Arial" panose="020B0604020202020204" pitchFamily="34" charset="0"/>
-              <a:buChar char="•"/>
-            </a:pPr>
-            <a:r>
-              <a:rPr lang="en-US" sz="1600" dirty="0">
-                <a:latin typeface="Segoe UI" panose="020B0502040204020203" pitchFamily="34" charset="0"/>
-              </a:rPr>
-              <a:t>Folie 1 Mitte: </a:t>
-            </a:r>
-            <a:r>
-              <a:rPr lang="en-US" sz="1600" dirty="0"/>
-              <a:t>Photo by </a:t>
-            </a:r>
-            <a:r>
-              <a:rPr lang="en-US" sz="1600" dirty="0">
-                <a:hlinkClick r:id="rId5"/>
-              </a:rPr>
-              <a:t>Carlos </a:t>
-            </a:r>
-            <a:r>
-              <a:rPr lang="en-US" sz="1600" dirty="0" err="1">
-                <a:hlinkClick r:id="rId5"/>
-              </a:rPr>
-              <a:t>Muza</a:t>
-            </a:r>
-            <a:r>
-              <a:rPr lang="en-US" sz="1600" dirty="0"/>
-              <a:t> on </a:t>
-            </a:r>
-            <a:r>
-              <a:rPr lang="en-US" sz="1600" dirty="0" err="1">
-                <a:hlinkClick r:id="rId4"/>
-              </a:rPr>
-              <a:t>Unsplash</a:t>
-            </a:r>
-            <a:r>
-              <a:rPr lang="en-US" sz="1600" dirty="0"/>
-              <a:t> </a:t>
-            </a:r>
-            <a:endParaRPr lang="en-US" sz="1600" dirty="0">
-              <a:latin typeface="Segoe UI" panose="020B0502040204020203" pitchFamily="34" charset="0"/>
-            </a:endParaRPr>
-          </a:p>
-          <a:p>
-            <a:pPr marL="742950" lvl="1" indent="-285750">
-              <a:buFont typeface="Arial" panose="020B0604020202020204" pitchFamily="34" charset="0"/>
-              <a:buChar char="•"/>
-            </a:pPr>
-            <a:r>
-              <a:rPr lang="en-US" sz="1600" dirty="0">
-                <a:latin typeface="Segoe UI" panose="020B0502040204020203" pitchFamily="34" charset="0"/>
-              </a:rPr>
-              <a:t>Folie 1 </a:t>
-            </a:r>
-            <a:r>
-              <a:rPr lang="en-US" sz="1600" dirty="0" err="1">
-                <a:latin typeface="Segoe UI" panose="020B0502040204020203" pitchFamily="34" charset="0"/>
-              </a:rPr>
-              <a:t>rechts</a:t>
-            </a:r>
-            <a:r>
-              <a:rPr lang="en-US" sz="1600" dirty="0">
-                <a:latin typeface="Segoe UI" panose="020B0502040204020203" pitchFamily="34" charset="0"/>
-              </a:rPr>
-              <a:t>: </a:t>
-            </a:r>
-            <a:r>
-              <a:rPr lang="en-US" sz="1600" dirty="0"/>
-              <a:t>Photo by </a:t>
-            </a:r>
-            <a:r>
-              <a:rPr lang="en-US" sz="1600" dirty="0">
-                <a:hlinkClick r:id="rId6"/>
-              </a:rPr>
-              <a:t>Pietro </a:t>
-            </a:r>
-            <a:r>
-              <a:rPr lang="en-US" sz="1600" dirty="0" err="1">
-                <a:hlinkClick r:id="rId6"/>
-              </a:rPr>
-              <a:t>Jeng</a:t>
-            </a:r>
-            <a:r>
-              <a:rPr lang="en-US" sz="1600" dirty="0"/>
-              <a:t> on </a:t>
-            </a:r>
-            <a:r>
-              <a:rPr lang="en-US" sz="1600" dirty="0" err="1">
-                <a:hlinkClick r:id="rId4"/>
-              </a:rPr>
-              <a:t>Unsplash</a:t>
-            </a:r>
-            <a:r>
-              <a:rPr lang="en-US" sz="1600" dirty="0"/>
-              <a:t> </a:t>
-            </a:r>
-            <a:endParaRPr lang="en-US" sz="1600" dirty="0">
-              <a:latin typeface="Segoe UI" panose="020B0502040204020203" pitchFamily="34" charset="0"/>
-            </a:endParaRPr>
-          </a:p>
-          <a:p>
-            <a:pPr marL="742950" lvl="1" indent="-285750">
-              <a:buFont typeface="Arial" panose="020B0604020202020204" pitchFamily="34" charset="0"/>
-              <a:buChar char="•"/>
-            </a:pPr>
-            <a:r>
-              <a:rPr lang="en-US" sz="1600" dirty="0">
-                <a:latin typeface="Segoe UI" panose="020B0502040204020203" pitchFamily="34" charset="0"/>
-              </a:rPr>
-              <a:t>Folie 2 </a:t>
-            </a:r>
-            <a:r>
-              <a:rPr lang="en-US" sz="1600" dirty="0" err="1">
-                <a:latin typeface="Segoe UI" panose="020B0502040204020203" pitchFamily="34" charset="0"/>
-              </a:rPr>
-              <a:t>unten</a:t>
-            </a:r>
-            <a:r>
-              <a:rPr lang="en-US" sz="1600" dirty="0">
-                <a:latin typeface="Segoe UI" panose="020B0502040204020203" pitchFamily="34" charset="0"/>
-              </a:rPr>
-              <a:t> links: </a:t>
-            </a:r>
-            <a:r>
-              <a:rPr lang="en-US" sz="1600" dirty="0"/>
-              <a:t>Photo by </a:t>
-            </a:r>
-            <a:r>
-              <a:rPr lang="en-US" sz="1600" dirty="0">
-                <a:hlinkClick r:id="rId7"/>
-              </a:rPr>
-              <a:t>FLY:D</a:t>
-            </a:r>
-            <a:r>
-              <a:rPr lang="en-US" sz="1600" dirty="0"/>
-              <a:t> on </a:t>
-            </a:r>
-            <a:r>
-              <a:rPr lang="en-US" sz="1600" dirty="0" err="1">
-                <a:hlinkClick r:id="rId8"/>
-              </a:rPr>
-              <a:t>Unsplash</a:t>
-            </a:r>
-            <a:r>
-              <a:rPr lang="en-US" sz="1600" dirty="0"/>
-              <a:t> </a:t>
-            </a:r>
-            <a:endParaRPr lang="en-US" sz="1600" dirty="0">
-              <a:latin typeface="Segoe UI" panose="020B0502040204020203" pitchFamily="34" charset="0"/>
-            </a:endParaRPr>
-          </a:p>
-        </p:txBody>
-      </p:sp>
-    </p:spTree>
-    <p:extLst>
-      <p:ext uri="{BB962C8B-B14F-4D97-AF65-F5344CB8AC3E}">
-        <p14:creationId xmlns:p14="http://schemas.microsoft.com/office/powerpoint/2010/main" val="2790701121"/>
-      </p:ext>
-    </p:extLst>
-  </p:cSld>
-  <p:clrMapOvr>
-    <a:masterClrMapping/>
-  </p:clrMapOvr>
-</p:sld>
-</file>
-
 <file path=ppt/slides/slide2.xml><?xml version="1.0" encoding="utf-8"?>
 <p:sld xmlns:a="http://schemas.openxmlformats.org/drawingml/2006/main" xmlns:r="http://schemas.openxmlformats.org/officeDocument/2006/relationships" xmlns:p="http://schemas.openxmlformats.org/presentationml/2006/main">
   <p:cSld>
@@ -9917,6 +9479,2103 @@
           <a:p>
             <a:r>
               <a:rPr lang="de-DE" dirty="0"/>
+              <a:t>Varianten</a:t>
+            </a:r>
+          </a:p>
+          <a:p>
+            <a:endParaRPr lang="de-DE" dirty="0"/>
+          </a:p>
+        </p:txBody>
+      </p:sp>
+      <p:sp>
+        <p:nvSpPr>
+          <p:cNvPr id="7" name="Fußzeilenplatzhalter 6"/>
+          <p:cNvSpPr>
+            <a:spLocks noGrp="1"/>
+          </p:cNvSpPr>
+          <p:nvPr>
+            <p:ph type="ftr" sz="quarter" idx="3"/>
+          </p:nvPr>
+        </p:nvSpPr>
+        <p:spPr/>
+        <p:txBody>
+          <a:bodyPr/>
+          <a:lstStyle/>
+          <a:p>
+            <a:r>
+              <a:rPr lang="de-DE" dirty="0"/>
+              <a:t>TU Bergakademie Freiberg | Vortragender: Florian Schierz | 2022</a:t>
+            </a:r>
+          </a:p>
+        </p:txBody>
+      </p:sp>
+      <p:sp>
+        <p:nvSpPr>
+          <p:cNvPr id="8" name="Textfeld 7">
+            <a:extLst>
+              <a:ext uri="{FF2B5EF4-FFF2-40B4-BE49-F238E27FC236}">
+                <a16:creationId xmlns:a16="http://schemas.microsoft.com/office/drawing/2014/main" id="{0EC55FCD-E240-580E-FE2A-11BFE1B4FEF3}"/>
+              </a:ext>
+            </a:extLst>
+          </p:cNvPr>
+          <p:cNvSpPr txBox="1"/>
+          <p:nvPr/>
+        </p:nvSpPr>
+        <p:spPr>
+          <a:xfrm>
+            <a:off x="611560" y="1203598"/>
+            <a:ext cx="4248472" cy="3139321"/>
+          </a:xfrm>
+          <a:prstGeom prst="rect">
+            <a:avLst/>
+          </a:prstGeom>
+          <a:noFill/>
+        </p:spPr>
+        <p:txBody>
+          <a:bodyPr wrap="square" rtlCol="0">
+            <a:spAutoFit/>
+          </a:bodyPr>
+          <a:lstStyle/>
+          <a:p>
+            <a:pPr marL="285750" indent="-285750">
+              <a:buFont typeface="Arial" panose="020B0604020202020204" pitchFamily="34" charset="0"/>
+              <a:buChar char="•"/>
+            </a:pPr>
+            <a:r>
+              <a:rPr lang="de-DE" b="1" u="sng" dirty="0" err="1">
+                <a:solidFill>
+                  <a:srgbClr val="000000"/>
+                </a:solidFill>
+              </a:rPr>
+              <a:t>Deletable</a:t>
+            </a:r>
+            <a:r>
+              <a:rPr lang="de-DE" b="1" u="sng" dirty="0">
+                <a:solidFill>
+                  <a:srgbClr val="000000"/>
+                </a:solidFill>
+              </a:rPr>
+              <a:t> BF</a:t>
+            </a:r>
+            <a:r>
+              <a:rPr lang="de-DE" dirty="0">
+                <a:solidFill>
+                  <a:srgbClr val="000000"/>
+                </a:solidFill>
+              </a:rPr>
+              <a:t>: [9]</a:t>
+            </a:r>
+          </a:p>
+          <a:p>
+            <a:pPr marL="742950" lvl="1" indent="-285750">
+              <a:buFont typeface="Arial" panose="020B0604020202020204" pitchFamily="34" charset="0"/>
+              <a:buChar char="•"/>
+            </a:pPr>
+            <a:r>
+              <a:rPr lang="de-DE" dirty="0">
+                <a:solidFill>
+                  <a:srgbClr val="000000"/>
+                </a:solidFill>
+              </a:rPr>
+              <a:t>Teilt Array in </a:t>
+            </a:r>
+            <a:r>
+              <a:rPr lang="de-DE" b="1" dirty="0">
+                <a:solidFill>
+                  <a:srgbClr val="000000"/>
+                </a:solidFill>
+              </a:rPr>
+              <a:t>b Bereiche</a:t>
+            </a:r>
+          </a:p>
+          <a:p>
+            <a:pPr marL="742950" lvl="1" indent="-285750">
+              <a:buFont typeface="Arial" panose="020B0604020202020204" pitchFamily="34" charset="0"/>
+              <a:buChar char="•"/>
+            </a:pPr>
+            <a:r>
+              <a:rPr lang="de-DE" dirty="0">
+                <a:solidFill>
+                  <a:srgbClr val="000000"/>
+                </a:solidFill>
+              </a:rPr>
+              <a:t>Zusätzlich b Bit </a:t>
+            </a:r>
+            <a:r>
+              <a:rPr lang="de-DE" b="1" dirty="0">
+                <a:solidFill>
+                  <a:srgbClr val="000000"/>
+                </a:solidFill>
+              </a:rPr>
+              <a:t>Extraspeicher</a:t>
+            </a:r>
+          </a:p>
+          <a:p>
+            <a:pPr marL="742950" lvl="1" indent="-285750">
+              <a:buFont typeface="Arial" panose="020B0604020202020204" pitchFamily="34" charset="0"/>
+              <a:buChar char="•"/>
+            </a:pPr>
+            <a:r>
+              <a:rPr lang="de-DE" dirty="0">
+                <a:solidFill>
+                  <a:srgbClr val="000000"/>
+                </a:solidFill>
+              </a:rPr>
+              <a:t>Wenn bereits auf Eins stehendes Feld wieder gesetzt werden soll, wird der </a:t>
+            </a:r>
+            <a:r>
+              <a:rPr lang="de-DE" b="1" dirty="0">
+                <a:solidFill>
+                  <a:srgbClr val="000000"/>
+                </a:solidFill>
+              </a:rPr>
+              <a:t>Bereich markiert</a:t>
+            </a:r>
+          </a:p>
+          <a:p>
+            <a:pPr marL="742950" lvl="1" indent="-285750">
+              <a:buFont typeface="Arial" panose="020B0604020202020204" pitchFamily="34" charset="0"/>
+              <a:buChar char="•"/>
+            </a:pPr>
+            <a:r>
+              <a:rPr lang="de-DE" dirty="0">
+                <a:solidFill>
+                  <a:srgbClr val="000000"/>
+                </a:solidFill>
+              </a:rPr>
+              <a:t>So manchmal </a:t>
+            </a:r>
+            <a:r>
+              <a:rPr lang="de-DE" b="1" dirty="0">
+                <a:solidFill>
+                  <a:srgbClr val="000000"/>
+                </a:solidFill>
+              </a:rPr>
+              <a:t>löschen</a:t>
+            </a:r>
+            <a:r>
+              <a:rPr lang="de-DE" dirty="0">
+                <a:solidFill>
+                  <a:srgbClr val="000000"/>
+                </a:solidFill>
+              </a:rPr>
+              <a:t> ermöglicht </a:t>
+            </a:r>
+            <a:r>
+              <a:rPr lang="de-DE" dirty="0">
+                <a:solidFill>
+                  <a:srgbClr val="000000"/>
+                </a:solidFill>
+                <a:sym typeface="Wingdings" panose="05000000000000000000" pitchFamily="2" charset="2"/>
+              </a:rPr>
+              <a:t> wenn Bereich nicht markiert, kann Bit darin entfernt werden</a:t>
+            </a:r>
+            <a:endParaRPr lang="de-DE" dirty="0">
+              <a:solidFill>
+                <a:srgbClr val="000000"/>
+              </a:solidFill>
+            </a:endParaRPr>
+          </a:p>
+          <a:p>
+            <a:pPr marL="742950" lvl="1" indent="-285750">
+              <a:buFont typeface="Arial" panose="020B0604020202020204" pitchFamily="34" charset="0"/>
+              <a:buChar char="•"/>
+            </a:pPr>
+            <a:r>
+              <a:rPr lang="de-DE" dirty="0">
+                <a:solidFill>
+                  <a:srgbClr val="000000"/>
+                </a:solidFill>
+              </a:rPr>
+              <a:t>Erhöhter Platzbedarf, aber </a:t>
+            </a:r>
+            <a:r>
+              <a:rPr lang="de-DE" b="1" dirty="0">
+                <a:solidFill>
+                  <a:srgbClr val="000000"/>
+                </a:solidFill>
+              </a:rPr>
+              <a:t>weniger</a:t>
+            </a:r>
+            <a:r>
+              <a:rPr lang="de-DE" dirty="0">
+                <a:solidFill>
+                  <a:srgbClr val="000000"/>
+                </a:solidFill>
+              </a:rPr>
+              <a:t> als bei </a:t>
+            </a:r>
+            <a:r>
+              <a:rPr lang="de-DE" dirty="0" err="1">
+                <a:solidFill>
+                  <a:srgbClr val="000000"/>
+                </a:solidFill>
+              </a:rPr>
+              <a:t>Counting</a:t>
+            </a:r>
+            <a:r>
+              <a:rPr lang="de-DE" dirty="0">
+                <a:solidFill>
+                  <a:srgbClr val="000000"/>
+                </a:solidFill>
+              </a:rPr>
+              <a:t> BF</a:t>
+            </a:r>
+          </a:p>
+        </p:txBody>
+      </p:sp>
+      <p:pic>
+        <p:nvPicPr>
+          <p:cNvPr id="5" name="Grafik 4">
+            <a:extLst>
+              <a:ext uri="{FF2B5EF4-FFF2-40B4-BE49-F238E27FC236}">
+                <a16:creationId xmlns:a16="http://schemas.microsoft.com/office/drawing/2014/main" id="{1537EFDE-8C63-B2C2-1F5B-084C2E2E46E2}"/>
+              </a:ext>
+            </a:extLst>
+          </p:cNvPr>
+          <p:cNvPicPr>
+            <a:picLocks noChangeAspect="1"/>
+          </p:cNvPicPr>
+          <p:nvPr/>
+        </p:nvPicPr>
+        <p:blipFill rotWithShape="1">
+          <a:blip r:embed="rId2">
+            <a:extLst>
+              <a:ext uri="{28A0092B-C50C-407E-A947-70E740481C1C}">
+                <a14:useLocalDpi xmlns:a14="http://schemas.microsoft.com/office/drawing/2010/main" val="0"/>
+              </a:ext>
+              <a:ext uri="{96DAC541-7B7A-43D3-8B79-37D633B846F1}">
+                <asvg:svgBlip xmlns:asvg="http://schemas.microsoft.com/office/drawing/2016/SVG/main" r:embed="rId3"/>
+              </a:ext>
+            </a:extLst>
+          </a:blip>
+          <a:srcRect l="18319" r="16338" b="62600"/>
+          <a:stretch/>
+        </p:blipFill>
+        <p:spPr>
+          <a:xfrm>
+            <a:off x="4355976" y="495000"/>
+            <a:ext cx="5165347" cy="4181549"/>
+          </a:xfrm>
+          <a:prstGeom prst="rect">
+            <a:avLst/>
+          </a:prstGeom>
+        </p:spPr>
+      </p:pic>
+    </p:spTree>
+    <p:extLst>
+      <p:ext uri="{BB962C8B-B14F-4D97-AF65-F5344CB8AC3E}">
+        <p14:creationId xmlns:p14="http://schemas.microsoft.com/office/powerpoint/2010/main" val="3495317879"/>
+      </p:ext>
+    </p:extLst>
+  </p:cSld>
+  <p:clrMapOvr>
+    <a:masterClrMapping/>
+  </p:clrMapOvr>
+</p:sld>
+</file>
+
+<file path=ppt/slides/slide21.xml><?xml version="1.0" encoding="utf-8"?>
+<p:sld xmlns:a="http://schemas.openxmlformats.org/drawingml/2006/main" xmlns:r="http://schemas.openxmlformats.org/officeDocument/2006/relationships" xmlns:p="http://schemas.openxmlformats.org/presentationml/2006/main">
+  <p:cSld>
+    <p:spTree>
+      <p:nvGrpSpPr>
+        <p:cNvPr id="1" name=""/>
+        <p:cNvGrpSpPr/>
+        <p:nvPr/>
+      </p:nvGrpSpPr>
+      <p:grpSpPr>
+        <a:xfrm>
+          <a:off x="0" y="0"/>
+          <a:ext cx="0" cy="0"/>
+          <a:chOff x="0" y="0"/>
+          <a:chExt cx="0" cy="0"/>
+        </a:xfrm>
+      </p:grpSpPr>
+      <p:sp>
+        <p:nvSpPr>
+          <p:cNvPr id="6" name="Foliennummernplatzhalter 5"/>
+          <p:cNvSpPr>
+            <a:spLocks noGrp="1"/>
+          </p:cNvSpPr>
+          <p:nvPr>
+            <p:ph type="sldNum" sz="quarter" idx="4"/>
+          </p:nvPr>
+        </p:nvSpPr>
+        <p:spPr/>
+        <p:txBody>
+          <a:bodyPr/>
+          <a:lstStyle/>
+          <a:p>
+            <a:fld id="{F9CA7F02-FF28-4D8F-AF3B-6C950C783A54}" type="slidenum">
+              <a:rPr lang="de-DE" smtClean="0"/>
+              <a:pPr/>
+              <a:t>21</a:t>
+            </a:fld>
+            <a:endParaRPr lang="de-DE"/>
+          </a:p>
+        </p:txBody>
+      </p:sp>
+      <p:sp>
+        <p:nvSpPr>
+          <p:cNvPr id="3" name="Titel 2"/>
+          <p:cNvSpPr>
+            <a:spLocks noGrp="1"/>
+          </p:cNvSpPr>
+          <p:nvPr>
+            <p:ph type="title"/>
+          </p:nvPr>
+        </p:nvSpPr>
+        <p:spPr/>
+        <p:txBody>
+          <a:bodyPr/>
+          <a:lstStyle/>
+          <a:p>
+            <a:r>
+              <a:rPr lang="de-DE" dirty="0"/>
+              <a:t>BLOOM-FILTER</a:t>
+            </a:r>
+          </a:p>
+        </p:txBody>
+      </p:sp>
+      <p:sp>
+        <p:nvSpPr>
+          <p:cNvPr id="4" name="Inhaltsplatzhalter 3"/>
+          <p:cNvSpPr>
+            <a:spLocks noGrp="1"/>
+          </p:cNvSpPr>
+          <p:nvPr>
+            <p:ph sz="quarter" idx="13"/>
+          </p:nvPr>
+        </p:nvSpPr>
+        <p:spPr>
+          <a:xfrm>
+            <a:off x="936000" y="699542"/>
+            <a:ext cx="7308000" cy="429622"/>
+          </a:xfrm>
+        </p:spPr>
+        <p:txBody>
+          <a:bodyPr/>
+          <a:lstStyle/>
+          <a:p>
+            <a:r>
+              <a:rPr lang="de-DE" dirty="0"/>
+              <a:t>Zusammenfassung</a:t>
+            </a:r>
+          </a:p>
+        </p:txBody>
+      </p:sp>
+      <p:sp>
+        <p:nvSpPr>
+          <p:cNvPr id="7" name="Fußzeilenplatzhalter 6"/>
+          <p:cNvSpPr>
+            <a:spLocks noGrp="1"/>
+          </p:cNvSpPr>
+          <p:nvPr>
+            <p:ph type="ftr" sz="quarter" idx="3"/>
+          </p:nvPr>
+        </p:nvSpPr>
+        <p:spPr/>
+        <p:txBody>
+          <a:bodyPr/>
+          <a:lstStyle/>
+          <a:p>
+            <a:r>
+              <a:rPr lang="de-DE" dirty="0"/>
+              <a:t>TU Bergakademie Freiberg | Vortragender: Florian Schierz | 2022</a:t>
+            </a:r>
+          </a:p>
+        </p:txBody>
+      </p:sp>
+      <p:sp>
+        <p:nvSpPr>
+          <p:cNvPr id="8" name="Textfeld 7">
+            <a:extLst>
+              <a:ext uri="{FF2B5EF4-FFF2-40B4-BE49-F238E27FC236}">
+                <a16:creationId xmlns:a16="http://schemas.microsoft.com/office/drawing/2014/main" id="{093EC415-536A-DF25-47D2-0D0A17C6051B}"/>
+              </a:ext>
+            </a:extLst>
+          </p:cNvPr>
+          <p:cNvSpPr txBox="1"/>
+          <p:nvPr/>
+        </p:nvSpPr>
+        <p:spPr>
+          <a:xfrm>
+            <a:off x="611560" y="1203598"/>
+            <a:ext cx="6768752" cy="2585323"/>
+          </a:xfrm>
+          <a:prstGeom prst="rect">
+            <a:avLst/>
+          </a:prstGeom>
+          <a:noFill/>
+        </p:spPr>
+        <p:txBody>
+          <a:bodyPr wrap="square" rtlCol="0">
+            <a:spAutoFit/>
+          </a:bodyPr>
+          <a:lstStyle/>
+          <a:p>
+            <a:pPr marL="285750" indent="-285750">
+              <a:buFont typeface="Arial" panose="020B0604020202020204" pitchFamily="34" charset="0"/>
+              <a:buChar char="•"/>
+            </a:pPr>
+            <a:r>
+              <a:rPr lang="de-DE" dirty="0">
+                <a:solidFill>
+                  <a:srgbClr val="000000"/>
+                </a:solidFill>
+              </a:rPr>
+              <a:t>In </a:t>
+            </a:r>
+            <a:r>
+              <a:rPr lang="de-DE" b="1" dirty="0">
+                <a:solidFill>
+                  <a:srgbClr val="000000"/>
+                </a:solidFill>
+              </a:rPr>
+              <a:t>Praxis</a:t>
+            </a:r>
+            <a:r>
+              <a:rPr lang="de-DE" dirty="0">
+                <a:solidFill>
+                  <a:srgbClr val="000000"/>
+                </a:solidFill>
+              </a:rPr>
+              <a:t> und </a:t>
+            </a:r>
+            <a:r>
+              <a:rPr lang="de-DE" b="1" dirty="0">
+                <a:solidFill>
+                  <a:srgbClr val="000000"/>
+                </a:solidFill>
+              </a:rPr>
+              <a:t>Literatur</a:t>
+            </a:r>
+            <a:r>
+              <a:rPr lang="de-DE" dirty="0">
+                <a:solidFill>
+                  <a:srgbClr val="000000"/>
+                </a:solidFill>
+              </a:rPr>
+              <a:t> seit Erfindung (1970) oft thematisiert</a:t>
+            </a:r>
+          </a:p>
+          <a:p>
+            <a:pPr marL="285750" indent="-285750">
+              <a:buFont typeface="Arial" panose="020B0604020202020204" pitchFamily="34" charset="0"/>
+              <a:buChar char="•"/>
+            </a:pPr>
+            <a:r>
+              <a:rPr lang="de-DE" dirty="0">
+                <a:solidFill>
+                  <a:srgbClr val="000000"/>
+                </a:solidFill>
+              </a:rPr>
+              <a:t>Beliebt aufgrund der </a:t>
+            </a:r>
+            <a:r>
+              <a:rPr lang="de-DE" b="1" dirty="0">
+                <a:solidFill>
+                  <a:srgbClr val="000000"/>
+                </a:solidFill>
+              </a:rPr>
+              <a:t>Effizienz</a:t>
+            </a:r>
+            <a:r>
+              <a:rPr lang="de-DE" dirty="0">
+                <a:solidFill>
+                  <a:srgbClr val="000000"/>
+                </a:solidFill>
+              </a:rPr>
+              <a:t> und </a:t>
+            </a:r>
+            <a:r>
+              <a:rPr lang="de-DE" b="1" dirty="0">
+                <a:solidFill>
+                  <a:srgbClr val="000000"/>
+                </a:solidFill>
+              </a:rPr>
+              <a:t>Vielseitigkeit</a:t>
+            </a:r>
+          </a:p>
+          <a:p>
+            <a:pPr marL="285750" indent="-285750">
+              <a:buFont typeface="Arial" panose="020B0604020202020204" pitchFamily="34" charset="0"/>
+              <a:buChar char="•"/>
+            </a:pPr>
+            <a:r>
+              <a:rPr lang="de-DE" dirty="0">
+                <a:solidFill>
+                  <a:srgbClr val="000000"/>
+                </a:solidFill>
+              </a:rPr>
+              <a:t>Ständige </a:t>
+            </a:r>
+            <a:r>
+              <a:rPr lang="de-DE" b="1" dirty="0">
+                <a:solidFill>
+                  <a:srgbClr val="000000"/>
+                </a:solidFill>
+              </a:rPr>
+              <a:t>Weiterentwicklung</a:t>
+            </a:r>
+            <a:r>
+              <a:rPr lang="de-DE" dirty="0">
+                <a:solidFill>
+                  <a:srgbClr val="000000"/>
+                </a:solidFill>
+              </a:rPr>
+              <a:t>, neue </a:t>
+            </a:r>
+            <a:r>
+              <a:rPr lang="de-DE" b="1" dirty="0">
+                <a:solidFill>
+                  <a:srgbClr val="000000"/>
+                </a:solidFill>
+              </a:rPr>
+              <a:t>Varianten</a:t>
+            </a:r>
+            <a:r>
+              <a:rPr lang="de-DE" dirty="0">
+                <a:solidFill>
+                  <a:srgbClr val="000000"/>
+                </a:solidFill>
+              </a:rPr>
+              <a:t> </a:t>
+            </a:r>
+          </a:p>
+          <a:p>
+            <a:r>
+              <a:rPr lang="de-DE" dirty="0">
+                <a:solidFill>
+                  <a:srgbClr val="000000"/>
+                </a:solidFill>
+                <a:sym typeface="Wingdings" panose="05000000000000000000" pitchFamily="2" charset="2"/>
+              </a:rPr>
+              <a:t>	</a:t>
+            </a:r>
+            <a:r>
+              <a:rPr lang="de-DE" dirty="0">
+                <a:solidFill>
+                  <a:srgbClr val="000000"/>
+                </a:solidFill>
+              </a:rPr>
+              <a:t>Welche Variante ist am </a:t>
+            </a:r>
+            <a:r>
+              <a:rPr lang="de-DE" b="1" dirty="0">
+                <a:solidFill>
+                  <a:srgbClr val="000000"/>
+                </a:solidFill>
+              </a:rPr>
+              <a:t>besten</a:t>
+            </a:r>
+            <a:r>
+              <a:rPr lang="de-DE" dirty="0">
+                <a:solidFill>
+                  <a:srgbClr val="000000"/>
+                </a:solidFill>
+              </a:rPr>
+              <a:t>?</a:t>
+            </a:r>
+          </a:p>
+          <a:p>
+            <a:pPr marL="285750" indent="-285750">
+              <a:buFont typeface="Arial" panose="020B0604020202020204" pitchFamily="34" charset="0"/>
+              <a:buChar char="•"/>
+            </a:pPr>
+            <a:r>
+              <a:rPr lang="de-DE" dirty="0">
+                <a:solidFill>
+                  <a:srgbClr val="000000"/>
+                </a:solidFill>
+              </a:rPr>
+              <a:t>Benötigt meist </a:t>
+            </a:r>
+            <a:r>
+              <a:rPr lang="de-DE" b="1" dirty="0">
+                <a:solidFill>
+                  <a:srgbClr val="000000"/>
+                </a:solidFill>
+              </a:rPr>
+              <a:t>weitere Datenstruktur</a:t>
+            </a:r>
+            <a:r>
+              <a:rPr lang="de-DE" dirty="0">
+                <a:solidFill>
+                  <a:srgbClr val="000000"/>
+                </a:solidFill>
+              </a:rPr>
+              <a:t>, die Daten wirklich speichert</a:t>
+            </a:r>
+          </a:p>
+          <a:p>
+            <a:pPr marL="285750" indent="-285750">
+              <a:buFont typeface="Arial" panose="020B0604020202020204" pitchFamily="34" charset="0"/>
+              <a:buChar char="•"/>
+            </a:pPr>
+            <a:endParaRPr lang="de-DE" dirty="0">
+              <a:solidFill>
+                <a:srgbClr val="000000"/>
+              </a:solidFill>
+            </a:endParaRPr>
+          </a:p>
+          <a:p>
+            <a:pPr marL="285750" indent="-285750">
+              <a:buFont typeface="Arial" panose="020B0604020202020204" pitchFamily="34" charset="0"/>
+              <a:buChar char="•"/>
+            </a:pPr>
+            <a:r>
+              <a:rPr lang="de-DE" b="1" dirty="0">
+                <a:solidFill>
+                  <a:srgbClr val="0064A8"/>
+                </a:solidFill>
+              </a:rPr>
+              <a:t>Ist eine Datenstruktur mit den Eigenschaften des Bloom-Filters möglich, die zudem die Elemente selbst speichert?</a:t>
+            </a:r>
+          </a:p>
+          <a:p>
+            <a:pPr marL="285750" indent="-285750">
+              <a:buFont typeface="Arial" panose="020B0604020202020204" pitchFamily="34" charset="0"/>
+              <a:buChar char="•"/>
+            </a:pPr>
+            <a:endParaRPr lang="de-DE" dirty="0"/>
+          </a:p>
+        </p:txBody>
+      </p:sp>
+    </p:spTree>
+    <p:extLst>
+      <p:ext uri="{BB962C8B-B14F-4D97-AF65-F5344CB8AC3E}">
+        <p14:creationId xmlns:p14="http://schemas.microsoft.com/office/powerpoint/2010/main" val="2716102838"/>
+      </p:ext>
+    </p:extLst>
+  </p:cSld>
+  <p:clrMapOvr>
+    <a:masterClrMapping/>
+  </p:clrMapOvr>
+</p:sld>
+</file>
+
+<file path=ppt/slides/slide22.xml><?xml version="1.0" encoding="utf-8"?>
+<p:sld xmlns:a="http://schemas.openxmlformats.org/drawingml/2006/main" xmlns:r="http://schemas.openxmlformats.org/officeDocument/2006/relationships" xmlns:p="http://schemas.openxmlformats.org/presentationml/2006/main">
+  <p:cSld>
+    <p:spTree>
+      <p:nvGrpSpPr>
+        <p:cNvPr id="1" name=""/>
+        <p:cNvGrpSpPr/>
+        <p:nvPr/>
+      </p:nvGrpSpPr>
+      <p:grpSpPr>
+        <a:xfrm>
+          <a:off x="0" y="0"/>
+          <a:ext cx="0" cy="0"/>
+          <a:chOff x="0" y="0"/>
+          <a:chExt cx="0" cy="0"/>
+        </a:xfrm>
+      </p:grpSpPr>
+      <p:sp>
+        <p:nvSpPr>
+          <p:cNvPr id="6" name="Foliennummernplatzhalter 5"/>
+          <p:cNvSpPr>
+            <a:spLocks noGrp="1"/>
+          </p:cNvSpPr>
+          <p:nvPr>
+            <p:ph type="sldNum" sz="quarter" idx="4"/>
+          </p:nvPr>
+        </p:nvSpPr>
+        <p:spPr/>
+        <p:txBody>
+          <a:bodyPr/>
+          <a:lstStyle/>
+          <a:p>
+            <a:fld id="{F9CA7F02-FF28-4D8F-AF3B-6C950C783A54}" type="slidenum">
+              <a:rPr lang="de-DE" smtClean="0"/>
+              <a:pPr/>
+              <a:t>22</a:t>
+            </a:fld>
+            <a:endParaRPr lang="de-DE"/>
+          </a:p>
+        </p:txBody>
+      </p:sp>
+      <p:sp>
+        <p:nvSpPr>
+          <p:cNvPr id="3" name="Titel 2"/>
+          <p:cNvSpPr>
+            <a:spLocks noGrp="1"/>
+          </p:cNvSpPr>
+          <p:nvPr>
+            <p:ph type="title"/>
+          </p:nvPr>
+        </p:nvSpPr>
+        <p:spPr/>
+        <p:txBody>
+          <a:bodyPr/>
+          <a:lstStyle/>
+          <a:p>
+            <a:r>
+              <a:rPr lang="de-DE" dirty="0"/>
+              <a:t>BLOOM-FILTER</a:t>
+            </a:r>
+          </a:p>
+        </p:txBody>
+      </p:sp>
+      <p:sp>
+        <p:nvSpPr>
+          <p:cNvPr id="4" name="Inhaltsplatzhalter 3"/>
+          <p:cNvSpPr>
+            <a:spLocks noGrp="1"/>
+          </p:cNvSpPr>
+          <p:nvPr>
+            <p:ph sz="quarter" idx="13"/>
+          </p:nvPr>
+        </p:nvSpPr>
+        <p:spPr>
+          <a:xfrm>
+            <a:off x="936000" y="699542"/>
+            <a:ext cx="7308000" cy="429622"/>
+          </a:xfrm>
+        </p:spPr>
+        <p:txBody>
+          <a:bodyPr/>
+          <a:lstStyle/>
+          <a:p>
+            <a:r>
+              <a:rPr lang="de-DE" dirty="0"/>
+              <a:t>Quellen</a:t>
+            </a:r>
+          </a:p>
+        </p:txBody>
+      </p:sp>
+      <p:sp>
+        <p:nvSpPr>
+          <p:cNvPr id="7" name="Fußzeilenplatzhalter 6"/>
+          <p:cNvSpPr>
+            <a:spLocks noGrp="1"/>
+          </p:cNvSpPr>
+          <p:nvPr>
+            <p:ph type="ftr" sz="quarter" idx="3"/>
+          </p:nvPr>
+        </p:nvSpPr>
+        <p:spPr/>
+        <p:txBody>
+          <a:bodyPr/>
+          <a:lstStyle/>
+          <a:p>
+            <a:r>
+              <a:rPr lang="de-DE" dirty="0"/>
+              <a:t>TU Bergakademie Freiberg | Vortragender: Florian Schierz | 2022</a:t>
+            </a:r>
+          </a:p>
+        </p:txBody>
+      </p:sp>
+      <p:sp>
+        <p:nvSpPr>
+          <p:cNvPr id="11" name="Textfeld 10">
+            <a:extLst>
+              <a:ext uri="{FF2B5EF4-FFF2-40B4-BE49-F238E27FC236}">
+                <a16:creationId xmlns:a16="http://schemas.microsoft.com/office/drawing/2014/main" id="{AED7FCD8-3C56-4B11-ADA2-B181B3B96684}"/>
+              </a:ext>
+            </a:extLst>
+          </p:cNvPr>
+          <p:cNvSpPr txBox="1"/>
+          <p:nvPr/>
+        </p:nvSpPr>
+        <p:spPr>
+          <a:xfrm>
+            <a:off x="611560" y="1419622"/>
+            <a:ext cx="8064896" cy="2800767"/>
+          </a:xfrm>
+          <a:prstGeom prst="rect">
+            <a:avLst/>
+          </a:prstGeom>
+          <a:noFill/>
+        </p:spPr>
+        <p:txBody>
+          <a:bodyPr wrap="square" rtlCol="0">
+            <a:spAutoFit/>
+          </a:bodyPr>
+          <a:lstStyle/>
+          <a:p>
+            <a:pPr marL="285750" indent="-285750">
+              <a:buFont typeface="Arial" panose="020B0604020202020204" pitchFamily="34" charset="0"/>
+              <a:buChar char="•"/>
+            </a:pPr>
+            <a:r>
+              <a:rPr lang="en-US" sz="1600" dirty="0">
+                <a:latin typeface="Segoe UI" panose="020B0502040204020203" pitchFamily="34" charset="0"/>
+              </a:rPr>
+              <a:t>[1] Burton H. Bloom, 1970, Space/time trade-offs in hash coding with allowable errors, </a:t>
+            </a:r>
+            <a:r>
+              <a:rPr lang="en-US" sz="1600" i="1" dirty="0">
+                <a:latin typeface="Segoe UI" panose="020B0502040204020203" pitchFamily="34" charset="0"/>
+              </a:rPr>
+              <a:t>Communications of the ACM</a:t>
+            </a:r>
+            <a:r>
+              <a:rPr lang="en-US" sz="1600" i="0" dirty="0">
+                <a:latin typeface="Segoe UI" panose="020B0502040204020203" pitchFamily="34" charset="0"/>
+              </a:rPr>
+              <a:t> 13, Issue 7, 422–426. DOI: https://doi.org/10.1145/362686.362692.</a:t>
+            </a:r>
+          </a:p>
+          <a:p>
+            <a:pPr marL="285750" indent="-285750">
+              <a:buFont typeface="Arial" panose="020B0604020202020204" pitchFamily="34" charset="0"/>
+              <a:buChar char="•"/>
+            </a:pPr>
+            <a:r>
+              <a:rPr lang="en-US" sz="1600" dirty="0">
+                <a:latin typeface="Segoe UI" panose="020B0502040204020203" pitchFamily="34" charset="0"/>
+              </a:rPr>
+              <a:t>[2] </a:t>
+            </a:r>
+            <a:r>
+              <a:rPr lang="en-US" sz="1600" dirty="0" err="1">
+                <a:latin typeface="Segoe UI" panose="020B0502040204020203" pitchFamily="34" charset="0"/>
+              </a:rPr>
+              <a:t>Saibal</a:t>
+            </a:r>
+            <a:r>
+              <a:rPr lang="en-US" sz="1600" dirty="0">
+                <a:latin typeface="Segoe UI" panose="020B0502040204020203" pitchFamily="34" charset="0"/>
+              </a:rPr>
+              <a:t> Kumar Pal and Puneet Sardana, 2012, BLOOM FILTERS &amp; THEIR APPLICATIONS, </a:t>
+            </a:r>
+            <a:r>
+              <a:rPr lang="en-US" sz="1600" i="1" dirty="0">
+                <a:latin typeface="Segoe UI" panose="020B0502040204020203" pitchFamily="34" charset="0"/>
+              </a:rPr>
+              <a:t>International Journal of Computer Applications Technology and Research</a:t>
+            </a:r>
+            <a:r>
+              <a:rPr lang="en-US" sz="1600" i="0" dirty="0">
+                <a:latin typeface="Segoe UI" panose="020B0502040204020203" pitchFamily="34" charset="0"/>
+              </a:rPr>
+              <a:t> 1, 25–29. </a:t>
+            </a:r>
+            <a:r>
+              <a:rPr lang="en-US" sz="1600" dirty="0">
+                <a:latin typeface="Segoe UI" panose="020B0502040204020203" pitchFamily="34" charset="0"/>
+              </a:rPr>
+              <a:t>DOI: https://doi.org/10.7753/2012.1006</a:t>
+            </a:r>
+            <a:r>
+              <a:rPr lang="en-US" sz="1600" i="0" dirty="0">
+                <a:latin typeface="Segoe UI" panose="020B0502040204020203" pitchFamily="34" charset="0"/>
+              </a:rPr>
+              <a:t> https://ui.adsabs.harvard.edu/</a:t>
+            </a:r>
+            <a:r>
+              <a:rPr lang="en-US" sz="1600" i="0" dirty="0" err="1">
+                <a:latin typeface="Segoe UI" panose="020B0502040204020203" pitchFamily="34" charset="0"/>
+              </a:rPr>
+              <a:t>link_gateway</a:t>
+            </a:r>
+            <a:r>
+              <a:rPr lang="en-US" sz="1600" i="0" dirty="0">
+                <a:latin typeface="Segoe UI" panose="020B0502040204020203" pitchFamily="34" charset="0"/>
+              </a:rPr>
+              <a:t>/2012IJCAT...1...25P/doi:10.7753/2012.1006</a:t>
+            </a:r>
+          </a:p>
+          <a:p>
+            <a:pPr marL="285750" indent="-285750">
+              <a:buFont typeface="Arial" panose="020B0604020202020204" pitchFamily="34" charset="0"/>
+              <a:buChar char="•"/>
+            </a:pPr>
+            <a:r>
+              <a:rPr lang="de-DE" sz="1600" dirty="0">
+                <a:latin typeface="Segoe UI" panose="020B0502040204020203" pitchFamily="34" charset="0"/>
+              </a:rPr>
+              <a:t>[3] </a:t>
+            </a:r>
+            <a:r>
+              <a:rPr lang="de-DE" sz="1600" dirty="0" err="1">
+                <a:latin typeface="Segoe UI" panose="020B0502040204020203" pitchFamily="34" charset="0"/>
+              </a:rPr>
+              <a:t>Ripon</a:t>
+            </a:r>
+            <a:r>
+              <a:rPr lang="de-DE" sz="1600" dirty="0">
+                <a:latin typeface="Segoe UI" panose="020B0502040204020203" pitchFamily="34" charset="0"/>
+              </a:rPr>
+              <a:t> </a:t>
+            </a:r>
+            <a:r>
+              <a:rPr lang="de-DE" sz="1600" dirty="0" err="1">
+                <a:latin typeface="Segoe UI" panose="020B0502040204020203" pitchFamily="34" charset="0"/>
+              </a:rPr>
+              <a:t>Patgiri</a:t>
+            </a:r>
+            <a:r>
+              <a:rPr lang="de-DE" sz="1600" dirty="0">
+                <a:latin typeface="Segoe UI" panose="020B0502040204020203" pitchFamily="34" charset="0"/>
+              </a:rPr>
+              <a:t>, </a:t>
+            </a:r>
+            <a:r>
+              <a:rPr lang="de-DE" sz="1600" dirty="0" err="1">
+                <a:latin typeface="Segoe UI" panose="020B0502040204020203" pitchFamily="34" charset="0"/>
+              </a:rPr>
+              <a:t>Sabuzima</a:t>
+            </a:r>
+            <a:r>
+              <a:rPr lang="de-DE" sz="1600" dirty="0">
+                <a:latin typeface="Segoe UI" panose="020B0502040204020203" pitchFamily="34" charset="0"/>
+              </a:rPr>
+              <a:t> </a:t>
+            </a:r>
+            <a:r>
+              <a:rPr lang="de-DE" sz="1600" dirty="0" err="1">
+                <a:latin typeface="Segoe UI" panose="020B0502040204020203" pitchFamily="34" charset="0"/>
+              </a:rPr>
+              <a:t>Nayak</a:t>
+            </a:r>
+            <a:r>
+              <a:rPr lang="de-DE" sz="1600" dirty="0">
+                <a:latin typeface="Segoe UI" panose="020B0502040204020203" pitchFamily="34" charset="0"/>
+              </a:rPr>
+              <a:t>, and Samir </a:t>
+            </a:r>
+            <a:r>
+              <a:rPr lang="de-DE" sz="1600" dirty="0" err="1">
+                <a:latin typeface="Segoe UI" panose="020B0502040204020203" pitchFamily="34" charset="0"/>
+              </a:rPr>
+              <a:t>Borgohain</a:t>
+            </a:r>
+            <a:r>
+              <a:rPr lang="de-DE" sz="1600" dirty="0">
+                <a:latin typeface="Segoe UI" panose="020B0502040204020203" pitchFamily="34" charset="0"/>
+              </a:rPr>
+              <a:t>. 2018. </a:t>
+            </a:r>
+            <a:r>
+              <a:rPr lang="de-DE" sz="1600" dirty="0" err="1">
+                <a:latin typeface="Segoe UI" panose="020B0502040204020203" pitchFamily="34" charset="0"/>
+              </a:rPr>
+              <a:t>Preventing</a:t>
+            </a:r>
+            <a:r>
+              <a:rPr lang="de-DE" sz="1600" dirty="0">
+                <a:latin typeface="Segoe UI" panose="020B0502040204020203" pitchFamily="34" charset="0"/>
+              </a:rPr>
+              <a:t> DDoS </a:t>
+            </a:r>
+            <a:r>
+              <a:rPr lang="de-DE" sz="1600" dirty="0" err="1">
+                <a:latin typeface="Segoe UI" panose="020B0502040204020203" pitchFamily="34" charset="0"/>
+              </a:rPr>
+              <a:t>using</a:t>
+            </a:r>
+            <a:r>
+              <a:rPr lang="de-DE" sz="1600" dirty="0">
+                <a:latin typeface="Segoe UI" panose="020B0502040204020203" pitchFamily="34" charset="0"/>
+              </a:rPr>
+              <a:t> Bloom Filter: A Survey. </a:t>
+            </a:r>
+            <a:r>
+              <a:rPr lang="de-DE" sz="1600" i="1" dirty="0">
+                <a:latin typeface="Segoe UI" panose="020B0502040204020203" pitchFamily="34" charset="0"/>
+              </a:rPr>
+              <a:t>ICST Transactions on </a:t>
+            </a:r>
+            <a:r>
+              <a:rPr lang="de-DE" sz="1600" i="1" dirty="0" err="1">
+                <a:latin typeface="Segoe UI" panose="020B0502040204020203" pitchFamily="34" charset="0"/>
+              </a:rPr>
+              <a:t>Scalable</a:t>
+            </a:r>
+            <a:r>
+              <a:rPr lang="de-DE" sz="1600" i="1" dirty="0">
+                <a:latin typeface="Segoe UI" panose="020B0502040204020203" pitchFamily="34" charset="0"/>
+              </a:rPr>
+              <a:t> Information Systems</a:t>
+            </a:r>
+            <a:r>
+              <a:rPr lang="de-DE" sz="1600" i="0" dirty="0">
+                <a:latin typeface="Segoe UI" panose="020B0502040204020203" pitchFamily="34" charset="0"/>
+              </a:rPr>
+              <a:t> 5, 19, 155865. DOI: </a:t>
+            </a:r>
+            <a:r>
+              <a:rPr lang="de-DE" sz="1600" i="0" dirty="0">
+                <a:latin typeface="Segoe UI" panose="020B0502040204020203" pitchFamily="34" charset="0"/>
+                <a:hlinkClick r:id="rId2"/>
+              </a:rPr>
+              <a:t>https://doi.org/10.4108%2Feai.19-6-2018.155865</a:t>
+            </a:r>
+            <a:endParaRPr lang="de-DE" sz="1600" i="0" dirty="0">
+              <a:latin typeface="Segoe UI" panose="020B0502040204020203" pitchFamily="34" charset="0"/>
+            </a:endParaRPr>
+          </a:p>
+        </p:txBody>
+      </p:sp>
+    </p:spTree>
+    <p:extLst>
+      <p:ext uri="{BB962C8B-B14F-4D97-AF65-F5344CB8AC3E}">
+        <p14:creationId xmlns:p14="http://schemas.microsoft.com/office/powerpoint/2010/main" val="2718584080"/>
+      </p:ext>
+    </p:extLst>
+  </p:cSld>
+  <p:clrMapOvr>
+    <a:masterClrMapping/>
+  </p:clrMapOvr>
+</p:sld>
+</file>
+
+<file path=ppt/slides/slide23.xml><?xml version="1.0" encoding="utf-8"?>
+<p:sld xmlns:a="http://schemas.openxmlformats.org/drawingml/2006/main" xmlns:r="http://schemas.openxmlformats.org/officeDocument/2006/relationships" xmlns:p="http://schemas.openxmlformats.org/presentationml/2006/main">
+  <p:cSld>
+    <p:spTree>
+      <p:nvGrpSpPr>
+        <p:cNvPr id="1" name=""/>
+        <p:cNvGrpSpPr/>
+        <p:nvPr/>
+      </p:nvGrpSpPr>
+      <p:grpSpPr>
+        <a:xfrm>
+          <a:off x="0" y="0"/>
+          <a:ext cx="0" cy="0"/>
+          <a:chOff x="0" y="0"/>
+          <a:chExt cx="0" cy="0"/>
+        </a:xfrm>
+      </p:grpSpPr>
+      <p:sp>
+        <p:nvSpPr>
+          <p:cNvPr id="6" name="Foliennummernplatzhalter 5"/>
+          <p:cNvSpPr>
+            <a:spLocks noGrp="1"/>
+          </p:cNvSpPr>
+          <p:nvPr>
+            <p:ph type="sldNum" sz="quarter" idx="4"/>
+          </p:nvPr>
+        </p:nvSpPr>
+        <p:spPr/>
+        <p:txBody>
+          <a:bodyPr/>
+          <a:lstStyle/>
+          <a:p>
+            <a:fld id="{F9CA7F02-FF28-4D8F-AF3B-6C950C783A54}" type="slidenum">
+              <a:rPr lang="de-DE" smtClean="0"/>
+              <a:pPr/>
+              <a:t>23</a:t>
+            </a:fld>
+            <a:endParaRPr lang="de-DE"/>
+          </a:p>
+        </p:txBody>
+      </p:sp>
+      <p:sp>
+        <p:nvSpPr>
+          <p:cNvPr id="3" name="Titel 2"/>
+          <p:cNvSpPr>
+            <a:spLocks noGrp="1"/>
+          </p:cNvSpPr>
+          <p:nvPr>
+            <p:ph type="title"/>
+          </p:nvPr>
+        </p:nvSpPr>
+        <p:spPr/>
+        <p:txBody>
+          <a:bodyPr/>
+          <a:lstStyle/>
+          <a:p>
+            <a:r>
+              <a:rPr lang="de-DE" dirty="0"/>
+              <a:t>BLOOM-FILTER</a:t>
+            </a:r>
+          </a:p>
+        </p:txBody>
+      </p:sp>
+      <p:sp>
+        <p:nvSpPr>
+          <p:cNvPr id="4" name="Inhaltsplatzhalter 3"/>
+          <p:cNvSpPr>
+            <a:spLocks noGrp="1"/>
+          </p:cNvSpPr>
+          <p:nvPr>
+            <p:ph sz="quarter" idx="13"/>
+          </p:nvPr>
+        </p:nvSpPr>
+        <p:spPr>
+          <a:xfrm>
+            <a:off x="936000" y="699542"/>
+            <a:ext cx="7308000" cy="429622"/>
+          </a:xfrm>
+        </p:spPr>
+        <p:txBody>
+          <a:bodyPr/>
+          <a:lstStyle/>
+          <a:p>
+            <a:r>
+              <a:rPr lang="de-DE" dirty="0"/>
+              <a:t>Quellen</a:t>
+            </a:r>
+          </a:p>
+        </p:txBody>
+      </p:sp>
+      <p:sp>
+        <p:nvSpPr>
+          <p:cNvPr id="7" name="Fußzeilenplatzhalter 6"/>
+          <p:cNvSpPr>
+            <a:spLocks noGrp="1"/>
+          </p:cNvSpPr>
+          <p:nvPr>
+            <p:ph type="ftr" sz="quarter" idx="3"/>
+          </p:nvPr>
+        </p:nvSpPr>
+        <p:spPr/>
+        <p:txBody>
+          <a:bodyPr/>
+          <a:lstStyle/>
+          <a:p>
+            <a:r>
+              <a:rPr lang="de-DE" dirty="0"/>
+              <a:t>TU Bergakademie Freiberg | Vortragender: Florian Schierz | 2022</a:t>
+            </a:r>
+          </a:p>
+        </p:txBody>
+      </p:sp>
+      <p:sp>
+        <p:nvSpPr>
+          <p:cNvPr id="11" name="Textfeld 10">
+            <a:extLst>
+              <a:ext uri="{FF2B5EF4-FFF2-40B4-BE49-F238E27FC236}">
+                <a16:creationId xmlns:a16="http://schemas.microsoft.com/office/drawing/2014/main" id="{AED7FCD8-3C56-4B11-ADA2-B181B3B96684}"/>
+              </a:ext>
+            </a:extLst>
+          </p:cNvPr>
+          <p:cNvSpPr txBox="1"/>
+          <p:nvPr/>
+        </p:nvSpPr>
+        <p:spPr>
+          <a:xfrm>
+            <a:off x="611560" y="1419622"/>
+            <a:ext cx="8064896" cy="2800767"/>
+          </a:xfrm>
+          <a:prstGeom prst="rect">
+            <a:avLst/>
+          </a:prstGeom>
+          <a:noFill/>
+        </p:spPr>
+        <p:txBody>
+          <a:bodyPr wrap="square" rtlCol="0">
+            <a:spAutoFit/>
+          </a:bodyPr>
+          <a:lstStyle/>
+          <a:p>
+            <a:pPr marL="285750" indent="-285750">
+              <a:buFont typeface="Arial" panose="020B0604020202020204" pitchFamily="34" charset="0"/>
+              <a:buChar char="•"/>
+            </a:pPr>
+            <a:r>
+              <a:rPr lang="de-DE" sz="1600" dirty="0">
+                <a:latin typeface="Segoe UI" panose="020B0502040204020203" pitchFamily="34" charset="0"/>
+              </a:rPr>
+              <a:t>[4] </a:t>
+            </a:r>
+            <a:r>
+              <a:rPr lang="en-US" sz="1600" dirty="0"/>
+              <a:t>Bloom Filter. </a:t>
+            </a:r>
+            <a:r>
+              <a:rPr lang="en-US" sz="1600" i="1" dirty="0"/>
+              <a:t>Brilliant.org</a:t>
+            </a:r>
+            <a:r>
+              <a:rPr lang="en-US" sz="1600" dirty="0"/>
+              <a:t>. Retrieved 18:02, May 12, 2022, from </a:t>
+            </a:r>
+            <a:r>
+              <a:rPr lang="en-US" sz="1600" dirty="0">
+                <a:hlinkClick r:id="rId2"/>
+              </a:rPr>
+              <a:t>https://brilliant.org/wiki/bloom-filter/</a:t>
+            </a:r>
+            <a:endParaRPr lang="en-US" sz="1600" dirty="0"/>
+          </a:p>
+          <a:p>
+            <a:pPr marL="285750" indent="-285750">
+              <a:buFont typeface="Arial" panose="020B0604020202020204" pitchFamily="34" charset="0"/>
+              <a:buChar char="•"/>
+            </a:pPr>
+            <a:r>
+              <a:rPr lang="en-US" sz="1600" i="0" dirty="0">
+                <a:latin typeface="Segoe UI" panose="020B0502040204020203" pitchFamily="34" charset="0"/>
+              </a:rPr>
+              <a:t>[5] </a:t>
+            </a:r>
+            <a:r>
+              <a:rPr lang="en-US" sz="1600" dirty="0">
+                <a:latin typeface="Segoe UI" panose="020B0502040204020203" pitchFamily="34" charset="0"/>
+              </a:rPr>
+              <a:t>Fabio </a:t>
+            </a:r>
+            <a:r>
+              <a:rPr lang="en-US" sz="1600" dirty="0" err="1">
+                <a:latin typeface="Segoe UI" panose="020B0502040204020203" pitchFamily="34" charset="0"/>
+              </a:rPr>
+              <a:t>Grandi</a:t>
+            </a:r>
+            <a:r>
+              <a:rPr lang="en-US" sz="1600" dirty="0">
+                <a:latin typeface="Segoe UI" panose="020B0502040204020203" pitchFamily="34" charset="0"/>
+              </a:rPr>
+              <a:t>. 2018. On the analysis of Bloom filters. </a:t>
+            </a:r>
+            <a:r>
+              <a:rPr lang="en-US" sz="1600" i="1" dirty="0">
+                <a:latin typeface="Segoe UI" panose="020B0502040204020203" pitchFamily="34" charset="0"/>
+              </a:rPr>
+              <a:t>Information Processing Letters</a:t>
+            </a:r>
+            <a:r>
+              <a:rPr lang="en-US" sz="1600" i="0" dirty="0">
+                <a:latin typeface="Segoe UI" panose="020B0502040204020203" pitchFamily="34" charset="0"/>
+              </a:rPr>
+              <a:t> 129, 35–39. DOI: </a:t>
+            </a:r>
+            <a:r>
+              <a:rPr lang="en-US" sz="1600" i="0" dirty="0">
+                <a:latin typeface="Segoe UI" panose="020B0502040204020203" pitchFamily="34" charset="0"/>
+                <a:hlinkClick r:id="rId3"/>
+              </a:rPr>
+              <a:t>https://doi.org/10.1016/j.ipl.2017.09.004</a:t>
+            </a:r>
+            <a:endParaRPr lang="en-US" sz="1600" i="0" dirty="0">
+              <a:latin typeface="Segoe UI" panose="020B0502040204020203" pitchFamily="34" charset="0"/>
+            </a:endParaRPr>
+          </a:p>
+          <a:p>
+            <a:pPr marL="285750" indent="-285750">
+              <a:buFont typeface="Arial" panose="020B0604020202020204" pitchFamily="34" charset="0"/>
+              <a:buChar char="•"/>
+            </a:pPr>
+            <a:r>
+              <a:rPr lang="en-US" sz="1600" dirty="0">
+                <a:latin typeface="Segoe UI" panose="020B0502040204020203" pitchFamily="34" charset="0"/>
+              </a:rPr>
+              <a:t>[6] Nayak, S. and </a:t>
+            </a:r>
+            <a:r>
+              <a:rPr lang="en-US" sz="1600" dirty="0" err="1">
+                <a:latin typeface="Segoe UI" panose="020B0502040204020203" pitchFamily="34" charset="0"/>
+              </a:rPr>
+              <a:t>Patgiri</a:t>
+            </a:r>
+            <a:r>
+              <a:rPr lang="en-US" sz="1600" dirty="0">
+                <a:latin typeface="Segoe UI" panose="020B0502040204020203" pitchFamily="34" charset="0"/>
+              </a:rPr>
+              <a:t>, R. 2021. </a:t>
+            </a:r>
+            <a:r>
+              <a:rPr lang="en-US" sz="1600" i="1" dirty="0" err="1">
+                <a:latin typeface="Segoe UI" panose="020B0502040204020203" pitchFamily="34" charset="0"/>
+              </a:rPr>
+              <a:t>RobustBF</a:t>
+            </a:r>
+            <a:r>
+              <a:rPr lang="en-US" sz="1600" i="1" dirty="0">
+                <a:latin typeface="Segoe UI" panose="020B0502040204020203" pitchFamily="34" charset="0"/>
+              </a:rPr>
+              <a:t>: A High Accuracy and Memory Efficient 2D Bloom Filter</a:t>
+            </a:r>
+            <a:r>
+              <a:rPr lang="en-US" sz="1600" i="0" dirty="0">
+                <a:latin typeface="Segoe UI" panose="020B0502040204020203" pitchFamily="34" charset="0"/>
+              </a:rPr>
+              <a:t>. DOI: https://doi.org/10.48550/arxiv.2106.04365</a:t>
+            </a:r>
+          </a:p>
+          <a:p>
+            <a:pPr marL="285750" indent="-285750">
+              <a:buFont typeface="Arial" panose="020B0604020202020204" pitchFamily="34" charset="0"/>
+              <a:buChar char="•"/>
+            </a:pPr>
+            <a:r>
+              <a:rPr lang="en-US" sz="1600" dirty="0">
+                <a:latin typeface="Segoe UI" panose="020B0502040204020203" pitchFamily="34" charset="0"/>
+              </a:rPr>
+              <a:t>[7] </a:t>
+            </a:r>
+            <a:r>
+              <a:rPr lang="de-DE" sz="1600" dirty="0">
+                <a:latin typeface="Segoe UI" panose="020B0502040204020203" pitchFamily="34" charset="0"/>
+              </a:rPr>
+              <a:t>Fan, L., Cao, P., Almeida, J., and Broder, A. Z. 1998. Summary Cache: A </a:t>
+            </a:r>
+            <a:r>
+              <a:rPr lang="de-DE" sz="1600" dirty="0" err="1">
+                <a:latin typeface="Segoe UI" panose="020B0502040204020203" pitchFamily="34" charset="0"/>
+              </a:rPr>
+              <a:t>Scalable</a:t>
+            </a:r>
+            <a:r>
+              <a:rPr lang="de-DE" sz="1600" dirty="0">
+                <a:latin typeface="Segoe UI" panose="020B0502040204020203" pitchFamily="34" charset="0"/>
+              </a:rPr>
+              <a:t> Wide-Area Web Cache Sharing Protocol. In </a:t>
+            </a:r>
+            <a:r>
+              <a:rPr lang="de-DE" sz="1600" i="1" dirty="0">
+                <a:latin typeface="Segoe UI" panose="020B0502040204020203" pitchFamily="34" charset="0"/>
+              </a:rPr>
+              <a:t>Proceedings </a:t>
+            </a:r>
+            <a:r>
+              <a:rPr lang="de-DE" sz="1600" i="1" dirty="0" err="1">
+                <a:latin typeface="Segoe UI" panose="020B0502040204020203" pitchFamily="34" charset="0"/>
+              </a:rPr>
+              <a:t>of</a:t>
+            </a:r>
+            <a:r>
+              <a:rPr lang="de-DE" sz="1600" i="1" dirty="0">
+                <a:latin typeface="Segoe UI" panose="020B0502040204020203" pitchFamily="34" charset="0"/>
+              </a:rPr>
+              <a:t> </a:t>
+            </a:r>
+            <a:r>
+              <a:rPr lang="de-DE" sz="1600" i="1" dirty="0" err="1">
+                <a:latin typeface="Segoe UI" panose="020B0502040204020203" pitchFamily="34" charset="0"/>
+              </a:rPr>
+              <a:t>the</a:t>
+            </a:r>
+            <a:r>
+              <a:rPr lang="de-DE" sz="1600" i="1" dirty="0">
+                <a:latin typeface="Segoe UI" panose="020B0502040204020203" pitchFamily="34" charset="0"/>
+              </a:rPr>
+              <a:t> ACM SIGCOMM ’98 Conference on </a:t>
+            </a:r>
+            <a:r>
+              <a:rPr lang="de-DE" sz="1600" i="1" dirty="0" err="1">
+                <a:latin typeface="Segoe UI" panose="020B0502040204020203" pitchFamily="34" charset="0"/>
+              </a:rPr>
+              <a:t>Applications</a:t>
+            </a:r>
+            <a:r>
+              <a:rPr lang="de-DE" sz="1600" i="1" dirty="0">
+                <a:latin typeface="Segoe UI" panose="020B0502040204020203" pitchFamily="34" charset="0"/>
+              </a:rPr>
+              <a:t>, Technologies, </a:t>
+            </a:r>
+            <a:r>
+              <a:rPr lang="de-DE" sz="1600" i="1" dirty="0" err="1">
+                <a:latin typeface="Segoe UI" panose="020B0502040204020203" pitchFamily="34" charset="0"/>
+              </a:rPr>
+              <a:t>Architectures</a:t>
+            </a:r>
+            <a:r>
+              <a:rPr lang="de-DE" sz="1600" i="1" dirty="0">
+                <a:latin typeface="Segoe UI" panose="020B0502040204020203" pitchFamily="34" charset="0"/>
+              </a:rPr>
+              <a:t>, and </a:t>
+            </a:r>
+            <a:r>
+              <a:rPr lang="de-DE" sz="1600" i="1" dirty="0" err="1">
+                <a:latin typeface="Segoe UI" panose="020B0502040204020203" pitchFamily="34" charset="0"/>
+              </a:rPr>
+              <a:t>Protocols</a:t>
+            </a:r>
+            <a:r>
+              <a:rPr lang="de-DE" sz="1600" i="1" dirty="0">
+                <a:latin typeface="Segoe UI" panose="020B0502040204020203" pitchFamily="34" charset="0"/>
+              </a:rPr>
+              <a:t> </a:t>
+            </a:r>
+            <a:r>
+              <a:rPr lang="de-DE" sz="1600" i="1" dirty="0" err="1">
+                <a:latin typeface="Segoe UI" panose="020B0502040204020203" pitchFamily="34" charset="0"/>
+              </a:rPr>
+              <a:t>for</a:t>
+            </a:r>
+            <a:r>
+              <a:rPr lang="de-DE" sz="1600" i="1" dirty="0">
+                <a:latin typeface="Segoe UI" panose="020B0502040204020203" pitchFamily="34" charset="0"/>
+              </a:rPr>
+              <a:t> Computer Communication</a:t>
+            </a:r>
+            <a:r>
+              <a:rPr lang="de-DE" sz="1600" i="0" dirty="0">
+                <a:latin typeface="Segoe UI" panose="020B0502040204020203" pitchFamily="34" charset="0"/>
+              </a:rPr>
+              <a:t>. SIGCOMM ’98. </a:t>
+            </a:r>
+            <a:r>
+              <a:rPr lang="de-DE" sz="1600" i="0" dirty="0" err="1">
+                <a:latin typeface="Segoe UI" panose="020B0502040204020203" pitchFamily="34" charset="0"/>
+              </a:rPr>
+              <a:t>Association</a:t>
+            </a:r>
+            <a:r>
+              <a:rPr lang="de-DE" sz="1600" i="0" dirty="0">
+                <a:latin typeface="Segoe UI" panose="020B0502040204020203" pitchFamily="34" charset="0"/>
+              </a:rPr>
+              <a:t> </a:t>
+            </a:r>
+            <a:r>
+              <a:rPr lang="de-DE" sz="1600" i="0" dirty="0" err="1">
+                <a:latin typeface="Segoe UI" panose="020B0502040204020203" pitchFamily="34" charset="0"/>
+              </a:rPr>
+              <a:t>for</a:t>
+            </a:r>
+            <a:r>
+              <a:rPr lang="de-DE" sz="1600" i="0" dirty="0">
+                <a:latin typeface="Segoe UI" panose="020B0502040204020203" pitchFamily="34" charset="0"/>
+              </a:rPr>
+              <a:t> Computing Machinery, New York, NY, USA, 254–265. DOI:</a:t>
+            </a:r>
+            <a:r>
+              <a:rPr lang="en-US" sz="1600" i="0" dirty="0">
+                <a:latin typeface="Segoe UI" panose="020B0502040204020203" pitchFamily="34" charset="0"/>
+              </a:rPr>
+              <a:t> https://doi.org/</a:t>
+            </a:r>
+            <a:r>
+              <a:rPr lang="de-DE" sz="1600" i="0" dirty="0">
+                <a:latin typeface="Segoe UI" panose="020B0502040204020203" pitchFamily="34" charset="0"/>
+              </a:rPr>
+              <a:t>10.1145/285237.285287</a:t>
+            </a:r>
+          </a:p>
+        </p:txBody>
+      </p:sp>
+    </p:spTree>
+    <p:extLst>
+      <p:ext uri="{BB962C8B-B14F-4D97-AF65-F5344CB8AC3E}">
+        <p14:creationId xmlns:p14="http://schemas.microsoft.com/office/powerpoint/2010/main" val="1092689422"/>
+      </p:ext>
+    </p:extLst>
+  </p:cSld>
+  <p:clrMapOvr>
+    <a:masterClrMapping/>
+  </p:clrMapOvr>
+</p:sld>
+</file>
+
+<file path=ppt/slides/slide24.xml><?xml version="1.0" encoding="utf-8"?>
+<p:sld xmlns:a="http://schemas.openxmlformats.org/drawingml/2006/main" xmlns:r="http://schemas.openxmlformats.org/officeDocument/2006/relationships" xmlns:p="http://schemas.openxmlformats.org/presentationml/2006/main">
+  <p:cSld>
+    <p:spTree>
+      <p:nvGrpSpPr>
+        <p:cNvPr id="1" name=""/>
+        <p:cNvGrpSpPr/>
+        <p:nvPr/>
+      </p:nvGrpSpPr>
+      <p:grpSpPr>
+        <a:xfrm>
+          <a:off x="0" y="0"/>
+          <a:ext cx="0" cy="0"/>
+          <a:chOff x="0" y="0"/>
+          <a:chExt cx="0" cy="0"/>
+        </a:xfrm>
+      </p:grpSpPr>
+      <p:sp>
+        <p:nvSpPr>
+          <p:cNvPr id="6" name="Foliennummernplatzhalter 5"/>
+          <p:cNvSpPr>
+            <a:spLocks noGrp="1"/>
+          </p:cNvSpPr>
+          <p:nvPr>
+            <p:ph type="sldNum" sz="quarter" idx="4"/>
+          </p:nvPr>
+        </p:nvSpPr>
+        <p:spPr/>
+        <p:txBody>
+          <a:bodyPr/>
+          <a:lstStyle/>
+          <a:p>
+            <a:fld id="{F9CA7F02-FF28-4D8F-AF3B-6C950C783A54}" type="slidenum">
+              <a:rPr lang="de-DE" smtClean="0"/>
+              <a:pPr/>
+              <a:t>24</a:t>
+            </a:fld>
+            <a:endParaRPr lang="de-DE"/>
+          </a:p>
+        </p:txBody>
+      </p:sp>
+      <p:sp>
+        <p:nvSpPr>
+          <p:cNvPr id="3" name="Titel 2"/>
+          <p:cNvSpPr>
+            <a:spLocks noGrp="1"/>
+          </p:cNvSpPr>
+          <p:nvPr>
+            <p:ph type="title"/>
+          </p:nvPr>
+        </p:nvSpPr>
+        <p:spPr/>
+        <p:txBody>
+          <a:bodyPr/>
+          <a:lstStyle/>
+          <a:p>
+            <a:r>
+              <a:rPr lang="de-DE" dirty="0"/>
+              <a:t>BLOOM-FILTER</a:t>
+            </a:r>
+          </a:p>
+        </p:txBody>
+      </p:sp>
+      <p:sp>
+        <p:nvSpPr>
+          <p:cNvPr id="4" name="Inhaltsplatzhalter 3"/>
+          <p:cNvSpPr>
+            <a:spLocks noGrp="1"/>
+          </p:cNvSpPr>
+          <p:nvPr>
+            <p:ph sz="quarter" idx="13"/>
+          </p:nvPr>
+        </p:nvSpPr>
+        <p:spPr>
+          <a:xfrm>
+            <a:off x="936000" y="699542"/>
+            <a:ext cx="7308000" cy="429622"/>
+          </a:xfrm>
+        </p:spPr>
+        <p:txBody>
+          <a:bodyPr/>
+          <a:lstStyle/>
+          <a:p>
+            <a:r>
+              <a:rPr lang="de-DE" dirty="0"/>
+              <a:t>Quellen</a:t>
+            </a:r>
+          </a:p>
+        </p:txBody>
+      </p:sp>
+      <p:sp>
+        <p:nvSpPr>
+          <p:cNvPr id="7" name="Fußzeilenplatzhalter 6"/>
+          <p:cNvSpPr>
+            <a:spLocks noGrp="1"/>
+          </p:cNvSpPr>
+          <p:nvPr>
+            <p:ph type="ftr" sz="quarter" idx="3"/>
+          </p:nvPr>
+        </p:nvSpPr>
+        <p:spPr/>
+        <p:txBody>
+          <a:bodyPr/>
+          <a:lstStyle/>
+          <a:p>
+            <a:r>
+              <a:rPr lang="de-DE" dirty="0"/>
+              <a:t>TU Bergakademie Freiberg | Vortragender: Florian Schierz | 2022</a:t>
+            </a:r>
+          </a:p>
+        </p:txBody>
+      </p:sp>
+      <p:sp>
+        <p:nvSpPr>
+          <p:cNvPr id="11" name="Textfeld 10">
+            <a:extLst>
+              <a:ext uri="{FF2B5EF4-FFF2-40B4-BE49-F238E27FC236}">
+                <a16:creationId xmlns:a16="http://schemas.microsoft.com/office/drawing/2014/main" id="{AED7FCD8-3C56-4B11-ADA2-B181B3B96684}"/>
+              </a:ext>
+            </a:extLst>
+          </p:cNvPr>
+          <p:cNvSpPr txBox="1"/>
+          <p:nvPr/>
+        </p:nvSpPr>
+        <p:spPr>
+          <a:xfrm>
+            <a:off x="611560" y="1419622"/>
+            <a:ext cx="8064896" cy="2893100"/>
+          </a:xfrm>
+          <a:prstGeom prst="rect">
+            <a:avLst/>
+          </a:prstGeom>
+          <a:noFill/>
+        </p:spPr>
+        <p:txBody>
+          <a:bodyPr wrap="square" rtlCol="0">
+            <a:spAutoFit/>
+          </a:bodyPr>
+          <a:lstStyle/>
+          <a:p>
+            <a:pPr marL="285750" indent="-285750">
+              <a:buFont typeface="Arial" panose="020B0604020202020204" pitchFamily="34" charset="0"/>
+              <a:buChar char="•"/>
+            </a:pPr>
+            <a:r>
+              <a:rPr lang="en-US" sz="1600" dirty="0">
+                <a:latin typeface="Segoe UI" panose="020B0502040204020203" pitchFamily="34" charset="0"/>
+              </a:rPr>
+              <a:t>[8] </a:t>
+            </a:r>
+            <a:r>
+              <a:rPr lang="de-DE" sz="1600" dirty="0">
+                <a:latin typeface="Segoe UI" panose="020B0502040204020203" pitchFamily="34" charset="0"/>
+              </a:rPr>
+              <a:t>Rottenstreich Ori, </a:t>
+            </a:r>
+            <a:r>
+              <a:rPr lang="de-DE" sz="1600" dirty="0" err="1">
+                <a:latin typeface="Segoe UI" panose="020B0502040204020203" pitchFamily="34" charset="0"/>
+              </a:rPr>
+              <a:t>Kanizo</a:t>
+            </a:r>
+            <a:r>
+              <a:rPr lang="de-DE" sz="1600" dirty="0">
+                <a:latin typeface="Segoe UI" panose="020B0502040204020203" pitchFamily="34" charset="0"/>
+              </a:rPr>
+              <a:t> Yossi, and </a:t>
+            </a:r>
+            <a:r>
+              <a:rPr lang="de-DE" sz="1600" dirty="0" err="1">
+                <a:latin typeface="Segoe UI" panose="020B0502040204020203" pitchFamily="34" charset="0"/>
+              </a:rPr>
+              <a:t>Keslassy</a:t>
+            </a:r>
+            <a:r>
+              <a:rPr lang="de-DE" sz="1600" dirty="0">
+                <a:latin typeface="Segoe UI" panose="020B0502040204020203" pitchFamily="34" charset="0"/>
+              </a:rPr>
+              <a:t> Isaac. 2014. The Variable-</a:t>
+            </a:r>
+            <a:r>
+              <a:rPr lang="de-DE" sz="1600" dirty="0" err="1">
+                <a:latin typeface="Segoe UI" panose="020B0502040204020203" pitchFamily="34" charset="0"/>
+              </a:rPr>
+              <a:t>Increment</a:t>
+            </a:r>
+            <a:r>
+              <a:rPr lang="de-DE" sz="1600" dirty="0">
+                <a:latin typeface="Segoe UI" panose="020B0502040204020203" pitchFamily="34" charset="0"/>
+              </a:rPr>
+              <a:t> </a:t>
+            </a:r>
+            <a:r>
+              <a:rPr lang="de-DE" sz="1600" dirty="0" err="1">
+                <a:latin typeface="Segoe UI" panose="020B0502040204020203" pitchFamily="34" charset="0"/>
+              </a:rPr>
+              <a:t>Counting</a:t>
+            </a:r>
+            <a:r>
+              <a:rPr lang="de-DE" sz="1600" dirty="0">
+                <a:latin typeface="Segoe UI" panose="020B0502040204020203" pitchFamily="34" charset="0"/>
+              </a:rPr>
+              <a:t> Bloom Filter. </a:t>
+            </a:r>
+            <a:r>
+              <a:rPr lang="de-DE" sz="1600" i="1" dirty="0">
+                <a:latin typeface="Segoe UI" panose="020B0502040204020203" pitchFamily="34" charset="0"/>
+              </a:rPr>
+              <a:t>IEEE/ACM Trans. Networking</a:t>
+            </a:r>
+            <a:r>
+              <a:rPr lang="de-DE" sz="1600" i="0" dirty="0">
+                <a:latin typeface="Segoe UI" panose="020B0502040204020203" pitchFamily="34" charset="0"/>
+              </a:rPr>
+              <a:t> 22, 4, 1092–1105. DOI: </a:t>
+            </a:r>
+            <a:r>
+              <a:rPr lang="de-DE" sz="1600" i="0" dirty="0">
+                <a:latin typeface="Segoe UI" panose="020B0502040204020203" pitchFamily="34" charset="0"/>
+                <a:hlinkClick r:id="rId2"/>
+              </a:rPr>
+              <a:t>https://doi.org/</a:t>
+            </a:r>
+            <a:r>
+              <a:rPr lang="de-DE" sz="1600" dirty="0">
+                <a:hlinkClick r:id="rId2"/>
+              </a:rPr>
+              <a:t>10.1109/TNET.2013.2272604</a:t>
+            </a:r>
+            <a:endParaRPr lang="de-DE" sz="1600" dirty="0"/>
+          </a:p>
+          <a:p>
+            <a:pPr marL="285750" indent="-285750">
+              <a:buFont typeface="Arial" panose="020B0604020202020204" pitchFamily="34" charset="0"/>
+              <a:buChar char="•"/>
+            </a:pPr>
+            <a:r>
+              <a:rPr lang="en-US" sz="1600" dirty="0">
+                <a:latin typeface="Segoe UI" panose="020B0502040204020203" pitchFamily="34" charset="0"/>
+              </a:rPr>
+              <a:t>[9] Rothenberg, C., </a:t>
+            </a:r>
+            <a:r>
+              <a:rPr lang="en-US" sz="1600" dirty="0" err="1">
+                <a:latin typeface="Segoe UI" panose="020B0502040204020203" pitchFamily="34" charset="0"/>
+              </a:rPr>
+              <a:t>Macapuna</a:t>
+            </a:r>
+            <a:r>
+              <a:rPr lang="en-US" sz="1600" dirty="0">
+                <a:latin typeface="Segoe UI" panose="020B0502040204020203" pitchFamily="34" charset="0"/>
+              </a:rPr>
+              <a:t>, C., Verdi, F., and </a:t>
+            </a:r>
+            <a:r>
+              <a:rPr lang="en-US" sz="1600" dirty="0" err="1">
+                <a:latin typeface="Segoe UI" panose="020B0502040204020203" pitchFamily="34" charset="0"/>
+              </a:rPr>
+              <a:t>Magalhaes</a:t>
+            </a:r>
+            <a:r>
+              <a:rPr lang="en-US" sz="1600" dirty="0">
+                <a:latin typeface="Segoe UI" panose="020B0502040204020203" pitchFamily="34" charset="0"/>
+              </a:rPr>
+              <a:t>, M. 2010. The </a:t>
+            </a:r>
+            <a:r>
+              <a:rPr lang="en-US" sz="1600" dirty="0" err="1">
+                <a:latin typeface="Segoe UI" panose="020B0502040204020203" pitchFamily="34" charset="0"/>
+              </a:rPr>
+              <a:t>deletable</a:t>
+            </a:r>
+            <a:r>
+              <a:rPr lang="en-US" sz="1600" dirty="0">
+                <a:latin typeface="Segoe UI" panose="020B0502040204020203" pitchFamily="34" charset="0"/>
+              </a:rPr>
+              <a:t> Bloom filter: a new member of the Bloom family. </a:t>
+            </a:r>
+            <a:r>
+              <a:rPr lang="en-US" sz="1600" i="1" dirty="0">
+                <a:latin typeface="Segoe UI" panose="020B0502040204020203" pitchFamily="34" charset="0"/>
+              </a:rPr>
+              <a:t>IEEE </a:t>
+            </a:r>
+            <a:r>
+              <a:rPr lang="en-US" sz="1600" i="1" dirty="0" err="1">
+                <a:latin typeface="Segoe UI" panose="020B0502040204020203" pitchFamily="34" charset="0"/>
+              </a:rPr>
+              <a:t>Commun</a:t>
+            </a:r>
+            <a:r>
+              <a:rPr lang="en-US" sz="1600" i="1" dirty="0">
+                <a:latin typeface="Segoe UI" panose="020B0502040204020203" pitchFamily="34" charset="0"/>
+              </a:rPr>
+              <a:t>. Lett.</a:t>
+            </a:r>
+            <a:r>
+              <a:rPr lang="en-US" sz="1600" i="0" dirty="0">
+                <a:latin typeface="Segoe UI" panose="020B0502040204020203" pitchFamily="34" charset="0"/>
+              </a:rPr>
+              <a:t> 14, 6, 557–559. DOI: https://</a:t>
+            </a:r>
+            <a:r>
+              <a:rPr lang="de-DE" sz="1600" i="0" dirty="0">
+                <a:latin typeface="Segoe UI" panose="020B0502040204020203" pitchFamily="34" charset="0"/>
+              </a:rPr>
+              <a:t>doi.org/</a:t>
+            </a:r>
+            <a:r>
+              <a:rPr lang="de-DE" sz="1600" dirty="0"/>
+              <a:t>10.1109/LCOMM.2010.06.100344</a:t>
+            </a:r>
+            <a:endParaRPr lang="en-US" sz="1600" dirty="0">
+              <a:latin typeface="Segoe UI" panose="020B0502040204020203" pitchFamily="34" charset="0"/>
+            </a:endParaRPr>
+          </a:p>
+          <a:p>
+            <a:pPr marL="285750" indent="-285750">
+              <a:buFont typeface="Arial" panose="020B0604020202020204" pitchFamily="34" charset="0"/>
+              <a:buChar char="•"/>
+            </a:pPr>
+            <a:r>
+              <a:rPr lang="en-US" sz="1600" dirty="0" err="1">
+                <a:latin typeface="Segoe UI" panose="020B0502040204020203" pitchFamily="34" charset="0"/>
+              </a:rPr>
+              <a:t>Bilder</a:t>
+            </a:r>
+            <a:r>
+              <a:rPr lang="en-US" sz="1600" dirty="0">
+                <a:latin typeface="Segoe UI" panose="020B0502040204020203" pitchFamily="34" charset="0"/>
+              </a:rPr>
+              <a:t>:</a:t>
+            </a:r>
+          </a:p>
+          <a:p>
+            <a:pPr marL="742950" lvl="1" indent="-285750">
+              <a:buFont typeface="Arial" panose="020B0604020202020204" pitchFamily="34" charset="0"/>
+              <a:buChar char="•"/>
+            </a:pPr>
+            <a:r>
+              <a:rPr lang="en-US" sz="1600" dirty="0">
+                <a:latin typeface="Segoe UI" panose="020B0502040204020203" pitchFamily="34" charset="0"/>
+              </a:rPr>
+              <a:t>Folie 1 links: </a:t>
+            </a:r>
+            <a:r>
+              <a:rPr lang="en-US" sz="1600" dirty="0"/>
+              <a:t>Photo by </a:t>
+            </a:r>
+            <a:r>
+              <a:rPr lang="en-US" sz="1600" dirty="0">
+                <a:hlinkClick r:id="rId3"/>
+              </a:rPr>
+              <a:t>Shahadat Rahman</a:t>
+            </a:r>
+            <a:r>
+              <a:rPr lang="en-US" sz="1600" dirty="0"/>
+              <a:t> on </a:t>
+            </a:r>
+            <a:r>
+              <a:rPr lang="en-US" sz="1600" dirty="0" err="1">
+                <a:hlinkClick r:id="rId4"/>
+              </a:rPr>
+              <a:t>Unsplash</a:t>
+            </a:r>
+            <a:r>
+              <a:rPr lang="en-US" sz="1600" dirty="0"/>
+              <a:t> </a:t>
+            </a:r>
+          </a:p>
+          <a:p>
+            <a:pPr marL="742950" lvl="1" indent="-285750">
+              <a:buFont typeface="Arial" panose="020B0604020202020204" pitchFamily="34" charset="0"/>
+              <a:buChar char="•"/>
+            </a:pPr>
+            <a:r>
+              <a:rPr lang="en-US" sz="1600" dirty="0">
+                <a:latin typeface="Segoe UI" panose="020B0502040204020203" pitchFamily="34" charset="0"/>
+              </a:rPr>
+              <a:t>Folie 1 Mitte: </a:t>
+            </a:r>
+            <a:r>
+              <a:rPr lang="en-US" sz="1600" dirty="0"/>
+              <a:t>Photo by </a:t>
+            </a:r>
+            <a:r>
+              <a:rPr lang="en-US" sz="1600" dirty="0">
+                <a:hlinkClick r:id="rId5"/>
+              </a:rPr>
+              <a:t>Carlos </a:t>
+            </a:r>
+            <a:r>
+              <a:rPr lang="en-US" sz="1600" dirty="0" err="1">
+                <a:hlinkClick r:id="rId5"/>
+              </a:rPr>
+              <a:t>Muza</a:t>
+            </a:r>
+            <a:r>
+              <a:rPr lang="en-US" sz="1600" dirty="0"/>
+              <a:t> on </a:t>
+            </a:r>
+            <a:r>
+              <a:rPr lang="en-US" sz="1600" dirty="0" err="1">
+                <a:hlinkClick r:id="rId4"/>
+              </a:rPr>
+              <a:t>Unsplash</a:t>
+            </a:r>
+            <a:r>
+              <a:rPr lang="en-US" sz="1600" dirty="0"/>
+              <a:t> </a:t>
+            </a:r>
+            <a:endParaRPr lang="en-US" sz="1600" dirty="0">
+              <a:latin typeface="Segoe UI" panose="020B0502040204020203" pitchFamily="34" charset="0"/>
+            </a:endParaRPr>
+          </a:p>
+          <a:p>
+            <a:pPr marL="742950" lvl="1" indent="-285750">
+              <a:buFont typeface="Arial" panose="020B0604020202020204" pitchFamily="34" charset="0"/>
+              <a:buChar char="•"/>
+            </a:pPr>
+            <a:r>
+              <a:rPr lang="en-US" sz="1600" dirty="0">
+                <a:latin typeface="Segoe UI" panose="020B0502040204020203" pitchFamily="34" charset="0"/>
+              </a:rPr>
+              <a:t>Folie 1 </a:t>
+            </a:r>
+            <a:r>
+              <a:rPr lang="en-US" sz="1600" dirty="0" err="1">
+                <a:latin typeface="Segoe UI" panose="020B0502040204020203" pitchFamily="34" charset="0"/>
+              </a:rPr>
+              <a:t>rechts</a:t>
+            </a:r>
+            <a:r>
+              <a:rPr lang="en-US" sz="1600" dirty="0">
+                <a:latin typeface="Segoe UI" panose="020B0502040204020203" pitchFamily="34" charset="0"/>
+              </a:rPr>
+              <a:t>: </a:t>
+            </a:r>
+            <a:r>
+              <a:rPr lang="en-US" sz="1600" dirty="0"/>
+              <a:t>Photo by </a:t>
+            </a:r>
+            <a:r>
+              <a:rPr lang="en-US" sz="1600" dirty="0">
+                <a:hlinkClick r:id="rId6"/>
+              </a:rPr>
+              <a:t>Pietro </a:t>
+            </a:r>
+            <a:r>
+              <a:rPr lang="en-US" sz="1600" dirty="0" err="1">
+                <a:hlinkClick r:id="rId6"/>
+              </a:rPr>
+              <a:t>Jeng</a:t>
+            </a:r>
+            <a:r>
+              <a:rPr lang="en-US" sz="1600" dirty="0"/>
+              <a:t> on </a:t>
+            </a:r>
+            <a:r>
+              <a:rPr lang="en-US" sz="1600" dirty="0" err="1">
+                <a:hlinkClick r:id="rId4"/>
+              </a:rPr>
+              <a:t>Unsplash</a:t>
+            </a:r>
+            <a:r>
+              <a:rPr lang="en-US" sz="1600" dirty="0"/>
+              <a:t> </a:t>
+            </a:r>
+            <a:endParaRPr lang="en-US" sz="1600" dirty="0">
+              <a:latin typeface="Segoe UI" panose="020B0502040204020203" pitchFamily="34" charset="0"/>
+            </a:endParaRPr>
+          </a:p>
+          <a:p>
+            <a:pPr marL="742950" lvl="1" indent="-285750">
+              <a:buFont typeface="Arial" panose="020B0604020202020204" pitchFamily="34" charset="0"/>
+              <a:buChar char="•"/>
+            </a:pPr>
+            <a:r>
+              <a:rPr lang="en-US" sz="1600" dirty="0">
+                <a:latin typeface="Segoe UI" panose="020B0502040204020203" pitchFamily="34" charset="0"/>
+              </a:rPr>
+              <a:t>Folie 2 </a:t>
+            </a:r>
+            <a:r>
+              <a:rPr lang="en-US" sz="1600" dirty="0" err="1">
+                <a:latin typeface="Segoe UI" panose="020B0502040204020203" pitchFamily="34" charset="0"/>
+              </a:rPr>
+              <a:t>unten</a:t>
+            </a:r>
+            <a:r>
+              <a:rPr lang="en-US" sz="1600" dirty="0">
+                <a:latin typeface="Segoe UI" panose="020B0502040204020203" pitchFamily="34" charset="0"/>
+              </a:rPr>
+              <a:t> links: </a:t>
+            </a:r>
+            <a:r>
+              <a:rPr lang="en-US" sz="1600" dirty="0"/>
+              <a:t>Photo by </a:t>
+            </a:r>
+            <a:r>
+              <a:rPr lang="en-US" sz="1600" dirty="0">
+                <a:hlinkClick r:id="rId7"/>
+              </a:rPr>
+              <a:t>FLY:D</a:t>
+            </a:r>
+            <a:r>
+              <a:rPr lang="en-US" sz="1600" dirty="0"/>
+              <a:t> on </a:t>
+            </a:r>
+            <a:r>
+              <a:rPr lang="en-US" sz="1600" dirty="0" err="1">
+                <a:hlinkClick r:id="rId8"/>
+              </a:rPr>
+              <a:t>Unsplash</a:t>
+            </a:r>
+            <a:r>
+              <a:rPr lang="en-US" sz="1600" dirty="0"/>
+              <a:t> </a:t>
+            </a:r>
+            <a:endParaRPr lang="en-US" sz="1600" dirty="0">
+              <a:latin typeface="Segoe UI" panose="020B0502040204020203" pitchFamily="34" charset="0"/>
+            </a:endParaRPr>
+          </a:p>
+        </p:txBody>
+      </p:sp>
+    </p:spTree>
+    <p:extLst>
+      <p:ext uri="{BB962C8B-B14F-4D97-AF65-F5344CB8AC3E}">
+        <p14:creationId xmlns:p14="http://schemas.microsoft.com/office/powerpoint/2010/main" val="2790701121"/>
+      </p:ext>
+    </p:extLst>
+  </p:cSld>
+  <p:clrMapOvr>
+    <a:masterClrMapping/>
+  </p:clrMapOvr>
+</p:sld>
+</file>
+
+<file path=ppt/slides/slide25.xml><?xml version="1.0" encoding="utf-8"?>
+<p:sld xmlns:a="http://schemas.openxmlformats.org/drawingml/2006/main" xmlns:r="http://schemas.openxmlformats.org/officeDocument/2006/relationships" xmlns:p="http://schemas.openxmlformats.org/presentationml/2006/main">
+  <p:cSld>
+    <p:spTree>
+      <p:nvGrpSpPr>
+        <p:cNvPr id="1" name=""/>
+        <p:cNvGrpSpPr/>
+        <p:nvPr/>
+      </p:nvGrpSpPr>
+      <p:grpSpPr>
+        <a:xfrm>
+          <a:off x="0" y="0"/>
+          <a:ext cx="0" cy="0"/>
+          <a:chOff x="0" y="0"/>
+          <a:chExt cx="0" cy="0"/>
+        </a:xfrm>
+      </p:grpSpPr>
+      <p:sp>
+        <p:nvSpPr>
+          <p:cNvPr id="6" name="Foliennummernplatzhalter 5"/>
+          <p:cNvSpPr>
+            <a:spLocks noGrp="1"/>
+          </p:cNvSpPr>
+          <p:nvPr>
+            <p:ph type="sldNum" sz="quarter" idx="4"/>
+          </p:nvPr>
+        </p:nvSpPr>
+        <p:spPr/>
+        <p:txBody>
+          <a:bodyPr/>
+          <a:lstStyle/>
+          <a:p>
+            <a:fld id="{F9CA7F02-FF28-4D8F-AF3B-6C950C783A54}" type="slidenum">
+              <a:rPr lang="de-DE" smtClean="0"/>
+              <a:pPr/>
+              <a:t>25</a:t>
+            </a:fld>
+            <a:endParaRPr lang="de-DE"/>
+          </a:p>
+        </p:txBody>
+      </p:sp>
+      <p:sp>
+        <p:nvSpPr>
+          <p:cNvPr id="3" name="Titel 2"/>
+          <p:cNvSpPr>
+            <a:spLocks noGrp="1"/>
+          </p:cNvSpPr>
+          <p:nvPr>
+            <p:ph type="title"/>
+          </p:nvPr>
+        </p:nvSpPr>
+        <p:spPr/>
+        <p:txBody>
+          <a:bodyPr/>
+          <a:lstStyle/>
+          <a:p>
+            <a:r>
+              <a:rPr lang="de-DE" dirty="0"/>
+              <a:t>BLOOM-FILTER</a:t>
+            </a:r>
+          </a:p>
+        </p:txBody>
+      </p:sp>
+      <p:sp>
+        <p:nvSpPr>
+          <p:cNvPr id="4" name="Inhaltsplatzhalter 3"/>
+          <p:cNvSpPr>
+            <a:spLocks noGrp="1"/>
+          </p:cNvSpPr>
+          <p:nvPr>
+            <p:ph sz="quarter" idx="13"/>
+          </p:nvPr>
+        </p:nvSpPr>
+        <p:spPr>
+          <a:xfrm>
+            <a:off x="936000" y="699542"/>
+            <a:ext cx="7308000" cy="429622"/>
+          </a:xfrm>
+        </p:spPr>
+        <p:txBody>
+          <a:bodyPr/>
+          <a:lstStyle/>
+          <a:p>
+            <a:r>
+              <a:rPr lang="de-DE" dirty="0"/>
               <a:t>Diskussion</a:t>
             </a:r>
           </a:p>
@@ -10046,7 +11705,7 @@
 </p:sld>
 </file>
 
-<file path=ppt/slides/slide21.xml><?xml version="1.0" encoding="utf-8"?>
+<file path=ppt/slides/slide26.xml><?xml version="1.0" encoding="utf-8"?>
 <p:sld xmlns:a="http://schemas.openxmlformats.org/drawingml/2006/main" xmlns:r="http://schemas.openxmlformats.org/officeDocument/2006/relationships" xmlns:p="http://schemas.openxmlformats.org/presentationml/2006/main">
   <p:cSld>
     <p:spTree>
@@ -10549,7 +12208,7 @@
             <a:fld id="{F9CA7F02-FF28-4D8F-AF3B-6C950C783A54}" type="slidenum">
               <a:rPr lang="de-DE" smtClean="0"/>
               <a:pPr/>
-              <a:t>21</a:t>
+              <a:t>26</a:t>
             </a:fld>
             <a:endParaRPr lang="de-DE"/>
           </a:p>
@@ -13358,6 +15017,206 @@
           </a:p>
         </p:txBody>
       </p:sp>
+      <p:sp>
+        <p:nvSpPr>
+          <p:cNvPr id="8" name="Textfeld 7">
+            <a:extLst>
+              <a:ext uri="{FF2B5EF4-FFF2-40B4-BE49-F238E27FC236}">
+                <a16:creationId xmlns:a16="http://schemas.microsoft.com/office/drawing/2014/main" id="{7162C9EA-9725-333A-21C5-65FC349B92B6}"/>
+              </a:ext>
+            </a:extLst>
+          </p:cNvPr>
+          <p:cNvSpPr txBox="1"/>
+          <p:nvPr/>
+        </p:nvSpPr>
+        <p:spPr>
+          <a:xfrm>
+            <a:off x="611560" y="1203598"/>
+            <a:ext cx="7776864" cy="369332"/>
+          </a:xfrm>
+          <a:prstGeom prst="rect">
+            <a:avLst/>
+          </a:prstGeom>
+          <a:noFill/>
+        </p:spPr>
+        <p:txBody>
+          <a:bodyPr wrap="square" rtlCol="0">
+            <a:spAutoFit/>
+          </a:bodyPr>
+          <a:lstStyle/>
+          <a:p>
+            <a:r>
+              <a:rPr lang="de-DE" dirty="0">
+                <a:solidFill>
+                  <a:srgbClr val="000000"/>
+                </a:solidFill>
+              </a:rPr>
+              <a:t>Zeit pro Einfügen (in s) in Abhängigkeit der insgesamt einzufügenden Elemente</a:t>
+            </a:r>
+          </a:p>
+        </p:txBody>
+      </p:sp>
+      <p:pic>
+        <p:nvPicPr>
+          <p:cNvPr id="9" name="Grafik 8">
+            <a:extLst>
+              <a:ext uri="{FF2B5EF4-FFF2-40B4-BE49-F238E27FC236}">
+                <a16:creationId xmlns:a16="http://schemas.microsoft.com/office/drawing/2014/main" id="{566C0D02-DA7E-F191-83DB-3E8019C1936B}"/>
+              </a:ext>
+            </a:extLst>
+          </p:cNvPr>
+          <p:cNvPicPr>
+            <a:picLocks noChangeAspect="1"/>
+          </p:cNvPicPr>
+          <p:nvPr/>
+        </p:nvPicPr>
+        <p:blipFill>
+          <a:blip r:embed="rId2" cstate="print">
+            <a:extLst>
+              <a:ext uri="{28A0092B-C50C-407E-A947-70E740481C1C}">
+                <a14:useLocalDpi xmlns:a14="http://schemas.microsoft.com/office/drawing/2010/main" val="0"/>
+              </a:ext>
+            </a:extLst>
+          </a:blip>
+          <a:stretch>
+            <a:fillRect/>
+          </a:stretch>
+        </p:blipFill>
+        <p:spPr>
+          <a:xfrm>
+            <a:off x="611560" y="1572930"/>
+            <a:ext cx="6444208" cy="3050930"/>
+          </a:xfrm>
+          <a:prstGeom prst="rect">
+            <a:avLst/>
+          </a:prstGeom>
+        </p:spPr>
+      </p:pic>
+    </p:spTree>
+    <p:extLst>
+      <p:ext uri="{BB962C8B-B14F-4D97-AF65-F5344CB8AC3E}">
+        <p14:creationId xmlns:p14="http://schemas.microsoft.com/office/powerpoint/2010/main" val="789067809"/>
+      </p:ext>
+    </p:extLst>
+  </p:cSld>
+  <p:clrMapOvr>
+    <a:masterClrMapping/>
+  </p:clrMapOvr>
+</p:sld>
+</file>
+
+<file path=ppt/slides/slide9.xml><?xml version="1.0" encoding="utf-8"?>
+<p:sld xmlns:a="http://schemas.openxmlformats.org/drawingml/2006/main" xmlns:r="http://schemas.openxmlformats.org/officeDocument/2006/relationships" xmlns:p="http://schemas.openxmlformats.org/presentationml/2006/main">
+  <p:cSld>
+    <p:spTree>
+      <p:nvGrpSpPr>
+        <p:cNvPr id="1" name=""/>
+        <p:cNvGrpSpPr/>
+        <p:nvPr/>
+      </p:nvGrpSpPr>
+      <p:grpSpPr>
+        <a:xfrm>
+          <a:off x="0" y="0"/>
+          <a:ext cx="0" cy="0"/>
+          <a:chOff x="0" y="0"/>
+          <a:chExt cx="0" cy="0"/>
+        </a:xfrm>
+      </p:grpSpPr>
+      <p:sp>
+        <p:nvSpPr>
+          <p:cNvPr id="6" name="Foliennummernplatzhalter 5"/>
+          <p:cNvSpPr>
+            <a:spLocks noGrp="1"/>
+          </p:cNvSpPr>
+          <p:nvPr>
+            <p:ph type="sldNum" sz="quarter" idx="4"/>
+          </p:nvPr>
+        </p:nvSpPr>
+        <p:spPr/>
+        <p:txBody>
+          <a:bodyPr/>
+          <a:lstStyle/>
+          <a:p>
+            <a:fld id="{F9CA7F02-FF28-4D8F-AF3B-6C950C783A54}" type="slidenum">
+              <a:rPr lang="de-DE" smtClean="0"/>
+              <a:pPr/>
+              <a:t>9</a:t>
+            </a:fld>
+            <a:endParaRPr lang="de-DE"/>
+          </a:p>
+        </p:txBody>
+      </p:sp>
+      <p:sp>
+        <p:nvSpPr>
+          <p:cNvPr id="3" name="Titel 2"/>
+          <p:cNvSpPr>
+            <a:spLocks noGrp="1"/>
+          </p:cNvSpPr>
+          <p:nvPr>
+            <p:ph type="title"/>
+          </p:nvPr>
+        </p:nvSpPr>
+        <p:spPr/>
+        <p:txBody>
+          <a:bodyPr/>
+          <a:lstStyle/>
+          <a:p>
+            <a:r>
+              <a:rPr lang="de-DE" dirty="0"/>
+              <a:t>BLOOM-FILTER</a:t>
+            </a:r>
+          </a:p>
+        </p:txBody>
+      </p:sp>
+      <p:sp>
+        <p:nvSpPr>
+          <p:cNvPr id="4" name="Inhaltsplatzhalter 3"/>
+          <p:cNvSpPr>
+            <a:spLocks noGrp="1"/>
+          </p:cNvSpPr>
+          <p:nvPr>
+            <p:ph sz="quarter" idx="13"/>
+          </p:nvPr>
+        </p:nvSpPr>
+        <p:spPr>
+          <a:xfrm>
+            <a:off x="936000" y="699542"/>
+            <a:ext cx="7308000" cy="429622"/>
+          </a:xfrm>
+        </p:spPr>
+        <p:txBody>
+          <a:bodyPr/>
+          <a:lstStyle/>
+          <a:p>
+            <a:r>
+              <a:rPr lang="de-DE" dirty="0"/>
+              <a:t>Funktionsweise und Operationen</a:t>
+            </a:r>
+          </a:p>
+        </p:txBody>
+      </p:sp>
+      <p:sp>
+        <p:nvSpPr>
+          <p:cNvPr id="7" name="Fußzeilenplatzhalter 6"/>
+          <p:cNvSpPr>
+            <a:spLocks noGrp="1"/>
+          </p:cNvSpPr>
+          <p:nvPr>
+            <p:ph type="ftr" sz="quarter" idx="3"/>
+          </p:nvPr>
+        </p:nvSpPr>
+        <p:spPr/>
+        <p:txBody>
+          <a:bodyPr/>
+          <a:lstStyle/>
+          <a:p>
+            <a:r>
+              <a:rPr lang="de-DE" dirty="0"/>
+              <a:t>TU Bergakademie Freiberg | Vortragender: Florian Schierz | 2022</a:t>
+            </a:r>
+          </a:p>
+        </p:txBody>
+      </p:sp>
       <mc:AlternateContent xmlns:mc="http://schemas.openxmlformats.org/markup-compatibility/2006" xmlns:a14="http://schemas.microsoft.com/office/drawing/2010/main">
         <mc:Choice Requires="a14">
           <p:sp>
@@ -13829,339 +15688,6 @@
     <p:extLst>
       <p:ext uri="{BB962C8B-B14F-4D97-AF65-F5344CB8AC3E}">
         <p14:creationId xmlns:p14="http://schemas.microsoft.com/office/powerpoint/2010/main" val="3719501727"/>
-      </p:ext>
-    </p:extLst>
-  </p:cSld>
-  <p:clrMapOvr>
-    <a:masterClrMapping/>
-  </p:clrMapOvr>
-</p:sld>
-</file>
-
-<file path=ppt/slides/slide9.xml><?xml version="1.0" encoding="utf-8"?>
-<p:sld xmlns:a="http://schemas.openxmlformats.org/drawingml/2006/main" xmlns:r="http://schemas.openxmlformats.org/officeDocument/2006/relationships" xmlns:p="http://schemas.openxmlformats.org/presentationml/2006/main">
-  <p:cSld>
-    <p:spTree>
-      <p:nvGrpSpPr>
-        <p:cNvPr id="1" name=""/>
-        <p:cNvGrpSpPr/>
-        <p:nvPr/>
-      </p:nvGrpSpPr>
-      <p:grpSpPr>
-        <a:xfrm>
-          <a:off x="0" y="0"/>
-          <a:ext cx="0" cy="0"/>
-          <a:chOff x="0" y="0"/>
-          <a:chExt cx="0" cy="0"/>
-        </a:xfrm>
-      </p:grpSpPr>
-      <p:sp>
-        <p:nvSpPr>
-          <p:cNvPr id="6" name="Foliennummernplatzhalter 5"/>
-          <p:cNvSpPr>
-            <a:spLocks noGrp="1"/>
-          </p:cNvSpPr>
-          <p:nvPr>
-            <p:ph type="sldNum" sz="quarter" idx="4"/>
-          </p:nvPr>
-        </p:nvSpPr>
-        <p:spPr/>
-        <p:txBody>
-          <a:bodyPr/>
-          <a:lstStyle/>
-          <a:p>
-            <a:fld id="{F9CA7F02-FF28-4D8F-AF3B-6C950C783A54}" type="slidenum">
-              <a:rPr lang="de-DE" smtClean="0"/>
-              <a:pPr/>
-              <a:t>9</a:t>
-            </a:fld>
-            <a:endParaRPr lang="de-DE"/>
-          </a:p>
-        </p:txBody>
-      </p:sp>
-      <p:sp>
-        <p:nvSpPr>
-          <p:cNvPr id="3" name="Titel 2"/>
-          <p:cNvSpPr>
-            <a:spLocks noGrp="1"/>
-          </p:cNvSpPr>
-          <p:nvPr>
-            <p:ph type="title"/>
-          </p:nvPr>
-        </p:nvSpPr>
-        <p:spPr/>
-        <p:txBody>
-          <a:bodyPr/>
-          <a:lstStyle/>
-          <a:p>
-            <a:r>
-              <a:rPr lang="de-DE" dirty="0"/>
-              <a:t>BLOOM-FILTER</a:t>
-            </a:r>
-          </a:p>
-        </p:txBody>
-      </p:sp>
-      <p:sp>
-        <p:nvSpPr>
-          <p:cNvPr id="4" name="Inhaltsplatzhalter 3"/>
-          <p:cNvSpPr>
-            <a:spLocks noGrp="1"/>
-          </p:cNvSpPr>
-          <p:nvPr>
-            <p:ph sz="quarter" idx="13"/>
-          </p:nvPr>
-        </p:nvSpPr>
-        <p:spPr>
-          <a:xfrm>
-            <a:off x="936000" y="699542"/>
-            <a:ext cx="7308000" cy="429622"/>
-          </a:xfrm>
-        </p:spPr>
-        <p:txBody>
-          <a:bodyPr/>
-          <a:lstStyle/>
-          <a:p>
-            <a:r>
-              <a:rPr lang="de-DE" dirty="0"/>
-              <a:t>Funktionsweise und Operationen</a:t>
-            </a:r>
-          </a:p>
-        </p:txBody>
-      </p:sp>
-      <p:sp>
-        <p:nvSpPr>
-          <p:cNvPr id="7" name="Fußzeilenplatzhalter 6"/>
-          <p:cNvSpPr>
-            <a:spLocks noGrp="1"/>
-          </p:cNvSpPr>
-          <p:nvPr>
-            <p:ph type="ftr" sz="quarter" idx="3"/>
-          </p:nvPr>
-        </p:nvSpPr>
-        <p:spPr/>
-        <p:txBody>
-          <a:bodyPr/>
-          <a:lstStyle/>
-          <a:p>
-            <a:r>
-              <a:rPr lang="de-DE" dirty="0"/>
-              <a:t>TU Bergakademie Freiberg | Vortragender: Florian Schierz | 2022</a:t>
-            </a:r>
-          </a:p>
-        </p:txBody>
-      </p:sp>
-      <p:sp>
-        <p:nvSpPr>
-          <p:cNvPr id="8" name="Textfeld 7">
-            <a:extLst>
-              <a:ext uri="{FF2B5EF4-FFF2-40B4-BE49-F238E27FC236}">
-                <a16:creationId xmlns:a16="http://schemas.microsoft.com/office/drawing/2014/main" id="{7162C9EA-9725-333A-21C5-65FC349B92B6}"/>
-              </a:ext>
-            </a:extLst>
-          </p:cNvPr>
-          <p:cNvSpPr txBox="1"/>
-          <p:nvPr/>
-        </p:nvSpPr>
-        <p:spPr>
-          <a:xfrm>
-            <a:off x="611560" y="1203598"/>
-            <a:ext cx="4968552" cy="1200329"/>
-          </a:xfrm>
-          <a:prstGeom prst="rect">
-            <a:avLst/>
-          </a:prstGeom>
-          <a:noFill/>
-        </p:spPr>
-        <p:txBody>
-          <a:bodyPr wrap="square" rtlCol="0">
-            <a:spAutoFit/>
-          </a:bodyPr>
-          <a:lstStyle/>
-          <a:p>
-            <a:pPr marL="285750" indent="-285750">
-              <a:buFont typeface="Arial" panose="020B0604020202020204" pitchFamily="34" charset="0"/>
-              <a:buChar char="•"/>
-            </a:pPr>
-            <a:r>
-              <a:rPr lang="de-DE" b="1" u="sng" dirty="0"/>
-              <a:t>Optimale Wahl der Parameter:</a:t>
-            </a:r>
-            <a:endParaRPr lang="de-DE" dirty="0"/>
-          </a:p>
-          <a:p>
-            <a:pPr marL="742950" lvl="1" indent="-285750">
-              <a:buFont typeface="Arial" panose="020B0604020202020204" pitchFamily="34" charset="0"/>
-              <a:buChar char="•"/>
-            </a:pPr>
-            <a:r>
-              <a:rPr lang="de-DE" b="1" dirty="0">
-                <a:solidFill>
-                  <a:srgbClr val="000000"/>
-                </a:solidFill>
-              </a:rPr>
-              <a:t>m </a:t>
-            </a:r>
-            <a:r>
-              <a:rPr lang="de-DE" dirty="0">
-                <a:solidFill>
-                  <a:srgbClr val="000000"/>
-                </a:solidFill>
-              </a:rPr>
-              <a:t>Bit Länge</a:t>
-            </a:r>
-          </a:p>
-          <a:p>
-            <a:pPr marL="742950" lvl="1" indent="-285750">
-              <a:buFont typeface="Arial" panose="020B0604020202020204" pitchFamily="34" charset="0"/>
-              <a:buChar char="•"/>
-            </a:pPr>
-            <a:r>
-              <a:rPr lang="de-DE" b="1" dirty="0">
-                <a:solidFill>
-                  <a:srgbClr val="000000"/>
-                </a:solidFill>
-              </a:rPr>
-              <a:t>n</a:t>
-            </a:r>
-            <a:r>
-              <a:rPr lang="de-DE" dirty="0">
-                <a:solidFill>
-                  <a:srgbClr val="000000"/>
-                </a:solidFill>
-              </a:rPr>
-              <a:t> einzufügende Elemente</a:t>
-            </a:r>
-          </a:p>
-          <a:p>
-            <a:endParaRPr lang="de-DE" dirty="0"/>
-          </a:p>
-        </p:txBody>
-      </p:sp>
-      <p:sp>
-        <p:nvSpPr>
-          <p:cNvPr id="9" name="Textfeld 8">
-            <a:extLst>
-              <a:ext uri="{FF2B5EF4-FFF2-40B4-BE49-F238E27FC236}">
-                <a16:creationId xmlns:a16="http://schemas.microsoft.com/office/drawing/2014/main" id="{67A2B410-6F02-6467-D0F2-FC98B4BF0279}"/>
-              </a:ext>
-            </a:extLst>
-          </p:cNvPr>
-          <p:cNvSpPr txBox="1"/>
-          <p:nvPr/>
-        </p:nvSpPr>
-        <p:spPr>
-          <a:xfrm>
-            <a:off x="3491880" y="1203598"/>
-            <a:ext cx="4968552" cy="1200329"/>
-          </a:xfrm>
-          <a:prstGeom prst="rect">
-            <a:avLst/>
-          </a:prstGeom>
-          <a:noFill/>
-        </p:spPr>
-        <p:txBody>
-          <a:bodyPr wrap="square" rtlCol="0">
-            <a:spAutoFit/>
-          </a:bodyPr>
-          <a:lstStyle/>
-          <a:p>
-            <a:pPr marL="742950" lvl="1" indent="-285750">
-              <a:buFont typeface="Arial" panose="020B0604020202020204" pitchFamily="34" charset="0"/>
-              <a:buChar char="•"/>
-            </a:pPr>
-            <a:endParaRPr lang="de-DE" b="1" dirty="0"/>
-          </a:p>
-          <a:p>
-            <a:pPr marL="742950" lvl="1" indent="-285750">
-              <a:buFont typeface="Arial" panose="020B0604020202020204" pitchFamily="34" charset="0"/>
-              <a:buChar char="•"/>
-            </a:pPr>
-            <a:r>
-              <a:rPr lang="de-DE" b="1" dirty="0">
-                <a:solidFill>
-                  <a:srgbClr val="000000"/>
-                </a:solidFill>
-              </a:rPr>
-              <a:t>k</a:t>
-            </a:r>
-            <a:r>
-              <a:rPr lang="de-DE" dirty="0">
-                <a:solidFill>
-                  <a:srgbClr val="000000"/>
-                </a:solidFill>
-              </a:rPr>
-              <a:t> unabhängige Hash-Funktionen</a:t>
-            </a:r>
-          </a:p>
-          <a:p>
-            <a:pPr marL="742950" lvl="1" indent="-285750">
-              <a:buFont typeface="Arial" panose="020B0604020202020204" pitchFamily="34" charset="0"/>
-              <a:buChar char="•"/>
-            </a:pPr>
-            <a:r>
-              <a:rPr lang="de-DE" b="1" dirty="0">
-                <a:solidFill>
-                  <a:srgbClr val="000000"/>
-                </a:solidFill>
-              </a:rPr>
-              <a:t>FPP</a:t>
-            </a:r>
-            <a:r>
-              <a:rPr lang="de-DE" dirty="0">
-                <a:solidFill>
-                  <a:srgbClr val="000000"/>
-                </a:solidFill>
-              </a:rPr>
-              <a:t> Falsch-Positiv-Rate</a:t>
-            </a:r>
-          </a:p>
-          <a:p>
-            <a:endParaRPr lang="de-DE" dirty="0"/>
-          </a:p>
-        </p:txBody>
-      </p:sp>
-      <p:pic>
-        <p:nvPicPr>
-          <p:cNvPr id="5" name="Grafik 4">
-            <a:extLst>
-              <a:ext uri="{FF2B5EF4-FFF2-40B4-BE49-F238E27FC236}">
-                <a16:creationId xmlns:a16="http://schemas.microsoft.com/office/drawing/2014/main" id="{5F5E1ED9-596F-4228-4B29-EC7B4B603A1B}"/>
-              </a:ext>
-            </a:extLst>
-          </p:cNvPr>
-          <p:cNvPicPr>
-            <a:picLocks noChangeAspect="1"/>
-          </p:cNvPicPr>
-          <p:nvPr/>
-        </p:nvPicPr>
-        <p:blipFill rotWithShape="1">
-          <a:blip r:embed="rId2">
-            <a:extLst>
-              <a:ext uri="{28A0092B-C50C-407E-A947-70E740481C1C}">
-                <a14:useLocalDpi xmlns:a14="http://schemas.microsoft.com/office/drawing/2010/main" val="0"/>
-              </a:ext>
-              <a:ext uri="{96DAC541-7B7A-43D3-8B79-37D633B846F1}">
-                <asvg:svgBlip xmlns:asvg="http://schemas.microsoft.com/office/drawing/2016/SVG/main" r:embed="rId3"/>
-              </a:ext>
-            </a:extLst>
-          </a:blip>
-          <a:srcRect b="65400"/>
-          <a:stretch/>
-        </p:blipFill>
-        <p:spPr>
-          <a:xfrm>
-            <a:off x="1979712" y="2028532"/>
-            <a:ext cx="5544616" cy="2713373"/>
-          </a:xfrm>
-          <a:prstGeom prst="rect">
-            <a:avLst/>
-          </a:prstGeom>
-        </p:spPr>
-      </p:pic>
-    </p:spTree>
-    <p:extLst>
-      <p:ext uri="{BB962C8B-B14F-4D97-AF65-F5344CB8AC3E}">
-        <p14:creationId xmlns:p14="http://schemas.microsoft.com/office/powerpoint/2010/main" val="2763595447"/>
       </p:ext>
     </p:extLst>
   </p:cSld>

--- a/Vorträge/VortragFlorianSchierzBloomfilter.pptx
+++ b/Vorträge/VortragFlorianSchierzBloomfilter.pptx
@@ -5,25 +5,25 @@
     <p:sldMasterId id="2147483648" r:id="rId1"/>
   </p:sldMasterIdLst>
   <p:notesMasterIdLst>
-    <p:notesMasterId r:id="rId28"/>
+    <p:notesMasterId r:id="rId31"/>
   </p:notesMasterIdLst>
   <p:sldIdLst>
     <p:sldId id="260" r:id="rId2"/>
     <p:sldId id="256" r:id="rId3"/>
     <p:sldId id="257" r:id="rId4"/>
     <p:sldId id="261" r:id="rId5"/>
-    <p:sldId id="265" r:id="rId6"/>
-    <p:sldId id="267" r:id="rId7"/>
-    <p:sldId id="263" r:id="rId8"/>
-    <p:sldId id="277" r:id="rId9"/>
-    <p:sldId id="268" r:id="rId10"/>
-    <p:sldId id="269" r:id="rId11"/>
-    <p:sldId id="271" r:id="rId12"/>
-    <p:sldId id="272" r:id="rId13"/>
-    <p:sldId id="278" r:id="rId14"/>
-    <p:sldId id="281" r:id="rId15"/>
-    <p:sldId id="282" r:id="rId16"/>
-    <p:sldId id="283" r:id="rId17"/>
+    <p:sldId id="263" r:id="rId6"/>
+    <p:sldId id="277" r:id="rId7"/>
+    <p:sldId id="268" r:id="rId8"/>
+    <p:sldId id="269" r:id="rId9"/>
+    <p:sldId id="271" r:id="rId10"/>
+    <p:sldId id="272" r:id="rId11"/>
+    <p:sldId id="278" r:id="rId12"/>
+    <p:sldId id="281" r:id="rId13"/>
+    <p:sldId id="282" r:id="rId14"/>
+    <p:sldId id="283" r:id="rId15"/>
+    <p:sldId id="265" r:id="rId16"/>
+    <p:sldId id="267" r:id="rId17"/>
     <p:sldId id="264" r:id="rId18"/>
     <p:sldId id="274" r:id="rId19"/>
     <p:sldId id="275" r:id="rId20"/>
@@ -32,8 +32,11 @@
     <p:sldId id="259" r:id="rId23"/>
     <p:sldId id="270" r:id="rId24"/>
     <p:sldId id="273" r:id="rId25"/>
-    <p:sldId id="266" r:id="rId26"/>
-    <p:sldId id="258" r:id="rId27"/>
+    <p:sldId id="285" r:id="rId26"/>
+    <p:sldId id="286" r:id="rId27"/>
+    <p:sldId id="284" r:id="rId28"/>
+    <p:sldId id="266" r:id="rId29"/>
+    <p:sldId id="258" r:id="rId30"/>
   </p:sldIdLst>
   <p:sldSz cx="9144000" cy="5143500" type="screen16x9"/>
   <p:notesSz cx="6858000" cy="9144000"/>
@@ -147,12 +150,6 @@
             <p14:sldId id="261"/>
           </p14:sldIdLst>
         </p14:section>
-        <p14:section name="Anwendungen" id="{9B4C0831-E72E-4731-8B99-FAFC77322547}">
-          <p14:sldIdLst>
-            <p14:sldId id="265"/>
-            <p14:sldId id="267"/>
-          </p14:sldIdLst>
-        </p14:section>
         <p14:section name="Funktionsweise und Operationen" id="{C099AB53-7197-43CC-9D36-F6BD8B6F2EDB}">
           <p14:sldIdLst>
             <p14:sldId id="263"/>
@@ -165,6 +162,12 @@
             <p14:sldId id="281"/>
             <p14:sldId id="282"/>
             <p14:sldId id="283"/>
+          </p14:sldIdLst>
+        </p14:section>
+        <p14:section name="Anwendungen" id="{9B4C0831-E72E-4731-8B99-FAFC77322547}">
+          <p14:sldIdLst>
+            <p14:sldId id="265"/>
+            <p14:sldId id="267"/>
           </p14:sldIdLst>
         </p14:section>
         <p14:section name="Varianten" id="{886A15AC-7548-430F-88FB-15BCFAA0F7A2}">
@@ -185,6 +188,9 @@
             <p14:sldId id="259"/>
             <p14:sldId id="270"/>
             <p14:sldId id="273"/>
+            <p14:sldId id="285"/>
+            <p14:sldId id="286"/>
+            <p14:sldId id="284"/>
           </p14:sldIdLst>
         </p14:section>
         <p14:section name="Diskussion" id="{468B6378-F3C8-4D40-86A8-5D9C228CEDD4}">
@@ -304,7 +310,7 @@
           <a:p>
             <a:fld id="{6DB929B3-EDC4-4292-BA5A-2119A16C91BC}" type="datetimeFigureOut">
               <a:rPr lang="de-DE" smtClean="0"/>
-              <a:t>19.05.2022</a:t>
+              <a:t>22.05.2022</a:t>
             </a:fld>
             <a:endParaRPr lang="de-DE"/>
           </a:p>
@@ -774,7 +780,7 @@
           <a:p>
             <a:fld id="{6C0E0915-CD52-4968-84CC-DCADF0878D91}" type="slidenum">
               <a:rPr lang="de-DE" smtClean="0"/>
-              <a:t>12</a:t>
+              <a:t>10</a:t>
             </a:fld>
             <a:endParaRPr lang="de-DE"/>
           </a:p>
@@ -885,7 +891,7 @@
           <a:p>
             <a:fld id="{6C0E0915-CD52-4968-84CC-DCADF0878D91}" type="slidenum">
               <a:rPr lang="de-DE" smtClean="0"/>
-              <a:t>13</a:t>
+              <a:t>11</a:t>
             </a:fld>
             <a:endParaRPr lang="de-DE"/>
           </a:p>
@@ -996,7 +1002,7 @@
           <a:p>
             <a:fld id="{6C0E0915-CD52-4968-84CC-DCADF0878D91}" type="slidenum">
               <a:rPr lang="de-DE" smtClean="0"/>
-              <a:t>14</a:t>
+              <a:t>12</a:t>
             </a:fld>
             <a:endParaRPr lang="de-DE"/>
           </a:p>
@@ -1107,7 +1113,7 @@
           <a:p>
             <a:fld id="{6C0E0915-CD52-4968-84CC-DCADF0878D91}" type="slidenum">
               <a:rPr lang="de-DE" smtClean="0"/>
-              <a:t>15</a:t>
+              <a:t>13</a:t>
             </a:fld>
             <a:endParaRPr lang="de-DE"/>
           </a:p>
@@ -1218,7 +1224,7 @@
           <a:p>
             <a:fld id="{6C0E0915-CD52-4968-84CC-DCADF0878D91}" type="slidenum">
               <a:rPr lang="de-DE" smtClean="0"/>
-              <a:t>16</a:t>
+              <a:t>14</a:t>
             </a:fld>
             <a:endParaRPr lang="de-DE"/>
           </a:p>
@@ -5465,339 +5471,6 @@
               <a:rPr lang="de-DE" b="1" u="sng" dirty="0"/>
               <a:t>Optimale Wahl der Parameter:</a:t>
             </a:r>
-            <a:endParaRPr lang="de-DE" dirty="0"/>
-          </a:p>
-          <a:p>
-            <a:pPr marL="742950" lvl="1" indent="-285750">
-              <a:buFont typeface="Arial" panose="020B0604020202020204" pitchFamily="34" charset="0"/>
-              <a:buChar char="•"/>
-            </a:pPr>
-            <a:r>
-              <a:rPr lang="de-DE" b="1" dirty="0">
-                <a:solidFill>
-                  <a:srgbClr val="000000"/>
-                </a:solidFill>
-              </a:rPr>
-              <a:t>m </a:t>
-            </a:r>
-            <a:r>
-              <a:rPr lang="de-DE" dirty="0">
-                <a:solidFill>
-                  <a:srgbClr val="000000"/>
-                </a:solidFill>
-              </a:rPr>
-              <a:t>Bit Länge</a:t>
-            </a:r>
-          </a:p>
-          <a:p>
-            <a:pPr marL="742950" lvl="1" indent="-285750">
-              <a:buFont typeface="Arial" panose="020B0604020202020204" pitchFamily="34" charset="0"/>
-              <a:buChar char="•"/>
-            </a:pPr>
-            <a:r>
-              <a:rPr lang="de-DE" b="1" dirty="0">
-                <a:solidFill>
-                  <a:srgbClr val="000000"/>
-                </a:solidFill>
-              </a:rPr>
-              <a:t>n</a:t>
-            </a:r>
-            <a:r>
-              <a:rPr lang="de-DE" dirty="0">
-                <a:solidFill>
-                  <a:srgbClr val="000000"/>
-                </a:solidFill>
-              </a:rPr>
-              <a:t> einzufügende Elemente</a:t>
-            </a:r>
-          </a:p>
-          <a:p>
-            <a:endParaRPr lang="de-DE" dirty="0"/>
-          </a:p>
-        </p:txBody>
-      </p:sp>
-      <p:sp>
-        <p:nvSpPr>
-          <p:cNvPr id="9" name="Textfeld 8">
-            <a:extLst>
-              <a:ext uri="{FF2B5EF4-FFF2-40B4-BE49-F238E27FC236}">
-                <a16:creationId xmlns:a16="http://schemas.microsoft.com/office/drawing/2014/main" id="{67A2B410-6F02-6467-D0F2-FC98B4BF0279}"/>
-              </a:ext>
-            </a:extLst>
-          </p:cNvPr>
-          <p:cNvSpPr txBox="1"/>
-          <p:nvPr/>
-        </p:nvSpPr>
-        <p:spPr>
-          <a:xfrm>
-            <a:off x="3491880" y="1203598"/>
-            <a:ext cx="4968552" cy="1200329"/>
-          </a:xfrm>
-          <a:prstGeom prst="rect">
-            <a:avLst/>
-          </a:prstGeom>
-          <a:noFill/>
-        </p:spPr>
-        <p:txBody>
-          <a:bodyPr wrap="square" rtlCol="0">
-            <a:spAutoFit/>
-          </a:bodyPr>
-          <a:lstStyle/>
-          <a:p>
-            <a:pPr marL="742950" lvl="1" indent="-285750">
-              <a:buFont typeface="Arial" panose="020B0604020202020204" pitchFamily="34" charset="0"/>
-              <a:buChar char="•"/>
-            </a:pPr>
-            <a:endParaRPr lang="de-DE" b="1" dirty="0"/>
-          </a:p>
-          <a:p>
-            <a:pPr marL="742950" lvl="1" indent="-285750">
-              <a:buFont typeface="Arial" panose="020B0604020202020204" pitchFamily="34" charset="0"/>
-              <a:buChar char="•"/>
-            </a:pPr>
-            <a:r>
-              <a:rPr lang="de-DE" b="1" dirty="0">
-                <a:solidFill>
-                  <a:srgbClr val="000000"/>
-                </a:solidFill>
-              </a:rPr>
-              <a:t>k</a:t>
-            </a:r>
-            <a:r>
-              <a:rPr lang="de-DE" dirty="0">
-                <a:solidFill>
-                  <a:srgbClr val="000000"/>
-                </a:solidFill>
-              </a:rPr>
-              <a:t> unabhängige Hash-Funktionen</a:t>
-            </a:r>
-          </a:p>
-          <a:p>
-            <a:pPr marL="742950" lvl="1" indent="-285750">
-              <a:buFont typeface="Arial" panose="020B0604020202020204" pitchFamily="34" charset="0"/>
-              <a:buChar char="•"/>
-            </a:pPr>
-            <a:r>
-              <a:rPr lang="de-DE" b="1" dirty="0">
-                <a:solidFill>
-                  <a:srgbClr val="000000"/>
-                </a:solidFill>
-              </a:rPr>
-              <a:t>FPP</a:t>
-            </a:r>
-            <a:r>
-              <a:rPr lang="de-DE" dirty="0">
-                <a:solidFill>
-                  <a:srgbClr val="000000"/>
-                </a:solidFill>
-              </a:rPr>
-              <a:t> Falsch-Positiv-Rate</a:t>
-            </a:r>
-          </a:p>
-          <a:p>
-            <a:endParaRPr lang="de-DE" dirty="0"/>
-          </a:p>
-        </p:txBody>
-      </p:sp>
-      <p:pic>
-        <p:nvPicPr>
-          <p:cNvPr id="5" name="Grafik 4">
-            <a:extLst>
-              <a:ext uri="{FF2B5EF4-FFF2-40B4-BE49-F238E27FC236}">
-                <a16:creationId xmlns:a16="http://schemas.microsoft.com/office/drawing/2014/main" id="{5F5E1ED9-596F-4228-4B29-EC7B4B603A1B}"/>
-              </a:ext>
-            </a:extLst>
-          </p:cNvPr>
-          <p:cNvPicPr>
-            <a:picLocks noChangeAspect="1"/>
-          </p:cNvPicPr>
-          <p:nvPr/>
-        </p:nvPicPr>
-        <p:blipFill rotWithShape="1">
-          <a:blip r:embed="rId2">
-            <a:extLst>
-              <a:ext uri="{28A0092B-C50C-407E-A947-70E740481C1C}">
-                <a14:useLocalDpi xmlns:a14="http://schemas.microsoft.com/office/drawing/2010/main" val="0"/>
-              </a:ext>
-              <a:ext uri="{96DAC541-7B7A-43D3-8B79-37D633B846F1}">
-                <asvg:svgBlip xmlns:asvg="http://schemas.microsoft.com/office/drawing/2016/SVG/main" r:embed="rId3"/>
-              </a:ext>
-            </a:extLst>
-          </a:blip>
-          <a:srcRect b="65400"/>
-          <a:stretch/>
-        </p:blipFill>
-        <p:spPr>
-          <a:xfrm>
-            <a:off x="1979712" y="2028532"/>
-            <a:ext cx="5544616" cy="2713373"/>
-          </a:xfrm>
-          <a:prstGeom prst="rect">
-            <a:avLst/>
-          </a:prstGeom>
-        </p:spPr>
-      </p:pic>
-    </p:spTree>
-    <p:extLst>
-      <p:ext uri="{BB962C8B-B14F-4D97-AF65-F5344CB8AC3E}">
-        <p14:creationId xmlns:p14="http://schemas.microsoft.com/office/powerpoint/2010/main" val="2763595447"/>
-      </p:ext>
-    </p:extLst>
-  </p:cSld>
-  <p:clrMapOvr>
-    <a:masterClrMapping/>
-  </p:clrMapOvr>
-</p:sld>
-</file>
-
-<file path=ppt/slides/slide11.xml><?xml version="1.0" encoding="utf-8"?>
-<p:sld xmlns:a="http://schemas.openxmlformats.org/drawingml/2006/main" xmlns:r="http://schemas.openxmlformats.org/officeDocument/2006/relationships" xmlns:p="http://schemas.openxmlformats.org/presentationml/2006/main">
-  <p:cSld>
-    <p:spTree>
-      <p:nvGrpSpPr>
-        <p:cNvPr id="1" name=""/>
-        <p:cNvGrpSpPr/>
-        <p:nvPr/>
-      </p:nvGrpSpPr>
-      <p:grpSpPr>
-        <a:xfrm>
-          <a:off x="0" y="0"/>
-          <a:ext cx="0" cy="0"/>
-          <a:chOff x="0" y="0"/>
-          <a:chExt cx="0" cy="0"/>
-        </a:xfrm>
-      </p:grpSpPr>
-      <p:sp>
-        <p:nvSpPr>
-          <p:cNvPr id="6" name="Foliennummernplatzhalter 5"/>
-          <p:cNvSpPr>
-            <a:spLocks noGrp="1"/>
-          </p:cNvSpPr>
-          <p:nvPr>
-            <p:ph type="sldNum" sz="quarter" idx="4"/>
-          </p:nvPr>
-        </p:nvSpPr>
-        <p:spPr/>
-        <p:txBody>
-          <a:bodyPr/>
-          <a:lstStyle/>
-          <a:p>
-            <a:fld id="{F9CA7F02-FF28-4D8F-AF3B-6C950C783A54}" type="slidenum">
-              <a:rPr lang="de-DE" smtClean="0"/>
-              <a:pPr/>
-              <a:t>11</a:t>
-            </a:fld>
-            <a:endParaRPr lang="de-DE"/>
-          </a:p>
-        </p:txBody>
-      </p:sp>
-      <p:sp>
-        <p:nvSpPr>
-          <p:cNvPr id="3" name="Titel 2"/>
-          <p:cNvSpPr>
-            <a:spLocks noGrp="1"/>
-          </p:cNvSpPr>
-          <p:nvPr>
-            <p:ph type="title"/>
-          </p:nvPr>
-        </p:nvSpPr>
-        <p:spPr/>
-        <p:txBody>
-          <a:bodyPr/>
-          <a:lstStyle/>
-          <a:p>
-            <a:r>
-              <a:rPr lang="de-DE" dirty="0"/>
-              <a:t>BLOOM-FILTER</a:t>
-            </a:r>
-          </a:p>
-        </p:txBody>
-      </p:sp>
-      <p:sp>
-        <p:nvSpPr>
-          <p:cNvPr id="4" name="Inhaltsplatzhalter 3"/>
-          <p:cNvSpPr>
-            <a:spLocks noGrp="1"/>
-          </p:cNvSpPr>
-          <p:nvPr>
-            <p:ph sz="quarter" idx="13"/>
-          </p:nvPr>
-        </p:nvSpPr>
-        <p:spPr>
-          <a:xfrm>
-            <a:off x="936000" y="699542"/>
-            <a:ext cx="7308000" cy="429622"/>
-          </a:xfrm>
-        </p:spPr>
-        <p:txBody>
-          <a:bodyPr/>
-          <a:lstStyle/>
-          <a:p>
-            <a:r>
-              <a:rPr lang="de-DE" dirty="0"/>
-              <a:t>Funktionsweise und Operationen</a:t>
-            </a:r>
-          </a:p>
-        </p:txBody>
-      </p:sp>
-      <p:sp>
-        <p:nvSpPr>
-          <p:cNvPr id="7" name="Fußzeilenplatzhalter 6"/>
-          <p:cNvSpPr>
-            <a:spLocks noGrp="1"/>
-          </p:cNvSpPr>
-          <p:nvPr>
-            <p:ph type="ftr" sz="quarter" idx="3"/>
-          </p:nvPr>
-        </p:nvSpPr>
-        <p:spPr/>
-        <p:txBody>
-          <a:bodyPr/>
-          <a:lstStyle/>
-          <a:p>
-            <a:r>
-              <a:rPr lang="de-DE" dirty="0"/>
-              <a:t>TU Bergakademie Freiberg | Vortragender: Florian Schierz | 2022</a:t>
-            </a:r>
-          </a:p>
-        </p:txBody>
-      </p:sp>
-      <p:sp>
-        <p:nvSpPr>
-          <p:cNvPr id="8" name="Textfeld 7">
-            <a:extLst>
-              <a:ext uri="{FF2B5EF4-FFF2-40B4-BE49-F238E27FC236}">
-                <a16:creationId xmlns:a16="http://schemas.microsoft.com/office/drawing/2014/main" id="{7162C9EA-9725-333A-21C5-65FC349B92B6}"/>
-              </a:ext>
-            </a:extLst>
-          </p:cNvPr>
-          <p:cNvSpPr txBox="1"/>
-          <p:nvPr/>
-        </p:nvSpPr>
-        <p:spPr>
-          <a:xfrm>
-            <a:off x="611560" y="1203598"/>
-            <a:ext cx="4968552" cy="1200329"/>
-          </a:xfrm>
-          <a:prstGeom prst="rect">
-            <a:avLst/>
-          </a:prstGeom>
-          <a:noFill/>
-        </p:spPr>
-        <p:txBody>
-          <a:bodyPr wrap="square" rtlCol="0">
-            <a:spAutoFit/>
-          </a:bodyPr>
-          <a:lstStyle/>
-          <a:p>
-            <a:pPr marL="285750" indent="-285750">
-              <a:buFont typeface="Arial" panose="020B0604020202020204" pitchFamily="34" charset="0"/>
-              <a:buChar char="•"/>
-            </a:pPr>
-            <a:r>
-              <a:rPr lang="de-DE" b="1" u="sng" dirty="0"/>
-              <a:t>Optimale Wahl der Parameter:</a:t>
-            </a:r>
           </a:p>
           <a:p>
             <a:pPr marL="742950" lvl="1" indent="-285750">
@@ -5948,812 +5621,7 @@
             <p:spPr>
               <a:xfrm>
                 <a:off x="611560" y="2307525"/>
-                <a:ext cx="7920880" cy="2950167"/>
-              </a:xfrm>
-              <a:prstGeom prst="rect">
-                <a:avLst/>
-              </a:prstGeom>
-              <a:noFill/>
-            </p:spPr>
-            <p:txBody>
-              <a:bodyPr wrap="square" rtlCol="0">
-                <a:spAutoFit/>
-              </a:bodyPr>
-              <a:lstStyle/>
-              <a:p>
-                <a:r>
-                  <a:rPr lang="de-DE" dirty="0">
-                    <a:solidFill>
-                      <a:srgbClr val="000000"/>
-                    </a:solidFill>
-                  </a:rPr>
-                  <a:t>Wahrscheinlichkeit für ein Bit, noch Null zu sein: [5]</a:t>
-                </a:r>
-              </a:p>
-              <a:p>
-                <a:pPr/>
-                <a14:m>
-                  <m:oMathPara xmlns:m="http://schemas.openxmlformats.org/officeDocument/2006/math">
-                    <m:oMathParaPr>
-                      <m:jc m:val="centerGroup"/>
-                    </m:oMathParaPr>
-                    <m:oMath xmlns:m="http://schemas.openxmlformats.org/officeDocument/2006/math">
-                      <m:sSup>
-                        <m:sSupPr>
-                          <m:ctrlPr>
-                            <a:rPr lang="de-DE" b="0" i="1" smtClean="0">
-                              <a:solidFill>
-                                <a:srgbClr val="000000"/>
-                              </a:solidFill>
-                              <a:latin typeface="Cambria Math" panose="02040503050406030204" pitchFamily="18" charset="0"/>
-                            </a:rPr>
-                          </m:ctrlPr>
-                        </m:sSupPr>
-                        <m:e>
-                          <m:d>
-                            <m:dPr>
-                              <m:ctrlPr>
-                                <a:rPr lang="de-DE" b="0" i="1" smtClean="0">
-                                  <a:solidFill>
-                                    <a:srgbClr val="000000"/>
-                                  </a:solidFill>
-                                  <a:latin typeface="Cambria Math" panose="02040503050406030204" pitchFamily="18" charset="0"/>
-                                </a:rPr>
-                              </m:ctrlPr>
-                            </m:dPr>
-                            <m:e>
-                              <m:r>
-                                <a:rPr lang="de-DE" b="0" i="1" smtClean="0">
-                                  <a:solidFill>
-                                    <a:srgbClr val="000000"/>
-                                  </a:solidFill>
-                                  <a:latin typeface="Cambria Math" panose="02040503050406030204" pitchFamily="18" charset="0"/>
-                                </a:rPr>
-                                <m:t>1−</m:t>
-                              </m:r>
-                              <m:f>
-                                <m:fPr>
-                                  <m:ctrlPr>
-                                    <a:rPr lang="de-DE" b="0" i="1" smtClean="0">
-                                      <a:solidFill>
-                                        <a:srgbClr val="000000"/>
-                                      </a:solidFill>
-                                      <a:latin typeface="Cambria Math" panose="02040503050406030204" pitchFamily="18" charset="0"/>
-                                    </a:rPr>
-                                  </m:ctrlPr>
-                                </m:fPr>
-                                <m:num>
-                                  <m:r>
-                                    <a:rPr lang="de-DE" b="0" i="1" smtClean="0">
-                                      <a:solidFill>
-                                        <a:srgbClr val="000000"/>
-                                      </a:solidFill>
-                                      <a:latin typeface="Cambria Math" panose="02040503050406030204" pitchFamily="18" charset="0"/>
-                                    </a:rPr>
-                                    <m:t>1</m:t>
-                                  </m:r>
-                                </m:num>
-                                <m:den>
-                                  <m:r>
-                                    <a:rPr lang="de-DE" b="0" i="1" smtClean="0">
-                                      <a:solidFill>
-                                        <a:srgbClr val="000000"/>
-                                      </a:solidFill>
-                                      <a:latin typeface="Cambria Math" panose="02040503050406030204" pitchFamily="18" charset="0"/>
-                                    </a:rPr>
-                                    <m:t>𝑚</m:t>
-                                  </m:r>
-                                </m:den>
-                              </m:f>
-                            </m:e>
-                          </m:d>
-                        </m:e>
-                        <m:sup>
-                          <m:r>
-                            <a:rPr lang="de-DE" b="0" i="1" smtClean="0">
-                              <a:solidFill>
-                                <a:srgbClr val="000000"/>
-                              </a:solidFill>
-                              <a:latin typeface="Cambria Math" panose="02040503050406030204" pitchFamily="18" charset="0"/>
-                            </a:rPr>
-                            <m:t>𝑘𝑛</m:t>
-                          </m:r>
-                        </m:sup>
-                      </m:sSup>
-                    </m:oMath>
-                  </m:oMathPara>
-                </a14:m>
-                <a:endParaRPr lang="de-DE" b="0" dirty="0">
-                  <a:solidFill>
-                    <a:srgbClr val="000000"/>
-                  </a:solidFill>
-                </a:endParaRPr>
-              </a:p>
-              <a:p>
-                <a:r>
-                  <a:rPr lang="de-DE" dirty="0">
-                    <a:solidFill>
-                      <a:srgbClr val="000000"/>
-                    </a:solidFill>
-                  </a:rPr>
-                  <a:t>Somit ist die Wahrscheinlichkeit für k Einsen (FPP): [5]</a:t>
-                </a:r>
-              </a:p>
-              <a:p>
-                <a:pPr/>
-                <a14:m>
-                  <m:oMathPara xmlns:m="http://schemas.openxmlformats.org/officeDocument/2006/math">
-                    <m:oMathParaPr>
-                      <m:jc m:val="centerGroup"/>
-                    </m:oMathParaPr>
-                    <m:oMath xmlns:m="http://schemas.openxmlformats.org/officeDocument/2006/math">
-                      <m:r>
-                        <a:rPr lang="de-DE" b="0" i="1" smtClean="0">
-                          <a:solidFill>
-                            <a:srgbClr val="000000"/>
-                          </a:solidFill>
-                          <a:latin typeface="Cambria Math" panose="02040503050406030204" pitchFamily="18" charset="0"/>
-                        </a:rPr>
-                        <m:t>𝐹𝑃𝑃</m:t>
-                      </m:r>
-                      <m:r>
-                        <a:rPr lang="de-DE" b="0" i="1" smtClean="0">
-                          <a:solidFill>
-                            <a:srgbClr val="000000"/>
-                          </a:solidFill>
-                          <a:latin typeface="Cambria Math" panose="02040503050406030204" pitchFamily="18" charset="0"/>
-                        </a:rPr>
-                        <m:t>=</m:t>
-                      </m:r>
-                      <m:sSup>
-                        <m:sSupPr>
-                          <m:ctrlPr>
-                            <a:rPr lang="de-DE" b="0" i="1" smtClean="0">
-                              <a:solidFill>
-                                <a:srgbClr val="000000"/>
-                              </a:solidFill>
-                              <a:latin typeface="Cambria Math" panose="02040503050406030204" pitchFamily="18" charset="0"/>
-                            </a:rPr>
-                          </m:ctrlPr>
-                        </m:sSupPr>
-                        <m:e>
-                          <m:d>
-                            <m:dPr>
-                              <m:ctrlPr>
-                                <a:rPr lang="de-DE" i="1">
-                                  <a:solidFill>
-                                    <a:srgbClr val="000000"/>
-                                  </a:solidFill>
-                                  <a:latin typeface="Cambria Math" panose="02040503050406030204" pitchFamily="18" charset="0"/>
-                                </a:rPr>
-                              </m:ctrlPr>
-                            </m:dPr>
-                            <m:e>
-                              <m:r>
-                                <a:rPr lang="de-DE" i="1">
-                                  <a:solidFill>
-                                    <a:srgbClr val="000000"/>
-                                  </a:solidFill>
-                                  <a:latin typeface="Cambria Math" panose="02040503050406030204" pitchFamily="18" charset="0"/>
-                                </a:rPr>
-                                <m:t>1−</m:t>
-                              </m:r>
-                              <m:sSup>
-                                <m:sSupPr>
-                                  <m:ctrlPr>
-                                    <a:rPr lang="de-DE" i="1">
-                                      <a:solidFill>
-                                        <a:srgbClr val="000000"/>
-                                      </a:solidFill>
-                                      <a:latin typeface="Cambria Math" panose="02040503050406030204" pitchFamily="18" charset="0"/>
-                                    </a:rPr>
-                                  </m:ctrlPr>
-                                </m:sSupPr>
-                                <m:e>
-                                  <m:d>
-                                    <m:dPr>
-                                      <m:ctrlPr>
-                                        <a:rPr lang="de-DE" i="1">
-                                          <a:solidFill>
-                                            <a:srgbClr val="000000"/>
-                                          </a:solidFill>
-                                          <a:latin typeface="Cambria Math" panose="02040503050406030204" pitchFamily="18" charset="0"/>
-                                        </a:rPr>
-                                      </m:ctrlPr>
-                                    </m:dPr>
-                                    <m:e>
-                                      <m:r>
-                                        <a:rPr lang="de-DE" i="1">
-                                          <a:solidFill>
-                                            <a:srgbClr val="000000"/>
-                                          </a:solidFill>
-                                          <a:latin typeface="Cambria Math" panose="02040503050406030204" pitchFamily="18" charset="0"/>
-                                        </a:rPr>
-                                        <m:t>1−</m:t>
-                                      </m:r>
-                                      <m:f>
-                                        <m:fPr>
-                                          <m:ctrlPr>
-                                            <a:rPr lang="de-DE" i="1">
-                                              <a:solidFill>
-                                                <a:srgbClr val="000000"/>
-                                              </a:solidFill>
-                                              <a:latin typeface="Cambria Math" panose="02040503050406030204" pitchFamily="18" charset="0"/>
-                                            </a:rPr>
-                                          </m:ctrlPr>
-                                        </m:fPr>
-                                        <m:num>
-                                          <m:r>
-                                            <a:rPr lang="de-DE" i="1">
-                                              <a:solidFill>
-                                                <a:srgbClr val="000000"/>
-                                              </a:solidFill>
-                                              <a:latin typeface="Cambria Math" panose="02040503050406030204" pitchFamily="18" charset="0"/>
-                                            </a:rPr>
-                                            <m:t>1</m:t>
-                                          </m:r>
-                                        </m:num>
-                                        <m:den>
-                                          <m:r>
-                                            <a:rPr lang="de-DE" i="1">
-                                              <a:solidFill>
-                                                <a:srgbClr val="000000"/>
-                                              </a:solidFill>
-                                              <a:latin typeface="Cambria Math" panose="02040503050406030204" pitchFamily="18" charset="0"/>
-                                            </a:rPr>
-                                            <m:t>𝑚</m:t>
-                                          </m:r>
-                                        </m:den>
-                                      </m:f>
-                                    </m:e>
-                                  </m:d>
-                                </m:e>
-                                <m:sup>
-                                  <m:r>
-                                    <a:rPr lang="de-DE" i="1">
-                                      <a:solidFill>
-                                        <a:srgbClr val="000000"/>
-                                      </a:solidFill>
-                                      <a:latin typeface="Cambria Math" panose="02040503050406030204" pitchFamily="18" charset="0"/>
-                                    </a:rPr>
-                                    <m:t>𝑛𝑘</m:t>
-                                  </m:r>
-                                </m:sup>
-                              </m:sSup>
-                            </m:e>
-                          </m:d>
-                        </m:e>
-                        <m:sup>
-                          <m:r>
-                            <a:rPr lang="de-DE" b="0" i="1" smtClean="0">
-                              <a:solidFill>
-                                <a:srgbClr val="000000"/>
-                              </a:solidFill>
-                              <a:latin typeface="Cambria Math" panose="02040503050406030204" pitchFamily="18" charset="0"/>
-                            </a:rPr>
-                            <m:t>𝑘</m:t>
-                          </m:r>
-                        </m:sup>
-                      </m:sSup>
-                      <m:r>
-                        <a:rPr lang="de-DE" b="0" i="1" smtClean="0">
-                          <a:solidFill>
-                            <a:srgbClr val="000000"/>
-                          </a:solidFill>
-                          <a:latin typeface="Cambria Math" panose="02040503050406030204" pitchFamily="18" charset="0"/>
-                          <a:ea typeface="Cambria Math" panose="02040503050406030204" pitchFamily="18" charset="0"/>
-                        </a:rPr>
-                        <m:t>≈ </m:t>
-                      </m:r>
-                      <m:sSup>
-                        <m:sSupPr>
-                          <m:ctrlPr>
-                            <a:rPr lang="de-DE" b="0" i="1" smtClean="0">
-                              <a:solidFill>
-                                <a:srgbClr val="000000"/>
-                              </a:solidFill>
-                              <a:latin typeface="Cambria Math" panose="02040503050406030204" pitchFamily="18" charset="0"/>
-                              <a:ea typeface="Cambria Math" panose="02040503050406030204" pitchFamily="18" charset="0"/>
-                            </a:rPr>
-                          </m:ctrlPr>
-                        </m:sSupPr>
-                        <m:e>
-                          <m:d>
-                            <m:dPr>
-                              <m:ctrlPr>
-                                <a:rPr lang="de-DE" b="0" i="1" smtClean="0">
-                                  <a:solidFill>
-                                    <a:srgbClr val="000000"/>
-                                  </a:solidFill>
-                                  <a:latin typeface="Cambria Math" panose="02040503050406030204" pitchFamily="18" charset="0"/>
-                                  <a:ea typeface="Cambria Math" panose="02040503050406030204" pitchFamily="18" charset="0"/>
-                                </a:rPr>
-                              </m:ctrlPr>
-                            </m:dPr>
-                            <m:e>
-                              <m:r>
-                                <a:rPr lang="de-DE" b="0" i="1" smtClean="0">
-                                  <a:solidFill>
-                                    <a:srgbClr val="000000"/>
-                                  </a:solidFill>
-                                  <a:latin typeface="Cambria Math" panose="02040503050406030204" pitchFamily="18" charset="0"/>
-                                  <a:ea typeface="Cambria Math" panose="02040503050406030204" pitchFamily="18" charset="0"/>
-                                </a:rPr>
-                                <m:t>1−</m:t>
-                              </m:r>
-                              <m:sSup>
-                                <m:sSupPr>
-                                  <m:ctrlPr>
-                                    <a:rPr lang="de-DE" b="0" i="1" smtClean="0">
-                                      <a:solidFill>
-                                        <a:srgbClr val="000000"/>
-                                      </a:solidFill>
-                                      <a:latin typeface="Cambria Math" panose="02040503050406030204" pitchFamily="18" charset="0"/>
-                                      <a:ea typeface="Cambria Math" panose="02040503050406030204" pitchFamily="18" charset="0"/>
-                                    </a:rPr>
-                                  </m:ctrlPr>
-                                </m:sSupPr>
-                                <m:e>
-                                  <m:r>
-                                    <a:rPr lang="de-DE" b="0" i="1" smtClean="0">
-                                      <a:solidFill>
-                                        <a:srgbClr val="000000"/>
-                                      </a:solidFill>
-                                      <a:latin typeface="Cambria Math" panose="02040503050406030204" pitchFamily="18" charset="0"/>
-                                      <a:ea typeface="Cambria Math" panose="02040503050406030204" pitchFamily="18" charset="0"/>
-                                    </a:rPr>
-                                    <m:t>𝑒</m:t>
-                                  </m:r>
-                                </m:e>
-                                <m:sup>
-                                  <m:r>
-                                    <a:rPr lang="de-DE" b="0" i="1" smtClean="0">
-                                      <a:solidFill>
-                                        <a:srgbClr val="000000"/>
-                                      </a:solidFill>
-                                      <a:latin typeface="Cambria Math" panose="02040503050406030204" pitchFamily="18" charset="0"/>
-                                      <a:ea typeface="Cambria Math" panose="02040503050406030204" pitchFamily="18" charset="0"/>
-                                    </a:rPr>
-                                    <m:t>−</m:t>
-                                  </m:r>
-                                  <m:r>
-                                    <a:rPr lang="de-DE" b="0" i="1" smtClean="0">
-                                      <a:solidFill>
-                                        <a:srgbClr val="000000"/>
-                                      </a:solidFill>
-                                      <a:latin typeface="Cambria Math" panose="02040503050406030204" pitchFamily="18" charset="0"/>
-                                      <a:ea typeface="Cambria Math" panose="02040503050406030204" pitchFamily="18" charset="0"/>
-                                    </a:rPr>
-                                    <m:t>𝑘𝑛</m:t>
-                                  </m:r>
-                                  <m:r>
-                                    <a:rPr lang="de-DE" b="0" i="1" smtClean="0">
-                                      <a:solidFill>
-                                        <a:srgbClr val="000000"/>
-                                      </a:solidFill>
-                                      <a:latin typeface="Cambria Math" panose="02040503050406030204" pitchFamily="18" charset="0"/>
-                                      <a:ea typeface="Cambria Math" panose="02040503050406030204" pitchFamily="18" charset="0"/>
-                                    </a:rPr>
-                                    <m:t>/</m:t>
-                                  </m:r>
-                                  <m:r>
-                                    <a:rPr lang="de-DE" b="0" i="1" smtClean="0">
-                                      <a:solidFill>
-                                        <a:srgbClr val="000000"/>
-                                      </a:solidFill>
-                                      <a:latin typeface="Cambria Math" panose="02040503050406030204" pitchFamily="18" charset="0"/>
-                                      <a:ea typeface="Cambria Math" panose="02040503050406030204" pitchFamily="18" charset="0"/>
-                                    </a:rPr>
-                                    <m:t>𝑚</m:t>
-                                  </m:r>
-                                </m:sup>
-                              </m:sSup>
-                            </m:e>
-                          </m:d>
-                        </m:e>
-                        <m:sup>
-                          <m:r>
-                            <a:rPr lang="de-DE" b="0" i="1" smtClean="0">
-                              <a:solidFill>
-                                <a:srgbClr val="000000"/>
-                              </a:solidFill>
-                              <a:latin typeface="Cambria Math" panose="02040503050406030204" pitchFamily="18" charset="0"/>
-                              <a:ea typeface="Cambria Math" panose="02040503050406030204" pitchFamily="18" charset="0"/>
-                            </a:rPr>
-                            <m:t>𝑘</m:t>
-                          </m:r>
-                        </m:sup>
-                      </m:sSup>
-                    </m:oMath>
-                  </m:oMathPara>
-                </a14:m>
-                <a:endParaRPr lang="de-DE" dirty="0">
-                  <a:solidFill>
-                    <a:srgbClr val="000000"/>
-                  </a:solidFill>
-                </a:endParaRPr>
-              </a:p>
-              <a:p>
-                <a:endParaRPr lang="de-DE" dirty="0">
-                  <a:solidFill>
-                    <a:srgbClr val="000000"/>
-                  </a:solidFill>
-                </a:endParaRPr>
-              </a:p>
-              <a:p>
-                <a:endParaRPr lang="de-DE" dirty="0">
-                  <a:solidFill>
-                    <a:srgbClr val="000000"/>
-                  </a:solidFill>
-                </a:endParaRPr>
-              </a:p>
-              <a:p>
-                <a:endParaRPr lang="de-DE" dirty="0">
-                  <a:solidFill>
-                    <a:srgbClr val="000000"/>
-                  </a:solidFill>
-                </a:endParaRPr>
-              </a:p>
-            </p:txBody>
-          </p:sp>
-        </mc:Choice>
-        <mc:Fallback xmlns="">
-          <p:sp>
-            <p:nvSpPr>
-              <p:cNvPr id="11" name="Textfeld 10">
-                <a:extLst>
-                  <a:ext uri="{FF2B5EF4-FFF2-40B4-BE49-F238E27FC236}">
-                    <a16:creationId xmlns:a16="http://schemas.microsoft.com/office/drawing/2014/main" id="{57246031-85FF-B68C-2B65-72CEF1D1848F}"/>
-                  </a:ext>
-                </a:extLst>
-              </p:cNvPr>
-              <p:cNvSpPr txBox="1">
-                <a:spLocks noRot="1" noChangeAspect="1" noMove="1" noResize="1" noEditPoints="1" noAdjustHandles="1" noChangeArrowheads="1" noChangeShapeType="1" noTextEdit="1"/>
-              </p:cNvSpPr>
-              <p:nvPr/>
-            </p:nvSpPr>
-            <p:spPr>
-              <a:xfrm>
-                <a:off x="611560" y="2307525"/>
-                <a:ext cx="7920880" cy="2950167"/>
-              </a:xfrm>
-              <a:prstGeom prst="rect">
-                <a:avLst/>
-              </a:prstGeom>
-              <a:blipFill>
-                <a:blip r:embed="rId2"/>
-                <a:stretch>
-                  <a:fillRect l="-615" t="-1242"/>
-                </a:stretch>
-              </a:blipFill>
-            </p:spPr>
-            <p:txBody>
-              <a:bodyPr/>
-              <a:lstStyle/>
-              <a:p>
-                <a:r>
-                  <a:rPr lang="de-DE">
-                    <a:noFill/>
-                  </a:rPr>
-                  <a:t> </a:t>
-                </a:r>
-              </a:p>
-            </p:txBody>
-          </p:sp>
-        </mc:Fallback>
-      </mc:AlternateContent>
-    </p:spTree>
-    <p:extLst>
-      <p:ext uri="{BB962C8B-B14F-4D97-AF65-F5344CB8AC3E}">
-        <p14:creationId xmlns:p14="http://schemas.microsoft.com/office/powerpoint/2010/main" val="892721914"/>
-      </p:ext>
-    </p:extLst>
-  </p:cSld>
-  <p:clrMapOvr>
-    <a:masterClrMapping/>
-  </p:clrMapOvr>
-</p:sld>
-</file>
-
-<file path=ppt/slides/slide12.xml><?xml version="1.0" encoding="utf-8"?>
-<p:sld xmlns:a="http://schemas.openxmlformats.org/drawingml/2006/main" xmlns:r="http://schemas.openxmlformats.org/officeDocument/2006/relationships" xmlns:p="http://schemas.openxmlformats.org/presentationml/2006/main">
-  <p:cSld>
-    <p:spTree>
-      <p:nvGrpSpPr>
-        <p:cNvPr id="1" name=""/>
-        <p:cNvGrpSpPr/>
-        <p:nvPr/>
-      </p:nvGrpSpPr>
-      <p:grpSpPr>
-        <a:xfrm>
-          <a:off x="0" y="0"/>
-          <a:ext cx="0" cy="0"/>
-          <a:chOff x="0" y="0"/>
-          <a:chExt cx="0" cy="0"/>
-        </a:xfrm>
-      </p:grpSpPr>
-      <p:sp>
-        <p:nvSpPr>
-          <p:cNvPr id="6" name="Foliennummernplatzhalter 5"/>
-          <p:cNvSpPr>
-            <a:spLocks noGrp="1"/>
-          </p:cNvSpPr>
-          <p:nvPr>
-            <p:ph type="sldNum" sz="quarter" idx="4"/>
-          </p:nvPr>
-        </p:nvSpPr>
-        <p:spPr/>
-        <p:txBody>
-          <a:bodyPr/>
-          <a:lstStyle/>
-          <a:p>
-            <a:fld id="{F9CA7F02-FF28-4D8F-AF3B-6C950C783A54}" type="slidenum">
-              <a:rPr lang="de-DE" smtClean="0"/>
-              <a:pPr/>
-              <a:t>12</a:t>
-            </a:fld>
-            <a:endParaRPr lang="de-DE"/>
-          </a:p>
-        </p:txBody>
-      </p:sp>
-      <p:sp>
-        <p:nvSpPr>
-          <p:cNvPr id="3" name="Titel 2"/>
-          <p:cNvSpPr>
-            <a:spLocks noGrp="1"/>
-          </p:cNvSpPr>
-          <p:nvPr>
-            <p:ph type="title"/>
-          </p:nvPr>
-        </p:nvSpPr>
-        <p:spPr/>
-        <p:txBody>
-          <a:bodyPr/>
-          <a:lstStyle/>
-          <a:p>
-            <a:r>
-              <a:rPr lang="de-DE" dirty="0"/>
-              <a:t>BLOOM-FILTER</a:t>
-            </a:r>
-          </a:p>
-        </p:txBody>
-      </p:sp>
-      <p:sp>
-        <p:nvSpPr>
-          <p:cNvPr id="4" name="Inhaltsplatzhalter 3"/>
-          <p:cNvSpPr>
-            <a:spLocks noGrp="1"/>
-          </p:cNvSpPr>
-          <p:nvPr>
-            <p:ph sz="quarter" idx="13"/>
-          </p:nvPr>
-        </p:nvSpPr>
-        <p:spPr>
-          <a:xfrm>
-            <a:off x="936000" y="699542"/>
-            <a:ext cx="7308000" cy="429622"/>
-          </a:xfrm>
-        </p:spPr>
-        <p:txBody>
-          <a:bodyPr/>
-          <a:lstStyle/>
-          <a:p>
-            <a:r>
-              <a:rPr lang="de-DE" dirty="0"/>
-              <a:t>Funktionsweise und Operationen</a:t>
-            </a:r>
-          </a:p>
-        </p:txBody>
-      </p:sp>
-      <p:sp>
-        <p:nvSpPr>
-          <p:cNvPr id="7" name="Fußzeilenplatzhalter 6"/>
-          <p:cNvSpPr>
-            <a:spLocks noGrp="1"/>
-          </p:cNvSpPr>
-          <p:nvPr>
-            <p:ph type="ftr" sz="quarter" idx="3"/>
-          </p:nvPr>
-        </p:nvSpPr>
-        <p:spPr/>
-        <p:txBody>
-          <a:bodyPr/>
-          <a:lstStyle/>
-          <a:p>
-            <a:r>
-              <a:rPr lang="de-DE" dirty="0"/>
-              <a:t>TU Bergakademie Freiberg | Vortragender: Florian Schierz | 2022</a:t>
-            </a:r>
-          </a:p>
-        </p:txBody>
-      </p:sp>
-      <p:sp>
-        <p:nvSpPr>
-          <p:cNvPr id="8" name="Textfeld 7">
-            <a:extLst>
-              <a:ext uri="{FF2B5EF4-FFF2-40B4-BE49-F238E27FC236}">
-                <a16:creationId xmlns:a16="http://schemas.microsoft.com/office/drawing/2014/main" id="{7162C9EA-9725-333A-21C5-65FC349B92B6}"/>
-              </a:ext>
-            </a:extLst>
-          </p:cNvPr>
-          <p:cNvSpPr txBox="1"/>
-          <p:nvPr/>
-        </p:nvSpPr>
-        <p:spPr>
-          <a:xfrm>
-            <a:off x="611560" y="1203598"/>
-            <a:ext cx="4968552" cy="1200329"/>
-          </a:xfrm>
-          <a:prstGeom prst="rect">
-            <a:avLst/>
-          </a:prstGeom>
-          <a:noFill/>
-        </p:spPr>
-        <p:txBody>
-          <a:bodyPr wrap="square" rtlCol="0">
-            <a:spAutoFit/>
-          </a:bodyPr>
-          <a:lstStyle/>
-          <a:p>
-            <a:pPr marL="285750" indent="-285750">
-              <a:buFont typeface="Arial" panose="020B0604020202020204" pitchFamily="34" charset="0"/>
-              <a:buChar char="•"/>
-            </a:pPr>
-            <a:r>
-              <a:rPr lang="de-DE" b="1" u="sng" dirty="0"/>
-              <a:t>Optimale Wahl der Parameter:</a:t>
-            </a:r>
-          </a:p>
-          <a:p>
-            <a:pPr marL="742950" lvl="1" indent="-285750">
-              <a:buFont typeface="Arial" panose="020B0604020202020204" pitchFamily="34" charset="0"/>
-              <a:buChar char="•"/>
-            </a:pPr>
-            <a:r>
-              <a:rPr lang="de-DE" b="1" dirty="0">
-                <a:solidFill>
-                  <a:srgbClr val="000000"/>
-                </a:solidFill>
-              </a:rPr>
-              <a:t>m </a:t>
-            </a:r>
-            <a:r>
-              <a:rPr lang="de-DE" dirty="0">
-                <a:solidFill>
-                  <a:srgbClr val="000000"/>
-                </a:solidFill>
-              </a:rPr>
-              <a:t>Bit Länge</a:t>
-            </a:r>
-          </a:p>
-          <a:p>
-            <a:pPr marL="742950" lvl="1" indent="-285750">
-              <a:buFont typeface="Arial" panose="020B0604020202020204" pitchFamily="34" charset="0"/>
-              <a:buChar char="•"/>
-            </a:pPr>
-            <a:r>
-              <a:rPr lang="de-DE" b="1" dirty="0">
-                <a:solidFill>
-                  <a:srgbClr val="000000"/>
-                </a:solidFill>
-              </a:rPr>
-              <a:t>n</a:t>
-            </a:r>
-            <a:r>
-              <a:rPr lang="de-DE" dirty="0">
-                <a:solidFill>
-                  <a:srgbClr val="000000"/>
-                </a:solidFill>
-              </a:rPr>
-              <a:t> einzufügende Elemente</a:t>
-            </a:r>
-          </a:p>
-          <a:p>
-            <a:endParaRPr lang="de-DE" dirty="0"/>
-          </a:p>
-        </p:txBody>
-      </p:sp>
-      <p:sp>
-        <p:nvSpPr>
-          <p:cNvPr id="9" name="Textfeld 8">
-            <a:extLst>
-              <a:ext uri="{FF2B5EF4-FFF2-40B4-BE49-F238E27FC236}">
-                <a16:creationId xmlns:a16="http://schemas.microsoft.com/office/drawing/2014/main" id="{67A2B410-6F02-6467-D0F2-FC98B4BF0279}"/>
-              </a:ext>
-            </a:extLst>
-          </p:cNvPr>
-          <p:cNvSpPr txBox="1"/>
-          <p:nvPr/>
-        </p:nvSpPr>
-        <p:spPr>
-          <a:xfrm>
-            <a:off x="3491880" y="1203598"/>
-            <a:ext cx="4968552" cy="1200329"/>
-          </a:xfrm>
-          <a:prstGeom prst="rect">
-            <a:avLst/>
-          </a:prstGeom>
-          <a:noFill/>
-        </p:spPr>
-        <p:txBody>
-          <a:bodyPr wrap="square" rtlCol="0">
-            <a:spAutoFit/>
-          </a:bodyPr>
-          <a:lstStyle/>
-          <a:p>
-            <a:pPr marL="742950" lvl="1" indent="-285750">
-              <a:buFont typeface="Arial" panose="020B0604020202020204" pitchFamily="34" charset="0"/>
-              <a:buChar char="•"/>
-            </a:pPr>
-            <a:endParaRPr lang="de-DE" b="1" dirty="0"/>
-          </a:p>
-          <a:p>
-            <a:pPr marL="742950" lvl="1" indent="-285750">
-              <a:buFont typeface="Arial" panose="020B0604020202020204" pitchFamily="34" charset="0"/>
-              <a:buChar char="•"/>
-            </a:pPr>
-            <a:r>
-              <a:rPr lang="de-DE" b="1" dirty="0">
-                <a:solidFill>
-                  <a:srgbClr val="000000"/>
-                </a:solidFill>
-              </a:rPr>
-              <a:t>k</a:t>
-            </a:r>
-            <a:r>
-              <a:rPr lang="de-DE" dirty="0">
-                <a:solidFill>
-                  <a:srgbClr val="000000"/>
-                </a:solidFill>
-              </a:rPr>
-              <a:t> unabhängige Hash-Funktionen</a:t>
-            </a:r>
-          </a:p>
-          <a:p>
-            <a:pPr marL="742950" lvl="1" indent="-285750">
-              <a:buFont typeface="Arial" panose="020B0604020202020204" pitchFamily="34" charset="0"/>
-              <a:buChar char="•"/>
-            </a:pPr>
-            <a:r>
-              <a:rPr lang="de-DE" b="1" dirty="0">
-                <a:solidFill>
-                  <a:srgbClr val="000000"/>
-                </a:solidFill>
-              </a:rPr>
-              <a:t>FPP</a:t>
-            </a:r>
-            <a:r>
-              <a:rPr lang="de-DE" dirty="0">
-                <a:solidFill>
-                  <a:srgbClr val="000000"/>
-                </a:solidFill>
-              </a:rPr>
-              <a:t> Falsch-Positiv-Rate</a:t>
-            </a:r>
-          </a:p>
-          <a:p>
-            <a:endParaRPr lang="de-DE" dirty="0"/>
-          </a:p>
-        </p:txBody>
-      </p:sp>
-      <mc:AlternateContent xmlns:mc="http://schemas.openxmlformats.org/markup-compatibility/2006" xmlns:a14="http://schemas.microsoft.com/office/drawing/2010/main">
-        <mc:Choice Requires="a14">
-          <p:sp>
-            <p:nvSpPr>
-              <p:cNvPr id="11" name="Textfeld 10">
-                <a:extLst>
-                  <a:ext uri="{FF2B5EF4-FFF2-40B4-BE49-F238E27FC236}">
-                    <a16:creationId xmlns:a16="http://schemas.microsoft.com/office/drawing/2014/main" id="{57246031-85FF-B68C-2B65-72CEF1D1848F}"/>
-                  </a:ext>
-                </a:extLst>
-              </p:cNvPr>
-              <p:cNvSpPr txBox="1"/>
-              <p:nvPr/>
-            </p:nvSpPr>
-            <p:spPr>
-              <a:xfrm>
-                <a:off x="611560" y="2307525"/>
-                <a:ext cx="7920880" cy="2594941"/>
+                <a:ext cx="7920880" cy="2803844"/>
               </a:xfrm>
               <a:prstGeom prst="rect">
                 <a:avLst/>
@@ -6953,6 +5821,13 @@
                 </a:endParaRPr>
               </a:p>
               <a:p>
+                <a:endParaRPr lang="de-DE" dirty="0">
+                  <a:solidFill>
+                    <a:srgbClr val="000000"/>
+                  </a:solidFill>
+                </a:endParaRPr>
+              </a:p>
+              <a:p>
                 <a:r>
                   <a:rPr lang="de-DE" dirty="0">
                     <a:solidFill>
@@ -7110,7 +5985,7 @@
             <p:spPr>
               <a:xfrm>
                 <a:off x="611560" y="2307525"/>
-                <a:ext cx="7920880" cy="2594941"/>
+                <a:ext cx="7920880" cy="2803844"/>
               </a:xfrm>
               <a:prstGeom prst="rect">
                 <a:avLst/>
@@ -7118,7 +5993,7 @@
               <a:blipFill>
                 <a:blip r:embed="rId3"/>
                 <a:stretch>
-                  <a:fillRect l="-615" t="-1412"/>
+                  <a:fillRect l="-615" t="-1307"/>
                 </a:stretch>
               </a:blipFill>
             </p:spPr>
@@ -7150,6 +6025,440 @@
 </p:sld>
 </file>
 
+<file path=ppt/slides/slide11.xml><?xml version="1.0" encoding="utf-8"?>
+<p:sld xmlns:a="http://schemas.openxmlformats.org/drawingml/2006/main" xmlns:r="http://schemas.openxmlformats.org/officeDocument/2006/relationships" xmlns:p="http://schemas.openxmlformats.org/presentationml/2006/main">
+  <p:cSld>
+    <p:spTree>
+      <p:nvGrpSpPr>
+        <p:cNvPr id="1" name=""/>
+        <p:cNvGrpSpPr/>
+        <p:nvPr/>
+      </p:nvGrpSpPr>
+      <p:grpSpPr>
+        <a:xfrm>
+          <a:off x="0" y="0"/>
+          <a:ext cx="0" cy="0"/>
+          <a:chOff x="0" y="0"/>
+          <a:chExt cx="0" cy="0"/>
+        </a:xfrm>
+      </p:grpSpPr>
+      <p:sp>
+        <p:nvSpPr>
+          <p:cNvPr id="6" name="Foliennummernplatzhalter 5"/>
+          <p:cNvSpPr>
+            <a:spLocks noGrp="1"/>
+          </p:cNvSpPr>
+          <p:nvPr>
+            <p:ph type="sldNum" sz="quarter" idx="4"/>
+          </p:nvPr>
+        </p:nvSpPr>
+        <p:spPr/>
+        <p:txBody>
+          <a:bodyPr/>
+          <a:lstStyle/>
+          <a:p>
+            <a:fld id="{F9CA7F02-FF28-4D8F-AF3B-6C950C783A54}" type="slidenum">
+              <a:rPr lang="de-DE" smtClean="0"/>
+              <a:pPr/>
+              <a:t>11</a:t>
+            </a:fld>
+            <a:endParaRPr lang="de-DE"/>
+          </a:p>
+        </p:txBody>
+      </p:sp>
+      <p:sp>
+        <p:nvSpPr>
+          <p:cNvPr id="3" name="Titel 2"/>
+          <p:cNvSpPr>
+            <a:spLocks noGrp="1"/>
+          </p:cNvSpPr>
+          <p:nvPr>
+            <p:ph type="title"/>
+          </p:nvPr>
+        </p:nvSpPr>
+        <p:spPr/>
+        <p:txBody>
+          <a:bodyPr/>
+          <a:lstStyle/>
+          <a:p>
+            <a:r>
+              <a:rPr lang="de-DE" dirty="0"/>
+              <a:t>BLOOM-FILTER</a:t>
+            </a:r>
+          </a:p>
+        </p:txBody>
+      </p:sp>
+      <p:sp>
+        <p:nvSpPr>
+          <p:cNvPr id="4" name="Inhaltsplatzhalter 3"/>
+          <p:cNvSpPr>
+            <a:spLocks noGrp="1"/>
+          </p:cNvSpPr>
+          <p:nvPr>
+            <p:ph sz="quarter" idx="13"/>
+          </p:nvPr>
+        </p:nvSpPr>
+        <p:spPr>
+          <a:xfrm>
+            <a:off x="936000" y="699542"/>
+            <a:ext cx="7308000" cy="429622"/>
+          </a:xfrm>
+        </p:spPr>
+        <p:txBody>
+          <a:bodyPr/>
+          <a:lstStyle/>
+          <a:p>
+            <a:r>
+              <a:rPr lang="de-DE" dirty="0"/>
+              <a:t>Vergleich der Varianten</a:t>
+            </a:r>
+          </a:p>
+        </p:txBody>
+      </p:sp>
+      <p:sp>
+        <p:nvSpPr>
+          <p:cNvPr id="7" name="Fußzeilenplatzhalter 6"/>
+          <p:cNvSpPr>
+            <a:spLocks noGrp="1"/>
+          </p:cNvSpPr>
+          <p:nvPr>
+            <p:ph type="ftr" sz="quarter" idx="3"/>
+          </p:nvPr>
+        </p:nvSpPr>
+        <p:spPr/>
+        <p:txBody>
+          <a:bodyPr/>
+          <a:lstStyle/>
+          <a:p>
+            <a:r>
+              <a:rPr lang="de-DE" dirty="0"/>
+              <a:t>TU Bergakademie Freiberg | Vortragender: Florian Schierz | 2022</a:t>
+            </a:r>
+          </a:p>
+        </p:txBody>
+      </p:sp>
+      <p:sp>
+        <p:nvSpPr>
+          <p:cNvPr id="8" name="Textfeld 7">
+            <a:extLst>
+              <a:ext uri="{FF2B5EF4-FFF2-40B4-BE49-F238E27FC236}">
+                <a16:creationId xmlns:a16="http://schemas.microsoft.com/office/drawing/2014/main" id="{7162C9EA-9725-333A-21C5-65FC349B92B6}"/>
+              </a:ext>
+            </a:extLst>
+          </p:cNvPr>
+          <p:cNvSpPr txBox="1"/>
+          <p:nvPr/>
+        </p:nvSpPr>
+        <p:spPr>
+          <a:xfrm>
+            <a:off x="611560" y="1203598"/>
+            <a:ext cx="8280920" cy="646331"/>
+          </a:xfrm>
+          <a:prstGeom prst="rect">
+            <a:avLst/>
+          </a:prstGeom>
+          <a:noFill/>
+        </p:spPr>
+        <p:txBody>
+          <a:bodyPr wrap="square" rtlCol="0">
+            <a:spAutoFit/>
+          </a:bodyPr>
+          <a:lstStyle/>
+          <a:p>
+            <a:r>
+              <a:rPr lang="de-DE" dirty="0">
+                <a:solidFill>
+                  <a:srgbClr val="000000"/>
+                </a:solidFill>
+              </a:rPr>
+              <a:t>Falsch-Positiv-Rate (Soll: 0.01) in Abhängigkeit der insgesamt einzufügenden Elemente</a:t>
+            </a:r>
+          </a:p>
+          <a:p>
+            <a:r>
+              <a:rPr lang="de-DE" dirty="0" err="1">
+                <a:solidFill>
+                  <a:srgbClr val="000000"/>
+                </a:solidFill>
+              </a:rPr>
+              <a:t>Floom</a:t>
+            </a:r>
+            <a:r>
+              <a:rPr lang="de-DE" dirty="0">
+                <a:solidFill>
+                  <a:srgbClr val="000000"/>
+                </a:solidFill>
+              </a:rPr>
+              <a:t>-Filter mit 12 Bereichen</a:t>
+            </a:r>
+          </a:p>
+        </p:txBody>
+      </p:sp>
+      <p:pic>
+        <p:nvPicPr>
+          <p:cNvPr id="9" name="Grafik 8">
+            <a:extLst>
+              <a:ext uri="{FF2B5EF4-FFF2-40B4-BE49-F238E27FC236}">
+                <a16:creationId xmlns:a16="http://schemas.microsoft.com/office/drawing/2014/main" id="{79E06BEF-E3A9-2AE1-603E-0AB7817738CA}"/>
+              </a:ext>
+            </a:extLst>
+          </p:cNvPr>
+          <p:cNvPicPr>
+            <a:picLocks noChangeAspect="1"/>
+          </p:cNvPicPr>
+          <p:nvPr/>
+        </p:nvPicPr>
+        <p:blipFill rotWithShape="1">
+          <a:blip r:embed="rId3" cstate="print">
+            <a:extLst>
+              <a:ext uri="{28A0092B-C50C-407E-A947-70E740481C1C}">
+                <a14:useLocalDpi xmlns:a14="http://schemas.microsoft.com/office/drawing/2010/main" val="0"/>
+              </a:ext>
+            </a:extLst>
+          </a:blip>
+          <a:srcRect l="7476" t="10510" r="9050" b="5090"/>
+          <a:stretch/>
+        </p:blipFill>
+        <p:spPr>
+          <a:xfrm>
+            <a:off x="1583668" y="1784784"/>
+            <a:ext cx="5976664" cy="2860970"/>
+          </a:xfrm>
+          <a:prstGeom prst="rect">
+            <a:avLst/>
+          </a:prstGeom>
+        </p:spPr>
+      </p:pic>
+    </p:spTree>
+    <p:extLst>
+      <p:ext uri="{BB962C8B-B14F-4D97-AF65-F5344CB8AC3E}">
+        <p14:creationId xmlns:p14="http://schemas.microsoft.com/office/powerpoint/2010/main" val="2634189153"/>
+      </p:ext>
+    </p:extLst>
+  </p:cSld>
+  <p:clrMapOvr>
+    <a:masterClrMapping/>
+  </p:clrMapOvr>
+</p:sld>
+</file>
+
+<file path=ppt/slides/slide12.xml><?xml version="1.0" encoding="utf-8"?>
+<p:sld xmlns:a="http://schemas.openxmlformats.org/drawingml/2006/main" xmlns:r="http://schemas.openxmlformats.org/officeDocument/2006/relationships" xmlns:p="http://schemas.openxmlformats.org/presentationml/2006/main">
+  <p:cSld>
+    <p:spTree>
+      <p:nvGrpSpPr>
+        <p:cNvPr id="1" name=""/>
+        <p:cNvGrpSpPr/>
+        <p:nvPr/>
+      </p:nvGrpSpPr>
+      <p:grpSpPr>
+        <a:xfrm>
+          <a:off x="0" y="0"/>
+          <a:ext cx="0" cy="0"/>
+          <a:chOff x="0" y="0"/>
+          <a:chExt cx="0" cy="0"/>
+        </a:xfrm>
+      </p:grpSpPr>
+      <p:sp>
+        <p:nvSpPr>
+          <p:cNvPr id="6" name="Foliennummernplatzhalter 5"/>
+          <p:cNvSpPr>
+            <a:spLocks noGrp="1"/>
+          </p:cNvSpPr>
+          <p:nvPr>
+            <p:ph type="sldNum" sz="quarter" idx="4"/>
+          </p:nvPr>
+        </p:nvSpPr>
+        <p:spPr/>
+        <p:txBody>
+          <a:bodyPr/>
+          <a:lstStyle/>
+          <a:p>
+            <a:fld id="{F9CA7F02-FF28-4D8F-AF3B-6C950C783A54}" type="slidenum">
+              <a:rPr lang="de-DE" smtClean="0"/>
+              <a:pPr/>
+              <a:t>12</a:t>
+            </a:fld>
+            <a:endParaRPr lang="de-DE"/>
+          </a:p>
+        </p:txBody>
+      </p:sp>
+      <p:sp>
+        <p:nvSpPr>
+          <p:cNvPr id="3" name="Titel 2"/>
+          <p:cNvSpPr>
+            <a:spLocks noGrp="1"/>
+          </p:cNvSpPr>
+          <p:nvPr>
+            <p:ph type="title"/>
+          </p:nvPr>
+        </p:nvSpPr>
+        <p:spPr/>
+        <p:txBody>
+          <a:bodyPr/>
+          <a:lstStyle/>
+          <a:p>
+            <a:r>
+              <a:rPr lang="de-DE" dirty="0"/>
+              <a:t>BLOOM-FILTER</a:t>
+            </a:r>
+          </a:p>
+        </p:txBody>
+      </p:sp>
+      <p:sp>
+        <p:nvSpPr>
+          <p:cNvPr id="4" name="Inhaltsplatzhalter 3"/>
+          <p:cNvSpPr>
+            <a:spLocks noGrp="1"/>
+          </p:cNvSpPr>
+          <p:nvPr>
+            <p:ph sz="quarter" idx="13"/>
+          </p:nvPr>
+        </p:nvSpPr>
+        <p:spPr>
+          <a:xfrm>
+            <a:off x="936000" y="699542"/>
+            <a:ext cx="7308000" cy="429622"/>
+          </a:xfrm>
+        </p:spPr>
+        <p:txBody>
+          <a:bodyPr/>
+          <a:lstStyle/>
+          <a:p>
+            <a:r>
+              <a:rPr lang="de-DE" dirty="0"/>
+              <a:t>Vergleich der Varianten</a:t>
+            </a:r>
+          </a:p>
+        </p:txBody>
+      </p:sp>
+      <p:sp>
+        <p:nvSpPr>
+          <p:cNvPr id="7" name="Fußzeilenplatzhalter 6"/>
+          <p:cNvSpPr>
+            <a:spLocks noGrp="1"/>
+          </p:cNvSpPr>
+          <p:nvPr>
+            <p:ph type="ftr" sz="quarter" idx="3"/>
+          </p:nvPr>
+        </p:nvSpPr>
+        <p:spPr/>
+        <p:txBody>
+          <a:bodyPr/>
+          <a:lstStyle/>
+          <a:p>
+            <a:r>
+              <a:rPr lang="de-DE" dirty="0"/>
+              <a:t>TU Bergakademie Freiberg | Vortragender: Florian Schierz | 2022</a:t>
+            </a:r>
+          </a:p>
+        </p:txBody>
+      </p:sp>
+      <p:sp>
+        <p:nvSpPr>
+          <p:cNvPr id="8" name="Textfeld 7">
+            <a:extLst>
+              <a:ext uri="{FF2B5EF4-FFF2-40B4-BE49-F238E27FC236}">
+                <a16:creationId xmlns:a16="http://schemas.microsoft.com/office/drawing/2014/main" id="{7162C9EA-9725-333A-21C5-65FC349B92B6}"/>
+              </a:ext>
+            </a:extLst>
+          </p:cNvPr>
+          <p:cNvSpPr txBox="1"/>
+          <p:nvPr/>
+        </p:nvSpPr>
+        <p:spPr>
+          <a:xfrm>
+            <a:off x="611560" y="1203598"/>
+            <a:ext cx="8280920" cy="646331"/>
+          </a:xfrm>
+          <a:prstGeom prst="rect">
+            <a:avLst/>
+          </a:prstGeom>
+          <a:noFill/>
+        </p:spPr>
+        <p:txBody>
+          <a:bodyPr wrap="square" rtlCol="0">
+            <a:spAutoFit/>
+          </a:bodyPr>
+          <a:lstStyle/>
+          <a:p>
+            <a:r>
+              <a:rPr lang="de-DE" dirty="0">
+                <a:solidFill>
+                  <a:srgbClr val="000000"/>
+                </a:solidFill>
+              </a:rPr>
+              <a:t>Falsch-Positiv-Rate (Soll: 0.01) in Abhängigkeit der insgesamt einzufügenden Elemente</a:t>
+            </a:r>
+          </a:p>
+          <a:p>
+            <a:r>
+              <a:rPr lang="de-DE" dirty="0" err="1">
+                <a:solidFill>
+                  <a:srgbClr val="000000"/>
+                </a:solidFill>
+              </a:rPr>
+              <a:t>Floom</a:t>
+            </a:r>
+            <a:r>
+              <a:rPr lang="de-DE" dirty="0">
+                <a:solidFill>
+                  <a:srgbClr val="000000"/>
+                </a:solidFill>
+              </a:rPr>
+              <a:t>-Filter mit 16 Bereichen</a:t>
+            </a:r>
+          </a:p>
+        </p:txBody>
+      </p:sp>
+      <p:pic>
+        <p:nvPicPr>
+          <p:cNvPr id="5" name="Grafik 4">
+            <a:extLst>
+              <a:ext uri="{FF2B5EF4-FFF2-40B4-BE49-F238E27FC236}">
+                <a16:creationId xmlns:a16="http://schemas.microsoft.com/office/drawing/2014/main" id="{3CEA4987-70B9-2ECF-EE40-621E8126D4E2}"/>
+              </a:ext>
+            </a:extLst>
+          </p:cNvPr>
+          <p:cNvPicPr>
+            <a:picLocks noChangeAspect="1"/>
+          </p:cNvPicPr>
+          <p:nvPr/>
+        </p:nvPicPr>
+        <p:blipFill rotWithShape="1">
+          <a:blip r:embed="rId3" cstate="print">
+            <a:extLst>
+              <a:ext uri="{28A0092B-C50C-407E-A947-70E740481C1C}">
+                <a14:useLocalDpi xmlns:a14="http://schemas.microsoft.com/office/drawing/2010/main" val="0"/>
+              </a:ext>
+            </a:extLst>
+          </a:blip>
+          <a:srcRect l="6688" t="9305" r="8263" b="5090"/>
+          <a:stretch/>
+        </p:blipFill>
+        <p:spPr>
+          <a:xfrm>
+            <a:off x="1556664" y="1781017"/>
+            <a:ext cx="6030672" cy="2873840"/>
+          </a:xfrm>
+          <a:prstGeom prst="rect">
+            <a:avLst/>
+          </a:prstGeom>
+        </p:spPr>
+      </p:pic>
+    </p:spTree>
+    <p:extLst>
+      <p:ext uri="{BB962C8B-B14F-4D97-AF65-F5344CB8AC3E}">
+        <p14:creationId xmlns:p14="http://schemas.microsoft.com/office/powerpoint/2010/main" val="3034341518"/>
+      </p:ext>
+    </p:extLst>
+  </p:cSld>
+  <p:clrMapOvr>
+    <a:masterClrMapping/>
+  </p:clrMapOvr>
+</p:sld>
+</file>
+
 <file path=ppt/slides/slide13.xml><?xml version="1.0" encoding="utf-8"?>
 <p:sld xmlns:a="http://schemas.openxmlformats.org/drawingml/2006/main" xmlns:r="http://schemas.openxmlformats.org/officeDocument/2006/relationships" xmlns:p="http://schemas.openxmlformats.org/presentationml/2006/main">
   <p:cSld>
@@ -7296,7 +6605,7 @@
                   <a:srgbClr val="000000"/>
                 </a:solidFill>
               </a:rPr>
-              <a:t>Falsch-Positiv-Rate (Soll: 0.01) in Abhängigkeit der insgesamt einzufügenden Elemente</a:t>
+              <a:t>Falsch-Positiv-Rate (Soll: 0.05) in Abhängigkeit der insgesamt einzufügenden Elemente</a:t>
             </a:r>
           </a:p>
           <a:p>
@@ -7321,10 +6630,10 @@
       </p:sp>
       <p:pic>
         <p:nvPicPr>
-          <p:cNvPr id="5" name="Grafik 4">
+          <p:cNvPr id="9" name="Grafik 8">
             <a:extLst>
               <a:ext uri="{FF2B5EF4-FFF2-40B4-BE49-F238E27FC236}">
-                <a16:creationId xmlns:a16="http://schemas.microsoft.com/office/drawing/2014/main" id="{76F3E039-3938-54B6-EF54-8341D4DC1389}"/>
+                <a16:creationId xmlns:a16="http://schemas.microsoft.com/office/drawing/2014/main" id="{1799D051-C4A9-1C08-175A-A1843F15CCC6}"/>
               </a:ext>
             </a:extLst>
           </p:cNvPr>
@@ -7333,7 +6642,7 @@
           </p:cNvPicPr>
           <p:nvPr/>
         </p:nvPicPr>
-        <p:blipFill>
+        <p:blipFill rotWithShape="1">
           <a:blip r:embed="rId3" cstate="print">
             <a:extLst>
               <a:ext uri="{28A0092B-C50C-407E-A947-70E740481C1C}">
@@ -7341,14 +6650,13 @@
               </a:ext>
             </a:extLst>
           </a:blip>
-          <a:stretch>
-            <a:fillRect/>
-          </a:stretch>
+          <a:srcRect l="8263" t="9305" r="8263" b="5090"/>
+          <a:stretch/>
         </p:blipFill>
         <p:spPr>
           <a:xfrm>
-            <a:off x="683568" y="1812297"/>
-            <a:ext cx="5904656" cy="2795486"/>
+            <a:off x="1697985" y="1779662"/>
+            <a:ext cx="5784029" cy="2808312"/>
           </a:xfrm>
           <a:prstGeom prst="rect">
             <a:avLst/>
@@ -7358,7 +6666,7 @@
     </p:spTree>
     <p:extLst>
       <p:ext uri="{BB962C8B-B14F-4D97-AF65-F5344CB8AC3E}">
-        <p14:creationId xmlns:p14="http://schemas.microsoft.com/office/powerpoint/2010/main" val="2634189153"/>
+        <p14:creationId xmlns:p14="http://schemas.microsoft.com/office/powerpoint/2010/main" val="1857633653"/>
       </p:ext>
     </p:extLst>
   </p:cSld>
@@ -7385,42 +6693,6 @@
           <a:chExt cx="0" cy="0"/>
         </a:xfrm>
       </p:grpSpPr>
-      <p:pic>
-        <p:nvPicPr>
-          <p:cNvPr id="9" name="Grafik 8">
-            <a:extLst>
-              <a:ext uri="{FF2B5EF4-FFF2-40B4-BE49-F238E27FC236}">
-                <a16:creationId xmlns:a16="http://schemas.microsoft.com/office/drawing/2014/main" id="{56AB88C2-CF42-30C6-B7E9-1C9A0858C33D}"/>
-              </a:ext>
-            </a:extLst>
-          </p:cNvPr>
-          <p:cNvPicPr>
-            <a:picLocks noChangeAspect="1"/>
-          </p:cNvPicPr>
-          <p:nvPr/>
-        </p:nvPicPr>
-        <p:blipFill>
-          <a:blip r:embed="rId3" cstate="print">
-            <a:extLst>
-              <a:ext uri="{28A0092B-C50C-407E-A947-70E740481C1C}">
-                <a14:useLocalDpi xmlns:a14="http://schemas.microsoft.com/office/drawing/2010/main" val="0"/>
-              </a:ext>
-            </a:extLst>
-          </a:blip>
-          <a:stretch>
-            <a:fillRect/>
-          </a:stretch>
-        </p:blipFill>
-        <p:spPr>
-          <a:xfrm>
-            <a:off x="755576" y="1779662"/>
-            <a:ext cx="5976664" cy="2829577"/>
-          </a:xfrm>
-          <a:prstGeom prst="rect">
-            <a:avLst/>
-          </a:prstGeom>
-        </p:spPr>
-      </p:pic>
       <p:sp>
         <p:nvSpPr>
           <p:cNvPr id="6" name="Foliennummernplatzhalter 5"/>
@@ -7550,7 +6822,7 @@
                   <a:srgbClr val="000000"/>
                 </a:solidFill>
               </a:rPr>
-              <a:t>Falsch-Positiv-Rate (Soll: 0.01) in Abhängigkeit der insgesamt einzufügenden Elemente</a:t>
+              <a:t>Falsch-Positiv-Rate (Soll: 0.05) in Abhängigkeit der insgesamt einzufügenden Elemente</a:t>
             </a:r>
           </a:p>
           <a:p>
@@ -7573,10 +6845,45 @@
           </a:p>
         </p:txBody>
       </p:sp>
+      <p:pic>
+        <p:nvPicPr>
+          <p:cNvPr id="5" name="Grafik 4">
+            <a:extLst>
+              <a:ext uri="{FF2B5EF4-FFF2-40B4-BE49-F238E27FC236}">
+                <a16:creationId xmlns:a16="http://schemas.microsoft.com/office/drawing/2014/main" id="{5B1A4A6F-F3A1-6ADA-4CFD-D1E586EBD88D}"/>
+              </a:ext>
+            </a:extLst>
+          </p:cNvPr>
+          <p:cNvPicPr>
+            <a:picLocks noChangeAspect="1"/>
+          </p:cNvPicPr>
+          <p:nvPr/>
+        </p:nvPicPr>
+        <p:blipFill rotWithShape="1">
+          <a:blip r:embed="rId3" cstate="print">
+            <a:extLst>
+              <a:ext uri="{28A0092B-C50C-407E-A947-70E740481C1C}">
+                <a14:useLocalDpi xmlns:a14="http://schemas.microsoft.com/office/drawing/2010/main" val="0"/>
+              </a:ext>
+            </a:extLst>
+          </a:blip>
+          <a:srcRect l="8263" t="9305" r="8263" b="5090"/>
+          <a:stretch/>
+        </p:blipFill>
+        <p:spPr>
+          <a:xfrm>
+            <a:off x="1763688" y="1751888"/>
+            <a:ext cx="5978985" cy="2902969"/>
+          </a:xfrm>
+          <a:prstGeom prst="rect">
+            <a:avLst/>
+          </a:prstGeom>
+        </p:spPr>
+      </p:pic>
     </p:spTree>
     <p:extLst>
       <p:ext uri="{BB962C8B-B14F-4D97-AF65-F5344CB8AC3E}">
-        <p14:creationId xmlns:p14="http://schemas.microsoft.com/office/powerpoint/2010/main" val="3034341518"/>
+        <p14:creationId xmlns:p14="http://schemas.microsoft.com/office/powerpoint/2010/main" val="2575325771"/>
       </p:ext>
     </p:extLst>
   </p:cSld>
@@ -7603,12 +6910,285 @@
           <a:chExt cx="0" cy="0"/>
         </a:xfrm>
       </p:grpSpPr>
+      <p:sp>
+        <p:nvSpPr>
+          <p:cNvPr id="6" name="Foliennummernplatzhalter 5"/>
+          <p:cNvSpPr>
+            <a:spLocks noGrp="1"/>
+          </p:cNvSpPr>
+          <p:nvPr>
+            <p:ph type="sldNum" sz="quarter" idx="4"/>
+          </p:nvPr>
+        </p:nvSpPr>
+        <p:spPr/>
+        <p:txBody>
+          <a:bodyPr/>
+          <a:lstStyle/>
+          <a:p>
+            <a:fld id="{F9CA7F02-FF28-4D8F-AF3B-6C950C783A54}" type="slidenum">
+              <a:rPr lang="de-DE" smtClean="0"/>
+              <a:pPr/>
+              <a:t>15</a:t>
+            </a:fld>
+            <a:endParaRPr lang="de-DE" dirty="0"/>
+          </a:p>
+        </p:txBody>
+      </p:sp>
+      <p:sp>
+        <p:nvSpPr>
+          <p:cNvPr id="3" name="Titel 2"/>
+          <p:cNvSpPr>
+            <a:spLocks noGrp="1"/>
+          </p:cNvSpPr>
+          <p:nvPr>
+            <p:ph type="title"/>
+          </p:nvPr>
+        </p:nvSpPr>
+        <p:spPr/>
+        <p:txBody>
+          <a:bodyPr/>
+          <a:lstStyle/>
+          <a:p>
+            <a:r>
+              <a:rPr lang="de-DE" dirty="0"/>
+              <a:t>BLOOM-FILTER</a:t>
+            </a:r>
+          </a:p>
+        </p:txBody>
+      </p:sp>
+      <p:sp>
+        <p:nvSpPr>
+          <p:cNvPr id="4" name="Inhaltsplatzhalter 3"/>
+          <p:cNvSpPr>
+            <a:spLocks noGrp="1"/>
+          </p:cNvSpPr>
+          <p:nvPr>
+            <p:ph sz="quarter" idx="13"/>
+          </p:nvPr>
+        </p:nvSpPr>
+        <p:spPr>
+          <a:xfrm>
+            <a:off x="936000" y="699542"/>
+            <a:ext cx="7308000" cy="429622"/>
+          </a:xfrm>
+        </p:spPr>
+        <p:txBody>
+          <a:bodyPr/>
+          <a:lstStyle/>
+          <a:p>
+            <a:r>
+              <a:rPr lang="de-DE" dirty="0"/>
+              <a:t>Anwendungen</a:t>
+            </a:r>
+          </a:p>
+        </p:txBody>
+      </p:sp>
+      <p:sp>
+        <p:nvSpPr>
+          <p:cNvPr id="7" name="Fußzeilenplatzhalter 6"/>
+          <p:cNvSpPr>
+            <a:spLocks noGrp="1"/>
+          </p:cNvSpPr>
+          <p:nvPr>
+            <p:ph type="ftr" sz="quarter" idx="3"/>
+          </p:nvPr>
+        </p:nvSpPr>
+        <p:spPr/>
+        <p:txBody>
+          <a:bodyPr/>
+          <a:lstStyle/>
+          <a:p>
+            <a:r>
+              <a:rPr lang="de-DE" dirty="0"/>
+              <a:t>TU Bergakademie Freiberg | Vortragender: Florian Schierz | 2022</a:t>
+            </a:r>
+          </a:p>
+        </p:txBody>
+      </p:sp>
+      <p:sp>
+        <p:nvSpPr>
+          <p:cNvPr id="8" name="Textfeld 7">
+            <a:extLst>
+              <a:ext uri="{FF2B5EF4-FFF2-40B4-BE49-F238E27FC236}">
+                <a16:creationId xmlns:a16="http://schemas.microsoft.com/office/drawing/2014/main" id="{FFAF0D22-364A-FFB6-C212-9497C974D5B8}"/>
+              </a:ext>
+            </a:extLst>
+          </p:cNvPr>
+          <p:cNvSpPr txBox="1"/>
+          <p:nvPr/>
+        </p:nvSpPr>
+        <p:spPr>
+          <a:xfrm>
+            <a:off x="611560" y="1203598"/>
+            <a:ext cx="7632440" cy="2862322"/>
+          </a:xfrm>
+          <a:prstGeom prst="rect">
+            <a:avLst/>
+          </a:prstGeom>
+          <a:noFill/>
+        </p:spPr>
+        <p:txBody>
+          <a:bodyPr wrap="square" rtlCol="0">
+            <a:spAutoFit/>
+          </a:bodyPr>
+          <a:lstStyle/>
+          <a:p>
+            <a:pPr marL="285750" indent="-285750">
+              <a:buFont typeface="Arial" panose="020B0604020202020204" pitchFamily="34" charset="0"/>
+              <a:buChar char="•"/>
+            </a:pPr>
+            <a:r>
+              <a:rPr lang="de-DE" b="1" dirty="0"/>
+              <a:t>Allgemein:</a:t>
+            </a:r>
+            <a:r>
+              <a:rPr lang="de-DE" dirty="0"/>
+              <a:t> </a:t>
+            </a:r>
+            <a:r>
+              <a:rPr lang="de-DE" dirty="0">
+                <a:solidFill>
+                  <a:srgbClr val="000000"/>
+                </a:solidFill>
+              </a:rPr>
+              <a:t>Überall, wo in </a:t>
+            </a:r>
+            <a:r>
+              <a:rPr lang="de-DE" b="1" dirty="0">
+                <a:solidFill>
+                  <a:srgbClr val="000000"/>
+                </a:solidFill>
+              </a:rPr>
+              <a:t>kurzer Zeit </a:t>
+            </a:r>
+            <a:r>
+              <a:rPr lang="de-DE" dirty="0">
+                <a:solidFill>
+                  <a:srgbClr val="000000"/>
+                </a:solidFill>
+              </a:rPr>
+              <a:t>eine Aussage über </a:t>
+            </a:r>
+            <a:r>
+              <a:rPr lang="de-DE" b="1" dirty="0">
+                <a:solidFill>
+                  <a:srgbClr val="000000"/>
+                </a:solidFill>
+              </a:rPr>
+              <a:t>Mitgliedschaft</a:t>
+            </a:r>
+            <a:r>
+              <a:rPr lang="de-DE" dirty="0">
+                <a:solidFill>
+                  <a:srgbClr val="000000"/>
+                </a:solidFill>
+              </a:rPr>
+              <a:t> eines Elements in einer vorhandenen Menge Elementen gefragt ist [2]</a:t>
+            </a:r>
+          </a:p>
+          <a:p>
+            <a:pPr marL="285750" indent="-285750">
+              <a:buFont typeface="Arial" panose="020B0604020202020204" pitchFamily="34" charset="0"/>
+              <a:buChar char="•"/>
+            </a:pPr>
+            <a:endParaRPr lang="de-DE" dirty="0"/>
+          </a:p>
+          <a:p>
+            <a:pPr marL="285750" indent="-285750">
+              <a:buFont typeface="Arial" panose="020B0604020202020204" pitchFamily="34" charset="0"/>
+              <a:buChar char="•"/>
+            </a:pPr>
+            <a:r>
+              <a:rPr lang="de-DE" b="1" dirty="0"/>
+              <a:t>Netzwerkanwendungen:</a:t>
+            </a:r>
+            <a:endParaRPr lang="de-DE" dirty="0"/>
+          </a:p>
+          <a:p>
+            <a:pPr marL="742950" lvl="1" indent="-285750">
+              <a:buFont typeface="Arial" panose="020B0604020202020204" pitchFamily="34" charset="0"/>
+              <a:buChar char="•"/>
+            </a:pPr>
+            <a:r>
+              <a:rPr lang="de-DE" dirty="0">
+                <a:solidFill>
+                  <a:srgbClr val="000000"/>
+                </a:solidFill>
+              </a:rPr>
+              <a:t>Routing [10]</a:t>
+            </a:r>
+          </a:p>
+          <a:p>
+            <a:pPr marL="742950" lvl="1" indent="-285750">
+              <a:buFont typeface="Arial" panose="020B0604020202020204" pitchFamily="34" charset="0"/>
+              <a:buChar char="•"/>
+            </a:pPr>
+            <a:r>
+              <a:rPr lang="de-DE" dirty="0">
+                <a:solidFill>
+                  <a:srgbClr val="000000"/>
+                </a:solidFill>
+              </a:rPr>
+              <a:t>Verhinderung von Loops [11]</a:t>
+            </a:r>
+          </a:p>
+          <a:p>
+            <a:pPr marL="742950" lvl="1" indent="-285750">
+              <a:buFont typeface="Arial" panose="020B0604020202020204" pitchFamily="34" charset="0"/>
+              <a:buChar char="•"/>
+            </a:pPr>
+            <a:r>
+              <a:rPr lang="de-DE" dirty="0">
+                <a:solidFill>
+                  <a:srgbClr val="000000"/>
+                </a:solidFill>
+              </a:rPr>
+              <a:t>IP-Routenverfolgung [12]</a:t>
+            </a:r>
+          </a:p>
+          <a:p>
+            <a:pPr marL="742950" lvl="1" indent="-285750">
+              <a:buFont typeface="Arial" panose="020B0604020202020204" pitchFamily="34" charset="0"/>
+              <a:buChar char="•"/>
+            </a:pPr>
+            <a:r>
+              <a:rPr lang="de-DE" dirty="0">
+                <a:solidFill>
+                  <a:srgbClr val="000000"/>
+                </a:solidFill>
+              </a:rPr>
+              <a:t>Verhindern von DDoS-Angriffen [3], [12]</a:t>
+            </a:r>
+          </a:p>
+          <a:p>
+            <a:pPr marL="742950" lvl="1" indent="-285750">
+              <a:buFont typeface="Arial" panose="020B0604020202020204" pitchFamily="34" charset="0"/>
+              <a:buChar char="•"/>
+            </a:pPr>
+            <a:r>
+              <a:rPr lang="de-DE" dirty="0">
+                <a:solidFill>
+                  <a:srgbClr val="000000"/>
+                </a:solidFill>
+              </a:rPr>
+              <a:t>Web-Caches [13]</a:t>
+            </a:r>
+          </a:p>
+          <a:p>
+            <a:pPr marL="742950" lvl="1" indent="-285750">
+              <a:buFont typeface="Arial" panose="020B0604020202020204" pitchFamily="34" charset="0"/>
+              <a:buChar char="•"/>
+            </a:pPr>
+            <a:endParaRPr lang="de-DE" dirty="0"/>
+          </a:p>
+        </p:txBody>
+      </p:sp>
       <p:pic>
         <p:nvPicPr>
-          <p:cNvPr id="5" name="Grafik 4">
+          <p:cNvPr id="9" name="Grafik 8">
             <a:extLst>
               <a:ext uri="{FF2B5EF4-FFF2-40B4-BE49-F238E27FC236}">
-                <a16:creationId xmlns:a16="http://schemas.microsoft.com/office/drawing/2014/main" id="{D7599D1A-7FC8-87DF-0687-DFA8B638754A}"/>
+                <a16:creationId xmlns:a16="http://schemas.microsoft.com/office/drawing/2014/main" id="{770E8199-D9EB-DDFE-B306-18878E8EC9A6}"/>
               </a:ext>
             </a:extLst>
           </p:cNvPr>
@@ -7617,184 +7197,34 @@
           </p:cNvPicPr>
           <p:nvPr/>
         </p:nvPicPr>
-        <p:blipFill>
-          <a:blip r:embed="rId3" cstate="print">
+        <p:blipFill rotWithShape="1">
+          <a:blip r:embed="rId2">
             <a:extLst>
               <a:ext uri="{28A0092B-C50C-407E-A947-70E740481C1C}">
                 <a14:useLocalDpi xmlns:a14="http://schemas.microsoft.com/office/drawing/2010/main" val="0"/>
               </a:ext>
+              <a:ext uri="{96DAC541-7B7A-43D3-8B79-37D633B846F1}">
+                <asvg:svgBlip xmlns:asvg="http://schemas.microsoft.com/office/drawing/2016/SVG/main" r:embed="rId3"/>
+              </a:ext>
             </a:extLst>
           </a:blip>
-          <a:stretch>
-            <a:fillRect/>
-          </a:stretch>
+          <a:srcRect l="6438" b="44350"/>
+          <a:stretch/>
         </p:blipFill>
         <p:spPr>
           <a:xfrm>
-            <a:off x="827584" y="1779662"/>
-            <a:ext cx="6048672" cy="2863668"/>
+            <a:off x="4716015" y="1404062"/>
+            <a:ext cx="4051804" cy="3408551"/>
           </a:xfrm>
           <a:prstGeom prst="rect">
             <a:avLst/>
           </a:prstGeom>
         </p:spPr>
       </p:pic>
-      <p:sp>
-        <p:nvSpPr>
-          <p:cNvPr id="6" name="Foliennummernplatzhalter 5"/>
-          <p:cNvSpPr>
-            <a:spLocks noGrp="1"/>
-          </p:cNvSpPr>
-          <p:nvPr>
-            <p:ph type="sldNum" sz="quarter" idx="4"/>
-          </p:nvPr>
-        </p:nvSpPr>
-        <p:spPr/>
-        <p:txBody>
-          <a:bodyPr/>
-          <a:lstStyle/>
-          <a:p>
-            <a:fld id="{F9CA7F02-FF28-4D8F-AF3B-6C950C783A54}" type="slidenum">
-              <a:rPr lang="de-DE" smtClean="0"/>
-              <a:pPr/>
-              <a:t>15</a:t>
-            </a:fld>
-            <a:endParaRPr lang="de-DE"/>
-          </a:p>
-        </p:txBody>
-      </p:sp>
-      <p:sp>
-        <p:nvSpPr>
-          <p:cNvPr id="3" name="Titel 2"/>
-          <p:cNvSpPr>
-            <a:spLocks noGrp="1"/>
-          </p:cNvSpPr>
-          <p:nvPr>
-            <p:ph type="title"/>
-          </p:nvPr>
-        </p:nvSpPr>
-        <p:spPr/>
-        <p:txBody>
-          <a:bodyPr/>
-          <a:lstStyle/>
-          <a:p>
-            <a:r>
-              <a:rPr lang="de-DE" dirty="0"/>
-              <a:t>BLOOM-FILTER</a:t>
-            </a:r>
-          </a:p>
-        </p:txBody>
-      </p:sp>
-      <p:sp>
-        <p:nvSpPr>
-          <p:cNvPr id="4" name="Inhaltsplatzhalter 3"/>
-          <p:cNvSpPr>
-            <a:spLocks noGrp="1"/>
-          </p:cNvSpPr>
-          <p:nvPr>
-            <p:ph sz="quarter" idx="13"/>
-          </p:nvPr>
-        </p:nvSpPr>
-        <p:spPr>
-          <a:xfrm>
-            <a:off x="936000" y="699542"/>
-            <a:ext cx="7308000" cy="429622"/>
-          </a:xfrm>
-        </p:spPr>
-        <p:txBody>
-          <a:bodyPr/>
-          <a:lstStyle/>
-          <a:p>
-            <a:r>
-              <a:rPr lang="de-DE" dirty="0"/>
-              <a:t>Vergleich der Varianten</a:t>
-            </a:r>
-          </a:p>
-        </p:txBody>
-      </p:sp>
-      <p:sp>
-        <p:nvSpPr>
-          <p:cNvPr id="7" name="Fußzeilenplatzhalter 6"/>
-          <p:cNvSpPr>
-            <a:spLocks noGrp="1"/>
-          </p:cNvSpPr>
-          <p:nvPr>
-            <p:ph type="ftr" sz="quarter" idx="3"/>
-          </p:nvPr>
-        </p:nvSpPr>
-        <p:spPr/>
-        <p:txBody>
-          <a:bodyPr/>
-          <a:lstStyle/>
-          <a:p>
-            <a:r>
-              <a:rPr lang="de-DE" dirty="0"/>
-              <a:t>TU Bergakademie Freiberg | Vortragender: Florian Schierz | 2022</a:t>
-            </a:r>
-          </a:p>
-        </p:txBody>
-      </p:sp>
-      <p:sp>
-        <p:nvSpPr>
-          <p:cNvPr id="8" name="Textfeld 7">
-            <a:extLst>
-              <a:ext uri="{FF2B5EF4-FFF2-40B4-BE49-F238E27FC236}">
-                <a16:creationId xmlns:a16="http://schemas.microsoft.com/office/drawing/2014/main" id="{7162C9EA-9725-333A-21C5-65FC349B92B6}"/>
-              </a:ext>
-            </a:extLst>
-          </p:cNvPr>
-          <p:cNvSpPr txBox="1"/>
-          <p:nvPr/>
-        </p:nvSpPr>
-        <p:spPr>
-          <a:xfrm>
-            <a:off x="611560" y="1203598"/>
-            <a:ext cx="8280920" cy="646331"/>
-          </a:xfrm>
-          <a:prstGeom prst="rect">
-            <a:avLst/>
-          </a:prstGeom>
-          <a:noFill/>
-        </p:spPr>
-        <p:txBody>
-          <a:bodyPr wrap="square" rtlCol="0">
-            <a:spAutoFit/>
-          </a:bodyPr>
-          <a:lstStyle/>
-          <a:p>
-            <a:r>
-              <a:rPr lang="de-DE" dirty="0">
-                <a:solidFill>
-                  <a:srgbClr val="000000"/>
-                </a:solidFill>
-              </a:rPr>
-              <a:t>Falsch-Positiv-Rate (Soll: 0.05) in Abhängigkeit der insgesamt einzufügenden Elemente</a:t>
-            </a:r>
-          </a:p>
-          <a:p>
-            <a:r>
-              <a:rPr lang="de-DE" dirty="0" err="1">
-                <a:solidFill>
-                  <a:srgbClr val="000000"/>
-                </a:solidFill>
-              </a:rPr>
-              <a:t>Floom</a:t>
-            </a:r>
-            <a:r>
-              <a:rPr lang="de-DE" dirty="0">
-                <a:solidFill>
-                  <a:srgbClr val="000000"/>
-                </a:solidFill>
-              </a:rPr>
-              <a:t>-Filter mit 12 Bereichen</a:t>
-            </a:r>
-          </a:p>
-        </p:txBody>
-      </p:sp>
     </p:spTree>
     <p:extLst>
       <p:ext uri="{BB962C8B-B14F-4D97-AF65-F5344CB8AC3E}">
-        <p14:creationId xmlns:p14="http://schemas.microsoft.com/office/powerpoint/2010/main" val="1857633653"/>
+        <p14:creationId xmlns:p14="http://schemas.microsoft.com/office/powerpoint/2010/main" val="4003297358"/>
       </p:ext>
     </p:extLst>
   </p:cSld>
@@ -7821,12 +7251,327 @@
           <a:chExt cx="0" cy="0"/>
         </a:xfrm>
       </p:grpSpPr>
+      <p:sp>
+        <p:nvSpPr>
+          <p:cNvPr id="6" name="Foliennummernplatzhalter 5"/>
+          <p:cNvSpPr>
+            <a:spLocks noGrp="1"/>
+          </p:cNvSpPr>
+          <p:nvPr>
+            <p:ph type="sldNum" sz="quarter" idx="4"/>
+          </p:nvPr>
+        </p:nvSpPr>
+        <p:spPr/>
+        <p:txBody>
+          <a:bodyPr/>
+          <a:lstStyle/>
+          <a:p>
+            <a:fld id="{F9CA7F02-FF28-4D8F-AF3B-6C950C783A54}" type="slidenum">
+              <a:rPr lang="de-DE" smtClean="0"/>
+              <a:pPr/>
+              <a:t>16</a:t>
+            </a:fld>
+            <a:endParaRPr lang="de-DE" dirty="0"/>
+          </a:p>
+        </p:txBody>
+      </p:sp>
+      <p:sp>
+        <p:nvSpPr>
+          <p:cNvPr id="3" name="Titel 2"/>
+          <p:cNvSpPr>
+            <a:spLocks noGrp="1"/>
+          </p:cNvSpPr>
+          <p:nvPr>
+            <p:ph type="title"/>
+          </p:nvPr>
+        </p:nvSpPr>
+        <p:spPr/>
+        <p:txBody>
+          <a:bodyPr/>
+          <a:lstStyle/>
+          <a:p>
+            <a:r>
+              <a:rPr lang="de-DE" dirty="0"/>
+              <a:t>BLOOM-FILTER</a:t>
+            </a:r>
+          </a:p>
+        </p:txBody>
+      </p:sp>
+      <p:sp>
+        <p:nvSpPr>
+          <p:cNvPr id="4" name="Inhaltsplatzhalter 3"/>
+          <p:cNvSpPr>
+            <a:spLocks noGrp="1"/>
+          </p:cNvSpPr>
+          <p:nvPr>
+            <p:ph sz="quarter" idx="13"/>
+          </p:nvPr>
+        </p:nvSpPr>
+        <p:spPr>
+          <a:xfrm>
+            <a:off x="936000" y="699542"/>
+            <a:ext cx="7308000" cy="429622"/>
+          </a:xfrm>
+        </p:spPr>
+        <p:txBody>
+          <a:bodyPr/>
+          <a:lstStyle/>
+          <a:p>
+            <a:r>
+              <a:rPr lang="de-DE" dirty="0"/>
+              <a:t>Anwendungen</a:t>
+            </a:r>
+          </a:p>
+        </p:txBody>
+      </p:sp>
+      <p:sp>
+        <p:nvSpPr>
+          <p:cNvPr id="7" name="Fußzeilenplatzhalter 6"/>
+          <p:cNvSpPr>
+            <a:spLocks noGrp="1"/>
+          </p:cNvSpPr>
+          <p:nvPr>
+            <p:ph type="ftr" sz="quarter" idx="3"/>
+          </p:nvPr>
+        </p:nvSpPr>
+        <p:spPr/>
+        <p:txBody>
+          <a:bodyPr/>
+          <a:lstStyle/>
+          <a:p>
+            <a:r>
+              <a:rPr lang="de-DE" dirty="0"/>
+              <a:t>TU Bergakademie Freiberg | Vortragender: Florian Schierz | 2022</a:t>
+            </a:r>
+          </a:p>
+        </p:txBody>
+      </p:sp>
+      <p:sp>
+        <p:nvSpPr>
+          <p:cNvPr id="8" name="Textfeld 7">
+            <a:extLst>
+              <a:ext uri="{FF2B5EF4-FFF2-40B4-BE49-F238E27FC236}">
+                <a16:creationId xmlns:a16="http://schemas.microsoft.com/office/drawing/2014/main" id="{FFAF0D22-364A-FFB6-C212-9497C974D5B8}"/>
+              </a:ext>
+            </a:extLst>
+          </p:cNvPr>
+          <p:cNvSpPr txBox="1"/>
+          <p:nvPr/>
+        </p:nvSpPr>
+        <p:spPr>
+          <a:xfrm>
+            <a:off x="611560" y="1203598"/>
+            <a:ext cx="3960440" cy="1200329"/>
+          </a:xfrm>
+          <a:prstGeom prst="rect">
+            <a:avLst/>
+          </a:prstGeom>
+          <a:noFill/>
+        </p:spPr>
+        <p:txBody>
+          <a:bodyPr wrap="square" rtlCol="0">
+            <a:spAutoFit/>
+          </a:bodyPr>
+          <a:lstStyle/>
+          <a:p>
+            <a:pPr marL="285750" indent="-285750">
+              <a:buFont typeface="Arial" panose="020B0604020202020204" pitchFamily="34" charset="0"/>
+              <a:buChar char="•"/>
+            </a:pPr>
+            <a:r>
+              <a:rPr lang="de-DE" b="1" dirty="0"/>
+              <a:t>Sicherheitsanwendungen:</a:t>
+            </a:r>
+            <a:endParaRPr lang="de-DE" dirty="0"/>
+          </a:p>
+          <a:p>
+            <a:pPr marL="742950" lvl="1" indent="-285750">
+              <a:buFont typeface="Arial" panose="020B0604020202020204" pitchFamily="34" charset="0"/>
+              <a:buChar char="•"/>
+            </a:pPr>
+            <a:r>
+              <a:rPr lang="de-DE" dirty="0">
+                <a:solidFill>
+                  <a:srgbClr val="000000"/>
+                </a:solidFill>
+              </a:rPr>
+              <a:t>Intrusion </a:t>
+            </a:r>
+            <a:r>
+              <a:rPr lang="de-DE" dirty="0" err="1">
+                <a:solidFill>
+                  <a:srgbClr val="000000"/>
+                </a:solidFill>
+              </a:rPr>
+              <a:t>Detection</a:t>
+            </a:r>
+            <a:r>
+              <a:rPr lang="de-DE" dirty="0">
+                <a:solidFill>
+                  <a:srgbClr val="000000"/>
+                </a:solidFill>
+              </a:rPr>
+              <a:t> Systems [14]</a:t>
+            </a:r>
+          </a:p>
+          <a:p>
+            <a:pPr marL="742950" lvl="1" indent="-285750">
+              <a:buFont typeface="Arial" panose="020B0604020202020204" pitchFamily="34" charset="0"/>
+              <a:buChar char="•"/>
+            </a:pPr>
+            <a:r>
+              <a:rPr lang="de-DE" dirty="0">
+                <a:solidFill>
+                  <a:srgbClr val="000000"/>
+                </a:solidFill>
+              </a:rPr>
+              <a:t>Verschlüsselte Suche [2]</a:t>
+            </a:r>
+          </a:p>
+          <a:p>
+            <a:pPr marL="742950" lvl="1" indent="-285750">
+              <a:buFont typeface="Arial" panose="020B0604020202020204" pitchFamily="34" charset="0"/>
+              <a:buChar char="•"/>
+            </a:pPr>
+            <a:r>
+              <a:rPr lang="de-DE" dirty="0">
+                <a:solidFill>
+                  <a:srgbClr val="000000"/>
+                </a:solidFill>
+              </a:rPr>
+              <a:t>Datenbanken [15]</a:t>
+            </a:r>
+          </a:p>
+        </p:txBody>
+      </p:sp>
+      <p:sp>
+        <p:nvSpPr>
+          <p:cNvPr id="10" name="Textfeld 9">
+            <a:extLst>
+              <a:ext uri="{FF2B5EF4-FFF2-40B4-BE49-F238E27FC236}">
+                <a16:creationId xmlns:a16="http://schemas.microsoft.com/office/drawing/2014/main" id="{7172F934-74D1-6B92-1BB1-C7F5679C8256}"/>
+              </a:ext>
+            </a:extLst>
+          </p:cNvPr>
+          <p:cNvSpPr txBox="1"/>
+          <p:nvPr/>
+        </p:nvSpPr>
+        <p:spPr>
+          <a:xfrm>
+            <a:off x="4648564" y="1203598"/>
+            <a:ext cx="3960440" cy="1200329"/>
+          </a:xfrm>
+          <a:prstGeom prst="rect">
+            <a:avLst/>
+          </a:prstGeom>
+          <a:noFill/>
+        </p:spPr>
+        <p:txBody>
+          <a:bodyPr wrap="square" rtlCol="0">
+            <a:spAutoFit/>
+          </a:bodyPr>
+          <a:lstStyle/>
+          <a:p>
+            <a:pPr marL="285750" indent="-285750">
+              <a:buFont typeface="Arial" panose="020B0604020202020204" pitchFamily="34" charset="0"/>
+              <a:buChar char="•"/>
+            </a:pPr>
+            <a:r>
+              <a:rPr lang="de-DE" b="1" dirty="0"/>
+              <a:t>Weitere Anwendungen:</a:t>
+            </a:r>
+            <a:endParaRPr lang="de-DE" dirty="0"/>
+          </a:p>
+          <a:p>
+            <a:pPr marL="742950" lvl="1" indent="-285750">
+              <a:buFont typeface="Arial" panose="020B0604020202020204" pitchFamily="34" charset="0"/>
+              <a:buChar char="•"/>
+            </a:pPr>
+            <a:r>
+              <a:rPr lang="de-DE" dirty="0">
+                <a:solidFill>
+                  <a:srgbClr val="000000"/>
+                </a:solidFill>
+              </a:rPr>
+              <a:t>Rechtschreibprüfung [16]</a:t>
+            </a:r>
+          </a:p>
+          <a:p>
+            <a:pPr marL="742950" lvl="1" indent="-285750">
+              <a:buFont typeface="Arial" panose="020B0604020202020204" pitchFamily="34" charset="0"/>
+              <a:buChar char="•"/>
+            </a:pPr>
+            <a:r>
+              <a:rPr lang="de-DE" dirty="0" err="1">
+                <a:solidFill>
+                  <a:srgbClr val="000000"/>
+                </a:solidFill>
+              </a:rPr>
+              <a:t>Longest</a:t>
+            </a:r>
+            <a:r>
+              <a:rPr lang="de-DE" dirty="0">
+                <a:solidFill>
+                  <a:srgbClr val="000000"/>
+                </a:solidFill>
+              </a:rPr>
+              <a:t> </a:t>
+            </a:r>
+            <a:r>
+              <a:rPr lang="de-DE" dirty="0" err="1">
+                <a:solidFill>
+                  <a:srgbClr val="000000"/>
+                </a:solidFill>
+              </a:rPr>
+              <a:t>Prefix</a:t>
+            </a:r>
+            <a:r>
+              <a:rPr lang="de-DE" dirty="0">
+                <a:solidFill>
+                  <a:srgbClr val="000000"/>
+                </a:solidFill>
+              </a:rPr>
+              <a:t> </a:t>
+            </a:r>
+            <a:r>
+              <a:rPr lang="de-DE" dirty="0" err="1">
+                <a:solidFill>
+                  <a:srgbClr val="000000"/>
+                </a:solidFill>
+              </a:rPr>
+              <a:t>Matching</a:t>
+            </a:r>
+            <a:r>
+              <a:rPr lang="de-DE" dirty="0">
+                <a:solidFill>
+                  <a:srgbClr val="000000"/>
+                </a:solidFill>
+              </a:rPr>
+              <a:t> [17]</a:t>
+            </a:r>
+          </a:p>
+          <a:p>
+            <a:pPr marL="742950" lvl="1" indent="-285750">
+              <a:buFont typeface="Arial" panose="020B0604020202020204" pitchFamily="34" charset="0"/>
+              <a:buChar char="•"/>
+            </a:pPr>
+            <a:r>
+              <a:rPr lang="de-DE" dirty="0">
+                <a:solidFill>
+                  <a:srgbClr val="000000"/>
+                </a:solidFill>
+              </a:rPr>
+              <a:t>Suchmaschinen</a:t>
+            </a:r>
+          </a:p>
+        </p:txBody>
+      </p:sp>
       <p:pic>
         <p:nvPicPr>
-          <p:cNvPr id="9" name="Grafik 8">
+          <p:cNvPr id="5" name="Grafik 4">
             <a:extLst>
               <a:ext uri="{FF2B5EF4-FFF2-40B4-BE49-F238E27FC236}">
-                <a16:creationId xmlns:a16="http://schemas.microsoft.com/office/drawing/2014/main" id="{FA3F8A0E-F423-7D85-6A53-5496912D61A8}"/>
+                <a16:creationId xmlns:a16="http://schemas.microsoft.com/office/drawing/2014/main" id="{35CEEA72-57FF-750D-A4BB-2818B2517313}"/>
               </a:ext>
             </a:extLst>
           </p:cNvPr>
@@ -7835,184 +7580,72 @@
           </p:cNvPicPr>
           <p:nvPr/>
         </p:nvPicPr>
-        <p:blipFill>
-          <a:blip r:embed="rId3" cstate="print">
+        <p:blipFill rotWithShape="1">
+          <a:blip r:embed="rId2">
             <a:extLst>
               <a:ext uri="{28A0092B-C50C-407E-A947-70E740481C1C}">
                 <a14:useLocalDpi xmlns:a14="http://schemas.microsoft.com/office/drawing/2010/main" val="0"/>
               </a:ext>
+              <a:ext uri="{96DAC541-7B7A-43D3-8B79-37D633B846F1}">
+                <asvg:svgBlip xmlns:asvg="http://schemas.microsoft.com/office/drawing/2016/SVG/main" r:embed="rId3"/>
+              </a:ext>
             </a:extLst>
           </a:blip>
-          <a:stretch>
-            <a:fillRect/>
-          </a:stretch>
+          <a:srcRect b="73800"/>
+          <a:stretch/>
         </p:blipFill>
         <p:spPr>
           <a:xfrm>
-            <a:off x="755576" y="1792489"/>
-            <a:ext cx="5904656" cy="2795485"/>
+            <a:off x="267638" y="2489330"/>
+            <a:ext cx="4380926" cy="1623424"/>
           </a:xfrm>
           <a:prstGeom prst="rect">
             <a:avLst/>
           </a:prstGeom>
         </p:spPr>
       </p:pic>
-      <p:sp>
-        <p:nvSpPr>
-          <p:cNvPr id="6" name="Foliennummernplatzhalter 5"/>
-          <p:cNvSpPr>
-            <a:spLocks noGrp="1"/>
-          </p:cNvSpPr>
-          <p:nvPr>
-            <p:ph type="sldNum" sz="quarter" idx="4"/>
-          </p:nvPr>
-        </p:nvSpPr>
-        <p:spPr/>
-        <p:txBody>
-          <a:bodyPr/>
-          <a:lstStyle/>
-          <a:p>
-            <a:fld id="{F9CA7F02-FF28-4D8F-AF3B-6C950C783A54}" type="slidenum">
-              <a:rPr lang="de-DE" smtClean="0"/>
-              <a:pPr/>
-              <a:t>16</a:t>
-            </a:fld>
-            <a:endParaRPr lang="de-DE"/>
-          </a:p>
-        </p:txBody>
-      </p:sp>
-      <p:sp>
-        <p:nvSpPr>
-          <p:cNvPr id="3" name="Titel 2"/>
-          <p:cNvSpPr>
-            <a:spLocks noGrp="1"/>
-          </p:cNvSpPr>
-          <p:nvPr>
-            <p:ph type="title"/>
-          </p:nvPr>
-        </p:nvSpPr>
-        <p:spPr/>
-        <p:txBody>
-          <a:bodyPr/>
-          <a:lstStyle/>
-          <a:p>
-            <a:r>
-              <a:rPr lang="de-DE" dirty="0"/>
-              <a:t>BLOOM-FILTER</a:t>
-            </a:r>
-          </a:p>
-        </p:txBody>
-      </p:sp>
-      <p:sp>
-        <p:nvSpPr>
-          <p:cNvPr id="4" name="Inhaltsplatzhalter 3"/>
-          <p:cNvSpPr>
-            <a:spLocks noGrp="1"/>
-          </p:cNvSpPr>
-          <p:nvPr>
-            <p:ph sz="quarter" idx="13"/>
-          </p:nvPr>
-        </p:nvSpPr>
-        <p:spPr>
-          <a:xfrm>
-            <a:off x="936000" y="699542"/>
-            <a:ext cx="7308000" cy="429622"/>
-          </a:xfrm>
-        </p:spPr>
-        <p:txBody>
-          <a:bodyPr/>
-          <a:lstStyle/>
-          <a:p>
-            <a:r>
-              <a:rPr lang="de-DE" dirty="0"/>
-              <a:t>Vergleich der Varianten</a:t>
-            </a:r>
-          </a:p>
-        </p:txBody>
-      </p:sp>
-      <p:sp>
-        <p:nvSpPr>
-          <p:cNvPr id="7" name="Fußzeilenplatzhalter 6"/>
-          <p:cNvSpPr>
-            <a:spLocks noGrp="1"/>
-          </p:cNvSpPr>
-          <p:nvPr>
-            <p:ph type="ftr" sz="quarter" idx="3"/>
-          </p:nvPr>
-        </p:nvSpPr>
-        <p:spPr/>
-        <p:txBody>
-          <a:bodyPr/>
-          <a:lstStyle/>
-          <a:p>
-            <a:r>
-              <a:rPr lang="de-DE" dirty="0"/>
-              <a:t>TU Bergakademie Freiberg | Vortragender: Florian Schierz | 2022</a:t>
-            </a:r>
-          </a:p>
-        </p:txBody>
-      </p:sp>
-      <p:sp>
-        <p:nvSpPr>
-          <p:cNvPr id="8" name="Textfeld 7">
+      <p:pic>
+        <p:nvPicPr>
+          <p:cNvPr id="13" name="Grafik 12">
             <a:extLst>
               <a:ext uri="{FF2B5EF4-FFF2-40B4-BE49-F238E27FC236}">
-                <a16:creationId xmlns:a16="http://schemas.microsoft.com/office/drawing/2014/main" id="{7162C9EA-9725-333A-21C5-65FC349B92B6}"/>
+                <a16:creationId xmlns:a16="http://schemas.microsoft.com/office/drawing/2014/main" id="{9349BD94-F644-5E57-63B7-E4A61990DF9B}"/>
               </a:ext>
             </a:extLst>
           </p:cNvPr>
-          <p:cNvSpPr txBox="1"/>
+          <p:cNvPicPr>
+            <a:picLocks noChangeAspect="1"/>
+          </p:cNvPicPr>
           <p:nvPr/>
-        </p:nvSpPr>
+        </p:nvPicPr>
+        <p:blipFill rotWithShape="1">
+          <a:blip r:embed="rId4">
+            <a:extLst>
+              <a:ext uri="{28A0092B-C50C-407E-A947-70E740481C1C}">
+                <a14:useLocalDpi xmlns:a14="http://schemas.microsoft.com/office/drawing/2010/main" val="0"/>
+              </a:ext>
+              <a:ext uri="{96DAC541-7B7A-43D3-8B79-37D633B846F1}">
+                <asvg:svgBlip xmlns:asvg="http://schemas.microsoft.com/office/drawing/2016/SVG/main" r:embed="rId5"/>
+              </a:ext>
+            </a:extLst>
+          </a:blip>
+          <a:srcRect b="62600"/>
+          <a:stretch/>
+        </p:blipFill>
         <p:spPr>
           <a:xfrm>
-            <a:off x="611560" y="1203598"/>
-            <a:ext cx="8280920" cy="646331"/>
+            <a:off x="4403590" y="2393357"/>
+            <a:ext cx="4128850" cy="2184047"/>
           </a:xfrm>
           <a:prstGeom prst="rect">
             <a:avLst/>
           </a:prstGeom>
-          <a:noFill/>
         </p:spPr>
-        <p:txBody>
-          <a:bodyPr wrap="square" rtlCol="0">
-            <a:spAutoFit/>
-          </a:bodyPr>
-          <a:lstStyle/>
-          <a:p>
-            <a:r>
-              <a:rPr lang="de-DE" dirty="0">
-                <a:solidFill>
-                  <a:srgbClr val="000000"/>
-                </a:solidFill>
-              </a:rPr>
-              <a:t>Falsch-Positiv-Rate (Soll: 0.05) in Abhängigkeit der insgesamt einzufügenden Elemente</a:t>
-            </a:r>
-          </a:p>
-          <a:p>
-            <a:r>
-              <a:rPr lang="de-DE" dirty="0" err="1">
-                <a:solidFill>
-                  <a:srgbClr val="000000"/>
-                </a:solidFill>
-              </a:rPr>
-              <a:t>Floom</a:t>
-            </a:r>
-            <a:r>
-              <a:rPr lang="de-DE" dirty="0">
-                <a:solidFill>
-                  <a:srgbClr val="000000"/>
-                </a:solidFill>
-              </a:rPr>
-              <a:t>-Filter mit 16 Bereichen</a:t>
-            </a:r>
-          </a:p>
-        </p:txBody>
-      </p:sp>
+      </p:pic>
     </p:spTree>
     <p:extLst>
       <p:ext uri="{BB962C8B-B14F-4D97-AF65-F5344CB8AC3E}">
-        <p14:creationId xmlns:p14="http://schemas.microsoft.com/office/powerpoint/2010/main" val="2575325771"/>
+        <p14:creationId xmlns:p14="http://schemas.microsoft.com/office/powerpoint/2010/main" val="2176080334"/>
       </p:ext>
     </p:extLst>
   </p:cSld>
@@ -11080,7 +10713,7 @@
         <p:spPr>
           <a:xfrm>
             <a:off x="611560" y="1419622"/>
-            <a:ext cx="8064896" cy="2893100"/>
+            <a:ext cx="8064896" cy="2554545"/>
           </a:xfrm>
           <a:prstGeom prst="rect">
             <a:avLst/>
@@ -11253,21 +10886,29 @@
               <a:rPr lang="en-US" sz="1600" i="0" dirty="0">
                 <a:latin typeface="Segoe UI" panose="020B0502040204020203" pitchFamily="34" charset="0"/>
               </a:rPr>
-              <a:t> 14, 6, 557–559. DOI: https://</a:t>
+              <a:t> 14, 6, 557–559. DOI: </a:t>
+            </a:r>
+            <a:r>
+              <a:rPr lang="en-US" sz="1600" i="0" dirty="0">
+                <a:latin typeface="Segoe UI" panose="020B0502040204020203" pitchFamily="34" charset="0"/>
+                <a:hlinkClick r:id="rId3"/>
+              </a:rPr>
+              <a:t>https://</a:t>
             </a:r>
             <a:r>
               <a:rPr lang="de-DE" sz="1600" i="0" dirty="0">
                 <a:latin typeface="Segoe UI" panose="020B0502040204020203" pitchFamily="34" charset="0"/>
+                <a:hlinkClick r:id="rId3"/>
               </a:rPr>
               <a:t>doi.org/</a:t>
             </a:r>
             <a:r>
-              <a:rPr lang="de-DE" sz="1600" dirty="0"/>
+              <a:rPr lang="de-DE" sz="1600" dirty="0">
+                <a:hlinkClick r:id="rId3"/>
+              </a:rPr>
               <a:t>10.1109/LCOMM.2010.06.100344</a:t>
             </a:r>
-            <a:endParaRPr lang="en-US" sz="1600" dirty="0">
-              <a:latin typeface="Segoe UI" panose="020B0502040204020203" pitchFamily="34" charset="0"/>
-            </a:endParaRPr>
+            <a:endParaRPr lang="de-DE" sz="1600" dirty="0"/>
           </a:p>
           <a:p>
             <a:pPr marL="285750" indent="-285750">
@@ -11275,204 +10916,69 @@
               <a:buChar char="•"/>
             </a:pPr>
             <a:r>
+              <a:rPr lang="de-DE" sz="1600" dirty="0">
+                <a:latin typeface="Segoe UI" panose="020B0502040204020203" pitchFamily="34" charset="0"/>
+              </a:rPr>
+              <a:t>[10] </a:t>
+            </a:r>
+            <a:r>
+              <a:rPr lang="en-US" sz="1600" dirty="0">
+                <a:latin typeface="Segoe UI" panose="020B0502040204020203" pitchFamily="34" charset="0"/>
+              </a:rPr>
+              <a:t>Rhea S.C. and </a:t>
+            </a:r>
+            <a:r>
               <a:rPr lang="en-US" sz="1600" dirty="0" err="1">
                 <a:latin typeface="Segoe UI" panose="020B0502040204020203" pitchFamily="34" charset="0"/>
               </a:rPr>
-              <a:t>Bilder</a:t>
+              <a:t>Kubiatowicz</a:t>
             </a:r>
             <a:r>
               <a:rPr lang="en-US" sz="1600" dirty="0">
                 <a:latin typeface="Segoe UI" panose="020B0502040204020203" pitchFamily="34" charset="0"/>
               </a:rPr>
-              <a:t>:</a:t>
-            </a:r>
-          </a:p>
-          <a:p>
-            <a:pPr marL="742950" lvl="1" indent="-285750">
-              <a:buFont typeface="Arial" panose="020B0604020202020204" pitchFamily="34" charset="0"/>
-              <a:buChar char="•"/>
-            </a:pPr>
+              <a:t> J. 2002. Probabilistic location and routing. In </a:t>
+            </a:r>
+            <a:r>
+              <a:rPr lang="en-US" sz="1600" i="1" dirty="0" err="1">
+                <a:latin typeface="Segoe UI" panose="020B0502040204020203" pitchFamily="34" charset="0"/>
+              </a:rPr>
+              <a:t>Proceedings.Twenty</a:t>
+            </a:r>
+            <a:r>
+              <a:rPr lang="en-US" sz="1600" i="1" dirty="0">
+                <a:latin typeface="Segoe UI" panose="020B0502040204020203" pitchFamily="34" charset="0"/>
+              </a:rPr>
+              <a:t>-First Annual Joint Conference of the IEEE Computer and Communications Societies</a:t>
+            </a:r>
+            <a:r>
+              <a:rPr lang="en-US" sz="1600" i="0" dirty="0">
+                <a:latin typeface="Segoe UI" panose="020B0502040204020203" pitchFamily="34" charset="0"/>
+              </a:rPr>
+              <a:t>, 1248-1257 vol.3. DOI: </a:t>
+            </a:r>
             <a:r>
               <a:rPr lang="en-US" sz="1600" dirty="0">
                 <a:latin typeface="Segoe UI" panose="020B0502040204020203" pitchFamily="34" charset="0"/>
-              </a:rPr>
-              <a:t>Folie 1 links: </a:t>
-            </a:r>
-            <a:r>
-              <a:rPr lang="en-US" sz="1600" dirty="0"/>
-              <a:t>Photo by </a:t>
-            </a:r>
-            <a:r>
-              <a:rPr lang="en-US" sz="1600" dirty="0">
-                <a:hlinkClick r:id="rId3"/>
-              </a:rPr>
-              <a:t>Shahadat Rahman</a:t>
-            </a:r>
-            <a:r>
-              <a:rPr lang="en-US" sz="1600" dirty="0"/>
-              <a:t> on </a:t>
-            </a:r>
-            <a:r>
-              <a:rPr lang="en-US" sz="1600" dirty="0" err="1">
                 <a:hlinkClick r:id="rId4"/>
               </a:rPr>
-              <a:t>Unsplash</a:t>
-            </a:r>
-            <a:r>
-              <a:rPr lang="en-US" sz="1600" dirty="0"/>
-              <a:t> </a:t>
-            </a:r>
-          </a:p>
-          <a:p>
-            <a:pPr marL="742950" lvl="1" indent="-285750">
-              <a:buFont typeface="Arial" panose="020B0604020202020204" pitchFamily="34" charset="0"/>
-              <a:buChar char="•"/>
-            </a:pPr>
-            <a:r>
-              <a:rPr lang="en-US" sz="1600" dirty="0">
-                <a:latin typeface="Segoe UI" panose="020B0502040204020203" pitchFamily="34" charset="0"/>
-              </a:rPr>
-              <a:t>Folie 1 Mitte: </a:t>
-            </a:r>
-            <a:r>
-              <a:rPr lang="en-US" sz="1600" dirty="0"/>
-              <a:t>Photo by </a:t>
-            </a:r>
-            <a:r>
-              <a:rPr lang="en-US" sz="1600" dirty="0">
-                <a:hlinkClick r:id="rId5"/>
-              </a:rPr>
-              <a:t>Carlos </a:t>
-            </a:r>
-            <a:r>
-              <a:rPr lang="en-US" sz="1600" dirty="0" err="1">
-                <a:hlinkClick r:id="rId5"/>
-              </a:rPr>
-              <a:t>Muza</a:t>
-            </a:r>
-            <a:r>
-              <a:rPr lang="en-US" sz="1600" dirty="0"/>
-              <a:t> on </a:t>
-            </a:r>
-            <a:r>
-              <a:rPr lang="en-US" sz="1600" dirty="0" err="1">
+              <a:t>https://</a:t>
+            </a:r>
+            <a:r>
+              <a:rPr lang="de-DE" sz="1600" dirty="0">
+                <a:latin typeface="Segoe UI" panose="020B0502040204020203" pitchFamily="34" charset="0"/>
                 <a:hlinkClick r:id="rId4"/>
               </a:rPr>
-              <a:t>Unsplash</a:t>
-            </a:r>
-            <a:r>
-              <a:rPr lang="en-US" sz="1600" dirty="0"/>
-              <a:t> </a:t>
-            </a:r>
-            <a:endParaRPr lang="en-US" sz="1600" dirty="0">
-              <a:latin typeface="Segoe UI" panose="020B0502040204020203" pitchFamily="34" charset="0"/>
-            </a:endParaRPr>
-          </a:p>
-          <a:p>
-            <a:pPr marL="742950" lvl="1" indent="-285750">
-              <a:buFont typeface="Arial" panose="020B0604020202020204" pitchFamily="34" charset="0"/>
-              <a:buChar char="•"/>
-            </a:pPr>
-            <a:r>
-              <a:rPr lang="en-US" sz="1600" dirty="0">
-                <a:latin typeface="Segoe UI" panose="020B0502040204020203" pitchFamily="34" charset="0"/>
-              </a:rPr>
-              <a:t>Folie 1 </a:t>
-            </a:r>
-            <a:r>
-              <a:rPr lang="en-US" sz="1600" dirty="0" err="1">
-                <a:latin typeface="Segoe UI" panose="020B0502040204020203" pitchFamily="34" charset="0"/>
-              </a:rPr>
-              <a:t>rechts</a:t>
-            </a:r>
-            <a:r>
-              <a:rPr lang="en-US" sz="1600" dirty="0">
-                <a:latin typeface="Segoe UI" panose="020B0502040204020203" pitchFamily="34" charset="0"/>
-              </a:rPr>
-              <a:t>: </a:t>
-            </a:r>
-            <a:r>
-              <a:rPr lang="en-US" sz="1600" dirty="0"/>
-              <a:t>Photo by </a:t>
-            </a:r>
-            <a:r>
-              <a:rPr lang="en-US" sz="1600" dirty="0">
-                <a:hlinkClick r:id="rId6"/>
-              </a:rPr>
-              <a:t>Pietro </a:t>
-            </a:r>
-            <a:r>
-              <a:rPr lang="en-US" sz="1600" dirty="0" err="1">
-                <a:hlinkClick r:id="rId6"/>
-              </a:rPr>
-              <a:t>Jeng</a:t>
-            </a:r>
-            <a:r>
-              <a:rPr lang="en-US" sz="1600" dirty="0"/>
-              <a:t> on </a:t>
-            </a:r>
-            <a:r>
-              <a:rPr lang="en-US" sz="1600" dirty="0" err="1">
+              <a:t>doi.org/</a:t>
+            </a:r>
+            <a:r>
+              <a:rPr lang="en-US" sz="1600" i="0" dirty="0">
+                <a:latin typeface="Segoe UI" panose="020B0502040204020203" pitchFamily="34" charset="0"/>
                 <a:hlinkClick r:id="rId4"/>
               </a:rPr>
-              <a:t>Unsplash</a:t>
-            </a:r>
-            <a:r>
-              <a:rPr lang="en-US" sz="1600" dirty="0"/>
-              <a:t> </a:t>
-            </a:r>
-            <a:endParaRPr lang="en-US" sz="1600" dirty="0">
-              <a:latin typeface="Segoe UI" panose="020B0502040204020203" pitchFamily="34" charset="0"/>
-            </a:endParaRPr>
-          </a:p>
-          <a:p>
-            <a:pPr marL="742950" lvl="1" indent="-285750">
-              <a:buFont typeface="Arial" panose="020B0604020202020204" pitchFamily="34" charset="0"/>
-              <a:buChar char="•"/>
-            </a:pPr>
-            <a:r>
-              <a:rPr lang="en-US" sz="1600" dirty="0">
-                <a:latin typeface="Segoe UI" panose="020B0502040204020203" pitchFamily="34" charset="0"/>
-              </a:rPr>
-              <a:t>Folie 2 </a:t>
-            </a:r>
-            <a:r>
-              <a:rPr lang="en-US" sz="1600" dirty="0" err="1">
-                <a:latin typeface="Segoe UI" panose="020B0502040204020203" pitchFamily="34" charset="0"/>
-              </a:rPr>
-              <a:t>unten</a:t>
-            </a:r>
-            <a:r>
-              <a:rPr lang="en-US" sz="1600" dirty="0">
-                <a:latin typeface="Segoe UI" panose="020B0502040204020203" pitchFamily="34" charset="0"/>
-              </a:rPr>
-              <a:t> links: </a:t>
-            </a:r>
-            <a:r>
-              <a:rPr lang="en-US" sz="1600" dirty="0"/>
-              <a:t>Photo by </a:t>
-            </a:r>
-            <a:r>
-              <a:rPr lang="en-US" sz="1600" dirty="0">
-                <a:hlinkClick r:id="rId7"/>
-              </a:rPr>
-              <a:t>FLY:D</a:t>
-            </a:r>
-            <a:r>
-              <a:rPr lang="en-US" sz="1600" dirty="0"/>
-              <a:t> on </a:t>
-            </a:r>
-            <a:r>
-              <a:rPr lang="en-US" sz="1600" dirty="0" err="1">
-                <a:hlinkClick r:id="rId8"/>
-              </a:rPr>
-              <a:t>Unsplash</a:t>
-            </a:r>
-            <a:r>
-              <a:rPr lang="en-US" sz="1600" dirty="0"/>
-              <a:t> </a:t>
-            </a:r>
-            <a:endParaRPr lang="en-US" sz="1600" dirty="0">
+              <a:t>10.1109/INFCOM.2002.1019375</a:t>
+            </a:r>
+            <a:endParaRPr lang="en-US" sz="1600" i="0" dirty="0">
               <a:latin typeface="Segoe UI" panose="020B0502040204020203" pitchFamily="34" charset="0"/>
             </a:endParaRPr>
           </a:p>
@@ -11576,6 +11082,1678 @@
           <a:p>
             <a:r>
               <a:rPr lang="de-DE" dirty="0"/>
+              <a:t>Quellen</a:t>
+            </a:r>
+          </a:p>
+        </p:txBody>
+      </p:sp>
+      <p:sp>
+        <p:nvSpPr>
+          <p:cNvPr id="7" name="Fußzeilenplatzhalter 6"/>
+          <p:cNvSpPr>
+            <a:spLocks noGrp="1"/>
+          </p:cNvSpPr>
+          <p:nvPr>
+            <p:ph type="ftr" sz="quarter" idx="3"/>
+          </p:nvPr>
+        </p:nvSpPr>
+        <p:spPr/>
+        <p:txBody>
+          <a:bodyPr/>
+          <a:lstStyle/>
+          <a:p>
+            <a:r>
+              <a:rPr lang="de-DE" dirty="0"/>
+              <a:t>TU Bergakademie Freiberg | Vortragender: Florian Schierz | 2022</a:t>
+            </a:r>
+          </a:p>
+        </p:txBody>
+      </p:sp>
+      <p:sp>
+        <p:nvSpPr>
+          <p:cNvPr id="11" name="Textfeld 10">
+            <a:extLst>
+              <a:ext uri="{FF2B5EF4-FFF2-40B4-BE49-F238E27FC236}">
+                <a16:creationId xmlns:a16="http://schemas.microsoft.com/office/drawing/2014/main" id="{AED7FCD8-3C56-4B11-ADA2-B181B3B96684}"/>
+              </a:ext>
+            </a:extLst>
+          </p:cNvPr>
+          <p:cNvSpPr txBox="1"/>
+          <p:nvPr/>
+        </p:nvSpPr>
+        <p:spPr>
+          <a:xfrm>
+            <a:off x="611560" y="1419622"/>
+            <a:ext cx="8064896" cy="4339650"/>
+          </a:xfrm>
+          <a:prstGeom prst="rect">
+            <a:avLst/>
+          </a:prstGeom>
+          <a:noFill/>
+        </p:spPr>
+        <p:txBody>
+          <a:bodyPr wrap="square" rtlCol="0">
+            <a:spAutoFit/>
+          </a:bodyPr>
+          <a:lstStyle/>
+          <a:p>
+            <a:pPr marL="285750" indent="-285750">
+              <a:buFont typeface="Arial" panose="020B0604020202020204" pitchFamily="34" charset="0"/>
+              <a:buChar char="•"/>
+            </a:pPr>
+            <a:r>
+              <a:rPr lang="en-US" sz="1600" dirty="0">
+                <a:latin typeface="Segoe UI" panose="020B0502040204020203" pitchFamily="34" charset="0"/>
+              </a:rPr>
+              <a:t>[11] Whitaker A. and </a:t>
+            </a:r>
+            <a:r>
+              <a:rPr lang="en-US" sz="1600" dirty="0" err="1">
+                <a:latin typeface="Segoe UI" panose="020B0502040204020203" pitchFamily="34" charset="0"/>
+              </a:rPr>
+              <a:t>Wetherall</a:t>
+            </a:r>
+            <a:r>
+              <a:rPr lang="en-US" sz="1600" dirty="0">
+                <a:latin typeface="Segoe UI" panose="020B0502040204020203" pitchFamily="34" charset="0"/>
+              </a:rPr>
+              <a:t> D. 2002. Forwarding without loops in Icarus. In </a:t>
+            </a:r>
+            <a:r>
+              <a:rPr lang="en-US" sz="1600" i="1" dirty="0">
+                <a:latin typeface="Segoe UI" panose="020B0502040204020203" pitchFamily="34" charset="0"/>
+              </a:rPr>
+              <a:t>2002 IEEE Open Architectures and Network Programming Proceedings. OPENARCH 2002 (Cat. No.02EX571)</a:t>
+            </a:r>
+            <a:r>
+              <a:rPr lang="en-US" sz="1600" i="0" dirty="0">
+                <a:latin typeface="Segoe UI" panose="020B0502040204020203" pitchFamily="34" charset="0"/>
+              </a:rPr>
+              <a:t>, 63–75. DOI: </a:t>
+            </a:r>
+            <a:r>
+              <a:rPr lang="en-US" sz="1600" dirty="0">
+                <a:latin typeface="Segoe UI" panose="020B0502040204020203" pitchFamily="34" charset="0"/>
+                <a:hlinkClick r:id="rId2"/>
+              </a:rPr>
+              <a:t>https://</a:t>
+            </a:r>
+            <a:r>
+              <a:rPr lang="de-DE" sz="1600" dirty="0">
+                <a:latin typeface="Segoe UI" panose="020B0502040204020203" pitchFamily="34" charset="0"/>
+                <a:hlinkClick r:id="rId2"/>
+              </a:rPr>
+              <a:t>doi.org/</a:t>
+            </a:r>
+            <a:r>
+              <a:rPr lang="en-US" sz="1600" i="0" dirty="0">
+                <a:latin typeface="Segoe UI" panose="020B0502040204020203" pitchFamily="34" charset="0"/>
+                <a:hlinkClick r:id="rId2"/>
+              </a:rPr>
+              <a:t>10.1109/OPNARC.2002.1019229</a:t>
+            </a:r>
+            <a:endParaRPr lang="en-US" sz="1600" i="0" dirty="0">
+              <a:latin typeface="Segoe UI" panose="020B0502040204020203" pitchFamily="34" charset="0"/>
+            </a:endParaRPr>
+          </a:p>
+          <a:p>
+            <a:pPr marL="285750" indent="-285750">
+              <a:buFont typeface="Arial" panose="020B0604020202020204" pitchFamily="34" charset="0"/>
+              <a:buChar char="•"/>
+            </a:pPr>
+            <a:r>
+              <a:rPr lang="de-DE" sz="1600" dirty="0">
+                <a:latin typeface="Segoe UI" panose="020B0502040204020203" pitchFamily="34" charset="0"/>
+              </a:rPr>
+              <a:t>[12] Laufer Rafael P., </a:t>
+            </a:r>
+            <a:r>
+              <a:rPr lang="de-DE" sz="1600" dirty="0" err="1">
+                <a:latin typeface="Segoe UI" panose="020B0502040204020203" pitchFamily="34" charset="0"/>
+              </a:rPr>
+              <a:t>Velloso</a:t>
+            </a:r>
+            <a:r>
+              <a:rPr lang="de-DE" sz="1600" dirty="0">
+                <a:latin typeface="Segoe UI" panose="020B0502040204020203" pitchFamily="34" charset="0"/>
+              </a:rPr>
+              <a:t> Pedro B., Cunha Daniel de O., </a:t>
+            </a:r>
+            <a:r>
+              <a:rPr lang="de-DE" sz="1600" dirty="0" err="1">
+                <a:latin typeface="Segoe UI" panose="020B0502040204020203" pitchFamily="34" charset="0"/>
+              </a:rPr>
+              <a:t>Moraes</a:t>
+            </a:r>
+            <a:r>
+              <a:rPr lang="de-DE" sz="1600" dirty="0">
+                <a:latin typeface="Segoe UI" panose="020B0502040204020203" pitchFamily="34" charset="0"/>
+              </a:rPr>
+              <a:t> Igor M., </a:t>
+            </a:r>
+            <a:r>
+              <a:rPr lang="de-DE" sz="1600" dirty="0" err="1">
+                <a:latin typeface="Segoe UI" panose="020B0502040204020203" pitchFamily="34" charset="0"/>
+              </a:rPr>
+              <a:t>Bicudo</a:t>
+            </a:r>
+            <a:r>
+              <a:rPr lang="de-DE" sz="1600" dirty="0">
+                <a:latin typeface="Segoe UI" panose="020B0502040204020203" pitchFamily="34" charset="0"/>
+              </a:rPr>
+              <a:t> Marco D.D., Moreira Marcelo D.D., and Duarte Otto Carlos M.B. 2007. </a:t>
+            </a:r>
+            <a:r>
+              <a:rPr lang="de-DE" sz="1600" dirty="0" err="1">
+                <a:latin typeface="Segoe UI" panose="020B0502040204020203" pitchFamily="34" charset="0"/>
+              </a:rPr>
+              <a:t>Towards</a:t>
+            </a:r>
+            <a:r>
+              <a:rPr lang="de-DE" sz="1600" dirty="0">
+                <a:latin typeface="Segoe UI" panose="020B0502040204020203" pitchFamily="34" charset="0"/>
+              </a:rPr>
+              <a:t> </a:t>
+            </a:r>
+            <a:r>
+              <a:rPr lang="de-DE" sz="1600" dirty="0" err="1">
+                <a:latin typeface="Segoe UI" panose="020B0502040204020203" pitchFamily="34" charset="0"/>
+              </a:rPr>
+              <a:t>Stateless</a:t>
+            </a:r>
+            <a:r>
+              <a:rPr lang="de-DE" sz="1600" dirty="0">
+                <a:latin typeface="Segoe UI" panose="020B0502040204020203" pitchFamily="34" charset="0"/>
+              </a:rPr>
+              <a:t> Single-Packet IP </a:t>
+            </a:r>
+            <a:r>
+              <a:rPr lang="de-DE" sz="1600" dirty="0" err="1">
+                <a:latin typeface="Segoe UI" panose="020B0502040204020203" pitchFamily="34" charset="0"/>
+              </a:rPr>
+              <a:t>Traceback</a:t>
+            </a:r>
+            <a:r>
+              <a:rPr lang="de-DE" sz="1600" dirty="0">
+                <a:latin typeface="Segoe UI" panose="020B0502040204020203" pitchFamily="34" charset="0"/>
+              </a:rPr>
+              <a:t>. In </a:t>
+            </a:r>
+            <a:r>
+              <a:rPr lang="de-DE" sz="1600" i="1" dirty="0">
+                <a:latin typeface="Segoe UI" panose="020B0502040204020203" pitchFamily="34" charset="0"/>
+              </a:rPr>
+              <a:t>32nd IEEE Conference on </a:t>
+            </a:r>
+            <a:r>
+              <a:rPr lang="de-DE" sz="1600" i="1" dirty="0" err="1">
+                <a:latin typeface="Segoe UI" panose="020B0502040204020203" pitchFamily="34" charset="0"/>
+              </a:rPr>
+              <a:t>Local</a:t>
+            </a:r>
+            <a:r>
+              <a:rPr lang="de-DE" sz="1600" i="1" dirty="0">
+                <a:latin typeface="Segoe UI" panose="020B0502040204020203" pitchFamily="34" charset="0"/>
+              </a:rPr>
+              <a:t> Computer Networks (LCN 2007)</a:t>
+            </a:r>
+            <a:r>
+              <a:rPr lang="de-DE" sz="1600" i="0" dirty="0">
+                <a:latin typeface="Segoe UI" panose="020B0502040204020203" pitchFamily="34" charset="0"/>
+              </a:rPr>
+              <a:t>, 548–555. DOI: </a:t>
+            </a:r>
+            <a:r>
+              <a:rPr lang="en-US" sz="1600" dirty="0">
+                <a:latin typeface="Segoe UI" panose="020B0502040204020203" pitchFamily="34" charset="0"/>
+                <a:hlinkClick r:id="rId3"/>
+              </a:rPr>
+              <a:t>https://</a:t>
+            </a:r>
+            <a:r>
+              <a:rPr lang="de-DE" sz="1600" dirty="0">
+                <a:latin typeface="Segoe UI" panose="020B0502040204020203" pitchFamily="34" charset="0"/>
+                <a:hlinkClick r:id="rId3"/>
+              </a:rPr>
+              <a:t>doi.org/</a:t>
+            </a:r>
+            <a:r>
+              <a:rPr lang="de-DE" sz="1600" i="0" dirty="0">
+                <a:latin typeface="Segoe UI" panose="020B0502040204020203" pitchFamily="34" charset="0"/>
+                <a:hlinkClick r:id="rId3"/>
+              </a:rPr>
+              <a:t>10.1109/LCN.2007.15</a:t>
+            </a:r>
+            <a:endParaRPr lang="de-DE" sz="1600" i="0" dirty="0">
+              <a:latin typeface="Segoe UI" panose="020B0502040204020203" pitchFamily="34" charset="0"/>
+            </a:endParaRPr>
+          </a:p>
+          <a:p>
+            <a:pPr marL="285750" indent="-285750">
+              <a:buFont typeface="Arial" panose="020B0604020202020204" pitchFamily="34" charset="0"/>
+              <a:buChar char="•"/>
+            </a:pPr>
+            <a:r>
+              <a:rPr lang="de-DE" sz="1600" dirty="0">
+                <a:latin typeface="Segoe UI" panose="020B0502040204020203" pitchFamily="34" charset="0"/>
+                <a:cs typeface="Segoe UI" panose="020B0502040204020203" pitchFamily="34" charset="0"/>
+              </a:rPr>
+              <a:t>[13] </a:t>
+            </a:r>
+            <a:r>
+              <a:rPr lang="en-US" sz="1600" dirty="0">
+                <a:latin typeface="Segoe UI" panose="020B0502040204020203" pitchFamily="34" charset="0"/>
+                <a:cs typeface="Segoe UI" panose="020B0502040204020203" pitchFamily="34" charset="0"/>
+              </a:rPr>
+              <a:t>Wang, J. 1999. A Survey of Web Caching Schemes for the Internet. </a:t>
+            </a:r>
+            <a:r>
+              <a:rPr lang="en-US" sz="1600" i="1" dirty="0">
+                <a:latin typeface="Segoe UI" panose="020B0502040204020203" pitchFamily="34" charset="0"/>
+                <a:cs typeface="Segoe UI" panose="020B0502040204020203" pitchFamily="34" charset="0"/>
+              </a:rPr>
+              <a:t>SIGCOMM </a:t>
+            </a:r>
+            <a:r>
+              <a:rPr lang="en-US" sz="1600" i="1" dirty="0" err="1">
+                <a:latin typeface="Segoe UI" panose="020B0502040204020203" pitchFamily="34" charset="0"/>
+                <a:cs typeface="Segoe UI" panose="020B0502040204020203" pitchFamily="34" charset="0"/>
+              </a:rPr>
+              <a:t>Comput</a:t>
+            </a:r>
+            <a:r>
+              <a:rPr lang="en-US" sz="1600" i="1" dirty="0">
+                <a:latin typeface="Segoe UI" panose="020B0502040204020203" pitchFamily="34" charset="0"/>
+                <a:cs typeface="Segoe UI" panose="020B0502040204020203" pitchFamily="34" charset="0"/>
+              </a:rPr>
+              <a:t>. </a:t>
+            </a:r>
+            <a:r>
+              <a:rPr lang="en-US" sz="1600" i="1" dirty="0" err="1">
+                <a:latin typeface="Segoe UI" panose="020B0502040204020203" pitchFamily="34" charset="0"/>
+                <a:cs typeface="Segoe UI" panose="020B0502040204020203" pitchFamily="34" charset="0"/>
+              </a:rPr>
+              <a:t>Commun</a:t>
+            </a:r>
+            <a:r>
+              <a:rPr lang="en-US" sz="1600" i="1" dirty="0">
+                <a:latin typeface="Segoe UI" panose="020B0502040204020203" pitchFamily="34" charset="0"/>
+                <a:cs typeface="Segoe UI" panose="020B0502040204020203" pitchFamily="34" charset="0"/>
+              </a:rPr>
+              <a:t>. Rev.</a:t>
+            </a:r>
+            <a:r>
+              <a:rPr lang="en-US" sz="1600" i="0" dirty="0">
+                <a:latin typeface="Segoe UI" panose="020B0502040204020203" pitchFamily="34" charset="0"/>
+                <a:cs typeface="Segoe UI" panose="020B0502040204020203" pitchFamily="34" charset="0"/>
+              </a:rPr>
+              <a:t> 29, 5, 36–46. DOI: </a:t>
+            </a:r>
+            <a:r>
+              <a:rPr kumimoji="0" lang="de-DE" altLang="de-DE" sz="1600" b="0" i="0" u="none" strike="noStrike" cap="none" normalizeH="0" baseline="0" dirty="0">
+                <a:ln>
+                  <a:noFill/>
+                </a:ln>
+                <a:solidFill>
+                  <a:schemeClr val="tx1"/>
+                </a:solidFill>
+                <a:effectLst/>
+                <a:latin typeface="Segoe UI" panose="020B0502040204020203" pitchFamily="34" charset="0"/>
+                <a:cs typeface="Segoe UI" panose="020B0502040204020203" pitchFamily="34" charset="0"/>
+                <a:hlinkClick r:id="rId4"/>
+              </a:rPr>
+              <a:t>https://doi.org/10.1145/505696.505701</a:t>
+            </a:r>
+            <a:endParaRPr kumimoji="0" lang="de-DE" altLang="de-DE" sz="1600" b="0" i="0" u="none" strike="noStrike" cap="none" normalizeH="0" baseline="0" dirty="0">
+              <a:ln>
+                <a:noFill/>
+              </a:ln>
+              <a:solidFill>
+                <a:schemeClr val="tx1"/>
+              </a:solidFill>
+              <a:effectLst/>
+              <a:latin typeface="Segoe UI" panose="020B0502040204020203" pitchFamily="34" charset="0"/>
+              <a:cs typeface="Segoe UI" panose="020B0502040204020203" pitchFamily="34" charset="0"/>
+            </a:endParaRPr>
+          </a:p>
+          <a:p>
+            <a:pPr marL="285750" indent="-285750">
+              <a:buFont typeface="Arial" panose="020B0604020202020204" pitchFamily="34" charset="0"/>
+              <a:buChar char="•"/>
+            </a:pPr>
+            <a:r>
+              <a:rPr lang="de-DE" sz="1600" dirty="0">
+                <a:latin typeface="Segoe UI" panose="020B0502040204020203" pitchFamily="34" charset="0"/>
+              </a:rPr>
+              <a:t>[14] </a:t>
+            </a:r>
+            <a:r>
+              <a:rPr lang="de-DE" sz="1600" dirty="0" err="1">
+                <a:latin typeface="Segoe UI" panose="020B0502040204020203" pitchFamily="34" charset="0"/>
+              </a:rPr>
+              <a:t>Dharmapurikar</a:t>
+            </a:r>
+            <a:r>
+              <a:rPr lang="de-DE" sz="1600" dirty="0">
+                <a:latin typeface="Segoe UI" panose="020B0502040204020203" pitchFamily="34" charset="0"/>
+              </a:rPr>
+              <a:t> S., </a:t>
+            </a:r>
+            <a:r>
+              <a:rPr lang="de-DE" sz="1600" dirty="0" err="1">
+                <a:latin typeface="Segoe UI" panose="020B0502040204020203" pitchFamily="34" charset="0"/>
+              </a:rPr>
+              <a:t>Krishnamurthy</a:t>
+            </a:r>
+            <a:r>
+              <a:rPr lang="de-DE" sz="1600" dirty="0">
+                <a:latin typeface="Segoe UI" panose="020B0502040204020203" pitchFamily="34" charset="0"/>
+              </a:rPr>
+              <a:t> P., </a:t>
+            </a:r>
+            <a:r>
+              <a:rPr lang="de-DE" sz="1600" dirty="0" err="1">
+                <a:latin typeface="Segoe UI" panose="020B0502040204020203" pitchFamily="34" charset="0"/>
+              </a:rPr>
+              <a:t>Sproull</a:t>
+            </a:r>
+            <a:r>
+              <a:rPr lang="de-DE" sz="1600" dirty="0">
+                <a:latin typeface="Segoe UI" panose="020B0502040204020203" pitchFamily="34" charset="0"/>
+              </a:rPr>
+              <a:t> T., and Lockwood J. 2003. Deep packet </a:t>
+            </a:r>
+            <a:r>
+              <a:rPr lang="de-DE" sz="1600" dirty="0" err="1">
+                <a:latin typeface="Segoe UI" panose="020B0502040204020203" pitchFamily="34" charset="0"/>
+              </a:rPr>
+              <a:t>inspection</a:t>
+            </a:r>
+            <a:r>
+              <a:rPr lang="de-DE" sz="1600" dirty="0">
+                <a:latin typeface="Segoe UI" panose="020B0502040204020203" pitchFamily="34" charset="0"/>
+              </a:rPr>
+              <a:t> </a:t>
+            </a:r>
+            <a:r>
+              <a:rPr lang="de-DE" sz="1600" dirty="0" err="1">
+                <a:latin typeface="Segoe UI" panose="020B0502040204020203" pitchFamily="34" charset="0"/>
+              </a:rPr>
+              <a:t>using</a:t>
+            </a:r>
+            <a:r>
+              <a:rPr lang="de-DE" sz="1600" dirty="0">
+                <a:latin typeface="Segoe UI" panose="020B0502040204020203" pitchFamily="34" charset="0"/>
+              </a:rPr>
+              <a:t> parallel Bloom </a:t>
+            </a:r>
+            <a:r>
+              <a:rPr lang="de-DE" sz="1600" dirty="0" err="1">
+                <a:latin typeface="Segoe UI" panose="020B0502040204020203" pitchFamily="34" charset="0"/>
+              </a:rPr>
+              <a:t>filters</a:t>
+            </a:r>
+            <a:r>
+              <a:rPr lang="de-DE" sz="1600" dirty="0">
+                <a:latin typeface="Segoe UI" panose="020B0502040204020203" pitchFamily="34" charset="0"/>
+              </a:rPr>
+              <a:t>. In </a:t>
+            </a:r>
+            <a:r>
+              <a:rPr lang="de-DE" sz="1600" i="1" dirty="0">
+                <a:latin typeface="Segoe UI" panose="020B0502040204020203" pitchFamily="34" charset="0"/>
+              </a:rPr>
+              <a:t>11th Symposium on High Performance </a:t>
+            </a:r>
+            <a:r>
+              <a:rPr lang="de-DE" sz="1600" i="1" dirty="0" err="1">
+                <a:latin typeface="Segoe UI" panose="020B0502040204020203" pitchFamily="34" charset="0"/>
+              </a:rPr>
+              <a:t>Interconnects</a:t>
+            </a:r>
+            <a:r>
+              <a:rPr lang="de-DE" sz="1600" i="1" dirty="0">
+                <a:latin typeface="Segoe UI" panose="020B0502040204020203" pitchFamily="34" charset="0"/>
+              </a:rPr>
+              <a:t>, 2003. Proceedings</a:t>
+            </a:r>
+            <a:r>
+              <a:rPr lang="de-DE" sz="1600" i="0" dirty="0">
+                <a:latin typeface="Segoe UI" panose="020B0502040204020203" pitchFamily="34" charset="0"/>
+              </a:rPr>
+              <a:t>, 44–51. DOI: </a:t>
+            </a:r>
+            <a:r>
+              <a:rPr lang="en-US" sz="1600" dirty="0">
+                <a:latin typeface="Segoe UI" panose="020B0502040204020203" pitchFamily="34" charset="0"/>
+                <a:hlinkClick r:id="rId5"/>
+              </a:rPr>
+              <a:t>https://</a:t>
+            </a:r>
+            <a:r>
+              <a:rPr lang="de-DE" sz="1600" dirty="0">
+                <a:latin typeface="Segoe UI" panose="020B0502040204020203" pitchFamily="34" charset="0"/>
+                <a:hlinkClick r:id="rId5"/>
+              </a:rPr>
+              <a:t>doi.org/</a:t>
+            </a:r>
+            <a:r>
+              <a:rPr lang="de-DE" sz="1600" i="0" dirty="0">
+                <a:latin typeface="Segoe UI" panose="020B0502040204020203" pitchFamily="34" charset="0"/>
+                <a:hlinkClick r:id="rId5"/>
+              </a:rPr>
+              <a:t>10.1109/CONECT.2003.1231477</a:t>
+            </a:r>
+            <a:endParaRPr lang="de-DE" altLang="de-DE" sz="1600" dirty="0">
+              <a:latin typeface="Segoe UI" panose="020B0502040204020203" pitchFamily="34" charset="0"/>
+              <a:cs typeface="Segoe UI" panose="020B0502040204020203" pitchFamily="34" charset="0"/>
+            </a:endParaRPr>
+          </a:p>
+          <a:p>
+            <a:pPr marL="285750" indent="-285750">
+              <a:buFont typeface="Arial" panose="020B0604020202020204" pitchFamily="34" charset="0"/>
+              <a:buChar char="•"/>
+            </a:pPr>
+            <a:endParaRPr kumimoji="0" lang="de-DE" altLang="de-DE" sz="3600" b="0" i="0" u="none" strike="noStrike" cap="none" normalizeH="0" baseline="0" dirty="0">
+              <a:ln>
+                <a:noFill/>
+              </a:ln>
+              <a:solidFill>
+                <a:schemeClr val="tx1"/>
+              </a:solidFill>
+              <a:effectLst/>
+              <a:latin typeface="Arial" panose="020B0604020202020204" pitchFamily="34" charset="0"/>
+            </a:endParaRPr>
+          </a:p>
+          <a:p>
+            <a:pPr marL="285750" indent="-285750">
+              <a:buFont typeface="Arial" panose="020B0604020202020204" pitchFamily="34" charset="0"/>
+              <a:buChar char="•"/>
+            </a:pPr>
+            <a:endParaRPr lang="en-US" sz="1600" i="0" dirty="0">
+              <a:latin typeface="Segoe UI" panose="020B0502040204020203" pitchFamily="34" charset="0"/>
+            </a:endParaRPr>
+          </a:p>
+          <a:p>
+            <a:pPr marL="285750" indent="-285750">
+              <a:buFont typeface="Arial" panose="020B0604020202020204" pitchFamily="34" charset="0"/>
+              <a:buChar char="•"/>
+            </a:pPr>
+            <a:endParaRPr lang="en-US" sz="1600" i="0" dirty="0">
+              <a:latin typeface="Segoe UI" panose="020B0502040204020203" pitchFamily="34" charset="0"/>
+            </a:endParaRPr>
+          </a:p>
+        </p:txBody>
+      </p:sp>
+    </p:spTree>
+    <p:extLst>
+      <p:ext uri="{BB962C8B-B14F-4D97-AF65-F5344CB8AC3E}">
+        <p14:creationId xmlns:p14="http://schemas.microsoft.com/office/powerpoint/2010/main" val="3916588754"/>
+      </p:ext>
+    </p:extLst>
+  </p:cSld>
+  <p:clrMapOvr>
+    <a:masterClrMapping/>
+  </p:clrMapOvr>
+</p:sld>
+</file>
+
+<file path=ppt/slides/slide26.xml><?xml version="1.0" encoding="utf-8"?>
+<p:sld xmlns:a="http://schemas.openxmlformats.org/drawingml/2006/main" xmlns:r="http://schemas.openxmlformats.org/officeDocument/2006/relationships" xmlns:p="http://schemas.openxmlformats.org/presentationml/2006/main">
+  <p:cSld>
+    <p:spTree>
+      <p:nvGrpSpPr>
+        <p:cNvPr id="1" name=""/>
+        <p:cNvGrpSpPr/>
+        <p:nvPr/>
+      </p:nvGrpSpPr>
+      <p:grpSpPr>
+        <a:xfrm>
+          <a:off x="0" y="0"/>
+          <a:ext cx="0" cy="0"/>
+          <a:chOff x="0" y="0"/>
+          <a:chExt cx="0" cy="0"/>
+        </a:xfrm>
+      </p:grpSpPr>
+      <p:sp>
+        <p:nvSpPr>
+          <p:cNvPr id="6" name="Foliennummernplatzhalter 5"/>
+          <p:cNvSpPr>
+            <a:spLocks noGrp="1"/>
+          </p:cNvSpPr>
+          <p:nvPr>
+            <p:ph type="sldNum" sz="quarter" idx="4"/>
+          </p:nvPr>
+        </p:nvSpPr>
+        <p:spPr/>
+        <p:txBody>
+          <a:bodyPr/>
+          <a:lstStyle/>
+          <a:p>
+            <a:fld id="{F9CA7F02-FF28-4D8F-AF3B-6C950C783A54}" type="slidenum">
+              <a:rPr lang="de-DE" smtClean="0"/>
+              <a:pPr/>
+              <a:t>26</a:t>
+            </a:fld>
+            <a:endParaRPr lang="de-DE"/>
+          </a:p>
+        </p:txBody>
+      </p:sp>
+      <p:sp>
+        <p:nvSpPr>
+          <p:cNvPr id="3" name="Titel 2"/>
+          <p:cNvSpPr>
+            <a:spLocks noGrp="1"/>
+          </p:cNvSpPr>
+          <p:nvPr>
+            <p:ph type="title"/>
+          </p:nvPr>
+        </p:nvSpPr>
+        <p:spPr/>
+        <p:txBody>
+          <a:bodyPr/>
+          <a:lstStyle/>
+          <a:p>
+            <a:r>
+              <a:rPr lang="de-DE" dirty="0"/>
+              <a:t>BLOOM-FILTER</a:t>
+            </a:r>
+          </a:p>
+        </p:txBody>
+      </p:sp>
+      <p:sp>
+        <p:nvSpPr>
+          <p:cNvPr id="4" name="Inhaltsplatzhalter 3"/>
+          <p:cNvSpPr>
+            <a:spLocks noGrp="1"/>
+          </p:cNvSpPr>
+          <p:nvPr>
+            <p:ph sz="quarter" idx="13"/>
+          </p:nvPr>
+        </p:nvSpPr>
+        <p:spPr>
+          <a:xfrm>
+            <a:off x="936000" y="699542"/>
+            <a:ext cx="7308000" cy="429622"/>
+          </a:xfrm>
+        </p:spPr>
+        <p:txBody>
+          <a:bodyPr/>
+          <a:lstStyle/>
+          <a:p>
+            <a:r>
+              <a:rPr lang="de-DE" dirty="0"/>
+              <a:t>Quellen</a:t>
+            </a:r>
+          </a:p>
+        </p:txBody>
+      </p:sp>
+      <p:sp>
+        <p:nvSpPr>
+          <p:cNvPr id="7" name="Fußzeilenplatzhalter 6"/>
+          <p:cNvSpPr>
+            <a:spLocks noGrp="1"/>
+          </p:cNvSpPr>
+          <p:nvPr>
+            <p:ph type="ftr" sz="quarter" idx="3"/>
+          </p:nvPr>
+        </p:nvSpPr>
+        <p:spPr/>
+        <p:txBody>
+          <a:bodyPr/>
+          <a:lstStyle/>
+          <a:p>
+            <a:r>
+              <a:rPr lang="de-DE" dirty="0"/>
+              <a:t>TU Bergakademie Freiberg | Vortragender: Florian Schierz | 2022</a:t>
+            </a:r>
+          </a:p>
+        </p:txBody>
+      </p:sp>
+      <p:sp>
+        <p:nvSpPr>
+          <p:cNvPr id="11" name="Textfeld 10">
+            <a:extLst>
+              <a:ext uri="{FF2B5EF4-FFF2-40B4-BE49-F238E27FC236}">
+                <a16:creationId xmlns:a16="http://schemas.microsoft.com/office/drawing/2014/main" id="{AED7FCD8-3C56-4B11-ADA2-B181B3B96684}"/>
+              </a:ext>
+            </a:extLst>
+          </p:cNvPr>
+          <p:cNvSpPr txBox="1"/>
+          <p:nvPr/>
+        </p:nvSpPr>
+        <p:spPr>
+          <a:xfrm>
+            <a:off x="611560" y="1419622"/>
+            <a:ext cx="8064896" cy="5724644"/>
+          </a:xfrm>
+          <a:prstGeom prst="rect">
+            <a:avLst/>
+          </a:prstGeom>
+          <a:noFill/>
+        </p:spPr>
+        <p:txBody>
+          <a:bodyPr wrap="square" rtlCol="0">
+            <a:spAutoFit/>
+          </a:bodyPr>
+          <a:lstStyle/>
+          <a:p>
+            <a:pPr marL="285750" indent="-285750">
+              <a:buFont typeface="Arial" panose="020B0604020202020204" pitchFamily="34" charset="0"/>
+              <a:buChar char="•"/>
+            </a:pPr>
+            <a:r>
+              <a:rPr lang="en-US" sz="1600" dirty="0">
+                <a:latin typeface="Segoe UI" panose="020B0502040204020203" pitchFamily="34" charset="0"/>
+              </a:rPr>
+              <a:t>[15] </a:t>
+            </a:r>
+            <a:r>
+              <a:rPr lang="en-US" sz="1600" dirty="0" err="1">
+                <a:latin typeface="Segoe UI" panose="020B0502040204020203" pitchFamily="34" charset="0"/>
+              </a:rPr>
+              <a:t>Gremillion</a:t>
+            </a:r>
+            <a:r>
+              <a:rPr lang="en-US" sz="1600" dirty="0">
+                <a:latin typeface="Segoe UI" panose="020B0502040204020203" pitchFamily="34" charset="0"/>
+              </a:rPr>
+              <a:t>, L. L. 1982. Designing a Bloom Filter for Differential File Access. </a:t>
+            </a:r>
+            <a:r>
+              <a:rPr lang="en-US" sz="1600" i="1" dirty="0" err="1">
+                <a:latin typeface="Segoe UI" panose="020B0502040204020203" pitchFamily="34" charset="0"/>
+              </a:rPr>
+              <a:t>Commun</a:t>
+            </a:r>
+            <a:r>
+              <a:rPr lang="en-US" sz="1600" i="1" dirty="0">
+                <a:latin typeface="Segoe UI" panose="020B0502040204020203" pitchFamily="34" charset="0"/>
+              </a:rPr>
+              <a:t>. ACM</a:t>
+            </a:r>
+            <a:r>
+              <a:rPr lang="en-US" sz="1600" i="0" dirty="0">
+                <a:latin typeface="Segoe UI" panose="020B0502040204020203" pitchFamily="34" charset="0"/>
+              </a:rPr>
+              <a:t> 25, 9, 600–604. </a:t>
+            </a:r>
+            <a:r>
+              <a:rPr lang="en-US" sz="1600" i="0" dirty="0">
+                <a:latin typeface="Segoe UI" panose="020B0502040204020203" pitchFamily="34" charset="0"/>
+                <a:cs typeface="Segoe UI" panose="020B0502040204020203" pitchFamily="34" charset="0"/>
+              </a:rPr>
+              <a:t>DOI: </a:t>
+            </a:r>
+            <a:r>
+              <a:rPr kumimoji="0" lang="de-DE" altLang="de-DE" sz="1600" b="0" i="0" u="none" strike="noStrike" cap="none" normalizeH="0" baseline="0" dirty="0">
+                <a:ln>
+                  <a:noFill/>
+                </a:ln>
+                <a:solidFill>
+                  <a:schemeClr val="tx1"/>
+                </a:solidFill>
+                <a:effectLst/>
+                <a:latin typeface="Segoe UI" panose="020B0502040204020203" pitchFamily="34" charset="0"/>
+                <a:cs typeface="Segoe UI" panose="020B0502040204020203" pitchFamily="34" charset="0"/>
+                <a:hlinkClick r:id="rId2"/>
+              </a:rPr>
+              <a:t>https://doi.org/10.1145/358628.358632</a:t>
+            </a:r>
+            <a:endParaRPr kumimoji="0" lang="de-DE" altLang="de-DE" sz="1600" b="0" i="0" u="none" strike="noStrike" cap="none" normalizeH="0" baseline="0" dirty="0">
+              <a:ln>
+                <a:noFill/>
+              </a:ln>
+              <a:solidFill>
+                <a:schemeClr val="tx1"/>
+              </a:solidFill>
+              <a:effectLst/>
+              <a:latin typeface="Segoe UI" panose="020B0502040204020203" pitchFamily="34" charset="0"/>
+              <a:cs typeface="Segoe UI" panose="020B0502040204020203" pitchFamily="34" charset="0"/>
+            </a:endParaRPr>
+          </a:p>
+          <a:p>
+            <a:pPr marL="285750" indent="-285750">
+              <a:buFont typeface="Arial" panose="020B0604020202020204" pitchFamily="34" charset="0"/>
+              <a:buChar char="•"/>
+            </a:pPr>
+            <a:r>
+              <a:rPr lang="de-DE" altLang="de-DE" sz="1600" dirty="0">
+                <a:latin typeface="Segoe UI" panose="020B0502040204020203" pitchFamily="34" charset="0"/>
+                <a:cs typeface="Segoe UI" panose="020B0502040204020203" pitchFamily="34" charset="0"/>
+              </a:rPr>
+              <a:t>[16] </a:t>
+            </a:r>
+            <a:r>
+              <a:rPr lang="de-DE" sz="1600" dirty="0" err="1">
+                <a:latin typeface="Segoe UI" panose="020B0502040204020203" pitchFamily="34" charset="0"/>
+              </a:rPr>
+              <a:t>Murugan</a:t>
+            </a:r>
+            <a:r>
+              <a:rPr lang="de-DE" sz="1600" dirty="0">
+                <a:latin typeface="Segoe UI" panose="020B0502040204020203" pitchFamily="34" charset="0"/>
+              </a:rPr>
+              <a:t>, S., </a:t>
+            </a:r>
+            <a:r>
+              <a:rPr lang="de-DE" sz="1600" dirty="0" err="1">
+                <a:latin typeface="Segoe UI" panose="020B0502040204020203" pitchFamily="34" charset="0"/>
+              </a:rPr>
+              <a:t>Bakthavatchalam</a:t>
+            </a:r>
+            <a:r>
+              <a:rPr lang="de-DE" sz="1600" dirty="0">
+                <a:latin typeface="Segoe UI" panose="020B0502040204020203" pitchFamily="34" charset="0"/>
+              </a:rPr>
+              <a:t>, T. A., and </a:t>
+            </a:r>
+            <a:r>
+              <a:rPr lang="de-DE" sz="1600" dirty="0" err="1">
+                <a:latin typeface="Segoe UI" panose="020B0502040204020203" pitchFamily="34" charset="0"/>
+              </a:rPr>
+              <a:t>Sankarasubbu</a:t>
+            </a:r>
+            <a:r>
+              <a:rPr lang="de-DE" sz="1600" dirty="0">
+                <a:latin typeface="Segoe UI" panose="020B0502040204020203" pitchFamily="34" charset="0"/>
+              </a:rPr>
+              <a:t>, M. 2020. </a:t>
+            </a:r>
+            <a:r>
+              <a:rPr lang="de-DE" sz="1600" dirty="0" err="1">
+                <a:latin typeface="Segoe UI" panose="020B0502040204020203" pitchFamily="34" charset="0"/>
+              </a:rPr>
+              <a:t>SymSpell</a:t>
+            </a:r>
+            <a:r>
+              <a:rPr lang="de-DE" sz="1600" dirty="0">
+                <a:latin typeface="Segoe UI" panose="020B0502040204020203" pitchFamily="34" charset="0"/>
+              </a:rPr>
+              <a:t> and LSTM </a:t>
+            </a:r>
+            <a:r>
+              <a:rPr lang="de-DE" sz="1600" dirty="0" err="1">
+                <a:latin typeface="Segoe UI" panose="020B0502040204020203" pitchFamily="34" charset="0"/>
+              </a:rPr>
+              <a:t>based</a:t>
+            </a:r>
+            <a:r>
+              <a:rPr lang="de-DE" sz="1600" dirty="0">
+                <a:latin typeface="Segoe UI" panose="020B0502040204020203" pitchFamily="34" charset="0"/>
+              </a:rPr>
+              <a:t> </a:t>
+            </a:r>
+            <a:r>
+              <a:rPr lang="de-DE" sz="1600" dirty="0" err="1">
+                <a:latin typeface="Segoe UI" panose="020B0502040204020203" pitchFamily="34" charset="0"/>
+              </a:rPr>
+              <a:t>Spell</a:t>
+            </a:r>
+            <a:r>
+              <a:rPr lang="de-DE" sz="1600" dirty="0">
+                <a:latin typeface="Segoe UI" panose="020B0502040204020203" pitchFamily="34" charset="0"/>
+              </a:rPr>
+              <a:t>-Checkers </a:t>
+            </a:r>
+            <a:r>
+              <a:rPr lang="de-DE" sz="1600" dirty="0" err="1">
+                <a:latin typeface="Segoe UI" panose="020B0502040204020203" pitchFamily="34" charset="0"/>
+              </a:rPr>
+              <a:t>for</a:t>
+            </a:r>
+            <a:r>
+              <a:rPr lang="de-DE" sz="1600" dirty="0">
+                <a:latin typeface="Segoe UI" panose="020B0502040204020203" pitchFamily="34" charset="0"/>
+              </a:rPr>
+              <a:t> Tamil.</a:t>
+            </a:r>
+            <a:r>
+              <a:rPr lang="de-DE" sz="1600" dirty="0">
+                <a:latin typeface="Segoe UI" panose="020B0502040204020203" pitchFamily="34" charset="0"/>
+                <a:cs typeface="Segoe UI" panose="020B0502040204020203" pitchFamily="34" charset="0"/>
+              </a:rPr>
+              <a:t> </a:t>
+            </a:r>
+            <a:r>
+              <a:rPr lang="de-DE" sz="1600" dirty="0">
+                <a:latin typeface="Segoe UI" panose="020B0502040204020203" pitchFamily="34" charset="0"/>
+                <a:cs typeface="Segoe UI" panose="020B0502040204020203" pitchFamily="34" charset="0"/>
+                <a:hlinkClick r:id="rId3"/>
+              </a:rPr>
+              <a:t>http://uttamam.org/papers/20_17.pdf</a:t>
+            </a:r>
+            <a:endParaRPr lang="de-DE" sz="1600" dirty="0">
+              <a:latin typeface="Segoe UI" panose="020B0502040204020203" pitchFamily="34" charset="0"/>
+              <a:cs typeface="Segoe UI" panose="020B0502040204020203" pitchFamily="34" charset="0"/>
+            </a:endParaRPr>
+          </a:p>
+          <a:p>
+            <a:pPr marL="285750" indent="-285750">
+              <a:buFont typeface="Arial" panose="020B0604020202020204" pitchFamily="34" charset="0"/>
+              <a:buChar char="•"/>
+            </a:pPr>
+            <a:r>
+              <a:rPr kumimoji="0" lang="de-DE" altLang="de-DE" sz="1600" b="0" i="0" u="none" strike="noStrike" cap="none" normalizeH="0" baseline="0" dirty="0">
+                <a:ln>
+                  <a:noFill/>
+                </a:ln>
+                <a:solidFill>
+                  <a:schemeClr val="tx1"/>
+                </a:solidFill>
+                <a:effectLst/>
+                <a:latin typeface="Segoe UI" panose="020B0502040204020203" pitchFamily="34" charset="0"/>
+                <a:cs typeface="Segoe UI" panose="020B0502040204020203" pitchFamily="34" charset="0"/>
+              </a:rPr>
+              <a:t>[17] </a:t>
+            </a:r>
+            <a:r>
+              <a:rPr lang="de-DE" sz="1600" dirty="0" err="1">
+                <a:latin typeface="Segoe UI" panose="020B0502040204020203" pitchFamily="34" charset="0"/>
+              </a:rPr>
+              <a:t>Dharmapurikar</a:t>
+            </a:r>
+            <a:r>
+              <a:rPr lang="de-DE" sz="1600" dirty="0">
+                <a:latin typeface="Segoe UI" panose="020B0502040204020203" pitchFamily="34" charset="0"/>
+              </a:rPr>
+              <a:t>, S., </a:t>
+            </a:r>
+            <a:r>
+              <a:rPr lang="de-DE" sz="1600" dirty="0" err="1">
+                <a:latin typeface="Segoe UI" panose="020B0502040204020203" pitchFamily="34" charset="0"/>
+              </a:rPr>
+              <a:t>Krishnamurthy</a:t>
+            </a:r>
+            <a:r>
+              <a:rPr lang="de-DE" sz="1600" dirty="0">
+                <a:latin typeface="Segoe UI" panose="020B0502040204020203" pitchFamily="34" charset="0"/>
+              </a:rPr>
+              <a:t>, P., and Taylor, D. E. 2003. </a:t>
+            </a:r>
+            <a:r>
+              <a:rPr lang="de-DE" sz="1600" dirty="0" err="1">
+                <a:latin typeface="Segoe UI" panose="020B0502040204020203" pitchFamily="34" charset="0"/>
+              </a:rPr>
+              <a:t>Longest</a:t>
+            </a:r>
+            <a:r>
+              <a:rPr lang="de-DE" sz="1600" dirty="0">
+                <a:latin typeface="Segoe UI" panose="020B0502040204020203" pitchFamily="34" charset="0"/>
+              </a:rPr>
+              <a:t> </a:t>
+            </a:r>
+            <a:r>
+              <a:rPr lang="de-DE" sz="1600" dirty="0" err="1">
+                <a:latin typeface="Segoe UI" panose="020B0502040204020203" pitchFamily="34" charset="0"/>
+              </a:rPr>
+              <a:t>Prefix</a:t>
+            </a:r>
+            <a:r>
+              <a:rPr lang="de-DE" sz="1600" dirty="0">
+                <a:latin typeface="Segoe UI" panose="020B0502040204020203" pitchFamily="34" charset="0"/>
+              </a:rPr>
+              <a:t> </a:t>
+            </a:r>
+            <a:r>
+              <a:rPr lang="de-DE" sz="1600" dirty="0" err="1">
+                <a:latin typeface="Segoe UI" panose="020B0502040204020203" pitchFamily="34" charset="0"/>
+              </a:rPr>
+              <a:t>Matching</a:t>
+            </a:r>
+            <a:r>
+              <a:rPr lang="de-DE" sz="1600" dirty="0">
+                <a:latin typeface="Segoe UI" panose="020B0502040204020203" pitchFamily="34" charset="0"/>
+              </a:rPr>
+              <a:t> </a:t>
+            </a:r>
+            <a:r>
+              <a:rPr lang="de-DE" sz="1600" dirty="0" err="1">
+                <a:latin typeface="Segoe UI" panose="020B0502040204020203" pitchFamily="34" charset="0"/>
+              </a:rPr>
+              <a:t>Using</a:t>
+            </a:r>
+            <a:r>
+              <a:rPr lang="de-DE" sz="1600" dirty="0">
+                <a:latin typeface="Segoe UI" panose="020B0502040204020203" pitchFamily="34" charset="0"/>
+              </a:rPr>
+              <a:t> Bloom Filters. In </a:t>
+            </a:r>
+            <a:r>
+              <a:rPr lang="de-DE" sz="1600" i="1" dirty="0">
+                <a:latin typeface="Segoe UI" panose="020B0502040204020203" pitchFamily="34" charset="0"/>
+              </a:rPr>
+              <a:t>Proceedings </a:t>
+            </a:r>
+            <a:r>
+              <a:rPr lang="de-DE" sz="1600" i="1" dirty="0" err="1">
+                <a:latin typeface="Segoe UI" panose="020B0502040204020203" pitchFamily="34" charset="0"/>
+              </a:rPr>
+              <a:t>of</a:t>
+            </a:r>
+            <a:r>
+              <a:rPr lang="de-DE" sz="1600" i="1" dirty="0">
+                <a:latin typeface="Segoe UI" panose="020B0502040204020203" pitchFamily="34" charset="0"/>
+              </a:rPr>
+              <a:t> </a:t>
+            </a:r>
+            <a:r>
+              <a:rPr lang="de-DE" sz="1600" i="1" dirty="0" err="1">
+                <a:latin typeface="Segoe UI" panose="020B0502040204020203" pitchFamily="34" charset="0"/>
+              </a:rPr>
+              <a:t>the</a:t>
+            </a:r>
+            <a:r>
+              <a:rPr lang="de-DE" sz="1600" i="1" dirty="0">
+                <a:latin typeface="Segoe UI" panose="020B0502040204020203" pitchFamily="34" charset="0"/>
+              </a:rPr>
+              <a:t> 2003 Conference on </a:t>
+            </a:r>
+            <a:r>
+              <a:rPr lang="de-DE" sz="1600" i="1" dirty="0" err="1">
+                <a:latin typeface="Segoe UI" panose="020B0502040204020203" pitchFamily="34" charset="0"/>
+              </a:rPr>
+              <a:t>Applications</a:t>
+            </a:r>
+            <a:r>
+              <a:rPr lang="de-DE" sz="1600" i="1" dirty="0">
+                <a:latin typeface="Segoe UI" panose="020B0502040204020203" pitchFamily="34" charset="0"/>
+              </a:rPr>
+              <a:t>, Technologies, </a:t>
+            </a:r>
+            <a:r>
+              <a:rPr lang="de-DE" sz="1600" i="1" dirty="0" err="1">
+                <a:latin typeface="Segoe UI" panose="020B0502040204020203" pitchFamily="34" charset="0"/>
+              </a:rPr>
+              <a:t>Architectures</a:t>
+            </a:r>
+            <a:r>
+              <a:rPr lang="de-DE" sz="1600" i="1" dirty="0">
+                <a:latin typeface="Segoe UI" panose="020B0502040204020203" pitchFamily="34" charset="0"/>
+              </a:rPr>
+              <a:t>, and </a:t>
+            </a:r>
+            <a:r>
+              <a:rPr lang="de-DE" sz="1600" i="1" dirty="0" err="1">
+                <a:latin typeface="Segoe UI" panose="020B0502040204020203" pitchFamily="34" charset="0"/>
+              </a:rPr>
+              <a:t>Protocols</a:t>
+            </a:r>
+            <a:r>
+              <a:rPr lang="de-DE" sz="1600" i="1" dirty="0">
+                <a:latin typeface="Segoe UI" panose="020B0502040204020203" pitchFamily="34" charset="0"/>
+              </a:rPr>
+              <a:t> </a:t>
+            </a:r>
+            <a:r>
+              <a:rPr lang="de-DE" sz="1600" i="1" dirty="0" err="1">
+                <a:latin typeface="Segoe UI" panose="020B0502040204020203" pitchFamily="34" charset="0"/>
+              </a:rPr>
+              <a:t>for</a:t>
+            </a:r>
+            <a:r>
+              <a:rPr lang="de-DE" sz="1600" i="1" dirty="0">
+                <a:latin typeface="Segoe UI" panose="020B0502040204020203" pitchFamily="34" charset="0"/>
+              </a:rPr>
+              <a:t> Computer Communications</a:t>
+            </a:r>
+            <a:r>
+              <a:rPr lang="de-DE" sz="1600" i="0" dirty="0">
+                <a:latin typeface="Segoe UI" panose="020B0502040204020203" pitchFamily="34" charset="0"/>
+              </a:rPr>
+              <a:t>. SIGCOMM ’03. </a:t>
+            </a:r>
+            <a:r>
+              <a:rPr lang="de-DE" sz="1600" i="0" dirty="0" err="1">
+                <a:latin typeface="Segoe UI" panose="020B0502040204020203" pitchFamily="34" charset="0"/>
+              </a:rPr>
+              <a:t>Association</a:t>
+            </a:r>
+            <a:r>
+              <a:rPr lang="de-DE" sz="1600" i="0" dirty="0">
+                <a:latin typeface="Segoe UI" panose="020B0502040204020203" pitchFamily="34" charset="0"/>
+              </a:rPr>
+              <a:t> </a:t>
+            </a:r>
+            <a:r>
+              <a:rPr lang="de-DE" sz="1600" i="0" dirty="0" err="1">
+                <a:latin typeface="Segoe UI" panose="020B0502040204020203" pitchFamily="34" charset="0"/>
+              </a:rPr>
+              <a:t>for</a:t>
+            </a:r>
+            <a:r>
+              <a:rPr lang="de-DE" sz="1600" i="0" dirty="0">
+                <a:latin typeface="Segoe UI" panose="020B0502040204020203" pitchFamily="34" charset="0"/>
+              </a:rPr>
+              <a:t> Computing Machinery, New York, NY, USA, 201–212. DOI: </a:t>
+            </a:r>
+            <a:r>
+              <a:rPr lang="de-DE" altLang="de-DE" sz="1600" dirty="0">
+                <a:latin typeface="Segoe UI" panose="020B0502040204020203" pitchFamily="34" charset="0"/>
+                <a:cs typeface="Segoe UI" panose="020B0502040204020203" pitchFamily="34" charset="0"/>
+                <a:hlinkClick r:id="rId4"/>
+              </a:rPr>
+              <a:t>https://doi.org/</a:t>
+            </a:r>
+            <a:r>
+              <a:rPr lang="de-DE" sz="1600" i="0" dirty="0">
+                <a:latin typeface="Segoe UI" panose="020B0502040204020203" pitchFamily="34" charset="0"/>
+                <a:hlinkClick r:id="rId4"/>
+              </a:rPr>
+              <a:t>10.1145/863955.863979</a:t>
+            </a:r>
+            <a:endParaRPr lang="de-DE" sz="1600" i="0" dirty="0">
+              <a:latin typeface="Segoe UI" panose="020B0502040204020203" pitchFamily="34" charset="0"/>
+            </a:endParaRPr>
+          </a:p>
+          <a:p>
+            <a:pPr marL="285750" indent="-285750">
+              <a:buFont typeface="Arial" panose="020B0604020202020204" pitchFamily="34" charset="0"/>
+              <a:buChar char="•"/>
+            </a:pPr>
+            <a:r>
+              <a:rPr lang="de-DE" sz="1600" dirty="0">
+                <a:latin typeface="Segoe UI" panose="020B0502040204020203" pitchFamily="34" charset="0"/>
+              </a:rPr>
+              <a:t>[18] </a:t>
+            </a:r>
+            <a:r>
+              <a:rPr lang="en-US" sz="1600" dirty="0">
+                <a:latin typeface="Segoe UI" panose="020B0502040204020203" pitchFamily="34" charset="0"/>
+              </a:rPr>
+              <a:t>Jain, N., Dahlin, M., and </a:t>
+            </a:r>
+            <a:r>
+              <a:rPr lang="en-US" sz="1600" dirty="0" err="1">
+                <a:latin typeface="Segoe UI" panose="020B0502040204020203" pitchFamily="34" charset="0"/>
+              </a:rPr>
+              <a:t>Tewar</a:t>
+            </a:r>
+            <a:r>
+              <a:rPr lang="en-US" sz="1600" dirty="0">
+                <a:latin typeface="Segoe UI" panose="020B0502040204020203" pitchFamily="34" charset="0"/>
+              </a:rPr>
+              <a:t>, R. 2005. Using Bloom Filters to Refine Web Search Results. In </a:t>
+            </a:r>
+            <a:r>
+              <a:rPr lang="en-US" sz="1600" i="1" dirty="0">
+                <a:latin typeface="Segoe UI" panose="020B0502040204020203" pitchFamily="34" charset="0"/>
+              </a:rPr>
+              <a:t>Eighth International Workshop on the Web and Databases (</a:t>
+            </a:r>
+            <a:r>
+              <a:rPr lang="en-US" sz="1600" i="1" dirty="0" err="1">
+                <a:latin typeface="Segoe UI" panose="020B0502040204020203" pitchFamily="34" charset="0"/>
+              </a:rPr>
+              <a:t>WebDB</a:t>
+            </a:r>
+            <a:r>
+              <a:rPr lang="en-US" sz="1600" i="1" dirty="0">
+                <a:latin typeface="Segoe UI" panose="020B0502040204020203" pitchFamily="34" charset="0"/>
+              </a:rPr>
+              <a:t> ’05)</a:t>
+            </a:r>
+            <a:r>
+              <a:rPr lang="en-US" sz="1600" i="0" dirty="0">
+                <a:latin typeface="Segoe UI" panose="020B0502040204020203" pitchFamily="34" charset="0"/>
+              </a:rPr>
+              <a:t>.</a:t>
+            </a:r>
+            <a:r>
+              <a:rPr lang="de-DE" sz="1600" dirty="0">
+                <a:latin typeface="Segoe UI" panose="020B0502040204020203" pitchFamily="34" charset="0"/>
+              </a:rPr>
+              <a:t> https://www.microsoft.com/en-us/research/wp-content/uploads/2017/01/webdb-167.pdf</a:t>
+            </a:r>
+          </a:p>
+          <a:p>
+            <a:pPr marL="285750" indent="-285750">
+              <a:buFont typeface="Arial" panose="020B0604020202020204" pitchFamily="34" charset="0"/>
+              <a:buChar char="•"/>
+            </a:pPr>
+            <a:endParaRPr kumimoji="0" lang="de-DE" altLang="de-DE" sz="1600" b="0" i="0" u="none" strike="noStrike" cap="none" normalizeH="0" baseline="0" dirty="0">
+              <a:ln>
+                <a:noFill/>
+              </a:ln>
+              <a:solidFill>
+                <a:schemeClr val="tx1"/>
+              </a:solidFill>
+              <a:effectLst/>
+              <a:latin typeface="Segoe UI" panose="020B0502040204020203" pitchFamily="34" charset="0"/>
+              <a:cs typeface="Segoe UI" panose="020B0502040204020203" pitchFamily="34" charset="0"/>
+            </a:endParaRPr>
+          </a:p>
+          <a:p>
+            <a:pPr marL="285750" indent="-285750">
+              <a:buFont typeface="Arial" panose="020B0604020202020204" pitchFamily="34" charset="0"/>
+              <a:buChar char="•"/>
+            </a:pPr>
+            <a:endParaRPr lang="de-DE" altLang="de-DE" sz="1600" dirty="0">
+              <a:latin typeface="Segoe UI" panose="020B0502040204020203" pitchFamily="34" charset="0"/>
+              <a:cs typeface="Segoe UI" panose="020B0502040204020203" pitchFamily="34" charset="0"/>
+            </a:endParaRPr>
+          </a:p>
+          <a:p>
+            <a:pPr marL="285750" indent="-285750">
+              <a:buFont typeface="Arial" panose="020B0604020202020204" pitchFamily="34" charset="0"/>
+              <a:buChar char="•"/>
+            </a:pPr>
+            <a:endParaRPr kumimoji="0" lang="de-DE" altLang="de-DE" sz="3600" b="0" i="0" u="none" strike="noStrike" cap="none" normalizeH="0" baseline="0" dirty="0">
+              <a:ln>
+                <a:noFill/>
+              </a:ln>
+              <a:solidFill>
+                <a:schemeClr val="tx1"/>
+              </a:solidFill>
+              <a:effectLst/>
+              <a:latin typeface="Arial" panose="020B0604020202020204" pitchFamily="34" charset="0"/>
+            </a:endParaRPr>
+          </a:p>
+          <a:p>
+            <a:pPr marL="285750" indent="-285750">
+              <a:buFont typeface="Arial" panose="020B0604020202020204" pitchFamily="34" charset="0"/>
+              <a:buChar char="•"/>
+            </a:pPr>
+            <a:endParaRPr lang="de-DE" altLang="de-DE" sz="1600" dirty="0">
+              <a:latin typeface="Segoe UI" panose="020B0502040204020203" pitchFamily="34" charset="0"/>
+              <a:cs typeface="Segoe UI" panose="020B0502040204020203" pitchFamily="34" charset="0"/>
+            </a:endParaRPr>
+          </a:p>
+          <a:p>
+            <a:pPr marL="285750" indent="-285750">
+              <a:buFont typeface="Arial" panose="020B0604020202020204" pitchFamily="34" charset="0"/>
+              <a:buChar char="•"/>
+            </a:pPr>
+            <a:endParaRPr kumimoji="0" lang="de-DE" altLang="de-DE" sz="3600" b="0" i="0" u="none" strike="noStrike" cap="none" normalizeH="0" baseline="0" dirty="0">
+              <a:ln>
+                <a:noFill/>
+              </a:ln>
+              <a:solidFill>
+                <a:schemeClr val="tx1"/>
+              </a:solidFill>
+              <a:effectLst/>
+              <a:latin typeface="Arial" panose="020B0604020202020204" pitchFamily="34" charset="0"/>
+            </a:endParaRPr>
+          </a:p>
+          <a:p>
+            <a:pPr marL="285750" indent="-285750">
+              <a:buFont typeface="Arial" panose="020B0604020202020204" pitchFamily="34" charset="0"/>
+              <a:buChar char="•"/>
+            </a:pPr>
+            <a:endParaRPr lang="en-US" sz="1600" i="0" dirty="0">
+              <a:latin typeface="Segoe UI" panose="020B0502040204020203" pitchFamily="34" charset="0"/>
+            </a:endParaRPr>
+          </a:p>
+          <a:p>
+            <a:pPr marL="285750" indent="-285750">
+              <a:buFont typeface="Arial" panose="020B0604020202020204" pitchFamily="34" charset="0"/>
+              <a:buChar char="•"/>
+            </a:pPr>
+            <a:endParaRPr lang="en-US" sz="1600" i="0" dirty="0">
+              <a:latin typeface="Segoe UI" panose="020B0502040204020203" pitchFamily="34" charset="0"/>
+            </a:endParaRPr>
+          </a:p>
+        </p:txBody>
+      </p:sp>
+    </p:spTree>
+    <p:extLst>
+      <p:ext uri="{BB962C8B-B14F-4D97-AF65-F5344CB8AC3E}">
+        <p14:creationId xmlns:p14="http://schemas.microsoft.com/office/powerpoint/2010/main" val="3408374900"/>
+      </p:ext>
+    </p:extLst>
+  </p:cSld>
+  <p:clrMapOvr>
+    <a:masterClrMapping/>
+  </p:clrMapOvr>
+</p:sld>
+</file>
+
+<file path=ppt/slides/slide27.xml><?xml version="1.0" encoding="utf-8"?>
+<p:sld xmlns:a="http://schemas.openxmlformats.org/drawingml/2006/main" xmlns:r="http://schemas.openxmlformats.org/officeDocument/2006/relationships" xmlns:p="http://schemas.openxmlformats.org/presentationml/2006/main">
+  <p:cSld>
+    <p:spTree>
+      <p:nvGrpSpPr>
+        <p:cNvPr id="1" name=""/>
+        <p:cNvGrpSpPr/>
+        <p:nvPr/>
+      </p:nvGrpSpPr>
+      <p:grpSpPr>
+        <a:xfrm>
+          <a:off x="0" y="0"/>
+          <a:ext cx="0" cy="0"/>
+          <a:chOff x="0" y="0"/>
+          <a:chExt cx="0" cy="0"/>
+        </a:xfrm>
+      </p:grpSpPr>
+      <p:sp>
+        <p:nvSpPr>
+          <p:cNvPr id="6" name="Foliennummernplatzhalter 5"/>
+          <p:cNvSpPr>
+            <a:spLocks noGrp="1"/>
+          </p:cNvSpPr>
+          <p:nvPr>
+            <p:ph type="sldNum" sz="quarter" idx="4"/>
+          </p:nvPr>
+        </p:nvSpPr>
+        <p:spPr/>
+        <p:txBody>
+          <a:bodyPr/>
+          <a:lstStyle/>
+          <a:p>
+            <a:fld id="{F9CA7F02-FF28-4D8F-AF3B-6C950C783A54}" type="slidenum">
+              <a:rPr lang="de-DE" smtClean="0"/>
+              <a:pPr/>
+              <a:t>27</a:t>
+            </a:fld>
+            <a:endParaRPr lang="de-DE"/>
+          </a:p>
+        </p:txBody>
+      </p:sp>
+      <p:sp>
+        <p:nvSpPr>
+          <p:cNvPr id="3" name="Titel 2"/>
+          <p:cNvSpPr>
+            <a:spLocks noGrp="1"/>
+          </p:cNvSpPr>
+          <p:nvPr>
+            <p:ph type="title"/>
+          </p:nvPr>
+        </p:nvSpPr>
+        <p:spPr/>
+        <p:txBody>
+          <a:bodyPr/>
+          <a:lstStyle/>
+          <a:p>
+            <a:r>
+              <a:rPr lang="de-DE" dirty="0"/>
+              <a:t>BLOOM-FILTER</a:t>
+            </a:r>
+          </a:p>
+        </p:txBody>
+      </p:sp>
+      <p:sp>
+        <p:nvSpPr>
+          <p:cNvPr id="4" name="Inhaltsplatzhalter 3"/>
+          <p:cNvSpPr>
+            <a:spLocks noGrp="1"/>
+          </p:cNvSpPr>
+          <p:nvPr>
+            <p:ph sz="quarter" idx="13"/>
+          </p:nvPr>
+        </p:nvSpPr>
+        <p:spPr>
+          <a:xfrm>
+            <a:off x="936000" y="699542"/>
+            <a:ext cx="7308000" cy="429622"/>
+          </a:xfrm>
+        </p:spPr>
+        <p:txBody>
+          <a:bodyPr/>
+          <a:lstStyle/>
+          <a:p>
+            <a:r>
+              <a:rPr lang="de-DE" dirty="0"/>
+              <a:t>Quellen</a:t>
+            </a:r>
+          </a:p>
+        </p:txBody>
+      </p:sp>
+      <p:sp>
+        <p:nvSpPr>
+          <p:cNvPr id="7" name="Fußzeilenplatzhalter 6"/>
+          <p:cNvSpPr>
+            <a:spLocks noGrp="1"/>
+          </p:cNvSpPr>
+          <p:nvPr>
+            <p:ph type="ftr" sz="quarter" idx="3"/>
+          </p:nvPr>
+        </p:nvSpPr>
+        <p:spPr/>
+        <p:txBody>
+          <a:bodyPr/>
+          <a:lstStyle/>
+          <a:p>
+            <a:r>
+              <a:rPr lang="de-DE" dirty="0"/>
+              <a:t>TU Bergakademie Freiberg | Vortragender: Florian Schierz | 2022</a:t>
+            </a:r>
+          </a:p>
+        </p:txBody>
+      </p:sp>
+      <p:sp>
+        <p:nvSpPr>
+          <p:cNvPr id="11" name="Textfeld 10">
+            <a:extLst>
+              <a:ext uri="{FF2B5EF4-FFF2-40B4-BE49-F238E27FC236}">
+                <a16:creationId xmlns:a16="http://schemas.microsoft.com/office/drawing/2014/main" id="{AED7FCD8-3C56-4B11-ADA2-B181B3B96684}"/>
+              </a:ext>
+            </a:extLst>
+          </p:cNvPr>
+          <p:cNvSpPr txBox="1"/>
+          <p:nvPr/>
+        </p:nvSpPr>
+        <p:spPr>
+          <a:xfrm>
+            <a:off x="611560" y="1419622"/>
+            <a:ext cx="8064896" cy="1323439"/>
+          </a:xfrm>
+          <a:prstGeom prst="rect">
+            <a:avLst/>
+          </a:prstGeom>
+          <a:noFill/>
+        </p:spPr>
+        <p:txBody>
+          <a:bodyPr wrap="square" rtlCol="0">
+            <a:spAutoFit/>
+          </a:bodyPr>
+          <a:lstStyle/>
+          <a:p>
+            <a:pPr marL="285750" indent="-285750">
+              <a:buFont typeface="Arial" panose="020B0604020202020204" pitchFamily="34" charset="0"/>
+              <a:buChar char="•"/>
+            </a:pPr>
+            <a:r>
+              <a:rPr lang="en-US" sz="1600" dirty="0" err="1">
+                <a:latin typeface="Segoe UI" panose="020B0502040204020203" pitchFamily="34" charset="0"/>
+              </a:rPr>
+              <a:t>Bilder</a:t>
+            </a:r>
+            <a:r>
+              <a:rPr lang="en-US" sz="1600" dirty="0">
+                <a:latin typeface="Segoe UI" panose="020B0502040204020203" pitchFamily="34" charset="0"/>
+              </a:rPr>
+              <a:t>:</a:t>
+            </a:r>
+          </a:p>
+          <a:p>
+            <a:pPr marL="742950" lvl="1" indent="-285750">
+              <a:buFont typeface="Arial" panose="020B0604020202020204" pitchFamily="34" charset="0"/>
+              <a:buChar char="•"/>
+            </a:pPr>
+            <a:r>
+              <a:rPr lang="en-US" sz="1600" dirty="0">
+                <a:latin typeface="Segoe UI" panose="020B0502040204020203" pitchFamily="34" charset="0"/>
+              </a:rPr>
+              <a:t>Folie 1 links: </a:t>
+            </a:r>
+            <a:r>
+              <a:rPr lang="en-US" sz="1600" dirty="0"/>
+              <a:t>Photo by </a:t>
+            </a:r>
+            <a:r>
+              <a:rPr lang="en-US" sz="1600" dirty="0">
+                <a:hlinkClick r:id="rId2"/>
+              </a:rPr>
+              <a:t>Shahadat Rahman</a:t>
+            </a:r>
+            <a:r>
+              <a:rPr lang="en-US" sz="1600" dirty="0"/>
+              <a:t> on </a:t>
+            </a:r>
+            <a:r>
+              <a:rPr lang="en-US" sz="1600" dirty="0" err="1">
+                <a:hlinkClick r:id="rId3"/>
+              </a:rPr>
+              <a:t>Unsplash</a:t>
+            </a:r>
+            <a:r>
+              <a:rPr lang="en-US" sz="1600" dirty="0"/>
+              <a:t> </a:t>
+            </a:r>
+          </a:p>
+          <a:p>
+            <a:pPr marL="742950" lvl="1" indent="-285750">
+              <a:buFont typeface="Arial" panose="020B0604020202020204" pitchFamily="34" charset="0"/>
+              <a:buChar char="•"/>
+            </a:pPr>
+            <a:r>
+              <a:rPr lang="en-US" sz="1600" dirty="0">
+                <a:latin typeface="Segoe UI" panose="020B0502040204020203" pitchFamily="34" charset="0"/>
+              </a:rPr>
+              <a:t>Folie 1 Mitte: </a:t>
+            </a:r>
+            <a:r>
+              <a:rPr lang="en-US" sz="1600" dirty="0"/>
+              <a:t>Photo by </a:t>
+            </a:r>
+            <a:r>
+              <a:rPr lang="en-US" sz="1600" dirty="0">
+                <a:hlinkClick r:id="rId4"/>
+              </a:rPr>
+              <a:t>Carlos </a:t>
+            </a:r>
+            <a:r>
+              <a:rPr lang="en-US" sz="1600" dirty="0" err="1">
+                <a:hlinkClick r:id="rId4"/>
+              </a:rPr>
+              <a:t>Muza</a:t>
+            </a:r>
+            <a:r>
+              <a:rPr lang="en-US" sz="1600" dirty="0"/>
+              <a:t> on </a:t>
+            </a:r>
+            <a:r>
+              <a:rPr lang="en-US" sz="1600" dirty="0" err="1">
+                <a:hlinkClick r:id="rId3"/>
+              </a:rPr>
+              <a:t>Unsplash</a:t>
+            </a:r>
+            <a:r>
+              <a:rPr lang="en-US" sz="1600" dirty="0"/>
+              <a:t> </a:t>
+            </a:r>
+            <a:endParaRPr lang="en-US" sz="1600" dirty="0">
+              <a:latin typeface="Segoe UI" panose="020B0502040204020203" pitchFamily="34" charset="0"/>
+            </a:endParaRPr>
+          </a:p>
+          <a:p>
+            <a:pPr marL="742950" lvl="1" indent="-285750">
+              <a:buFont typeface="Arial" panose="020B0604020202020204" pitchFamily="34" charset="0"/>
+              <a:buChar char="•"/>
+            </a:pPr>
+            <a:r>
+              <a:rPr lang="en-US" sz="1600" dirty="0">
+                <a:latin typeface="Segoe UI" panose="020B0502040204020203" pitchFamily="34" charset="0"/>
+              </a:rPr>
+              <a:t>Folie 1 </a:t>
+            </a:r>
+            <a:r>
+              <a:rPr lang="en-US" sz="1600" dirty="0" err="1">
+                <a:latin typeface="Segoe UI" panose="020B0502040204020203" pitchFamily="34" charset="0"/>
+              </a:rPr>
+              <a:t>rechts</a:t>
+            </a:r>
+            <a:r>
+              <a:rPr lang="en-US" sz="1600" dirty="0">
+                <a:latin typeface="Segoe UI" panose="020B0502040204020203" pitchFamily="34" charset="0"/>
+              </a:rPr>
+              <a:t>: </a:t>
+            </a:r>
+            <a:r>
+              <a:rPr lang="en-US" sz="1600" dirty="0"/>
+              <a:t>Photo by </a:t>
+            </a:r>
+            <a:r>
+              <a:rPr lang="en-US" sz="1600" dirty="0">
+                <a:hlinkClick r:id="rId5"/>
+              </a:rPr>
+              <a:t>Pietro </a:t>
+            </a:r>
+            <a:r>
+              <a:rPr lang="en-US" sz="1600" dirty="0" err="1">
+                <a:hlinkClick r:id="rId5"/>
+              </a:rPr>
+              <a:t>Jeng</a:t>
+            </a:r>
+            <a:r>
+              <a:rPr lang="en-US" sz="1600" dirty="0"/>
+              <a:t> on </a:t>
+            </a:r>
+            <a:r>
+              <a:rPr lang="en-US" sz="1600" dirty="0" err="1">
+                <a:hlinkClick r:id="rId3"/>
+              </a:rPr>
+              <a:t>Unsplash</a:t>
+            </a:r>
+            <a:r>
+              <a:rPr lang="en-US" sz="1600" dirty="0"/>
+              <a:t> </a:t>
+            </a:r>
+            <a:endParaRPr lang="en-US" sz="1600" dirty="0">
+              <a:latin typeface="Segoe UI" panose="020B0502040204020203" pitchFamily="34" charset="0"/>
+            </a:endParaRPr>
+          </a:p>
+          <a:p>
+            <a:pPr marL="742950" lvl="1" indent="-285750">
+              <a:buFont typeface="Arial" panose="020B0604020202020204" pitchFamily="34" charset="0"/>
+              <a:buChar char="•"/>
+            </a:pPr>
+            <a:r>
+              <a:rPr lang="en-US" sz="1600" dirty="0">
+                <a:latin typeface="Segoe UI" panose="020B0502040204020203" pitchFamily="34" charset="0"/>
+              </a:rPr>
+              <a:t>Folie 2 </a:t>
+            </a:r>
+            <a:r>
+              <a:rPr lang="en-US" sz="1600" dirty="0" err="1">
+                <a:latin typeface="Segoe UI" panose="020B0502040204020203" pitchFamily="34" charset="0"/>
+              </a:rPr>
+              <a:t>unten</a:t>
+            </a:r>
+            <a:r>
+              <a:rPr lang="en-US" sz="1600" dirty="0">
+                <a:latin typeface="Segoe UI" panose="020B0502040204020203" pitchFamily="34" charset="0"/>
+              </a:rPr>
+              <a:t> links: </a:t>
+            </a:r>
+            <a:r>
+              <a:rPr lang="en-US" sz="1600" dirty="0"/>
+              <a:t>Photo by </a:t>
+            </a:r>
+            <a:r>
+              <a:rPr lang="en-US" sz="1600" dirty="0">
+                <a:hlinkClick r:id="rId6"/>
+              </a:rPr>
+              <a:t>FLY:D</a:t>
+            </a:r>
+            <a:r>
+              <a:rPr lang="en-US" sz="1600" dirty="0"/>
+              <a:t> on </a:t>
+            </a:r>
+            <a:r>
+              <a:rPr lang="en-US" sz="1600" dirty="0" err="1">
+                <a:hlinkClick r:id="rId7"/>
+              </a:rPr>
+              <a:t>Unsplash</a:t>
+            </a:r>
+            <a:r>
+              <a:rPr lang="en-US" sz="1600" dirty="0"/>
+              <a:t> </a:t>
+            </a:r>
+            <a:endParaRPr lang="en-US" sz="1600" dirty="0">
+              <a:latin typeface="Segoe UI" panose="020B0502040204020203" pitchFamily="34" charset="0"/>
+            </a:endParaRPr>
+          </a:p>
+        </p:txBody>
+      </p:sp>
+    </p:spTree>
+    <p:extLst>
+      <p:ext uri="{BB962C8B-B14F-4D97-AF65-F5344CB8AC3E}">
+        <p14:creationId xmlns:p14="http://schemas.microsoft.com/office/powerpoint/2010/main" val="2440927848"/>
+      </p:ext>
+    </p:extLst>
+  </p:cSld>
+  <p:clrMapOvr>
+    <a:masterClrMapping/>
+  </p:clrMapOvr>
+</p:sld>
+</file>
+
+<file path=ppt/slides/slide28.xml><?xml version="1.0" encoding="utf-8"?>
+<p:sld xmlns:a="http://schemas.openxmlformats.org/drawingml/2006/main" xmlns:r="http://schemas.openxmlformats.org/officeDocument/2006/relationships" xmlns:p="http://schemas.openxmlformats.org/presentationml/2006/main">
+  <p:cSld>
+    <p:spTree>
+      <p:nvGrpSpPr>
+        <p:cNvPr id="1" name=""/>
+        <p:cNvGrpSpPr/>
+        <p:nvPr/>
+      </p:nvGrpSpPr>
+      <p:grpSpPr>
+        <a:xfrm>
+          <a:off x="0" y="0"/>
+          <a:ext cx="0" cy="0"/>
+          <a:chOff x="0" y="0"/>
+          <a:chExt cx="0" cy="0"/>
+        </a:xfrm>
+      </p:grpSpPr>
+      <p:sp>
+        <p:nvSpPr>
+          <p:cNvPr id="6" name="Foliennummernplatzhalter 5"/>
+          <p:cNvSpPr>
+            <a:spLocks noGrp="1"/>
+          </p:cNvSpPr>
+          <p:nvPr>
+            <p:ph type="sldNum" sz="quarter" idx="4"/>
+          </p:nvPr>
+        </p:nvSpPr>
+        <p:spPr/>
+        <p:txBody>
+          <a:bodyPr/>
+          <a:lstStyle/>
+          <a:p>
+            <a:fld id="{F9CA7F02-FF28-4D8F-AF3B-6C950C783A54}" type="slidenum">
+              <a:rPr lang="de-DE" smtClean="0"/>
+              <a:pPr/>
+              <a:t>28</a:t>
+            </a:fld>
+            <a:endParaRPr lang="de-DE"/>
+          </a:p>
+        </p:txBody>
+      </p:sp>
+      <p:sp>
+        <p:nvSpPr>
+          <p:cNvPr id="3" name="Titel 2"/>
+          <p:cNvSpPr>
+            <a:spLocks noGrp="1"/>
+          </p:cNvSpPr>
+          <p:nvPr>
+            <p:ph type="title"/>
+          </p:nvPr>
+        </p:nvSpPr>
+        <p:spPr/>
+        <p:txBody>
+          <a:bodyPr/>
+          <a:lstStyle/>
+          <a:p>
+            <a:r>
+              <a:rPr lang="de-DE" dirty="0"/>
+              <a:t>BLOOM-FILTER</a:t>
+            </a:r>
+          </a:p>
+        </p:txBody>
+      </p:sp>
+      <p:sp>
+        <p:nvSpPr>
+          <p:cNvPr id="4" name="Inhaltsplatzhalter 3"/>
+          <p:cNvSpPr>
+            <a:spLocks noGrp="1"/>
+          </p:cNvSpPr>
+          <p:nvPr>
+            <p:ph sz="quarter" idx="13"/>
+          </p:nvPr>
+        </p:nvSpPr>
+        <p:spPr>
+          <a:xfrm>
+            <a:off x="936000" y="699542"/>
+            <a:ext cx="7308000" cy="429622"/>
+          </a:xfrm>
+        </p:spPr>
+        <p:txBody>
+          <a:bodyPr/>
+          <a:lstStyle/>
+          <a:p>
+            <a:r>
+              <a:rPr lang="de-DE" dirty="0"/>
               <a:t>Diskussion</a:t>
             </a:r>
           </a:p>
@@ -11705,7 +12883,7 @@
 </p:sld>
 </file>
 
-<file path=ppt/slides/slide26.xml><?xml version="1.0" encoding="utf-8"?>
+<file path=ppt/slides/slide29.xml><?xml version="1.0" encoding="utf-8"?>
 <p:sld xmlns:a="http://schemas.openxmlformats.org/drawingml/2006/main" xmlns:r="http://schemas.openxmlformats.org/officeDocument/2006/relationships" xmlns:p="http://schemas.openxmlformats.org/presentationml/2006/main">
   <p:cSld>
     <p:spTree>
@@ -12208,7 +13386,7 @@
             <a:fld id="{F9CA7F02-FF28-4D8F-AF3B-6C950C783A54}" type="slidenum">
               <a:rPr lang="de-DE" smtClean="0"/>
               <a:pPr/>
-              <a:t>26</a:t>
+              <a:t>29</a:t>
             </a:fld>
             <a:endParaRPr lang="de-DE"/>
           </a:p>
@@ -13648,774 +14826,6 @@
               <a:pPr/>
               <a:t>5</a:t>
             </a:fld>
-            <a:endParaRPr lang="de-DE" dirty="0"/>
-          </a:p>
-        </p:txBody>
-      </p:sp>
-      <p:sp>
-        <p:nvSpPr>
-          <p:cNvPr id="3" name="Titel 2"/>
-          <p:cNvSpPr>
-            <a:spLocks noGrp="1"/>
-          </p:cNvSpPr>
-          <p:nvPr>
-            <p:ph type="title"/>
-          </p:nvPr>
-        </p:nvSpPr>
-        <p:spPr/>
-        <p:txBody>
-          <a:bodyPr/>
-          <a:lstStyle/>
-          <a:p>
-            <a:r>
-              <a:rPr lang="de-DE" dirty="0"/>
-              <a:t>BLOOM-FILTER</a:t>
-            </a:r>
-          </a:p>
-        </p:txBody>
-      </p:sp>
-      <p:sp>
-        <p:nvSpPr>
-          <p:cNvPr id="4" name="Inhaltsplatzhalter 3"/>
-          <p:cNvSpPr>
-            <a:spLocks noGrp="1"/>
-          </p:cNvSpPr>
-          <p:nvPr>
-            <p:ph sz="quarter" idx="13"/>
-          </p:nvPr>
-        </p:nvSpPr>
-        <p:spPr>
-          <a:xfrm>
-            <a:off x="936000" y="699542"/>
-            <a:ext cx="7308000" cy="429622"/>
-          </a:xfrm>
-        </p:spPr>
-        <p:txBody>
-          <a:bodyPr/>
-          <a:lstStyle/>
-          <a:p>
-            <a:r>
-              <a:rPr lang="de-DE" dirty="0"/>
-              <a:t>Anwendungen</a:t>
-            </a:r>
-          </a:p>
-        </p:txBody>
-      </p:sp>
-      <p:sp>
-        <p:nvSpPr>
-          <p:cNvPr id="7" name="Fußzeilenplatzhalter 6"/>
-          <p:cNvSpPr>
-            <a:spLocks noGrp="1"/>
-          </p:cNvSpPr>
-          <p:nvPr>
-            <p:ph type="ftr" sz="quarter" idx="3"/>
-          </p:nvPr>
-        </p:nvSpPr>
-        <p:spPr/>
-        <p:txBody>
-          <a:bodyPr/>
-          <a:lstStyle/>
-          <a:p>
-            <a:r>
-              <a:rPr lang="de-DE" dirty="0"/>
-              <a:t>TU Bergakademie Freiberg | Vortragender: Florian Schierz | 2022</a:t>
-            </a:r>
-          </a:p>
-        </p:txBody>
-      </p:sp>
-      <p:sp>
-        <p:nvSpPr>
-          <p:cNvPr id="8" name="Textfeld 7">
-            <a:extLst>
-              <a:ext uri="{FF2B5EF4-FFF2-40B4-BE49-F238E27FC236}">
-                <a16:creationId xmlns:a16="http://schemas.microsoft.com/office/drawing/2014/main" id="{FFAF0D22-364A-FFB6-C212-9497C974D5B8}"/>
-              </a:ext>
-            </a:extLst>
-          </p:cNvPr>
-          <p:cNvSpPr txBox="1"/>
-          <p:nvPr/>
-        </p:nvSpPr>
-        <p:spPr>
-          <a:xfrm>
-            <a:off x="611560" y="1203598"/>
-            <a:ext cx="7632440" cy="2862322"/>
-          </a:xfrm>
-          <a:prstGeom prst="rect">
-            <a:avLst/>
-          </a:prstGeom>
-          <a:noFill/>
-        </p:spPr>
-        <p:txBody>
-          <a:bodyPr wrap="square" rtlCol="0">
-            <a:spAutoFit/>
-          </a:bodyPr>
-          <a:lstStyle/>
-          <a:p>
-            <a:pPr marL="285750" indent="-285750">
-              <a:buFont typeface="Arial" panose="020B0604020202020204" pitchFamily="34" charset="0"/>
-              <a:buChar char="•"/>
-            </a:pPr>
-            <a:r>
-              <a:rPr lang="de-DE" b="1" dirty="0"/>
-              <a:t>Allgemein:</a:t>
-            </a:r>
-            <a:r>
-              <a:rPr lang="de-DE" dirty="0"/>
-              <a:t> </a:t>
-            </a:r>
-            <a:r>
-              <a:rPr lang="de-DE" dirty="0">
-                <a:solidFill>
-                  <a:srgbClr val="000000"/>
-                </a:solidFill>
-              </a:rPr>
-              <a:t>Überall, wo in </a:t>
-            </a:r>
-            <a:r>
-              <a:rPr lang="de-DE" b="1" dirty="0">
-                <a:solidFill>
-                  <a:srgbClr val="000000"/>
-                </a:solidFill>
-              </a:rPr>
-              <a:t>kurzer Zeit </a:t>
-            </a:r>
-            <a:r>
-              <a:rPr lang="de-DE" dirty="0">
-                <a:solidFill>
-                  <a:srgbClr val="000000"/>
-                </a:solidFill>
-              </a:rPr>
-              <a:t>eine Aussage über </a:t>
-            </a:r>
-            <a:r>
-              <a:rPr lang="de-DE" b="1" dirty="0">
-                <a:solidFill>
-                  <a:srgbClr val="000000"/>
-                </a:solidFill>
-              </a:rPr>
-              <a:t>Mitgliedschaft</a:t>
-            </a:r>
-            <a:r>
-              <a:rPr lang="de-DE" dirty="0">
-                <a:solidFill>
-                  <a:srgbClr val="000000"/>
-                </a:solidFill>
-              </a:rPr>
-              <a:t> eines Elements in einer vorhandenen Menge Elementen gefragt ist [2]</a:t>
-            </a:r>
-          </a:p>
-          <a:p>
-            <a:pPr marL="285750" indent="-285750">
-              <a:buFont typeface="Arial" panose="020B0604020202020204" pitchFamily="34" charset="0"/>
-              <a:buChar char="•"/>
-            </a:pPr>
-            <a:endParaRPr lang="de-DE" dirty="0"/>
-          </a:p>
-          <a:p>
-            <a:pPr marL="285750" indent="-285750">
-              <a:buFont typeface="Arial" panose="020B0604020202020204" pitchFamily="34" charset="0"/>
-              <a:buChar char="•"/>
-            </a:pPr>
-            <a:r>
-              <a:rPr lang="de-DE" b="1" dirty="0"/>
-              <a:t>Netzwerkanwendungen: </a:t>
-            </a:r>
-            <a:r>
-              <a:rPr lang="de-DE" dirty="0"/>
-              <a:t>[2]</a:t>
-            </a:r>
-          </a:p>
-          <a:p>
-            <a:pPr marL="742950" lvl="1" indent="-285750">
-              <a:buFont typeface="Arial" panose="020B0604020202020204" pitchFamily="34" charset="0"/>
-              <a:buChar char="•"/>
-            </a:pPr>
-            <a:r>
-              <a:rPr lang="de-DE" dirty="0">
-                <a:solidFill>
-                  <a:srgbClr val="000000"/>
-                </a:solidFill>
-              </a:rPr>
-              <a:t>Routing</a:t>
-            </a:r>
-          </a:p>
-          <a:p>
-            <a:pPr marL="742950" lvl="1" indent="-285750">
-              <a:buFont typeface="Arial" panose="020B0604020202020204" pitchFamily="34" charset="0"/>
-              <a:buChar char="•"/>
-            </a:pPr>
-            <a:r>
-              <a:rPr lang="de-DE" dirty="0">
-                <a:solidFill>
-                  <a:srgbClr val="000000"/>
-                </a:solidFill>
-              </a:rPr>
-              <a:t>Verhinderung von Loops</a:t>
-            </a:r>
-          </a:p>
-          <a:p>
-            <a:pPr marL="742950" lvl="1" indent="-285750">
-              <a:buFont typeface="Arial" panose="020B0604020202020204" pitchFamily="34" charset="0"/>
-              <a:buChar char="•"/>
-            </a:pPr>
-            <a:r>
-              <a:rPr lang="de-DE" dirty="0">
-                <a:solidFill>
-                  <a:srgbClr val="000000"/>
-                </a:solidFill>
-              </a:rPr>
-              <a:t>IP-Routenverfolgung</a:t>
-            </a:r>
-          </a:p>
-          <a:p>
-            <a:pPr marL="742950" lvl="1" indent="-285750">
-              <a:buFont typeface="Arial" panose="020B0604020202020204" pitchFamily="34" charset="0"/>
-              <a:buChar char="•"/>
-            </a:pPr>
-            <a:r>
-              <a:rPr lang="de-DE" dirty="0">
-                <a:solidFill>
-                  <a:srgbClr val="000000"/>
-                </a:solidFill>
-              </a:rPr>
-              <a:t>Web-Caches</a:t>
-            </a:r>
-          </a:p>
-          <a:p>
-            <a:pPr marL="742950" lvl="1" indent="-285750">
-              <a:buFont typeface="Arial" panose="020B0604020202020204" pitchFamily="34" charset="0"/>
-              <a:buChar char="•"/>
-            </a:pPr>
-            <a:r>
-              <a:rPr lang="de-DE" dirty="0">
-                <a:solidFill>
-                  <a:srgbClr val="000000"/>
-                </a:solidFill>
-              </a:rPr>
-              <a:t>Verhindern von DDoS-Angriffen [3]</a:t>
-            </a:r>
-          </a:p>
-          <a:p>
-            <a:pPr marL="742950" lvl="1" indent="-285750">
-              <a:buFont typeface="Arial" panose="020B0604020202020204" pitchFamily="34" charset="0"/>
-              <a:buChar char="•"/>
-            </a:pPr>
-            <a:endParaRPr lang="de-DE" dirty="0"/>
-          </a:p>
-        </p:txBody>
-      </p:sp>
-      <p:pic>
-        <p:nvPicPr>
-          <p:cNvPr id="9" name="Grafik 8">
-            <a:extLst>
-              <a:ext uri="{FF2B5EF4-FFF2-40B4-BE49-F238E27FC236}">
-                <a16:creationId xmlns:a16="http://schemas.microsoft.com/office/drawing/2014/main" id="{770E8199-D9EB-DDFE-B306-18878E8EC9A6}"/>
-              </a:ext>
-            </a:extLst>
-          </p:cNvPr>
-          <p:cNvPicPr>
-            <a:picLocks noChangeAspect="1"/>
-          </p:cNvPicPr>
-          <p:nvPr/>
-        </p:nvPicPr>
-        <p:blipFill rotWithShape="1">
-          <a:blip r:embed="rId2">
-            <a:extLst>
-              <a:ext uri="{28A0092B-C50C-407E-A947-70E740481C1C}">
-                <a14:useLocalDpi xmlns:a14="http://schemas.microsoft.com/office/drawing/2010/main" val="0"/>
-              </a:ext>
-              <a:ext uri="{96DAC541-7B7A-43D3-8B79-37D633B846F1}">
-                <asvg:svgBlip xmlns:asvg="http://schemas.microsoft.com/office/drawing/2016/SVG/main" r:embed="rId3"/>
-              </a:ext>
-            </a:extLst>
-          </a:blip>
-          <a:srcRect l="6438" b="44350"/>
-          <a:stretch/>
-        </p:blipFill>
-        <p:spPr>
-          <a:xfrm>
-            <a:off x="4716015" y="1404062"/>
-            <a:ext cx="4051804" cy="3408551"/>
-          </a:xfrm>
-          <a:prstGeom prst="rect">
-            <a:avLst/>
-          </a:prstGeom>
-        </p:spPr>
-      </p:pic>
-    </p:spTree>
-    <p:extLst>
-      <p:ext uri="{BB962C8B-B14F-4D97-AF65-F5344CB8AC3E}">
-        <p14:creationId xmlns:p14="http://schemas.microsoft.com/office/powerpoint/2010/main" val="4003297358"/>
-      </p:ext>
-    </p:extLst>
-  </p:cSld>
-  <p:clrMapOvr>
-    <a:masterClrMapping/>
-  </p:clrMapOvr>
-</p:sld>
-</file>
-
-<file path=ppt/slides/slide6.xml><?xml version="1.0" encoding="utf-8"?>
-<p:sld xmlns:a="http://schemas.openxmlformats.org/drawingml/2006/main" xmlns:r="http://schemas.openxmlformats.org/officeDocument/2006/relationships" xmlns:p="http://schemas.openxmlformats.org/presentationml/2006/main">
-  <p:cSld>
-    <p:spTree>
-      <p:nvGrpSpPr>
-        <p:cNvPr id="1" name=""/>
-        <p:cNvGrpSpPr/>
-        <p:nvPr/>
-      </p:nvGrpSpPr>
-      <p:grpSpPr>
-        <a:xfrm>
-          <a:off x="0" y="0"/>
-          <a:ext cx="0" cy="0"/>
-          <a:chOff x="0" y="0"/>
-          <a:chExt cx="0" cy="0"/>
-        </a:xfrm>
-      </p:grpSpPr>
-      <p:sp>
-        <p:nvSpPr>
-          <p:cNvPr id="6" name="Foliennummernplatzhalter 5"/>
-          <p:cNvSpPr>
-            <a:spLocks noGrp="1"/>
-          </p:cNvSpPr>
-          <p:nvPr>
-            <p:ph type="sldNum" sz="quarter" idx="4"/>
-          </p:nvPr>
-        </p:nvSpPr>
-        <p:spPr/>
-        <p:txBody>
-          <a:bodyPr/>
-          <a:lstStyle/>
-          <a:p>
-            <a:fld id="{F9CA7F02-FF28-4D8F-AF3B-6C950C783A54}" type="slidenum">
-              <a:rPr lang="de-DE" smtClean="0"/>
-              <a:pPr/>
-              <a:t>6</a:t>
-            </a:fld>
-            <a:endParaRPr lang="de-DE" dirty="0"/>
-          </a:p>
-        </p:txBody>
-      </p:sp>
-      <p:sp>
-        <p:nvSpPr>
-          <p:cNvPr id="3" name="Titel 2"/>
-          <p:cNvSpPr>
-            <a:spLocks noGrp="1"/>
-          </p:cNvSpPr>
-          <p:nvPr>
-            <p:ph type="title"/>
-          </p:nvPr>
-        </p:nvSpPr>
-        <p:spPr/>
-        <p:txBody>
-          <a:bodyPr/>
-          <a:lstStyle/>
-          <a:p>
-            <a:r>
-              <a:rPr lang="de-DE" dirty="0"/>
-              <a:t>BLOOM-FILTER</a:t>
-            </a:r>
-          </a:p>
-        </p:txBody>
-      </p:sp>
-      <p:sp>
-        <p:nvSpPr>
-          <p:cNvPr id="4" name="Inhaltsplatzhalter 3"/>
-          <p:cNvSpPr>
-            <a:spLocks noGrp="1"/>
-          </p:cNvSpPr>
-          <p:nvPr>
-            <p:ph sz="quarter" idx="13"/>
-          </p:nvPr>
-        </p:nvSpPr>
-        <p:spPr>
-          <a:xfrm>
-            <a:off x="936000" y="699542"/>
-            <a:ext cx="7308000" cy="429622"/>
-          </a:xfrm>
-        </p:spPr>
-        <p:txBody>
-          <a:bodyPr/>
-          <a:lstStyle/>
-          <a:p>
-            <a:r>
-              <a:rPr lang="de-DE" dirty="0"/>
-              <a:t>Anwendungen</a:t>
-            </a:r>
-          </a:p>
-        </p:txBody>
-      </p:sp>
-      <p:sp>
-        <p:nvSpPr>
-          <p:cNvPr id="7" name="Fußzeilenplatzhalter 6"/>
-          <p:cNvSpPr>
-            <a:spLocks noGrp="1"/>
-          </p:cNvSpPr>
-          <p:nvPr>
-            <p:ph type="ftr" sz="quarter" idx="3"/>
-          </p:nvPr>
-        </p:nvSpPr>
-        <p:spPr/>
-        <p:txBody>
-          <a:bodyPr/>
-          <a:lstStyle/>
-          <a:p>
-            <a:r>
-              <a:rPr lang="de-DE" dirty="0"/>
-              <a:t>TU Bergakademie Freiberg | Vortragender: Florian Schierz | 2022</a:t>
-            </a:r>
-          </a:p>
-        </p:txBody>
-      </p:sp>
-      <p:sp>
-        <p:nvSpPr>
-          <p:cNvPr id="8" name="Textfeld 7">
-            <a:extLst>
-              <a:ext uri="{FF2B5EF4-FFF2-40B4-BE49-F238E27FC236}">
-                <a16:creationId xmlns:a16="http://schemas.microsoft.com/office/drawing/2014/main" id="{FFAF0D22-364A-FFB6-C212-9497C974D5B8}"/>
-              </a:ext>
-            </a:extLst>
-          </p:cNvPr>
-          <p:cNvSpPr txBox="1"/>
-          <p:nvPr/>
-        </p:nvSpPr>
-        <p:spPr>
-          <a:xfrm>
-            <a:off x="611560" y="1203598"/>
-            <a:ext cx="3960440" cy="1200329"/>
-          </a:xfrm>
-          <a:prstGeom prst="rect">
-            <a:avLst/>
-          </a:prstGeom>
-          <a:noFill/>
-        </p:spPr>
-        <p:txBody>
-          <a:bodyPr wrap="square" rtlCol="0">
-            <a:spAutoFit/>
-          </a:bodyPr>
-          <a:lstStyle/>
-          <a:p>
-            <a:pPr marL="285750" indent="-285750">
-              <a:buFont typeface="Arial" panose="020B0604020202020204" pitchFamily="34" charset="0"/>
-              <a:buChar char="•"/>
-            </a:pPr>
-            <a:r>
-              <a:rPr lang="de-DE" b="1" dirty="0"/>
-              <a:t>Sicherheitsanwendungen: </a:t>
-            </a:r>
-            <a:r>
-              <a:rPr lang="de-DE" dirty="0"/>
-              <a:t>[2]</a:t>
-            </a:r>
-          </a:p>
-          <a:p>
-            <a:pPr marL="742950" lvl="1" indent="-285750">
-              <a:buFont typeface="Arial" panose="020B0604020202020204" pitchFamily="34" charset="0"/>
-              <a:buChar char="•"/>
-            </a:pPr>
-            <a:r>
-              <a:rPr lang="de-DE" dirty="0">
-                <a:solidFill>
-                  <a:srgbClr val="000000"/>
-                </a:solidFill>
-              </a:rPr>
-              <a:t>Intrusion </a:t>
-            </a:r>
-            <a:r>
-              <a:rPr lang="de-DE" dirty="0" err="1">
-                <a:solidFill>
-                  <a:srgbClr val="000000"/>
-                </a:solidFill>
-              </a:rPr>
-              <a:t>Detection</a:t>
-            </a:r>
-            <a:r>
-              <a:rPr lang="de-DE" dirty="0">
-                <a:solidFill>
-                  <a:srgbClr val="000000"/>
-                </a:solidFill>
-              </a:rPr>
-              <a:t> Systems</a:t>
-            </a:r>
-          </a:p>
-          <a:p>
-            <a:pPr marL="742950" lvl="1" indent="-285750">
-              <a:buFont typeface="Arial" panose="020B0604020202020204" pitchFamily="34" charset="0"/>
-              <a:buChar char="•"/>
-            </a:pPr>
-            <a:r>
-              <a:rPr lang="de-DE" dirty="0">
-                <a:solidFill>
-                  <a:srgbClr val="000000"/>
-                </a:solidFill>
-              </a:rPr>
-              <a:t>Verschlüsselte Suche</a:t>
-            </a:r>
-          </a:p>
-          <a:p>
-            <a:pPr marL="742950" lvl="1" indent="-285750">
-              <a:buFont typeface="Arial" panose="020B0604020202020204" pitchFamily="34" charset="0"/>
-              <a:buChar char="•"/>
-            </a:pPr>
-            <a:r>
-              <a:rPr lang="de-DE" dirty="0">
-                <a:solidFill>
-                  <a:srgbClr val="000000"/>
-                </a:solidFill>
-              </a:rPr>
-              <a:t>Datenbanken</a:t>
-            </a:r>
-          </a:p>
-        </p:txBody>
-      </p:sp>
-      <p:sp>
-        <p:nvSpPr>
-          <p:cNvPr id="10" name="Textfeld 9">
-            <a:extLst>
-              <a:ext uri="{FF2B5EF4-FFF2-40B4-BE49-F238E27FC236}">
-                <a16:creationId xmlns:a16="http://schemas.microsoft.com/office/drawing/2014/main" id="{7172F934-74D1-6B92-1BB1-C7F5679C8256}"/>
-              </a:ext>
-            </a:extLst>
-          </p:cNvPr>
-          <p:cNvSpPr txBox="1"/>
-          <p:nvPr/>
-        </p:nvSpPr>
-        <p:spPr>
-          <a:xfrm>
-            <a:off x="4648564" y="1203598"/>
-            <a:ext cx="3960440" cy="1200329"/>
-          </a:xfrm>
-          <a:prstGeom prst="rect">
-            <a:avLst/>
-          </a:prstGeom>
-          <a:noFill/>
-        </p:spPr>
-        <p:txBody>
-          <a:bodyPr wrap="square" rtlCol="0">
-            <a:spAutoFit/>
-          </a:bodyPr>
-          <a:lstStyle/>
-          <a:p>
-            <a:pPr marL="285750" indent="-285750">
-              <a:buFont typeface="Arial" panose="020B0604020202020204" pitchFamily="34" charset="0"/>
-              <a:buChar char="•"/>
-            </a:pPr>
-            <a:r>
-              <a:rPr lang="de-DE" b="1" dirty="0"/>
-              <a:t>Weitere Anwendungen: </a:t>
-            </a:r>
-            <a:r>
-              <a:rPr lang="de-DE" dirty="0"/>
-              <a:t>[2]</a:t>
-            </a:r>
-          </a:p>
-          <a:p>
-            <a:pPr marL="742950" lvl="1" indent="-285750">
-              <a:buFont typeface="Arial" panose="020B0604020202020204" pitchFamily="34" charset="0"/>
-              <a:buChar char="•"/>
-            </a:pPr>
-            <a:r>
-              <a:rPr lang="de-DE" dirty="0">
-                <a:solidFill>
-                  <a:srgbClr val="000000"/>
-                </a:solidFill>
-              </a:rPr>
-              <a:t>Rechtschreibprüfung</a:t>
-            </a:r>
-          </a:p>
-          <a:p>
-            <a:pPr marL="742950" lvl="1" indent="-285750">
-              <a:buFont typeface="Arial" panose="020B0604020202020204" pitchFamily="34" charset="0"/>
-              <a:buChar char="•"/>
-            </a:pPr>
-            <a:r>
-              <a:rPr lang="de-DE" dirty="0" err="1">
-                <a:solidFill>
-                  <a:srgbClr val="000000"/>
-                </a:solidFill>
-              </a:rPr>
-              <a:t>Longest</a:t>
-            </a:r>
-            <a:r>
-              <a:rPr lang="de-DE" dirty="0">
-                <a:solidFill>
-                  <a:srgbClr val="000000"/>
-                </a:solidFill>
-              </a:rPr>
-              <a:t> </a:t>
-            </a:r>
-            <a:r>
-              <a:rPr lang="de-DE" dirty="0" err="1">
-                <a:solidFill>
-                  <a:srgbClr val="000000"/>
-                </a:solidFill>
-              </a:rPr>
-              <a:t>Prefix</a:t>
-            </a:r>
-            <a:r>
-              <a:rPr lang="de-DE" dirty="0">
-                <a:solidFill>
-                  <a:srgbClr val="000000"/>
-                </a:solidFill>
-              </a:rPr>
-              <a:t> </a:t>
-            </a:r>
-            <a:r>
-              <a:rPr lang="de-DE" dirty="0" err="1">
-                <a:solidFill>
-                  <a:srgbClr val="000000"/>
-                </a:solidFill>
-              </a:rPr>
-              <a:t>Matching</a:t>
-            </a:r>
-            <a:endParaRPr lang="de-DE" dirty="0">
-              <a:solidFill>
-                <a:srgbClr val="000000"/>
-              </a:solidFill>
-            </a:endParaRPr>
-          </a:p>
-          <a:p>
-            <a:pPr marL="742950" lvl="1" indent="-285750">
-              <a:buFont typeface="Arial" panose="020B0604020202020204" pitchFamily="34" charset="0"/>
-              <a:buChar char="•"/>
-            </a:pPr>
-            <a:r>
-              <a:rPr lang="de-DE" dirty="0">
-                <a:solidFill>
-                  <a:srgbClr val="000000"/>
-                </a:solidFill>
-              </a:rPr>
-              <a:t>Suchmaschinen</a:t>
-            </a:r>
-          </a:p>
-        </p:txBody>
-      </p:sp>
-      <p:pic>
-        <p:nvPicPr>
-          <p:cNvPr id="5" name="Grafik 4">
-            <a:extLst>
-              <a:ext uri="{FF2B5EF4-FFF2-40B4-BE49-F238E27FC236}">
-                <a16:creationId xmlns:a16="http://schemas.microsoft.com/office/drawing/2014/main" id="{35CEEA72-57FF-750D-A4BB-2818B2517313}"/>
-              </a:ext>
-            </a:extLst>
-          </p:cNvPr>
-          <p:cNvPicPr>
-            <a:picLocks noChangeAspect="1"/>
-          </p:cNvPicPr>
-          <p:nvPr/>
-        </p:nvPicPr>
-        <p:blipFill rotWithShape="1">
-          <a:blip r:embed="rId2">
-            <a:extLst>
-              <a:ext uri="{28A0092B-C50C-407E-A947-70E740481C1C}">
-                <a14:useLocalDpi xmlns:a14="http://schemas.microsoft.com/office/drawing/2010/main" val="0"/>
-              </a:ext>
-              <a:ext uri="{96DAC541-7B7A-43D3-8B79-37D633B846F1}">
-                <asvg:svgBlip xmlns:asvg="http://schemas.microsoft.com/office/drawing/2016/SVG/main" r:embed="rId3"/>
-              </a:ext>
-            </a:extLst>
-          </a:blip>
-          <a:srcRect b="73800"/>
-          <a:stretch/>
-        </p:blipFill>
-        <p:spPr>
-          <a:xfrm>
-            <a:off x="267638" y="2489330"/>
-            <a:ext cx="4380926" cy="1623424"/>
-          </a:xfrm>
-          <a:prstGeom prst="rect">
-            <a:avLst/>
-          </a:prstGeom>
-        </p:spPr>
-      </p:pic>
-      <p:pic>
-        <p:nvPicPr>
-          <p:cNvPr id="13" name="Grafik 12">
-            <a:extLst>
-              <a:ext uri="{FF2B5EF4-FFF2-40B4-BE49-F238E27FC236}">
-                <a16:creationId xmlns:a16="http://schemas.microsoft.com/office/drawing/2014/main" id="{9349BD94-F644-5E57-63B7-E4A61990DF9B}"/>
-              </a:ext>
-            </a:extLst>
-          </p:cNvPr>
-          <p:cNvPicPr>
-            <a:picLocks noChangeAspect="1"/>
-          </p:cNvPicPr>
-          <p:nvPr/>
-        </p:nvPicPr>
-        <p:blipFill rotWithShape="1">
-          <a:blip r:embed="rId4">
-            <a:extLst>
-              <a:ext uri="{28A0092B-C50C-407E-A947-70E740481C1C}">
-                <a14:useLocalDpi xmlns:a14="http://schemas.microsoft.com/office/drawing/2010/main" val="0"/>
-              </a:ext>
-              <a:ext uri="{96DAC541-7B7A-43D3-8B79-37D633B846F1}">
-                <asvg:svgBlip xmlns:asvg="http://schemas.microsoft.com/office/drawing/2016/SVG/main" r:embed="rId5"/>
-              </a:ext>
-            </a:extLst>
-          </a:blip>
-          <a:srcRect b="62600"/>
-          <a:stretch/>
-        </p:blipFill>
-        <p:spPr>
-          <a:xfrm>
-            <a:off x="4403590" y="2393357"/>
-            <a:ext cx="4128850" cy="2184047"/>
-          </a:xfrm>
-          <a:prstGeom prst="rect">
-            <a:avLst/>
-          </a:prstGeom>
-        </p:spPr>
-      </p:pic>
-    </p:spTree>
-    <p:extLst>
-      <p:ext uri="{BB962C8B-B14F-4D97-AF65-F5344CB8AC3E}">
-        <p14:creationId xmlns:p14="http://schemas.microsoft.com/office/powerpoint/2010/main" val="2176080334"/>
-      </p:ext>
-    </p:extLst>
-  </p:cSld>
-  <p:clrMapOvr>
-    <a:masterClrMapping/>
-  </p:clrMapOvr>
-</p:sld>
-</file>
-
-<file path=ppt/slides/slide7.xml><?xml version="1.0" encoding="utf-8"?>
-<p:sld xmlns:a="http://schemas.openxmlformats.org/drawingml/2006/main" xmlns:r="http://schemas.openxmlformats.org/officeDocument/2006/relationships" xmlns:p="http://schemas.openxmlformats.org/presentationml/2006/main">
-  <p:cSld>
-    <p:spTree>
-      <p:nvGrpSpPr>
-        <p:cNvPr id="1" name=""/>
-        <p:cNvGrpSpPr/>
-        <p:nvPr/>
-      </p:nvGrpSpPr>
-      <p:grpSpPr>
-        <a:xfrm>
-          <a:off x="0" y="0"/>
-          <a:ext cx="0" cy="0"/>
-          <a:chOff x="0" y="0"/>
-          <a:chExt cx="0" cy="0"/>
-        </a:xfrm>
-      </p:grpSpPr>
-      <p:sp>
-        <p:nvSpPr>
-          <p:cNvPr id="6" name="Foliennummernplatzhalter 5"/>
-          <p:cNvSpPr>
-            <a:spLocks noGrp="1"/>
-          </p:cNvSpPr>
-          <p:nvPr>
-            <p:ph type="sldNum" sz="quarter" idx="4"/>
-          </p:nvPr>
-        </p:nvSpPr>
-        <p:spPr/>
-        <p:txBody>
-          <a:bodyPr/>
-          <a:lstStyle/>
-          <a:p>
-            <a:fld id="{F9CA7F02-FF28-4D8F-AF3B-6C950C783A54}" type="slidenum">
-              <a:rPr lang="de-DE" smtClean="0"/>
-              <a:pPr/>
-              <a:t>7</a:t>
-            </a:fld>
             <a:endParaRPr lang="de-DE"/>
           </a:p>
         </p:txBody>
@@ -14905,7 +15315,7 @@
 </p:sld>
 </file>
 
-<file path=ppt/slides/slide8.xml><?xml version="1.0" encoding="utf-8"?>
+<file path=ppt/slides/slide6.xml><?xml version="1.0" encoding="utf-8"?>
 <p:sld xmlns:a="http://schemas.openxmlformats.org/drawingml/2006/main" xmlns:r="http://schemas.openxmlformats.org/officeDocument/2006/relationships" xmlns:p="http://schemas.openxmlformats.org/presentationml/2006/main">
   <p:cSld>
     <p:spTree>
@@ -14940,7 +15350,7 @@
             <a:fld id="{F9CA7F02-FF28-4D8F-AF3B-6C950C783A54}" type="slidenum">
               <a:rPr lang="de-DE" smtClean="0"/>
               <a:pPr/>
-              <a:t>8</a:t>
+              <a:t>6</a:t>
             </a:fld>
             <a:endParaRPr lang="de-DE"/>
           </a:p>
@@ -15058,10 +15468,10 @@
       </p:sp>
       <p:pic>
         <p:nvPicPr>
-          <p:cNvPr id="9" name="Grafik 8">
+          <p:cNvPr id="5" name="Grafik 4">
             <a:extLst>
               <a:ext uri="{FF2B5EF4-FFF2-40B4-BE49-F238E27FC236}">
-                <a16:creationId xmlns:a16="http://schemas.microsoft.com/office/drawing/2014/main" id="{566C0D02-DA7E-F191-83DB-3E8019C1936B}"/>
+                <a16:creationId xmlns:a16="http://schemas.microsoft.com/office/drawing/2014/main" id="{EF59A533-5A3B-66FA-411D-177F6ACDB1D4}"/>
               </a:ext>
             </a:extLst>
           </p:cNvPr>
@@ -15070,7 +15480,7 @@
           </p:cNvPicPr>
           <p:nvPr/>
         </p:nvPicPr>
-        <p:blipFill>
+        <p:blipFill rotWithShape="1">
           <a:blip r:embed="rId2" cstate="print">
             <a:extLst>
               <a:ext uri="{28A0092B-C50C-407E-A947-70E740481C1C}">
@@ -15078,14 +15488,13 @@
               </a:ext>
             </a:extLst>
           </a:blip>
-          <a:stretch>
-            <a:fillRect/>
-          </a:stretch>
+          <a:srcRect l="8696" t="8448" r="8206" b="3658"/>
+          <a:stretch/>
         </p:blipFill>
         <p:spPr>
           <a:xfrm>
-            <a:off x="611560" y="1572930"/>
-            <a:ext cx="6444208" cy="3050930"/>
+            <a:off x="467544" y="1522761"/>
+            <a:ext cx="6264696" cy="3137157"/>
           </a:xfrm>
           <a:prstGeom prst="rect">
             <a:avLst/>
@@ -15105,7 +15514,7 @@
 </p:sld>
 </file>
 
-<file path=ppt/slides/slide9.xml><?xml version="1.0" encoding="utf-8"?>
+<file path=ppt/slides/slide7.xml><?xml version="1.0" encoding="utf-8"?>
 <p:sld xmlns:a="http://schemas.openxmlformats.org/drawingml/2006/main" xmlns:r="http://schemas.openxmlformats.org/officeDocument/2006/relationships" xmlns:p="http://schemas.openxmlformats.org/presentationml/2006/main">
   <p:cSld>
     <p:spTree>
@@ -15140,7 +15549,7 @@
             <a:fld id="{F9CA7F02-FF28-4D8F-AF3B-6C950C783A54}" type="slidenum">
               <a:rPr lang="de-DE" smtClean="0"/>
               <a:pPr/>
-              <a:t>9</a:t>
+              <a:t>7</a:t>
             </a:fld>
             <a:endParaRPr lang="de-DE"/>
           </a:p>
@@ -15688,6 +16097,1144 @@
     <p:extLst>
       <p:ext uri="{BB962C8B-B14F-4D97-AF65-F5344CB8AC3E}">
         <p14:creationId xmlns:p14="http://schemas.microsoft.com/office/powerpoint/2010/main" val="3719501727"/>
+      </p:ext>
+    </p:extLst>
+  </p:cSld>
+  <p:clrMapOvr>
+    <a:masterClrMapping/>
+  </p:clrMapOvr>
+</p:sld>
+</file>
+
+<file path=ppt/slides/slide8.xml><?xml version="1.0" encoding="utf-8"?>
+<p:sld xmlns:a="http://schemas.openxmlformats.org/drawingml/2006/main" xmlns:r="http://schemas.openxmlformats.org/officeDocument/2006/relationships" xmlns:p="http://schemas.openxmlformats.org/presentationml/2006/main">
+  <p:cSld>
+    <p:spTree>
+      <p:nvGrpSpPr>
+        <p:cNvPr id="1" name=""/>
+        <p:cNvGrpSpPr/>
+        <p:nvPr/>
+      </p:nvGrpSpPr>
+      <p:grpSpPr>
+        <a:xfrm>
+          <a:off x="0" y="0"/>
+          <a:ext cx="0" cy="0"/>
+          <a:chOff x="0" y="0"/>
+          <a:chExt cx="0" cy="0"/>
+        </a:xfrm>
+      </p:grpSpPr>
+      <p:sp>
+        <p:nvSpPr>
+          <p:cNvPr id="6" name="Foliennummernplatzhalter 5"/>
+          <p:cNvSpPr>
+            <a:spLocks noGrp="1"/>
+          </p:cNvSpPr>
+          <p:nvPr>
+            <p:ph type="sldNum" sz="quarter" idx="4"/>
+          </p:nvPr>
+        </p:nvSpPr>
+        <p:spPr/>
+        <p:txBody>
+          <a:bodyPr/>
+          <a:lstStyle/>
+          <a:p>
+            <a:fld id="{F9CA7F02-FF28-4D8F-AF3B-6C950C783A54}" type="slidenum">
+              <a:rPr lang="de-DE" smtClean="0"/>
+              <a:pPr/>
+              <a:t>8</a:t>
+            </a:fld>
+            <a:endParaRPr lang="de-DE"/>
+          </a:p>
+        </p:txBody>
+      </p:sp>
+      <p:sp>
+        <p:nvSpPr>
+          <p:cNvPr id="3" name="Titel 2"/>
+          <p:cNvSpPr>
+            <a:spLocks noGrp="1"/>
+          </p:cNvSpPr>
+          <p:nvPr>
+            <p:ph type="title"/>
+          </p:nvPr>
+        </p:nvSpPr>
+        <p:spPr/>
+        <p:txBody>
+          <a:bodyPr/>
+          <a:lstStyle/>
+          <a:p>
+            <a:r>
+              <a:rPr lang="de-DE" dirty="0"/>
+              <a:t>BLOOM-FILTER</a:t>
+            </a:r>
+          </a:p>
+        </p:txBody>
+      </p:sp>
+      <p:sp>
+        <p:nvSpPr>
+          <p:cNvPr id="4" name="Inhaltsplatzhalter 3"/>
+          <p:cNvSpPr>
+            <a:spLocks noGrp="1"/>
+          </p:cNvSpPr>
+          <p:nvPr>
+            <p:ph sz="quarter" idx="13"/>
+          </p:nvPr>
+        </p:nvSpPr>
+        <p:spPr>
+          <a:xfrm>
+            <a:off x="936000" y="699542"/>
+            <a:ext cx="7308000" cy="429622"/>
+          </a:xfrm>
+        </p:spPr>
+        <p:txBody>
+          <a:bodyPr/>
+          <a:lstStyle/>
+          <a:p>
+            <a:r>
+              <a:rPr lang="de-DE" dirty="0"/>
+              <a:t>Funktionsweise und Operationen</a:t>
+            </a:r>
+          </a:p>
+        </p:txBody>
+      </p:sp>
+      <p:sp>
+        <p:nvSpPr>
+          <p:cNvPr id="7" name="Fußzeilenplatzhalter 6"/>
+          <p:cNvSpPr>
+            <a:spLocks noGrp="1"/>
+          </p:cNvSpPr>
+          <p:nvPr>
+            <p:ph type="ftr" sz="quarter" idx="3"/>
+          </p:nvPr>
+        </p:nvSpPr>
+        <p:spPr/>
+        <p:txBody>
+          <a:bodyPr/>
+          <a:lstStyle/>
+          <a:p>
+            <a:r>
+              <a:rPr lang="de-DE" dirty="0"/>
+              <a:t>TU Bergakademie Freiberg | Vortragender: Florian Schierz | 2022</a:t>
+            </a:r>
+          </a:p>
+        </p:txBody>
+      </p:sp>
+      <p:sp>
+        <p:nvSpPr>
+          <p:cNvPr id="8" name="Textfeld 7">
+            <a:extLst>
+              <a:ext uri="{FF2B5EF4-FFF2-40B4-BE49-F238E27FC236}">
+                <a16:creationId xmlns:a16="http://schemas.microsoft.com/office/drawing/2014/main" id="{7162C9EA-9725-333A-21C5-65FC349B92B6}"/>
+              </a:ext>
+            </a:extLst>
+          </p:cNvPr>
+          <p:cNvSpPr txBox="1"/>
+          <p:nvPr/>
+        </p:nvSpPr>
+        <p:spPr>
+          <a:xfrm>
+            <a:off x="611560" y="1203598"/>
+            <a:ext cx="4968552" cy="1200329"/>
+          </a:xfrm>
+          <a:prstGeom prst="rect">
+            <a:avLst/>
+          </a:prstGeom>
+          <a:noFill/>
+        </p:spPr>
+        <p:txBody>
+          <a:bodyPr wrap="square" rtlCol="0">
+            <a:spAutoFit/>
+          </a:bodyPr>
+          <a:lstStyle/>
+          <a:p>
+            <a:pPr marL="285750" indent="-285750">
+              <a:buFont typeface="Arial" panose="020B0604020202020204" pitchFamily="34" charset="0"/>
+              <a:buChar char="•"/>
+            </a:pPr>
+            <a:r>
+              <a:rPr lang="de-DE" b="1" u="sng" dirty="0"/>
+              <a:t>Optimale Wahl der Parameter:</a:t>
+            </a:r>
+            <a:endParaRPr lang="de-DE" dirty="0"/>
+          </a:p>
+          <a:p>
+            <a:pPr marL="742950" lvl="1" indent="-285750">
+              <a:buFont typeface="Arial" panose="020B0604020202020204" pitchFamily="34" charset="0"/>
+              <a:buChar char="•"/>
+            </a:pPr>
+            <a:r>
+              <a:rPr lang="de-DE" b="1" dirty="0">
+                <a:solidFill>
+                  <a:srgbClr val="000000"/>
+                </a:solidFill>
+              </a:rPr>
+              <a:t>m </a:t>
+            </a:r>
+            <a:r>
+              <a:rPr lang="de-DE" dirty="0">
+                <a:solidFill>
+                  <a:srgbClr val="000000"/>
+                </a:solidFill>
+              </a:rPr>
+              <a:t>Bit Länge</a:t>
+            </a:r>
+          </a:p>
+          <a:p>
+            <a:pPr marL="742950" lvl="1" indent="-285750">
+              <a:buFont typeface="Arial" panose="020B0604020202020204" pitchFamily="34" charset="0"/>
+              <a:buChar char="•"/>
+            </a:pPr>
+            <a:r>
+              <a:rPr lang="de-DE" b="1" dirty="0">
+                <a:solidFill>
+                  <a:srgbClr val="000000"/>
+                </a:solidFill>
+              </a:rPr>
+              <a:t>n</a:t>
+            </a:r>
+            <a:r>
+              <a:rPr lang="de-DE" dirty="0">
+                <a:solidFill>
+                  <a:srgbClr val="000000"/>
+                </a:solidFill>
+              </a:rPr>
+              <a:t> einzufügende Elemente</a:t>
+            </a:r>
+          </a:p>
+          <a:p>
+            <a:endParaRPr lang="de-DE" dirty="0"/>
+          </a:p>
+        </p:txBody>
+      </p:sp>
+      <p:sp>
+        <p:nvSpPr>
+          <p:cNvPr id="9" name="Textfeld 8">
+            <a:extLst>
+              <a:ext uri="{FF2B5EF4-FFF2-40B4-BE49-F238E27FC236}">
+                <a16:creationId xmlns:a16="http://schemas.microsoft.com/office/drawing/2014/main" id="{67A2B410-6F02-6467-D0F2-FC98B4BF0279}"/>
+              </a:ext>
+            </a:extLst>
+          </p:cNvPr>
+          <p:cNvSpPr txBox="1"/>
+          <p:nvPr/>
+        </p:nvSpPr>
+        <p:spPr>
+          <a:xfrm>
+            <a:off x="3491880" y="1203598"/>
+            <a:ext cx="4968552" cy="1200329"/>
+          </a:xfrm>
+          <a:prstGeom prst="rect">
+            <a:avLst/>
+          </a:prstGeom>
+          <a:noFill/>
+        </p:spPr>
+        <p:txBody>
+          <a:bodyPr wrap="square" rtlCol="0">
+            <a:spAutoFit/>
+          </a:bodyPr>
+          <a:lstStyle/>
+          <a:p>
+            <a:pPr marL="742950" lvl="1" indent="-285750">
+              <a:buFont typeface="Arial" panose="020B0604020202020204" pitchFamily="34" charset="0"/>
+              <a:buChar char="•"/>
+            </a:pPr>
+            <a:endParaRPr lang="de-DE" b="1" dirty="0"/>
+          </a:p>
+          <a:p>
+            <a:pPr marL="742950" lvl="1" indent="-285750">
+              <a:buFont typeface="Arial" panose="020B0604020202020204" pitchFamily="34" charset="0"/>
+              <a:buChar char="•"/>
+            </a:pPr>
+            <a:r>
+              <a:rPr lang="de-DE" b="1" dirty="0">
+                <a:solidFill>
+                  <a:srgbClr val="000000"/>
+                </a:solidFill>
+              </a:rPr>
+              <a:t>k</a:t>
+            </a:r>
+            <a:r>
+              <a:rPr lang="de-DE" dirty="0">
+                <a:solidFill>
+                  <a:srgbClr val="000000"/>
+                </a:solidFill>
+              </a:rPr>
+              <a:t> unabhängige Hash-Funktionen</a:t>
+            </a:r>
+          </a:p>
+          <a:p>
+            <a:pPr marL="742950" lvl="1" indent="-285750">
+              <a:buFont typeface="Arial" panose="020B0604020202020204" pitchFamily="34" charset="0"/>
+              <a:buChar char="•"/>
+            </a:pPr>
+            <a:r>
+              <a:rPr lang="de-DE" b="1" dirty="0">
+                <a:solidFill>
+                  <a:srgbClr val="000000"/>
+                </a:solidFill>
+              </a:rPr>
+              <a:t>FPP</a:t>
+            </a:r>
+            <a:r>
+              <a:rPr lang="de-DE" dirty="0">
+                <a:solidFill>
+                  <a:srgbClr val="000000"/>
+                </a:solidFill>
+              </a:rPr>
+              <a:t> Falsch-Positiv-Rate</a:t>
+            </a:r>
+          </a:p>
+          <a:p>
+            <a:endParaRPr lang="de-DE" dirty="0"/>
+          </a:p>
+        </p:txBody>
+      </p:sp>
+      <p:pic>
+        <p:nvPicPr>
+          <p:cNvPr id="5" name="Grafik 4">
+            <a:extLst>
+              <a:ext uri="{FF2B5EF4-FFF2-40B4-BE49-F238E27FC236}">
+                <a16:creationId xmlns:a16="http://schemas.microsoft.com/office/drawing/2014/main" id="{5F5E1ED9-596F-4228-4B29-EC7B4B603A1B}"/>
+              </a:ext>
+            </a:extLst>
+          </p:cNvPr>
+          <p:cNvPicPr>
+            <a:picLocks noChangeAspect="1"/>
+          </p:cNvPicPr>
+          <p:nvPr/>
+        </p:nvPicPr>
+        <p:blipFill rotWithShape="1">
+          <a:blip r:embed="rId2">
+            <a:extLst>
+              <a:ext uri="{28A0092B-C50C-407E-A947-70E740481C1C}">
+                <a14:useLocalDpi xmlns:a14="http://schemas.microsoft.com/office/drawing/2010/main" val="0"/>
+              </a:ext>
+              <a:ext uri="{96DAC541-7B7A-43D3-8B79-37D633B846F1}">
+                <asvg:svgBlip xmlns:asvg="http://schemas.microsoft.com/office/drawing/2016/SVG/main" r:embed="rId3"/>
+              </a:ext>
+            </a:extLst>
+          </a:blip>
+          <a:srcRect b="65400"/>
+          <a:stretch/>
+        </p:blipFill>
+        <p:spPr>
+          <a:xfrm>
+            <a:off x="1979712" y="2028532"/>
+            <a:ext cx="5544616" cy="2713373"/>
+          </a:xfrm>
+          <a:prstGeom prst="rect">
+            <a:avLst/>
+          </a:prstGeom>
+        </p:spPr>
+      </p:pic>
+    </p:spTree>
+    <p:extLst>
+      <p:ext uri="{BB962C8B-B14F-4D97-AF65-F5344CB8AC3E}">
+        <p14:creationId xmlns:p14="http://schemas.microsoft.com/office/powerpoint/2010/main" val="2763595447"/>
+      </p:ext>
+    </p:extLst>
+  </p:cSld>
+  <p:clrMapOvr>
+    <a:masterClrMapping/>
+  </p:clrMapOvr>
+</p:sld>
+</file>
+
+<file path=ppt/slides/slide9.xml><?xml version="1.0" encoding="utf-8"?>
+<p:sld xmlns:a="http://schemas.openxmlformats.org/drawingml/2006/main" xmlns:r="http://schemas.openxmlformats.org/officeDocument/2006/relationships" xmlns:p="http://schemas.openxmlformats.org/presentationml/2006/main">
+  <p:cSld>
+    <p:spTree>
+      <p:nvGrpSpPr>
+        <p:cNvPr id="1" name=""/>
+        <p:cNvGrpSpPr/>
+        <p:nvPr/>
+      </p:nvGrpSpPr>
+      <p:grpSpPr>
+        <a:xfrm>
+          <a:off x="0" y="0"/>
+          <a:ext cx="0" cy="0"/>
+          <a:chOff x="0" y="0"/>
+          <a:chExt cx="0" cy="0"/>
+        </a:xfrm>
+      </p:grpSpPr>
+      <p:sp>
+        <p:nvSpPr>
+          <p:cNvPr id="6" name="Foliennummernplatzhalter 5"/>
+          <p:cNvSpPr>
+            <a:spLocks noGrp="1"/>
+          </p:cNvSpPr>
+          <p:nvPr>
+            <p:ph type="sldNum" sz="quarter" idx="4"/>
+          </p:nvPr>
+        </p:nvSpPr>
+        <p:spPr/>
+        <p:txBody>
+          <a:bodyPr/>
+          <a:lstStyle/>
+          <a:p>
+            <a:fld id="{F9CA7F02-FF28-4D8F-AF3B-6C950C783A54}" type="slidenum">
+              <a:rPr lang="de-DE" smtClean="0"/>
+              <a:pPr/>
+              <a:t>9</a:t>
+            </a:fld>
+            <a:endParaRPr lang="de-DE"/>
+          </a:p>
+        </p:txBody>
+      </p:sp>
+      <p:sp>
+        <p:nvSpPr>
+          <p:cNvPr id="3" name="Titel 2"/>
+          <p:cNvSpPr>
+            <a:spLocks noGrp="1"/>
+          </p:cNvSpPr>
+          <p:nvPr>
+            <p:ph type="title"/>
+          </p:nvPr>
+        </p:nvSpPr>
+        <p:spPr/>
+        <p:txBody>
+          <a:bodyPr/>
+          <a:lstStyle/>
+          <a:p>
+            <a:r>
+              <a:rPr lang="de-DE" dirty="0"/>
+              <a:t>BLOOM-FILTER</a:t>
+            </a:r>
+          </a:p>
+        </p:txBody>
+      </p:sp>
+      <p:sp>
+        <p:nvSpPr>
+          <p:cNvPr id="4" name="Inhaltsplatzhalter 3"/>
+          <p:cNvSpPr>
+            <a:spLocks noGrp="1"/>
+          </p:cNvSpPr>
+          <p:nvPr>
+            <p:ph sz="quarter" idx="13"/>
+          </p:nvPr>
+        </p:nvSpPr>
+        <p:spPr>
+          <a:xfrm>
+            <a:off x="936000" y="699542"/>
+            <a:ext cx="7308000" cy="429622"/>
+          </a:xfrm>
+        </p:spPr>
+        <p:txBody>
+          <a:bodyPr/>
+          <a:lstStyle/>
+          <a:p>
+            <a:r>
+              <a:rPr lang="de-DE" dirty="0"/>
+              <a:t>Funktionsweise und Operationen</a:t>
+            </a:r>
+          </a:p>
+        </p:txBody>
+      </p:sp>
+      <p:sp>
+        <p:nvSpPr>
+          <p:cNvPr id="7" name="Fußzeilenplatzhalter 6"/>
+          <p:cNvSpPr>
+            <a:spLocks noGrp="1"/>
+          </p:cNvSpPr>
+          <p:nvPr>
+            <p:ph type="ftr" sz="quarter" idx="3"/>
+          </p:nvPr>
+        </p:nvSpPr>
+        <p:spPr/>
+        <p:txBody>
+          <a:bodyPr/>
+          <a:lstStyle/>
+          <a:p>
+            <a:r>
+              <a:rPr lang="de-DE" dirty="0"/>
+              <a:t>TU Bergakademie Freiberg | Vortragender: Florian Schierz | 2022</a:t>
+            </a:r>
+          </a:p>
+        </p:txBody>
+      </p:sp>
+      <p:sp>
+        <p:nvSpPr>
+          <p:cNvPr id="8" name="Textfeld 7">
+            <a:extLst>
+              <a:ext uri="{FF2B5EF4-FFF2-40B4-BE49-F238E27FC236}">
+                <a16:creationId xmlns:a16="http://schemas.microsoft.com/office/drawing/2014/main" id="{7162C9EA-9725-333A-21C5-65FC349B92B6}"/>
+              </a:ext>
+            </a:extLst>
+          </p:cNvPr>
+          <p:cNvSpPr txBox="1"/>
+          <p:nvPr/>
+        </p:nvSpPr>
+        <p:spPr>
+          <a:xfrm>
+            <a:off x="611560" y="1203598"/>
+            <a:ext cx="4968552" cy="1200329"/>
+          </a:xfrm>
+          <a:prstGeom prst="rect">
+            <a:avLst/>
+          </a:prstGeom>
+          <a:noFill/>
+        </p:spPr>
+        <p:txBody>
+          <a:bodyPr wrap="square" rtlCol="0">
+            <a:spAutoFit/>
+          </a:bodyPr>
+          <a:lstStyle/>
+          <a:p>
+            <a:pPr marL="285750" indent="-285750">
+              <a:buFont typeface="Arial" panose="020B0604020202020204" pitchFamily="34" charset="0"/>
+              <a:buChar char="•"/>
+            </a:pPr>
+            <a:r>
+              <a:rPr lang="de-DE" b="1" u="sng" dirty="0"/>
+              <a:t>Optimale Wahl der Parameter:</a:t>
+            </a:r>
+          </a:p>
+          <a:p>
+            <a:pPr marL="742950" lvl="1" indent="-285750">
+              <a:buFont typeface="Arial" panose="020B0604020202020204" pitchFamily="34" charset="0"/>
+              <a:buChar char="•"/>
+            </a:pPr>
+            <a:r>
+              <a:rPr lang="de-DE" b="1" dirty="0">
+                <a:solidFill>
+                  <a:srgbClr val="000000"/>
+                </a:solidFill>
+              </a:rPr>
+              <a:t>m </a:t>
+            </a:r>
+            <a:r>
+              <a:rPr lang="de-DE" dirty="0">
+                <a:solidFill>
+                  <a:srgbClr val="000000"/>
+                </a:solidFill>
+              </a:rPr>
+              <a:t>Bit Länge</a:t>
+            </a:r>
+          </a:p>
+          <a:p>
+            <a:pPr marL="742950" lvl="1" indent="-285750">
+              <a:buFont typeface="Arial" panose="020B0604020202020204" pitchFamily="34" charset="0"/>
+              <a:buChar char="•"/>
+            </a:pPr>
+            <a:r>
+              <a:rPr lang="de-DE" b="1" dirty="0">
+                <a:solidFill>
+                  <a:srgbClr val="000000"/>
+                </a:solidFill>
+              </a:rPr>
+              <a:t>n</a:t>
+            </a:r>
+            <a:r>
+              <a:rPr lang="de-DE" dirty="0">
+                <a:solidFill>
+                  <a:srgbClr val="000000"/>
+                </a:solidFill>
+              </a:rPr>
+              <a:t> einzufügende Elemente</a:t>
+            </a:r>
+          </a:p>
+          <a:p>
+            <a:endParaRPr lang="de-DE" dirty="0"/>
+          </a:p>
+        </p:txBody>
+      </p:sp>
+      <p:sp>
+        <p:nvSpPr>
+          <p:cNvPr id="9" name="Textfeld 8">
+            <a:extLst>
+              <a:ext uri="{FF2B5EF4-FFF2-40B4-BE49-F238E27FC236}">
+                <a16:creationId xmlns:a16="http://schemas.microsoft.com/office/drawing/2014/main" id="{67A2B410-6F02-6467-D0F2-FC98B4BF0279}"/>
+              </a:ext>
+            </a:extLst>
+          </p:cNvPr>
+          <p:cNvSpPr txBox="1"/>
+          <p:nvPr/>
+        </p:nvSpPr>
+        <p:spPr>
+          <a:xfrm>
+            <a:off x="3491880" y="1203598"/>
+            <a:ext cx="4968552" cy="1200329"/>
+          </a:xfrm>
+          <a:prstGeom prst="rect">
+            <a:avLst/>
+          </a:prstGeom>
+          <a:noFill/>
+        </p:spPr>
+        <p:txBody>
+          <a:bodyPr wrap="square" rtlCol="0">
+            <a:spAutoFit/>
+          </a:bodyPr>
+          <a:lstStyle/>
+          <a:p>
+            <a:pPr marL="742950" lvl="1" indent="-285750">
+              <a:buFont typeface="Arial" panose="020B0604020202020204" pitchFamily="34" charset="0"/>
+              <a:buChar char="•"/>
+            </a:pPr>
+            <a:endParaRPr lang="de-DE" b="1" dirty="0"/>
+          </a:p>
+          <a:p>
+            <a:pPr marL="742950" lvl="1" indent="-285750">
+              <a:buFont typeface="Arial" panose="020B0604020202020204" pitchFamily="34" charset="0"/>
+              <a:buChar char="•"/>
+            </a:pPr>
+            <a:r>
+              <a:rPr lang="de-DE" b="1" dirty="0">
+                <a:solidFill>
+                  <a:srgbClr val="000000"/>
+                </a:solidFill>
+              </a:rPr>
+              <a:t>k</a:t>
+            </a:r>
+            <a:r>
+              <a:rPr lang="de-DE" dirty="0">
+                <a:solidFill>
+                  <a:srgbClr val="000000"/>
+                </a:solidFill>
+              </a:rPr>
+              <a:t> unabhängige Hash-Funktionen</a:t>
+            </a:r>
+          </a:p>
+          <a:p>
+            <a:pPr marL="742950" lvl="1" indent="-285750">
+              <a:buFont typeface="Arial" panose="020B0604020202020204" pitchFamily="34" charset="0"/>
+              <a:buChar char="•"/>
+            </a:pPr>
+            <a:r>
+              <a:rPr lang="de-DE" b="1" dirty="0">
+                <a:solidFill>
+                  <a:srgbClr val="000000"/>
+                </a:solidFill>
+              </a:rPr>
+              <a:t>FPP</a:t>
+            </a:r>
+            <a:r>
+              <a:rPr lang="de-DE" dirty="0">
+                <a:solidFill>
+                  <a:srgbClr val="000000"/>
+                </a:solidFill>
+              </a:rPr>
+              <a:t> Falsch-Positiv-Rate</a:t>
+            </a:r>
+          </a:p>
+          <a:p>
+            <a:endParaRPr lang="de-DE" dirty="0"/>
+          </a:p>
+        </p:txBody>
+      </p:sp>
+      <mc:AlternateContent xmlns:mc="http://schemas.openxmlformats.org/markup-compatibility/2006" xmlns:a14="http://schemas.microsoft.com/office/drawing/2010/main">
+        <mc:Choice Requires="a14">
+          <p:sp>
+            <p:nvSpPr>
+              <p:cNvPr id="11" name="Textfeld 10">
+                <a:extLst>
+                  <a:ext uri="{FF2B5EF4-FFF2-40B4-BE49-F238E27FC236}">
+                    <a16:creationId xmlns:a16="http://schemas.microsoft.com/office/drawing/2014/main" id="{57246031-85FF-B68C-2B65-72CEF1D1848F}"/>
+                  </a:ext>
+                </a:extLst>
+              </p:cNvPr>
+              <p:cNvSpPr txBox="1"/>
+              <p:nvPr/>
+            </p:nvSpPr>
+            <p:spPr>
+              <a:xfrm>
+                <a:off x="611560" y="2307525"/>
+                <a:ext cx="7920880" cy="2950167"/>
+              </a:xfrm>
+              <a:prstGeom prst="rect">
+                <a:avLst/>
+              </a:prstGeom>
+              <a:noFill/>
+            </p:spPr>
+            <p:txBody>
+              <a:bodyPr wrap="square" rtlCol="0">
+                <a:spAutoFit/>
+              </a:bodyPr>
+              <a:lstStyle/>
+              <a:p>
+                <a:r>
+                  <a:rPr lang="de-DE" dirty="0">
+                    <a:solidFill>
+                      <a:srgbClr val="000000"/>
+                    </a:solidFill>
+                  </a:rPr>
+                  <a:t>Wahrscheinlichkeit für ein Bit, noch Null zu sein: [5]</a:t>
+                </a:r>
+              </a:p>
+              <a:p>
+                <a:pPr/>
+                <a14:m>
+                  <m:oMathPara xmlns:m="http://schemas.openxmlformats.org/officeDocument/2006/math">
+                    <m:oMathParaPr>
+                      <m:jc m:val="centerGroup"/>
+                    </m:oMathParaPr>
+                    <m:oMath xmlns:m="http://schemas.openxmlformats.org/officeDocument/2006/math">
+                      <m:sSup>
+                        <m:sSupPr>
+                          <m:ctrlPr>
+                            <a:rPr lang="de-DE" b="0" i="1" smtClean="0">
+                              <a:solidFill>
+                                <a:srgbClr val="000000"/>
+                              </a:solidFill>
+                              <a:latin typeface="Cambria Math" panose="02040503050406030204" pitchFamily="18" charset="0"/>
+                            </a:rPr>
+                          </m:ctrlPr>
+                        </m:sSupPr>
+                        <m:e>
+                          <m:d>
+                            <m:dPr>
+                              <m:ctrlPr>
+                                <a:rPr lang="de-DE" b="0" i="1" smtClean="0">
+                                  <a:solidFill>
+                                    <a:srgbClr val="000000"/>
+                                  </a:solidFill>
+                                  <a:latin typeface="Cambria Math" panose="02040503050406030204" pitchFamily="18" charset="0"/>
+                                </a:rPr>
+                              </m:ctrlPr>
+                            </m:dPr>
+                            <m:e>
+                              <m:r>
+                                <a:rPr lang="de-DE" b="0" i="1" smtClean="0">
+                                  <a:solidFill>
+                                    <a:srgbClr val="000000"/>
+                                  </a:solidFill>
+                                  <a:latin typeface="Cambria Math" panose="02040503050406030204" pitchFamily="18" charset="0"/>
+                                </a:rPr>
+                                <m:t>1−</m:t>
+                              </m:r>
+                              <m:f>
+                                <m:fPr>
+                                  <m:ctrlPr>
+                                    <a:rPr lang="de-DE" b="0" i="1" smtClean="0">
+                                      <a:solidFill>
+                                        <a:srgbClr val="000000"/>
+                                      </a:solidFill>
+                                      <a:latin typeface="Cambria Math" panose="02040503050406030204" pitchFamily="18" charset="0"/>
+                                    </a:rPr>
+                                  </m:ctrlPr>
+                                </m:fPr>
+                                <m:num>
+                                  <m:r>
+                                    <a:rPr lang="de-DE" b="0" i="1" smtClean="0">
+                                      <a:solidFill>
+                                        <a:srgbClr val="000000"/>
+                                      </a:solidFill>
+                                      <a:latin typeface="Cambria Math" panose="02040503050406030204" pitchFamily="18" charset="0"/>
+                                    </a:rPr>
+                                    <m:t>1</m:t>
+                                  </m:r>
+                                </m:num>
+                                <m:den>
+                                  <m:r>
+                                    <a:rPr lang="de-DE" b="0" i="1" smtClean="0">
+                                      <a:solidFill>
+                                        <a:srgbClr val="000000"/>
+                                      </a:solidFill>
+                                      <a:latin typeface="Cambria Math" panose="02040503050406030204" pitchFamily="18" charset="0"/>
+                                    </a:rPr>
+                                    <m:t>𝑚</m:t>
+                                  </m:r>
+                                </m:den>
+                              </m:f>
+                            </m:e>
+                          </m:d>
+                        </m:e>
+                        <m:sup>
+                          <m:r>
+                            <a:rPr lang="de-DE" b="0" i="1" smtClean="0">
+                              <a:solidFill>
+                                <a:srgbClr val="000000"/>
+                              </a:solidFill>
+                              <a:latin typeface="Cambria Math" panose="02040503050406030204" pitchFamily="18" charset="0"/>
+                            </a:rPr>
+                            <m:t>𝑘𝑛</m:t>
+                          </m:r>
+                        </m:sup>
+                      </m:sSup>
+                    </m:oMath>
+                  </m:oMathPara>
+                </a14:m>
+                <a:endParaRPr lang="de-DE" b="0" dirty="0">
+                  <a:solidFill>
+                    <a:srgbClr val="000000"/>
+                  </a:solidFill>
+                </a:endParaRPr>
+              </a:p>
+              <a:p>
+                <a:r>
+                  <a:rPr lang="de-DE" dirty="0">
+                    <a:solidFill>
+                      <a:srgbClr val="000000"/>
+                    </a:solidFill>
+                  </a:rPr>
+                  <a:t>Somit ist die Wahrscheinlichkeit für k Einsen (FPP): [5]</a:t>
+                </a:r>
+              </a:p>
+              <a:p>
+                <a:pPr/>
+                <a14:m>
+                  <m:oMathPara xmlns:m="http://schemas.openxmlformats.org/officeDocument/2006/math">
+                    <m:oMathParaPr>
+                      <m:jc m:val="centerGroup"/>
+                    </m:oMathParaPr>
+                    <m:oMath xmlns:m="http://schemas.openxmlformats.org/officeDocument/2006/math">
+                      <m:r>
+                        <a:rPr lang="de-DE" b="0" i="1" smtClean="0">
+                          <a:solidFill>
+                            <a:srgbClr val="000000"/>
+                          </a:solidFill>
+                          <a:latin typeface="Cambria Math" panose="02040503050406030204" pitchFamily="18" charset="0"/>
+                        </a:rPr>
+                        <m:t>𝐹𝑃𝑃</m:t>
+                      </m:r>
+                      <m:r>
+                        <a:rPr lang="de-DE" b="0" i="1" smtClean="0">
+                          <a:solidFill>
+                            <a:srgbClr val="000000"/>
+                          </a:solidFill>
+                          <a:latin typeface="Cambria Math" panose="02040503050406030204" pitchFamily="18" charset="0"/>
+                        </a:rPr>
+                        <m:t>=</m:t>
+                      </m:r>
+                      <m:sSup>
+                        <m:sSupPr>
+                          <m:ctrlPr>
+                            <a:rPr lang="de-DE" b="0" i="1" smtClean="0">
+                              <a:solidFill>
+                                <a:srgbClr val="000000"/>
+                              </a:solidFill>
+                              <a:latin typeface="Cambria Math" panose="02040503050406030204" pitchFamily="18" charset="0"/>
+                            </a:rPr>
+                          </m:ctrlPr>
+                        </m:sSupPr>
+                        <m:e>
+                          <m:d>
+                            <m:dPr>
+                              <m:ctrlPr>
+                                <a:rPr lang="de-DE" i="1">
+                                  <a:solidFill>
+                                    <a:srgbClr val="000000"/>
+                                  </a:solidFill>
+                                  <a:latin typeface="Cambria Math" panose="02040503050406030204" pitchFamily="18" charset="0"/>
+                                </a:rPr>
+                              </m:ctrlPr>
+                            </m:dPr>
+                            <m:e>
+                              <m:r>
+                                <a:rPr lang="de-DE" i="1">
+                                  <a:solidFill>
+                                    <a:srgbClr val="000000"/>
+                                  </a:solidFill>
+                                  <a:latin typeface="Cambria Math" panose="02040503050406030204" pitchFamily="18" charset="0"/>
+                                </a:rPr>
+                                <m:t>1−</m:t>
+                              </m:r>
+                              <m:sSup>
+                                <m:sSupPr>
+                                  <m:ctrlPr>
+                                    <a:rPr lang="de-DE" i="1">
+                                      <a:solidFill>
+                                        <a:srgbClr val="000000"/>
+                                      </a:solidFill>
+                                      <a:latin typeface="Cambria Math" panose="02040503050406030204" pitchFamily="18" charset="0"/>
+                                    </a:rPr>
+                                  </m:ctrlPr>
+                                </m:sSupPr>
+                                <m:e>
+                                  <m:d>
+                                    <m:dPr>
+                                      <m:ctrlPr>
+                                        <a:rPr lang="de-DE" i="1">
+                                          <a:solidFill>
+                                            <a:srgbClr val="000000"/>
+                                          </a:solidFill>
+                                          <a:latin typeface="Cambria Math" panose="02040503050406030204" pitchFamily="18" charset="0"/>
+                                        </a:rPr>
+                                      </m:ctrlPr>
+                                    </m:dPr>
+                                    <m:e>
+                                      <m:r>
+                                        <a:rPr lang="de-DE" i="1">
+                                          <a:solidFill>
+                                            <a:srgbClr val="000000"/>
+                                          </a:solidFill>
+                                          <a:latin typeface="Cambria Math" panose="02040503050406030204" pitchFamily="18" charset="0"/>
+                                        </a:rPr>
+                                        <m:t>1−</m:t>
+                                      </m:r>
+                                      <m:f>
+                                        <m:fPr>
+                                          <m:ctrlPr>
+                                            <a:rPr lang="de-DE" i="1">
+                                              <a:solidFill>
+                                                <a:srgbClr val="000000"/>
+                                              </a:solidFill>
+                                              <a:latin typeface="Cambria Math" panose="02040503050406030204" pitchFamily="18" charset="0"/>
+                                            </a:rPr>
+                                          </m:ctrlPr>
+                                        </m:fPr>
+                                        <m:num>
+                                          <m:r>
+                                            <a:rPr lang="de-DE" i="1">
+                                              <a:solidFill>
+                                                <a:srgbClr val="000000"/>
+                                              </a:solidFill>
+                                              <a:latin typeface="Cambria Math" panose="02040503050406030204" pitchFamily="18" charset="0"/>
+                                            </a:rPr>
+                                            <m:t>1</m:t>
+                                          </m:r>
+                                        </m:num>
+                                        <m:den>
+                                          <m:r>
+                                            <a:rPr lang="de-DE" i="1">
+                                              <a:solidFill>
+                                                <a:srgbClr val="000000"/>
+                                              </a:solidFill>
+                                              <a:latin typeface="Cambria Math" panose="02040503050406030204" pitchFamily="18" charset="0"/>
+                                            </a:rPr>
+                                            <m:t>𝑚</m:t>
+                                          </m:r>
+                                        </m:den>
+                                      </m:f>
+                                    </m:e>
+                                  </m:d>
+                                </m:e>
+                                <m:sup>
+                                  <m:r>
+                                    <a:rPr lang="de-DE" i="1">
+                                      <a:solidFill>
+                                        <a:srgbClr val="000000"/>
+                                      </a:solidFill>
+                                      <a:latin typeface="Cambria Math" panose="02040503050406030204" pitchFamily="18" charset="0"/>
+                                    </a:rPr>
+                                    <m:t>𝑛𝑘</m:t>
+                                  </m:r>
+                                </m:sup>
+                              </m:sSup>
+                            </m:e>
+                          </m:d>
+                        </m:e>
+                        <m:sup>
+                          <m:r>
+                            <a:rPr lang="de-DE" b="0" i="1" smtClean="0">
+                              <a:solidFill>
+                                <a:srgbClr val="000000"/>
+                              </a:solidFill>
+                              <a:latin typeface="Cambria Math" panose="02040503050406030204" pitchFamily="18" charset="0"/>
+                            </a:rPr>
+                            <m:t>𝑘</m:t>
+                          </m:r>
+                        </m:sup>
+                      </m:sSup>
+                      <m:r>
+                        <a:rPr lang="de-DE" b="0" i="1" smtClean="0">
+                          <a:solidFill>
+                            <a:srgbClr val="000000"/>
+                          </a:solidFill>
+                          <a:latin typeface="Cambria Math" panose="02040503050406030204" pitchFamily="18" charset="0"/>
+                          <a:ea typeface="Cambria Math" panose="02040503050406030204" pitchFamily="18" charset="0"/>
+                        </a:rPr>
+                        <m:t>≈ </m:t>
+                      </m:r>
+                      <m:sSup>
+                        <m:sSupPr>
+                          <m:ctrlPr>
+                            <a:rPr lang="de-DE" b="0" i="1" smtClean="0">
+                              <a:solidFill>
+                                <a:srgbClr val="000000"/>
+                              </a:solidFill>
+                              <a:latin typeface="Cambria Math" panose="02040503050406030204" pitchFamily="18" charset="0"/>
+                              <a:ea typeface="Cambria Math" panose="02040503050406030204" pitchFamily="18" charset="0"/>
+                            </a:rPr>
+                          </m:ctrlPr>
+                        </m:sSupPr>
+                        <m:e>
+                          <m:d>
+                            <m:dPr>
+                              <m:ctrlPr>
+                                <a:rPr lang="de-DE" b="0" i="1" smtClean="0">
+                                  <a:solidFill>
+                                    <a:srgbClr val="000000"/>
+                                  </a:solidFill>
+                                  <a:latin typeface="Cambria Math" panose="02040503050406030204" pitchFamily="18" charset="0"/>
+                                  <a:ea typeface="Cambria Math" panose="02040503050406030204" pitchFamily="18" charset="0"/>
+                                </a:rPr>
+                              </m:ctrlPr>
+                            </m:dPr>
+                            <m:e>
+                              <m:r>
+                                <a:rPr lang="de-DE" b="0" i="1" smtClean="0">
+                                  <a:solidFill>
+                                    <a:srgbClr val="000000"/>
+                                  </a:solidFill>
+                                  <a:latin typeface="Cambria Math" panose="02040503050406030204" pitchFamily="18" charset="0"/>
+                                  <a:ea typeface="Cambria Math" panose="02040503050406030204" pitchFamily="18" charset="0"/>
+                                </a:rPr>
+                                <m:t>1−</m:t>
+                              </m:r>
+                              <m:sSup>
+                                <m:sSupPr>
+                                  <m:ctrlPr>
+                                    <a:rPr lang="de-DE" b="0" i="1" smtClean="0">
+                                      <a:solidFill>
+                                        <a:srgbClr val="000000"/>
+                                      </a:solidFill>
+                                      <a:latin typeface="Cambria Math" panose="02040503050406030204" pitchFamily="18" charset="0"/>
+                                      <a:ea typeface="Cambria Math" panose="02040503050406030204" pitchFamily="18" charset="0"/>
+                                    </a:rPr>
+                                  </m:ctrlPr>
+                                </m:sSupPr>
+                                <m:e>
+                                  <m:r>
+                                    <a:rPr lang="de-DE" b="0" i="1" smtClean="0">
+                                      <a:solidFill>
+                                        <a:srgbClr val="000000"/>
+                                      </a:solidFill>
+                                      <a:latin typeface="Cambria Math" panose="02040503050406030204" pitchFamily="18" charset="0"/>
+                                      <a:ea typeface="Cambria Math" panose="02040503050406030204" pitchFamily="18" charset="0"/>
+                                    </a:rPr>
+                                    <m:t>𝑒</m:t>
+                                  </m:r>
+                                </m:e>
+                                <m:sup>
+                                  <m:r>
+                                    <a:rPr lang="de-DE" b="0" i="1" smtClean="0">
+                                      <a:solidFill>
+                                        <a:srgbClr val="000000"/>
+                                      </a:solidFill>
+                                      <a:latin typeface="Cambria Math" panose="02040503050406030204" pitchFamily="18" charset="0"/>
+                                      <a:ea typeface="Cambria Math" panose="02040503050406030204" pitchFamily="18" charset="0"/>
+                                    </a:rPr>
+                                    <m:t>−</m:t>
+                                  </m:r>
+                                  <m:r>
+                                    <a:rPr lang="de-DE" b="0" i="1" smtClean="0">
+                                      <a:solidFill>
+                                        <a:srgbClr val="000000"/>
+                                      </a:solidFill>
+                                      <a:latin typeface="Cambria Math" panose="02040503050406030204" pitchFamily="18" charset="0"/>
+                                      <a:ea typeface="Cambria Math" panose="02040503050406030204" pitchFamily="18" charset="0"/>
+                                    </a:rPr>
+                                    <m:t>𝑘𝑛</m:t>
+                                  </m:r>
+                                  <m:r>
+                                    <a:rPr lang="de-DE" b="0" i="1" smtClean="0">
+                                      <a:solidFill>
+                                        <a:srgbClr val="000000"/>
+                                      </a:solidFill>
+                                      <a:latin typeface="Cambria Math" panose="02040503050406030204" pitchFamily="18" charset="0"/>
+                                      <a:ea typeface="Cambria Math" panose="02040503050406030204" pitchFamily="18" charset="0"/>
+                                    </a:rPr>
+                                    <m:t>/</m:t>
+                                  </m:r>
+                                  <m:r>
+                                    <a:rPr lang="de-DE" b="0" i="1" smtClean="0">
+                                      <a:solidFill>
+                                        <a:srgbClr val="000000"/>
+                                      </a:solidFill>
+                                      <a:latin typeface="Cambria Math" panose="02040503050406030204" pitchFamily="18" charset="0"/>
+                                      <a:ea typeface="Cambria Math" panose="02040503050406030204" pitchFamily="18" charset="0"/>
+                                    </a:rPr>
+                                    <m:t>𝑚</m:t>
+                                  </m:r>
+                                </m:sup>
+                              </m:sSup>
+                            </m:e>
+                          </m:d>
+                        </m:e>
+                        <m:sup>
+                          <m:r>
+                            <a:rPr lang="de-DE" b="0" i="1" smtClean="0">
+                              <a:solidFill>
+                                <a:srgbClr val="000000"/>
+                              </a:solidFill>
+                              <a:latin typeface="Cambria Math" panose="02040503050406030204" pitchFamily="18" charset="0"/>
+                              <a:ea typeface="Cambria Math" panose="02040503050406030204" pitchFamily="18" charset="0"/>
+                            </a:rPr>
+                            <m:t>𝑘</m:t>
+                          </m:r>
+                        </m:sup>
+                      </m:sSup>
+                    </m:oMath>
+                  </m:oMathPara>
+                </a14:m>
+                <a:endParaRPr lang="de-DE" dirty="0">
+                  <a:solidFill>
+                    <a:srgbClr val="000000"/>
+                  </a:solidFill>
+                </a:endParaRPr>
+              </a:p>
+              <a:p>
+                <a:endParaRPr lang="de-DE" dirty="0">
+                  <a:solidFill>
+                    <a:srgbClr val="000000"/>
+                  </a:solidFill>
+                </a:endParaRPr>
+              </a:p>
+              <a:p>
+                <a:endParaRPr lang="de-DE" dirty="0">
+                  <a:solidFill>
+                    <a:srgbClr val="000000"/>
+                  </a:solidFill>
+                </a:endParaRPr>
+              </a:p>
+              <a:p>
+                <a:endParaRPr lang="de-DE" dirty="0">
+                  <a:solidFill>
+                    <a:srgbClr val="000000"/>
+                  </a:solidFill>
+                </a:endParaRPr>
+              </a:p>
+            </p:txBody>
+          </p:sp>
+        </mc:Choice>
+        <mc:Fallback xmlns="">
+          <p:sp>
+            <p:nvSpPr>
+              <p:cNvPr id="11" name="Textfeld 10">
+                <a:extLst>
+                  <a:ext uri="{FF2B5EF4-FFF2-40B4-BE49-F238E27FC236}">
+                    <a16:creationId xmlns:a16="http://schemas.microsoft.com/office/drawing/2014/main" id="{57246031-85FF-B68C-2B65-72CEF1D1848F}"/>
+                  </a:ext>
+                </a:extLst>
+              </p:cNvPr>
+              <p:cNvSpPr txBox="1">
+                <a:spLocks noRot="1" noChangeAspect="1" noMove="1" noResize="1" noEditPoints="1" noAdjustHandles="1" noChangeArrowheads="1" noChangeShapeType="1" noTextEdit="1"/>
+              </p:cNvSpPr>
+              <p:nvPr/>
+            </p:nvSpPr>
+            <p:spPr>
+              <a:xfrm>
+                <a:off x="611560" y="2307525"/>
+                <a:ext cx="7920880" cy="2950167"/>
+              </a:xfrm>
+              <a:prstGeom prst="rect">
+                <a:avLst/>
+              </a:prstGeom>
+              <a:blipFill>
+                <a:blip r:embed="rId2"/>
+                <a:stretch>
+                  <a:fillRect l="-615" t="-1242"/>
+                </a:stretch>
+              </a:blipFill>
+            </p:spPr>
+            <p:txBody>
+              <a:bodyPr/>
+              <a:lstStyle/>
+              <a:p>
+                <a:r>
+                  <a:rPr lang="de-DE">
+                    <a:noFill/>
+                  </a:rPr>
+                  <a:t> </a:t>
+                </a:r>
+              </a:p>
+            </p:txBody>
+          </p:sp>
+        </mc:Fallback>
+      </mc:AlternateContent>
+    </p:spTree>
+    <p:extLst>
+      <p:ext uri="{BB962C8B-B14F-4D97-AF65-F5344CB8AC3E}">
+        <p14:creationId xmlns:p14="http://schemas.microsoft.com/office/powerpoint/2010/main" val="892721914"/>
       </p:ext>
     </p:extLst>
   </p:cSld>

--- a/Vorträge/VortragFlorianSchierzBloomfilter.pptx
+++ b/Vorträge/VortragFlorianSchierzBloomfilter.pptx
@@ -310,7 +310,7 @@
           <a:p>
             <a:fld id="{6DB929B3-EDC4-4292-BA5A-2119A16C91BC}" type="datetimeFigureOut">
               <a:rPr lang="de-DE" smtClean="0"/>
-              <a:t>22.05.2022</a:t>
+              <a:t>24.05.2022</a:t>
             </a:fld>
             <a:endParaRPr lang="de-DE"/>
           </a:p>
@@ -14901,8 +14901,8 @@
           </a:p>
         </p:txBody>
       </p:sp>
-      <mc:AlternateContent xmlns:mc="http://schemas.openxmlformats.org/markup-compatibility/2006" xmlns:a14="http://schemas.microsoft.com/office/drawing/2010/main">
-        <mc:Choice Requires="a14">
+      <mc:AlternateContent xmlns:mc="http://schemas.openxmlformats.org/markup-compatibility/2006">
+        <mc:Choice xmlns:a14="http://schemas.microsoft.com/office/drawing/2010/main" Requires="a14">
           <p:sp>
             <p:nvSpPr>
               <p:cNvPr id="8" name="Textfeld 7">
@@ -15129,7 +15129,7 @@
                       <a:srgbClr val="000000"/>
                     </a:solidFill>
                   </a:rPr>
-                  <a:t>Zeit-/Rechenaufwand unabhängig von Anzahl eingefügter Elemente</a:t>
+                  <a:t>Zeit-/Rechenaufwand pro Element unabhängig von Arraygröße</a:t>
                 </a:r>
               </a:p>
               <a:p>
@@ -15219,7 +15219,7 @@
             </p:txBody>
           </p:sp>
         </mc:Choice>
-        <mc:Fallback xmlns="">
+        <mc:Fallback>
           <p:sp>
             <p:nvSpPr>
               <p:cNvPr id="8" name="Textfeld 7">

--- a/Vorträge/VortragFlorianSchierzBloomfilter.pptx
+++ b/Vorträge/VortragFlorianSchierzBloomfilter.pptx
@@ -310,7 +310,7 @@
           <a:p>
             <a:fld id="{6DB929B3-EDC4-4292-BA5A-2119A16C91BC}" type="datetimeFigureOut">
               <a:rPr lang="de-DE" smtClean="0"/>
-              <a:t>24.05.2022</a:t>
+              <a:t>25.05.2022</a:t>
             </a:fld>
             <a:endParaRPr lang="de-DE"/>
           </a:p>
@@ -7561,7 +7561,7 @@
                   <a:srgbClr val="000000"/>
                 </a:solidFill>
               </a:rPr>
-              <a:t>Suchmaschinen</a:t>
+              <a:t>Suchmaschinen [18]</a:t>
             </a:r>
           </a:p>
         </p:txBody>
@@ -14901,8 +14901,8 @@
           </a:p>
         </p:txBody>
       </p:sp>
-      <mc:AlternateContent xmlns:mc="http://schemas.openxmlformats.org/markup-compatibility/2006">
-        <mc:Choice xmlns:a14="http://schemas.microsoft.com/office/drawing/2010/main" Requires="a14">
+      <mc:AlternateContent xmlns:mc="http://schemas.openxmlformats.org/markup-compatibility/2006" xmlns:a14="http://schemas.microsoft.com/office/drawing/2010/main">
+        <mc:Choice Requires="a14">
           <p:sp>
             <p:nvSpPr>
               <p:cNvPr id="8" name="Textfeld 7">
@@ -15219,7 +15219,7 @@
             </p:txBody>
           </p:sp>
         </mc:Choice>
-        <mc:Fallback>
+        <mc:Fallback xmlns="">
           <p:sp>
             <p:nvSpPr>
               <p:cNvPr id="8" name="Textfeld 7">
